--- a/lectures/Lect05_Lasso.pptx
+++ b/lectures/Lect05_Lasso.pptx
@@ -5,7 +5,7 @@
     <p:sldMasterId id="2147483648" r:id="rId1"/>
   </p:sldMasterIdLst>
   <p:notesMasterIdLst>
-    <p:notesMasterId r:id="rId42"/>
+    <p:notesMasterId r:id="rId44"/>
   </p:notesMasterIdLst>
   <p:sldIdLst>
     <p:sldId id="258" r:id="rId2"/>
@@ -47,7 +47,9 @@
     <p:sldId id="390" r:id="rId38"/>
     <p:sldId id="391" r:id="rId39"/>
     <p:sldId id="392" r:id="rId40"/>
-    <p:sldId id="394" r:id="rId41"/>
+    <p:sldId id="397" r:id="rId41"/>
+    <p:sldId id="398" r:id="rId42"/>
+    <p:sldId id="394" r:id="rId43"/>
   </p:sldIdLst>
   <p:sldSz cx="12192000" cy="6858000"/>
   <p:notesSz cx="7315200" cy="9601200"/>
@@ -247,7 +249,7 @@
           <a:p>
             <a:fld id="{B7D6DDD3-D7E9-488B-B626-1E8285E424D8}" type="datetimeFigureOut">
               <a:rPr lang="en-US" smtClean="0"/>
-              <a:t>2/10/18</a:t>
+              <a:t>2/13/18</a:t>
             </a:fld>
             <a:endParaRPr lang="en-US"/>
           </a:p>
@@ -999,7 +1001,7 @@
           <a:p>
             <a:fld id="{65CF6084-2C3C-4FE7-B181-D16A3429058A}" type="slidenum">
               <a:rPr lang="en-US" smtClean="0"/>
-              <a:t>40</a:t>
+              <a:t>42</a:t>
             </a:fld>
             <a:endParaRPr lang="en-US"/>
           </a:p>
@@ -5526,8 +5528,8 @@
           </a:p>
         </p:txBody>
       </p:sp>
-      <mc:AlternateContent xmlns:mc="http://schemas.openxmlformats.org/markup-compatibility/2006">
-        <mc:Choice xmlns:a14="http://schemas.microsoft.com/office/drawing/2010/main" Requires="a14">
+      <mc:AlternateContent xmlns:mc="http://schemas.openxmlformats.org/markup-compatibility/2006" xmlns:a14="http://schemas.microsoft.com/office/drawing/2010/main">
+        <mc:Choice Requires="a14">
           <p:sp>
             <p:nvSpPr>
               <p:cNvPr id="3" name="Content Placeholder 2">
@@ -5956,7 +5958,7 @@
             </p:txBody>
           </p:sp>
         </mc:Choice>
-        <mc:Fallback>
+        <mc:Fallback xmlns="">
           <p:sp>
             <p:nvSpPr>
               <p:cNvPr id="3" name="Content Placeholder 2">
@@ -6096,8 +6098,8 @@
             </a:extLst>
           </p:spPr>
         </p:pic>
-        <mc:AlternateContent xmlns:mc="http://schemas.openxmlformats.org/markup-compatibility/2006">
-          <mc:Choice xmlns:a14="http://schemas.microsoft.com/office/drawing/2010/main" Requires="a14">
+        <mc:AlternateContent xmlns:mc="http://schemas.openxmlformats.org/markup-compatibility/2006" xmlns:a14="http://schemas.microsoft.com/office/drawing/2010/main">
+          <mc:Choice Requires="a14">
             <p:sp>
               <p:nvSpPr>
                 <p:cNvPr id="5" name="TextBox 4">
@@ -6198,7 +6200,7 @@
               </p:txBody>
             </p:sp>
           </mc:Choice>
-          <mc:Fallback>
+          <mc:Fallback xmlns="">
             <p:sp>
               <p:nvSpPr>
                 <p:cNvPr id="5" name="TextBox 4">
@@ -6243,8 +6245,8 @@
             </p:sp>
           </mc:Fallback>
         </mc:AlternateContent>
-        <mc:AlternateContent xmlns:mc="http://schemas.openxmlformats.org/markup-compatibility/2006">
-          <mc:Choice xmlns:a14="http://schemas.microsoft.com/office/drawing/2010/main" Requires="a14">
+        <mc:AlternateContent xmlns:mc="http://schemas.openxmlformats.org/markup-compatibility/2006" xmlns:a14="http://schemas.microsoft.com/office/drawing/2010/main">
+          <mc:Choice Requires="a14">
             <p:sp>
               <p:nvSpPr>
                 <p:cNvPr id="7" name="TextBox 6">
@@ -6326,7 +6328,7 @@
               </p:txBody>
             </p:sp>
           </mc:Choice>
-          <mc:Fallback>
+          <mc:Fallback xmlns="">
             <p:sp>
               <p:nvSpPr>
                 <p:cNvPr id="7" name="TextBox 6">
@@ -6371,8 +6373,8 @@
             </p:sp>
           </mc:Fallback>
         </mc:AlternateContent>
-        <mc:AlternateContent xmlns:mc="http://schemas.openxmlformats.org/markup-compatibility/2006">
-          <mc:Choice xmlns:a14="http://schemas.microsoft.com/office/drawing/2010/main" Requires="a14">
+        <mc:AlternateContent xmlns:mc="http://schemas.openxmlformats.org/markup-compatibility/2006" xmlns:a14="http://schemas.microsoft.com/office/drawing/2010/main">
+          <mc:Choice Requires="a14">
             <p:sp>
               <p:nvSpPr>
                 <p:cNvPr id="6" name="Rectangle 5">
@@ -6440,7 +6442,7 @@
               </p:txBody>
             </p:sp>
           </mc:Choice>
-          <mc:Fallback>
+          <mc:Fallback xmlns="">
             <p:sp>
               <p:nvSpPr>
                 <p:cNvPr id="6" name="Rectangle 5">
@@ -6486,8 +6488,8 @@
           </mc:Fallback>
         </mc:AlternateContent>
       </p:grpSp>
-      <mc:AlternateContent xmlns:mc="http://schemas.openxmlformats.org/markup-compatibility/2006">
-        <mc:Choice xmlns:a14="http://schemas.microsoft.com/office/drawing/2010/main" Requires="a14">
+      <mc:AlternateContent xmlns:mc="http://schemas.openxmlformats.org/markup-compatibility/2006" xmlns:a14="http://schemas.microsoft.com/office/drawing/2010/main">
+        <mc:Choice Requires="a14">
           <p:sp>
             <p:nvSpPr>
               <p:cNvPr id="9" name="TextBox 8">
@@ -6657,7 +6659,7 @@
             </p:txBody>
           </p:sp>
         </mc:Choice>
-        <mc:Fallback>
+        <mc:Fallback xmlns="">
           <p:sp>
             <p:nvSpPr>
               <p:cNvPr id="9" name="TextBox 8">
@@ -6760,8 +6762,8 @@
           </a:p>
         </p:txBody>
       </p:sp>
-      <mc:AlternateContent xmlns:mc="http://schemas.openxmlformats.org/markup-compatibility/2006">
-        <mc:Choice xmlns:a14="http://schemas.microsoft.com/office/drawing/2010/main" Requires="a14">
+      <mc:AlternateContent xmlns:mc="http://schemas.openxmlformats.org/markup-compatibility/2006" xmlns:a14="http://schemas.microsoft.com/office/drawing/2010/main">
+        <mc:Choice Requires="a14">
           <p:sp>
             <p:nvSpPr>
               <p:cNvPr id="3" name="Content Placeholder 2">
@@ -7280,7 +7282,7 @@
             </p:txBody>
           </p:sp>
         </mc:Choice>
-        <mc:Fallback>
+        <mc:Fallback xmlns="">
           <p:sp>
             <p:nvSpPr>
               <p:cNvPr id="3" name="Content Placeholder 2">
@@ -7407,8 +7409,8 @@
           </a:p>
         </p:txBody>
       </p:sp>
-      <mc:AlternateContent xmlns:mc="http://schemas.openxmlformats.org/markup-compatibility/2006">
-        <mc:Choice xmlns:a14="http://schemas.microsoft.com/office/drawing/2010/main" Requires="a14">
+      <mc:AlternateContent xmlns:mc="http://schemas.openxmlformats.org/markup-compatibility/2006" xmlns:a14="http://schemas.microsoft.com/office/drawing/2010/main">
+        <mc:Choice Requires="a14">
           <p:sp>
             <p:nvSpPr>
               <p:cNvPr id="3" name="Content Placeholder 2">
@@ -7459,12 +7461,6 @@
                       </a:rPr>
                       <m:t>𝐽</m:t>
                     </m:r>
-                    <m:r>
-                      <a:rPr lang="en-US" b="0" i="1" smtClean="0">
-                        <a:latin typeface="Cambria Math" panose="02040503050406030204" pitchFamily="18" charset="0"/>
-                      </a:rPr>
-                      <m:t>=</m:t>
-                    </m:r>
                     <m:d>
                       <m:dPr>
                         <m:ctrlPr>
@@ -7482,6 +7478,12 @@
                         </m:r>
                       </m:e>
                     </m:d>
+                    <m:r>
+                      <a:rPr lang="en-US" b="1" i="1" smtClean="0">
+                        <a:latin typeface="Cambria Math" panose="02040503050406030204" pitchFamily="18" charset="0"/>
+                      </a:rPr>
+                      <m:t>=</m:t>
+                    </m:r>
                     <m:nary>
                       <m:naryPr>
                         <m:chr m:val="∑"/>
@@ -7783,13 +7785,7 @@
                           <a:rPr lang="en-US" b="0" i="1" smtClean="0">
                             <a:latin typeface="Cambria Math" panose="02040503050406030204" pitchFamily="18" charset="0"/>
                           </a:rPr>
-                          <m:t> </m:t>
-                        </m:r>
-                        <m:r>
-                          <a:rPr lang="en-US" b="0" i="1" smtClean="0">
-                            <a:latin typeface="Cambria Math" panose="02040503050406030204" pitchFamily="18" charset="0"/>
-                          </a:rPr>
-                          <m:t>2</m:t>
+                          <m:t> 2</m:t>
                         </m:r>
                       </m:sup>
                     </m:sSup>
@@ -8301,7 +8297,7 @@
             </p:txBody>
           </p:sp>
         </mc:Choice>
-        <mc:Fallback>
+        <mc:Fallback xmlns="">
           <p:sp>
             <p:nvSpPr>
               <p:cNvPr id="3" name="Content Placeholder 2">
@@ -8643,8 +8639,8 @@
           </a:p>
         </p:txBody>
       </p:sp>
-      <mc:AlternateContent xmlns:mc="http://schemas.openxmlformats.org/markup-compatibility/2006">
-        <mc:Choice xmlns:a14="http://schemas.microsoft.com/office/drawing/2010/main" Requires="a14">
+      <mc:AlternateContent xmlns:mc="http://schemas.openxmlformats.org/markup-compatibility/2006" xmlns:a14="http://schemas.microsoft.com/office/drawing/2010/main">
+        <mc:Choice Requires="a14">
           <p:sp>
             <p:nvSpPr>
               <p:cNvPr id="3" name="Content Placeholder 2">
@@ -9133,7 +9129,7 @@
             </p:txBody>
           </p:sp>
         </mc:Choice>
-        <mc:Fallback>
+        <mc:Fallback xmlns="">
           <p:sp>
             <p:nvSpPr>
               <p:cNvPr id="3" name="Content Placeholder 2">
@@ -9260,8 +9256,8 @@
           </a:p>
         </p:txBody>
       </p:sp>
-      <mc:AlternateContent xmlns:mc="http://schemas.openxmlformats.org/markup-compatibility/2006">
-        <mc:Choice xmlns:a14="http://schemas.microsoft.com/office/drawing/2010/main" Requires="a14">
+      <mc:AlternateContent xmlns:mc="http://schemas.openxmlformats.org/markup-compatibility/2006" xmlns:a14="http://schemas.microsoft.com/office/drawing/2010/main">
+        <mc:Choice Requires="a14">
           <p:sp>
             <p:nvSpPr>
               <p:cNvPr id="3" name="Content Placeholder 2">
@@ -9369,7 +9365,7 @@
             </p:txBody>
           </p:sp>
         </mc:Choice>
-        <mc:Fallback>
+        <mc:Fallback xmlns="">
           <p:sp>
             <p:nvSpPr>
               <p:cNvPr id="3" name="Content Placeholder 2">
@@ -9438,8 +9434,8 @@
           </a:p>
         </p:txBody>
       </p:sp>
-      <mc:AlternateContent xmlns:mc="http://schemas.openxmlformats.org/markup-compatibility/2006">
-        <mc:Choice xmlns:a14="http://schemas.microsoft.com/office/drawing/2010/main" Requires="a14">
+      <mc:AlternateContent xmlns:mc="http://schemas.openxmlformats.org/markup-compatibility/2006" xmlns:a14="http://schemas.microsoft.com/office/drawing/2010/main">
+        <mc:Choice Requires="a14">
           <p:sp>
             <p:nvSpPr>
               <p:cNvPr id="6" name="Rectangle 5">
@@ -9803,7 +9799,7 @@
             </p:txBody>
           </p:sp>
         </mc:Choice>
-        <mc:Fallback>
+        <mc:Fallback xmlns="">
           <p:sp>
             <p:nvSpPr>
               <p:cNvPr id="6" name="Rectangle 5">
@@ -10023,8 +10019,8 @@
           </a:p>
         </p:txBody>
       </p:sp>
-      <mc:AlternateContent xmlns:mc="http://schemas.openxmlformats.org/markup-compatibility/2006">
-        <mc:Choice xmlns:a14="http://schemas.microsoft.com/office/drawing/2010/main" Requires="a14">
+      <mc:AlternateContent xmlns:mc="http://schemas.openxmlformats.org/markup-compatibility/2006" xmlns:a14="http://schemas.microsoft.com/office/drawing/2010/main">
+        <mc:Choice Requires="a14">
           <p:sp>
             <p:nvSpPr>
               <p:cNvPr id="9" name="TextBox 8">
@@ -10084,7 +10080,7 @@
             </p:txBody>
           </p:sp>
         </mc:Choice>
-        <mc:Fallback>
+        <mc:Fallback xmlns="">
           <p:sp>
             <p:nvSpPr>
               <p:cNvPr id="9" name="TextBox 8">
@@ -10129,8 +10125,8 @@
           </p:sp>
         </mc:Fallback>
       </mc:AlternateContent>
-      <mc:AlternateContent xmlns:mc="http://schemas.openxmlformats.org/markup-compatibility/2006">
-        <mc:Choice xmlns:a14="http://schemas.microsoft.com/office/drawing/2010/main" Requires="a14">
+      <mc:AlternateContent xmlns:mc="http://schemas.openxmlformats.org/markup-compatibility/2006" xmlns:a14="http://schemas.microsoft.com/office/drawing/2010/main">
+        <mc:Choice Requires="a14">
           <p:sp>
             <p:nvSpPr>
               <p:cNvPr id="10" name="TextBox 9">
@@ -10190,7 +10186,7 @@
             </p:txBody>
           </p:sp>
         </mc:Choice>
-        <mc:Fallback>
+        <mc:Fallback xmlns="">
           <p:sp>
             <p:nvSpPr>
               <p:cNvPr id="10" name="TextBox 9">
@@ -10235,8 +10231,8 @@
           </p:sp>
         </mc:Fallback>
       </mc:AlternateContent>
-      <mc:AlternateContent xmlns:mc="http://schemas.openxmlformats.org/markup-compatibility/2006">
-        <mc:Choice xmlns:a14="http://schemas.microsoft.com/office/drawing/2010/main" Requires="a14">
+      <mc:AlternateContent xmlns:mc="http://schemas.openxmlformats.org/markup-compatibility/2006" xmlns:a14="http://schemas.microsoft.com/office/drawing/2010/main">
+        <mc:Choice Requires="a14">
           <p:sp>
             <p:nvSpPr>
               <p:cNvPr id="11" name="TextBox 10">
@@ -10288,7 +10284,7 @@
             </p:txBody>
           </p:sp>
         </mc:Choice>
-        <mc:Fallback>
+        <mc:Fallback xmlns="">
           <p:sp>
             <p:nvSpPr>
               <p:cNvPr id="11" name="TextBox 10">
@@ -10393,8 +10389,8 @@
           </a:p>
         </p:txBody>
       </p:sp>
-      <mc:AlternateContent xmlns:mc="http://schemas.openxmlformats.org/markup-compatibility/2006">
-        <mc:Choice xmlns:a14="http://schemas.microsoft.com/office/drawing/2010/main" Requires="a14">
+      <mc:AlternateContent xmlns:mc="http://schemas.openxmlformats.org/markup-compatibility/2006" xmlns:a14="http://schemas.microsoft.com/office/drawing/2010/main">
+        <mc:Choice Requires="a14">
           <p:sp>
             <p:nvSpPr>
               <p:cNvPr id="3" name="Content Placeholder 2">
@@ -10909,7 +10905,7 @@
             </p:txBody>
           </p:sp>
         </mc:Choice>
-        <mc:Fallback>
+        <mc:Fallback xmlns="">
           <p:sp>
             <p:nvSpPr>
               <p:cNvPr id="3" name="Content Placeholder 2">
@@ -11471,8 +11467,8 @@
           </a:p>
         </p:txBody>
       </p:sp>
-      <mc:AlternateContent xmlns:mc="http://schemas.openxmlformats.org/markup-compatibility/2006">
-        <mc:Choice xmlns:a14="http://schemas.microsoft.com/office/drawing/2010/main" Requires="a14">
+      <mc:AlternateContent xmlns:mc="http://schemas.openxmlformats.org/markup-compatibility/2006" xmlns:a14="http://schemas.microsoft.com/office/drawing/2010/main">
+        <mc:Choice Requires="a14">
           <p:sp>
             <p:nvSpPr>
               <p:cNvPr id="3" name="Content Placeholder 2">
@@ -11568,7 +11564,7 @@
             </p:txBody>
           </p:sp>
         </mc:Choice>
-        <mc:Fallback>
+        <mc:Fallback xmlns="">
           <p:sp>
             <p:nvSpPr>
               <p:cNvPr id="3" name="Content Placeholder 2">
@@ -12261,8 +12257,8 @@
           </a:p>
         </p:txBody>
       </p:sp>
-      <mc:AlternateContent xmlns:mc="http://schemas.openxmlformats.org/markup-compatibility/2006">
-        <mc:Choice xmlns:a14="http://schemas.microsoft.com/office/drawing/2010/main" Requires="a14">
+      <mc:AlternateContent xmlns:mc="http://schemas.openxmlformats.org/markup-compatibility/2006" xmlns:a14="http://schemas.microsoft.com/office/drawing/2010/main">
+        <mc:Choice Requires="a14">
           <p:sp>
             <p:nvSpPr>
               <p:cNvPr id="3" name="Content Placeholder 2">
@@ -12358,7 +12354,7 @@
             </p:txBody>
           </p:sp>
         </mc:Choice>
-        <mc:Fallback>
+        <mc:Fallback xmlns="">
           <p:sp>
             <p:nvSpPr>
               <p:cNvPr id="3" name="Content Placeholder 2">
@@ -13027,8 +13023,8 @@
           </a:p>
         </p:txBody>
       </p:sp>
-      <mc:AlternateContent xmlns:mc="http://schemas.openxmlformats.org/markup-compatibility/2006">
-        <mc:Choice xmlns:a14="http://schemas.microsoft.com/office/drawing/2010/main" Requires="a14">
+      <mc:AlternateContent xmlns:mc="http://schemas.openxmlformats.org/markup-compatibility/2006" xmlns:a14="http://schemas.microsoft.com/office/drawing/2010/main">
+        <mc:Choice Requires="a14">
           <p:sp>
             <p:nvSpPr>
               <p:cNvPr id="3" name="Content Placeholder 2"/>
@@ -13090,7 +13086,7 @@
             </p:txBody>
           </p:sp>
         </mc:Choice>
-        <mc:Fallback>
+        <mc:Fallback xmlns="">
           <p:sp>
             <p:nvSpPr>
               <p:cNvPr id="3" name="Content Placeholder 2"/>
@@ -13251,8 +13247,8 @@
           </a:p>
         </p:txBody>
       </p:sp>
-      <mc:AlternateContent xmlns:mc="http://schemas.openxmlformats.org/markup-compatibility/2006">
-        <mc:Choice xmlns:a14="http://schemas.microsoft.com/office/drawing/2010/main" Requires="a14">
+      <mc:AlternateContent xmlns:mc="http://schemas.openxmlformats.org/markup-compatibility/2006" xmlns:a14="http://schemas.microsoft.com/office/drawing/2010/main">
+        <mc:Choice Requires="a14">
           <p:sp>
             <p:nvSpPr>
               <p:cNvPr id="3" name="Content Placeholder 2">
@@ -14235,7 +14231,7 @@
             </p:txBody>
           </p:sp>
         </mc:Choice>
-        <mc:Fallback>
+        <mc:Fallback xmlns="">
           <p:sp>
             <p:nvSpPr>
               <p:cNvPr id="3" name="Content Placeholder 2">
@@ -14362,8 +14358,8 @@
           </a:p>
         </p:txBody>
       </p:sp>
-      <mc:AlternateContent xmlns:mc="http://schemas.openxmlformats.org/markup-compatibility/2006">
-        <mc:Choice xmlns:a14="http://schemas.microsoft.com/office/drawing/2010/main" Requires="a14">
+      <mc:AlternateContent xmlns:mc="http://schemas.openxmlformats.org/markup-compatibility/2006" xmlns:a14="http://schemas.microsoft.com/office/drawing/2010/main">
+        <mc:Choice Requires="a14">
           <p:sp>
             <p:nvSpPr>
               <p:cNvPr id="3" name="Content Placeholder 2">
@@ -15186,7 +15182,7 @@
             </p:txBody>
           </p:sp>
         </mc:Choice>
-        <mc:Fallback>
+        <mc:Fallback xmlns="">
           <p:sp>
             <p:nvSpPr>
               <p:cNvPr id="3" name="Content Placeholder 2">
@@ -15313,8 +15309,8 @@
           </a:p>
         </p:txBody>
       </p:sp>
-      <mc:AlternateContent xmlns:mc="http://schemas.openxmlformats.org/markup-compatibility/2006">
-        <mc:Choice xmlns:a14="http://schemas.microsoft.com/office/drawing/2010/main" Requires="a14">
+      <mc:AlternateContent xmlns:mc="http://schemas.openxmlformats.org/markup-compatibility/2006" xmlns:a14="http://schemas.microsoft.com/office/drawing/2010/main">
+        <mc:Choice Requires="a14">
           <p:sp>
             <p:nvSpPr>
               <p:cNvPr id="3" name="Content Placeholder 2">
@@ -16802,7 +16798,7 @@
             </p:txBody>
           </p:sp>
         </mc:Choice>
-        <mc:Fallback>
+        <mc:Fallback xmlns="">
           <p:sp>
             <p:nvSpPr>
               <p:cNvPr id="3" name="Content Placeholder 2">
@@ -17084,8 +17080,8 @@
           </a:p>
         </p:txBody>
       </p:sp>
-      <mc:AlternateContent xmlns:mc="http://schemas.openxmlformats.org/markup-compatibility/2006">
-        <mc:Choice xmlns:a14="http://schemas.microsoft.com/office/drawing/2010/main" Requires="a14">
+      <mc:AlternateContent xmlns:mc="http://schemas.openxmlformats.org/markup-compatibility/2006" xmlns:a14="http://schemas.microsoft.com/office/drawing/2010/main">
+        <mc:Choice Requires="a14">
           <p:sp>
             <p:nvSpPr>
               <p:cNvPr id="3" name="Content Placeholder 2">
@@ -18871,7 +18867,7 @@
             </p:txBody>
           </p:sp>
         </mc:Choice>
-        <mc:Fallback>
+        <mc:Fallback xmlns="">
           <p:sp>
             <p:nvSpPr>
               <p:cNvPr id="3" name="Content Placeholder 2">
@@ -19381,8 +19377,8 @@
           </a:p>
         </p:txBody>
       </p:sp>
-      <mc:AlternateContent xmlns:mc="http://schemas.openxmlformats.org/markup-compatibility/2006">
-        <mc:Choice xmlns:a14="http://schemas.microsoft.com/office/drawing/2010/main" Requires="a14">
+      <mc:AlternateContent xmlns:mc="http://schemas.openxmlformats.org/markup-compatibility/2006" xmlns:a14="http://schemas.microsoft.com/office/drawing/2010/main">
+        <mc:Choice Requires="a14">
           <p:sp>
             <p:nvSpPr>
               <p:cNvPr id="3" name="Content Placeholder 2">
@@ -19762,7 +19758,7 @@
             </p:txBody>
           </p:sp>
         </mc:Choice>
-        <mc:Fallback>
+        <mc:Fallback xmlns="">
           <p:sp>
             <p:nvSpPr>
               <p:cNvPr id="3" name="Content Placeholder 2">
@@ -20265,8 +20261,8 @@
           </a:p>
         </p:txBody>
       </p:sp>
-      <mc:AlternateContent xmlns:mc="http://schemas.openxmlformats.org/markup-compatibility/2006">
-        <mc:Choice xmlns:a14="http://schemas.microsoft.com/office/drawing/2010/main" Requires="a14">
+      <mc:AlternateContent xmlns:mc="http://schemas.openxmlformats.org/markup-compatibility/2006" xmlns:a14="http://schemas.microsoft.com/office/drawing/2010/main">
+        <mc:Choice Requires="a14">
           <p:sp>
             <p:nvSpPr>
               <p:cNvPr id="3" name="Content Placeholder 2">
@@ -20354,7 +20350,7 @@
             </p:txBody>
           </p:sp>
         </mc:Choice>
-        <mc:Fallback>
+        <mc:Fallback xmlns="">
           <p:sp>
             <p:nvSpPr>
               <p:cNvPr id="3" name="Content Placeholder 2">
@@ -21233,6 +21229,377 @@
       </p:grpSpPr>
       <p:sp>
         <p:nvSpPr>
+          <p:cNvPr id="2" name="Title 1">
+            <a:extLst>
+              <a:ext uri="{FF2B5EF4-FFF2-40B4-BE49-F238E27FC236}">
+                <a16:creationId xmlns:a16="http://schemas.microsoft.com/office/drawing/2014/main" id="{DA698F92-4035-E84F-80C7-61E9AA4CE884}"/>
+              </a:ext>
+            </a:extLst>
+          </p:cNvPr>
+          <p:cNvSpPr>
+            <a:spLocks noGrp="1"/>
+          </p:cNvSpPr>
+          <p:nvPr>
+            <p:ph type="title"/>
+          </p:nvPr>
+        </p:nvSpPr>
+        <p:spPr/>
+        <p:txBody>
+          <a:bodyPr/>
+          <a:lstStyle/>
+          <a:p>
+            <a:r>
+              <a:rPr lang="en-US" dirty="0"/>
+              <a:t>More about cross validation</a:t>
+            </a:r>
+          </a:p>
+        </p:txBody>
+      </p:sp>
+      <p:sp>
+        <p:nvSpPr>
+          <p:cNvPr id="3" name="Content Placeholder 2">
+            <a:extLst>
+              <a:ext uri="{FF2B5EF4-FFF2-40B4-BE49-F238E27FC236}">
+                <a16:creationId xmlns:a16="http://schemas.microsoft.com/office/drawing/2014/main" id="{9B6EF519-0245-0C48-B0FA-6AA1E1E1305B}"/>
+              </a:ext>
+            </a:extLst>
+          </p:cNvPr>
+          <p:cNvSpPr>
+            <a:spLocks noGrp="1"/>
+          </p:cNvSpPr>
+          <p:nvPr>
+            <p:ph idx="1"/>
+          </p:nvPr>
+        </p:nvSpPr>
+        <p:spPr/>
+        <p:txBody>
+          <a:bodyPr>
+            <a:normAutofit lnSpcReduction="10000"/>
+          </a:bodyPr>
+          <a:lstStyle/>
+          <a:p>
+            <a:r>
+              <a:rPr lang="en-US" dirty="0"/>
+              <a:t>Why do we use cross validation?</a:t>
+            </a:r>
+          </a:p>
+          <a:p>
+            <a:pPr lvl="1"/>
+            <a:r>
+              <a:rPr lang="en-US" dirty="0"/>
+              <a:t>To estimate the test error when there are insufficient training data so that we can partition the total data to a </a:t>
+            </a:r>
+            <a:r>
+              <a:rPr lang="en-US" b="1" dirty="0"/>
+              <a:t>large</a:t>
+            </a:r>
+            <a:r>
+              <a:rPr lang="en-US" dirty="0"/>
+              <a:t> training set and a </a:t>
+            </a:r>
+            <a:r>
+              <a:rPr lang="en-US" b="1" dirty="0"/>
+              <a:t>large</a:t>
+            </a:r>
+            <a:r>
+              <a:rPr lang="en-US" dirty="0"/>
+              <a:t> test set. </a:t>
+            </a:r>
+          </a:p>
+          <a:p>
+            <a:pPr lvl="1"/>
+            <a:r>
+              <a:rPr lang="en-US" dirty="0"/>
+              <a:t>Whether a dataset is large depends on the number of parameters of the model to be trained. </a:t>
+            </a:r>
+          </a:p>
+          <a:p>
+            <a:pPr lvl="1"/>
+            <a:r>
+              <a:rPr lang="en-US" dirty="0"/>
+              <a:t>Ideally the number of samples should be  &gt;100x  of the number of parameters, but at least 10x.</a:t>
+            </a:r>
+          </a:p>
+          <a:p>
+            <a:r>
+              <a:rPr lang="en-US" dirty="0"/>
+              <a:t>When you have sufficient training data, you can just use a certain percentage (e.g. 50%) for training and remaining for testing. The error on the testing set would be a reliable estimate of the test error.</a:t>
+            </a:r>
+          </a:p>
+          <a:p>
+            <a:r>
+              <a:rPr lang="en-US" dirty="0"/>
+              <a:t>Two ways of using cross validation</a:t>
+            </a:r>
+          </a:p>
+          <a:p>
+            <a:pPr lvl="1"/>
+            <a:r>
+              <a:rPr lang="en-US" dirty="0"/>
+              <a:t>When the “best” model class, model order, and feature set are known: </a:t>
+            </a:r>
+          </a:p>
+          <a:p>
+            <a:pPr lvl="2"/>
+            <a:r>
+              <a:rPr lang="en-US" dirty="0"/>
+              <a:t>Use CV to estimate the test error</a:t>
+            </a:r>
+          </a:p>
+          <a:p>
+            <a:pPr lvl="1"/>
+            <a:r>
+              <a:rPr lang="en-US" dirty="0"/>
+              <a:t>Use CV to determine the appropriate model class, model order and feature subset</a:t>
+            </a:r>
+          </a:p>
+          <a:p>
+            <a:pPr lvl="2"/>
+            <a:r>
+              <a:rPr lang="en-US" dirty="0"/>
+              <a:t>For each candidate model class, model order, and feature subset, evaluate CV error</a:t>
+            </a:r>
+          </a:p>
+          <a:p>
+            <a:pPr lvl="2"/>
+            <a:r>
+              <a:rPr lang="en-US" dirty="0"/>
+              <a:t>Determine which candidate yields the least CV error.</a:t>
+            </a:r>
+          </a:p>
+          <a:p>
+            <a:pPr lvl="1"/>
+            <a:endParaRPr lang="en-US" dirty="0"/>
+          </a:p>
+          <a:p>
+            <a:pPr lvl="1"/>
+            <a:endParaRPr lang="en-US" dirty="0"/>
+          </a:p>
+        </p:txBody>
+      </p:sp>
+      <p:sp>
+        <p:nvSpPr>
+          <p:cNvPr id="4" name="Slide Number Placeholder 3">
+            <a:extLst>
+              <a:ext uri="{FF2B5EF4-FFF2-40B4-BE49-F238E27FC236}">
+                <a16:creationId xmlns:a16="http://schemas.microsoft.com/office/drawing/2014/main" id="{C4C446C5-42C4-2941-BA2B-D37926D53F27}"/>
+              </a:ext>
+            </a:extLst>
+          </p:cNvPr>
+          <p:cNvSpPr>
+            <a:spLocks noGrp="1"/>
+          </p:cNvSpPr>
+          <p:nvPr>
+            <p:ph type="sldNum" sz="quarter" idx="12"/>
+          </p:nvPr>
+        </p:nvSpPr>
+        <p:spPr/>
+        <p:txBody>
+          <a:bodyPr/>
+          <a:lstStyle/>
+          <a:p>
+            <a:fld id="{629637A9-119A-49DA-BD12-AAC58B377D80}" type="slidenum">
+              <a:rPr lang="en-US" smtClean="0"/>
+              <a:t>40</a:t>
+            </a:fld>
+            <a:endParaRPr lang="en-US" dirty="0"/>
+          </a:p>
+        </p:txBody>
+      </p:sp>
+    </p:spTree>
+    <p:extLst>
+      <p:ext uri="{BB962C8B-B14F-4D97-AF65-F5344CB8AC3E}">
+        <p14:creationId xmlns:p14="http://schemas.microsoft.com/office/powerpoint/2010/main" val="184803291"/>
+      </p:ext>
+    </p:extLst>
+  </p:cSld>
+  <p:clrMapOvr>
+    <a:masterClrMapping/>
+  </p:clrMapOvr>
+</p:sld>
+</file>
+
+<file path=ppt/slides/slide41.xml><?xml version="1.0" encoding="utf-8"?>
+<p:sld xmlns:a="http://schemas.openxmlformats.org/drawingml/2006/main" xmlns:r="http://schemas.openxmlformats.org/officeDocument/2006/relationships" xmlns:p="http://schemas.openxmlformats.org/presentationml/2006/main">
+  <p:cSld>
+    <p:spTree>
+      <p:nvGrpSpPr>
+        <p:cNvPr id="1" name=""/>
+        <p:cNvGrpSpPr/>
+        <p:nvPr/>
+      </p:nvGrpSpPr>
+      <p:grpSpPr>
+        <a:xfrm>
+          <a:off x="0" y="0"/>
+          <a:ext cx="0" cy="0"/>
+          <a:chOff x="0" y="0"/>
+          <a:chExt cx="0" cy="0"/>
+        </a:xfrm>
+      </p:grpSpPr>
+      <p:sp>
+        <p:nvSpPr>
+          <p:cNvPr id="2" name="Title 1">
+            <a:extLst>
+              <a:ext uri="{FF2B5EF4-FFF2-40B4-BE49-F238E27FC236}">
+                <a16:creationId xmlns:a16="http://schemas.microsoft.com/office/drawing/2014/main" id="{8DD8533F-2B44-624C-BE8E-164A44AFB9FD}"/>
+              </a:ext>
+            </a:extLst>
+          </p:cNvPr>
+          <p:cNvSpPr>
+            <a:spLocks noGrp="1"/>
+          </p:cNvSpPr>
+          <p:nvPr>
+            <p:ph type="title"/>
+          </p:nvPr>
+        </p:nvSpPr>
+        <p:spPr/>
+        <p:txBody>
+          <a:bodyPr/>
+          <a:lstStyle/>
+          <a:p>
+            <a:r>
+              <a:rPr lang="en-US" dirty="0"/>
+              <a:t>More about cross validation</a:t>
+            </a:r>
+          </a:p>
+        </p:txBody>
+      </p:sp>
+      <p:sp>
+        <p:nvSpPr>
+          <p:cNvPr id="3" name="Content Placeholder 2">
+            <a:extLst>
+              <a:ext uri="{FF2B5EF4-FFF2-40B4-BE49-F238E27FC236}">
+                <a16:creationId xmlns:a16="http://schemas.microsoft.com/office/drawing/2014/main" id="{64879B8A-F7A0-0742-BB5E-5DD0A5DDAEC5}"/>
+              </a:ext>
+            </a:extLst>
+          </p:cNvPr>
+          <p:cNvSpPr>
+            <a:spLocks noGrp="1"/>
+          </p:cNvSpPr>
+          <p:nvPr>
+            <p:ph idx="1"/>
+          </p:nvPr>
+        </p:nvSpPr>
+        <p:spPr/>
+        <p:txBody>
+          <a:bodyPr/>
+          <a:lstStyle/>
+          <a:p>
+            <a:r>
+              <a:rPr lang="en-US" dirty="0"/>
+              <a:t>How to use the multiple estimated models from multiple trials?</a:t>
+            </a:r>
+          </a:p>
+          <a:p>
+            <a:pPr lvl="1"/>
+            <a:r>
+              <a:rPr lang="en-US" dirty="0"/>
+              <a:t>Apply each on a test sample and take the average (for regression) or majority (for classification) of results</a:t>
+            </a:r>
+          </a:p>
+          <a:p>
+            <a:pPr lvl="1"/>
+            <a:r>
+              <a:rPr lang="en-US" dirty="0"/>
+              <a:t>For linear regression, equivalent to average the model coefficients</a:t>
+            </a:r>
+          </a:p>
+          <a:p>
+            <a:r>
+              <a:rPr lang="en-US" dirty="0"/>
+              <a:t>When your data is limited, you may want to go beyond K-folds	</a:t>
+            </a:r>
+          </a:p>
+          <a:p>
+            <a:pPr lvl="1"/>
+            <a:r>
+              <a:rPr lang="en-US" dirty="0"/>
+              <a:t>Ex: 5-fold means that you partition the data to 5 parts in some way, each part has 20% of data, and only do 5 fold training and testing</a:t>
+            </a:r>
+          </a:p>
+          <a:p>
+            <a:pPr lvl="1"/>
+            <a:r>
+              <a:rPr lang="en-US" dirty="0"/>
+              <a:t>When your data is small, the average CV error is still very sensitive to how the data is partitioned to 5 parts. If you use random shuffling, you will get different result each time.</a:t>
+            </a:r>
+          </a:p>
+          <a:p>
+            <a:pPr lvl="1"/>
+            <a:r>
+              <a:rPr lang="en-US" dirty="0"/>
+              <a:t>Instead, you could do L trials (L&gt;&gt;5) of random sampling, each time using 80% for training and 20% for testing </a:t>
+            </a:r>
+          </a:p>
+          <a:p>
+            <a:r>
+              <a:rPr lang="en-US" dirty="0"/>
+              <a:t>How to handle limited data in machine learning is still a challenging topic!</a:t>
+            </a:r>
+          </a:p>
+        </p:txBody>
+      </p:sp>
+      <p:sp>
+        <p:nvSpPr>
+          <p:cNvPr id="4" name="Slide Number Placeholder 3">
+            <a:extLst>
+              <a:ext uri="{FF2B5EF4-FFF2-40B4-BE49-F238E27FC236}">
+                <a16:creationId xmlns:a16="http://schemas.microsoft.com/office/drawing/2014/main" id="{5885FC27-C991-E24B-8D32-7D179D987505}"/>
+              </a:ext>
+            </a:extLst>
+          </p:cNvPr>
+          <p:cNvSpPr>
+            <a:spLocks noGrp="1"/>
+          </p:cNvSpPr>
+          <p:nvPr>
+            <p:ph type="sldNum" sz="quarter" idx="12"/>
+          </p:nvPr>
+        </p:nvSpPr>
+        <p:spPr/>
+        <p:txBody>
+          <a:bodyPr/>
+          <a:lstStyle/>
+          <a:p>
+            <a:fld id="{629637A9-119A-49DA-BD12-AAC58B377D80}" type="slidenum">
+              <a:rPr lang="en-US" smtClean="0"/>
+              <a:t>41</a:t>
+            </a:fld>
+            <a:endParaRPr lang="en-US" dirty="0"/>
+          </a:p>
+        </p:txBody>
+      </p:sp>
+    </p:spTree>
+    <p:extLst>
+      <p:ext uri="{BB962C8B-B14F-4D97-AF65-F5344CB8AC3E}">
+        <p14:creationId xmlns:p14="http://schemas.microsoft.com/office/powerpoint/2010/main" val="2106499445"/>
+      </p:ext>
+    </p:extLst>
+  </p:cSld>
+  <p:clrMapOvr>
+    <a:masterClrMapping/>
+  </p:clrMapOvr>
+</p:sld>
+</file>
+
+<file path=ppt/slides/slide42.xml><?xml version="1.0" encoding="utf-8"?>
+<p:sld xmlns:a="http://schemas.openxmlformats.org/drawingml/2006/main" xmlns:r="http://schemas.openxmlformats.org/officeDocument/2006/relationships" xmlns:p="http://schemas.openxmlformats.org/presentationml/2006/main">
+  <p:cSld>
+    <p:spTree>
+      <p:nvGrpSpPr>
+        <p:cNvPr id="1" name=""/>
+        <p:cNvGrpSpPr/>
+        <p:nvPr/>
+      </p:nvGrpSpPr>
+      <p:grpSpPr>
+        <a:xfrm>
+          <a:off x="0" y="0"/>
+          <a:ext cx="0" cy="0"/>
+          <a:chOff x="0" y="0"/>
+          <a:chExt cx="0" cy="0"/>
+        </a:xfrm>
+      </p:grpSpPr>
+      <p:sp>
+        <p:nvSpPr>
           <p:cNvPr id="2" name="Title 1"/>
           <p:cNvSpPr>
             <a:spLocks noGrp="1"/>
@@ -21310,13 +21677,19 @@
             </a:r>
             <a:r>
               <a:rPr lang="en-US" dirty="0"/>
-              <a:t> based on a probabilistic prior</a:t>
+              <a:t> based on a probabilistic prior and understand the difference between Ridge and LASSO regression</a:t>
             </a:r>
           </a:p>
           <a:p>
             <a:r>
               <a:rPr lang="en-US" dirty="0"/>
-              <a:t>Different feature selection methods</a:t>
+              <a:t>Different feature selection methods and their pros and cons</a:t>
+            </a:r>
+          </a:p>
+          <a:p>
+            <a:r>
+              <a:rPr lang="en-US" dirty="0"/>
+              <a:t>How and when to use cross validation </a:t>
             </a:r>
           </a:p>
           <a:p>
@@ -21359,7 +21732,7 @@
           <a:p>
             <a:fld id="{629637A9-119A-49DA-BD12-AAC58B377D80}" type="slidenum">
               <a:rPr lang="en-US" smtClean="0"/>
-              <a:t>40</a:t>
+              <a:t>42</a:t>
             </a:fld>
             <a:endParaRPr lang="en-US" dirty="0"/>
           </a:p>

--- a/lectures/Lect05_Lasso.pptx
+++ b/lectures/Lect05_Lasso.pptx
@@ -5,51 +5,59 @@
     <p:sldMasterId id="2147483648" r:id="rId1"/>
   </p:sldMasterIdLst>
   <p:notesMasterIdLst>
-    <p:notesMasterId r:id="rId44"/>
+    <p:notesMasterId r:id="rId52"/>
   </p:notesMasterIdLst>
   <p:sldIdLst>
     <p:sldId id="258" r:id="rId2"/>
     <p:sldId id="275" r:id="rId3"/>
-    <p:sldId id="323" r:id="rId4"/>
+    <p:sldId id="406" r:id="rId4"/>
     <p:sldId id="358" r:id="rId5"/>
     <p:sldId id="359" r:id="rId6"/>
     <p:sldId id="360" r:id="rId7"/>
     <p:sldId id="361" r:id="rId8"/>
-    <p:sldId id="375" r:id="rId9"/>
-    <p:sldId id="364" r:id="rId10"/>
-    <p:sldId id="363" r:id="rId11"/>
-    <p:sldId id="365" r:id="rId12"/>
-    <p:sldId id="395" r:id="rId13"/>
-    <p:sldId id="366" r:id="rId14"/>
-    <p:sldId id="367" r:id="rId15"/>
-    <p:sldId id="377" r:id="rId16"/>
-    <p:sldId id="378" r:id="rId17"/>
-    <p:sldId id="379" r:id="rId18"/>
-    <p:sldId id="380" r:id="rId19"/>
-    <p:sldId id="369" r:id="rId20"/>
-    <p:sldId id="368" r:id="rId21"/>
-    <p:sldId id="370" r:id="rId22"/>
-    <p:sldId id="371" r:id="rId23"/>
-    <p:sldId id="372" r:id="rId24"/>
-    <p:sldId id="393" r:id="rId25"/>
-    <p:sldId id="387" r:id="rId26"/>
-    <p:sldId id="376" r:id="rId27"/>
-    <p:sldId id="386" r:id="rId28"/>
-    <p:sldId id="373" r:id="rId29"/>
-    <p:sldId id="374" r:id="rId30"/>
-    <p:sldId id="385" r:id="rId31"/>
-    <p:sldId id="381" r:id="rId32"/>
-    <p:sldId id="382" r:id="rId33"/>
-    <p:sldId id="396" r:id="rId34"/>
-    <p:sldId id="384" r:id="rId35"/>
-    <p:sldId id="383" r:id="rId36"/>
-    <p:sldId id="388" r:id="rId37"/>
-    <p:sldId id="390" r:id="rId38"/>
-    <p:sldId id="391" r:id="rId39"/>
-    <p:sldId id="392" r:id="rId40"/>
-    <p:sldId id="397" r:id="rId41"/>
-    <p:sldId id="398" r:id="rId42"/>
-    <p:sldId id="394" r:id="rId43"/>
+    <p:sldId id="399" r:id="rId9"/>
+    <p:sldId id="407" r:id="rId10"/>
+    <p:sldId id="400" r:id="rId11"/>
+    <p:sldId id="402" r:id="rId12"/>
+    <p:sldId id="404" r:id="rId13"/>
+    <p:sldId id="265" r:id="rId14"/>
+    <p:sldId id="403" r:id="rId15"/>
+    <p:sldId id="411" r:id="rId16"/>
+    <p:sldId id="408" r:id="rId17"/>
+    <p:sldId id="364" r:id="rId18"/>
+    <p:sldId id="363" r:id="rId19"/>
+    <p:sldId id="365" r:id="rId20"/>
+    <p:sldId id="395" r:id="rId21"/>
+    <p:sldId id="366" r:id="rId22"/>
+    <p:sldId id="367" r:id="rId23"/>
+    <p:sldId id="377" r:id="rId24"/>
+    <p:sldId id="378" r:id="rId25"/>
+    <p:sldId id="379" r:id="rId26"/>
+    <p:sldId id="380" r:id="rId27"/>
+    <p:sldId id="369" r:id="rId28"/>
+    <p:sldId id="368" r:id="rId29"/>
+    <p:sldId id="370" r:id="rId30"/>
+    <p:sldId id="371" r:id="rId31"/>
+    <p:sldId id="372" r:id="rId32"/>
+    <p:sldId id="393" r:id="rId33"/>
+    <p:sldId id="409" r:id="rId34"/>
+    <p:sldId id="386" r:id="rId35"/>
+    <p:sldId id="373" r:id="rId36"/>
+    <p:sldId id="374" r:id="rId37"/>
+    <p:sldId id="385" r:id="rId38"/>
+    <p:sldId id="410" r:id="rId39"/>
+    <p:sldId id="381" r:id="rId40"/>
+    <p:sldId id="382" r:id="rId41"/>
+    <p:sldId id="396" r:id="rId42"/>
+    <p:sldId id="384" r:id="rId43"/>
+    <p:sldId id="383" r:id="rId44"/>
+    <p:sldId id="388" r:id="rId45"/>
+    <p:sldId id="390" r:id="rId46"/>
+    <p:sldId id="391" r:id="rId47"/>
+    <p:sldId id="392" r:id="rId48"/>
+    <p:sldId id="397" r:id="rId49"/>
+    <p:sldId id="398" r:id="rId50"/>
+    <p:sldId id="412" r:id="rId51"/>
   </p:sldIdLst>
   <p:sldSz cx="12192000" cy="6858000"/>
   <p:notesSz cx="7315200" cy="9601200"/>
@@ -249,7 +257,7 @@
           <a:p>
             <a:fld id="{B7D6DDD3-D7E9-488B-B626-1E8285E424D8}" type="datetimeFigureOut">
               <a:rPr lang="en-US" smtClean="0"/>
-              <a:t>2/13/18</a:t>
+              <a:t>2/12/2019</a:t>
             </a:fld>
             <a:endParaRPr lang="en-US"/>
           </a:p>
@@ -758,7 +766,7 @@
     </p:spTree>
     <p:extLst>
       <p:ext uri="{BB962C8B-B14F-4D97-AF65-F5344CB8AC3E}">
-        <p14:creationId xmlns:p14="http://schemas.microsoft.com/office/powerpoint/2010/main" val="237844610"/>
+        <p14:creationId xmlns:p14="http://schemas.microsoft.com/office/powerpoint/2010/main" val="2476287554"/>
       </p:ext>
     </p:extLst>
   </p:cSld>
@@ -833,7 +841,7 @@
           <a:p>
             <a:fld id="{65CF6084-2C3C-4FE7-B181-D16A3429058A}" type="slidenum">
               <a:rPr lang="en-US" smtClean="0"/>
-              <a:t>8</a:t>
+              <a:t>9</a:t>
             </a:fld>
             <a:endParaRPr lang="en-US"/>
           </a:p>
@@ -842,7 +850,7 @@
     </p:spTree>
     <p:extLst>
       <p:ext uri="{BB962C8B-B14F-4D97-AF65-F5344CB8AC3E}">
-        <p14:creationId xmlns:p14="http://schemas.microsoft.com/office/powerpoint/2010/main" val="3503943434"/>
+        <p14:creationId xmlns:p14="http://schemas.microsoft.com/office/powerpoint/2010/main" val="1543703961"/>
       </p:ext>
     </p:extLst>
   </p:cSld>
@@ -917,7 +925,7 @@
           <a:p>
             <a:fld id="{65CF6084-2C3C-4FE7-B181-D16A3429058A}" type="slidenum">
               <a:rPr lang="en-US" smtClean="0"/>
-              <a:t>26</a:t>
+              <a:t>16</a:t>
             </a:fld>
             <a:endParaRPr lang="en-US"/>
           </a:p>
@@ -926,7 +934,7 @@
     </p:spTree>
     <p:extLst>
       <p:ext uri="{BB962C8B-B14F-4D97-AF65-F5344CB8AC3E}">
-        <p14:creationId xmlns:p14="http://schemas.microsoft.com/office/powerpoint/2010/main" val="2394316977"/>
+        <p14:creationId xmlns:p14="http://schemas.microsoft.com/office/powerpoint/2010/main" val="3011440800"/>
       </p:ext>
     </p:extLst>
   </p:cSld>
@@ -1001,7 +1009,7 @@
           <a:p>
             <a:fld id="{65CF6084-2C3C-4FE7-B181-D16A3429058A}" type="slidenum">
               <a:rPr lang="en-US" smtClean="0"/>
-              <a:t>42</a:t>
+              <a:t>33</a:t>
             </a:fld>
             <a:endParaRPr lang="en-US"/>
           </a:p>
@@ -1010,7 +1018,175 @@
     </p:spTree>
     <p:extLst>
       <p:ext uri="{BB962C8B-B14F-4D97-AF65-F5344CB8AC3E}">
-        <p14:creationId xmlns:p14="http://schemas.microsoft.com/office/powerpoint/2010/main" val="529720069"/>
+        <p14:creationId xmlns:p14="http://schemas.microsoft.com/office/powerpoint/2010/main" val="330250365"/>
+      </p:ext>
+    </p:extLst>
+  </p:cSld>
+  <p:clrMapOvr>
+    <a:masterClrMapping/>
+  </p:clrMapOvr>
+</p:notes>
+</file>
+
+<file path=ppt/notesSlides/notesSlide7.xml><?xml version="1.0" encoding="utf-8"?>
+<p:notes xmlns:a="http://schemas.openxmlformats.org/drawingml/2006/main" xmlns:r="http://schemas.openxmlformats.org/officeDocument/2006/relationships" xmlns:p="http://schemas.openxmlformats.org/presentationml/2006/main">
+  <p:cSld>
+    <p:spTree>
+      <p:nvGrpSpPr>
+        <p:cNvPr id="1" name=""/>
+        <p:cNvGrpSpPr/>
+        <p:nvPr/>
+      </p:nvGrpSpPr>
+      <p:grpSpPr>
+        <a:xfrm>
+          <a:off x="0" y="0"/>
+          <a:ext cx="0" cy="0"/>
+          <a:chOff x="0" y="0"/>
+          <a:chExt cx="0" cy="0"/>
+        </a:xfrm>
+      </p:grpSpPr>
+      <p:sp>
+        <p:nvSpPr>
+          <p:cNvPr id="2" name="Slide Image Placeholder 1"/>
+          <p:cNvSpPr>
+            <a:spLocks noGrp="1" noRot="1" noChangeAspect="1"/>
+          </p:cNvSpPr>
+          <p:nvPr>
+            <p:ph type="sldImg"/>
+          </p:nvPr>
+        </p:nvSpPr>
+        <p:spPr/>
+      </p:sp>
+      <p:sp>
+        <p:nvSpPr>
+          <p:cNvPr id="3" name="Notes Placeholder 2"/>
+          <p:cNvSpPr>
+            <a:spLocks noGrp="1"/>
+          </p:cNvSpPr>
+          <p:nvPr>
+            <p:ph type="body" idx="1"/>
+          </p:nvPr>
+        </p:nvSpPr>
+        <p:spPr/>
+        <p:txBody>
+          <a:bodyPr/>
+          <a:lstStyle/>
+          <a:p>
+            <a:endParaRPr lang="en-US"/>
+          </a:p>
+        </p:txBody>
+      </p:sp>
+      <p:sp>
+        <p:nvSpPr>
+          <p:cNvPr id="4" name="Slide Number Placeholder 3"/>
+          <p:cNvSpPr>
+            <a:spLocks noGrp="1"/>
+          </p:cNvSpPr>
+          <p:nvPr>
+            <p:ph type="sldNum" sz="quarter" idx="10"/>
+          </p:nvPr>
+        </p:nvSpPr>
+        <p:spPr/>
+        <p:txBody>
+          <a:bodyPr/>
+          <a:lstStyle/>
+          <a:p>
+            <a:fld id="{65CF6084-2C3C-4FE7-B181-D16A3429058A}" type="slidenum">
+              <a:rPr lang="en-US" smtClean="0"/>
+              <a:t>38</a:t>
+            </a:fld>
+            <a:endParaRPr lang="en-US"/>
+          </a:p>
+        </p:txBody>
+      </p:sp>
+    </p:spTree>
+    <p:extLst>
+      <p:ext uri="{BB962C8B-B14F-4D97-AF65-F5344CB8AC3E}">
+        <p14:creationId xmlns:p14="http://schemas.microsoft.com/office/powerpoint/2010/main" val="500171684"/>
+      </p:ext>
+    </p:extLst>
+  </p:cSld>
+  <p:clrMapOvr>
+    <a:masterClrMapping/>
+  </p:clrMapOvr>
+</p:notes>
+</file>
+
+<file path=ppt/notesSlides/notesSlide8.xml><?xml version="1.0" encoding="utf-8"?>
+<p:notes xmlns:a="http://schemas.openxmlformats.org/drawingml/2006/main" xmlns:r="http://schemas.openxmlformats.org/officeDocument/2006/relationships" xmlns:p="http://schemas.openxmlformats.org/presentationml/2006/main">
+  <p:cSld>
+    <p:spTree>
+      <p:nvGrpSpPr>
+        <p:cNvPr id="1" name=""/>
+        <p:cNvGrpSpPr/>
+        <p:nvPr/>
+      </p:nvGrpSpPr>
+      <p:grpSpPr>
+        <a:xfrm>
+          <a:off x="0" y="0"/>
+          <a:ext cx="0" cy="0"/>
+          <a:chOff x="0" y="0"/>
+          <a:chExt cx="0" cy="0"/>
+        </a:xfrm>
+      </p:grpSpPr>
+      <p:sp>
+        <p:nvSpPr>
+          <p:cNvPr id="2" name="Slide Image Placeholder 1"/>
+          <p:cNvSpPr>
+            <a:spLocks noGrp="1" noRot="1" noChangeAspect="1"/>
+          </p:cNvSpPr>
+          <p:nvPr>
+            <p:ph type="sldImg"/>
+          </p:nvPr>
+        </p:nvSpPr>
+        <p:spPr/>
+      </p:sp>
+      <p:sp>
+        <p:nvSpPr>
+          <p:cNvPr id="3" name="Notes Placeholder 2"/>
+          <p:cNvSpPr>
+            <a:spLocks noGrp="1"/>
+          </p:cNvSpPr>
+          <p:nvPr>
+            <p:ph type="body" idx="1"/>
+          </p:nvPr>
+        </p:nvSpPr>
+        <p:spPr/>
+        <p:txBody>
+          <a:bodyPr/>
+          <a:lstStyle/>
+          <a:p>
+            <a:endParaRPr lang="en-US"/>
+          </a:p>
+        </p:txBody>
+      </p:sp>
+      <p:sp>
+        <p:nvSpPr>
+          <p:cNvPr id="4" name="Slide Number Placeholder 3"/>
+          <p:cNvSpPr>
+            <a:spLocks noGrp="1"/>
+          </p:cNvSpPr>
+          <p:nvPr>
+            <p:ph type="sldNum" sz="quarter" idx="10"/>
+          </p:nvPr>
+        </p:nvSpPr>
+        <p:spPr/>
+        <p:txBody>
+          <a:bodyPr/>
+          <a:lstStyle/>
+          <a:p>
+            <a:fld id="{65CF6084-2C3C-4FE7-B181-D16A3429058A}" type="slidenum">
+              <a:rPr lang="en-US" smtClean="0"/>
+              <a:t>50</a:t>
+            </a:fld>
+            <a:endParaRPr lang="en-US"/>
+          </a:p>
+        </p:txBody>
+      </p:sp>
+    </p:spTree>
+    <p:extLst>
+      <p:ext uri="{BB962C8B-B14F-4D97-AF65-F5344CB8AC3E}">
+        <p14:creationId xmlns:p14="http://schemas.microsoft.com/office/powerpoint/2010/main" val="2300309700"/>
       </p:ext>
     </p:extLst>
   </p:cSld>
@@ -4663,6 +4839,3053 @@
           <p:cNvPr id="2" name="Title 1">
             <a:extLst>
               <a:ext uri="{FF2B5EF4-FFF2-40B4-BE49-F238E27FC236}">
+                <a16:creationId xmlns:a16="http://schemas.microsoft.com/office/drawing/2014/main" id="{D9067277-D2CA-4C91-8ED0-27B55145733A}"/>
+              </a:ext>
+            </a:extLst>
+          </p:cNvPr>
+          <p:cNvSpPr>
+            <a:spLocks noGrp="1"/>
+          </p:cNvSpPr>
+          <p:nvPr>
+            <p:ph type="title"/>
+          </p:nvPr>
+        </p:nvSpPr>
+        <p:spPr/>
+        <p:txBody>
+          <a:bodyPr/>
+          <a:lstStyle/>
+          <a:p>
+            <a:r>
+              <a:rPr lang="en-US" dirty="0"/>
+              <a:t>Model Selection</a:t>
+            </a:r>
+          </a:p>
+        </p:txBody>
+      </p:sp>
+      <mc:AlternateContent xmlns:mc="http://schemas.openxmlformats.org/markup-compatibility/2006">
+        <mc:Choice xmlns:a14="http://schemas.microsoft.com/office/drawing/2010/main" Requires="a14">
+          <p:sp>
+            <p:nvSpPr>
+              <p:cNvPr id="3" name="Content Placeholder 2">
+                <a:extLst>
+                  <a:ext uri="{FF2B5EF4-FFF2-40B4-BE49-F238E27FC236}">
+                    <a16:creationId xmlns:a16="http://schemas.microsoft.com/office/drawing/2014/main" id="{B59045C1-B77B-4DE9-BE71-06A4CF1CE246}"/>
+                  </a:ext>
+                </a:extLst>
+              </p:cNvPr>
+              <p:cNvSpPr>
+                <a:spLocks noGrp="1"/>
+              </p:cNvSpPr>
+              <p:nvPr>
+                <p:ph idx="1"/>
+              </p:nvPr>
+            </p:nvSpPr>
+            <p:spPr/>
+            <p:txBody>
+              <a:bodyPr/>
+              <a:lstStyle/>
+              <a:p>
+                <a:r>
+                  <a:rPr lang="en-US" dirty="0"/>
+                  <a:t>Consider linear model: </a:t>
+                </a:r>
+                <a14:m>
+                  <m:oMath xmlns:m="http://schemas.openxmlformats.org/officeDocument/2006/math">
+                    <m:r>
+                      <a:rPr lang="en-US" b="0" i="1" smtClean="0">
+                        <a:latin typeface="Cambria Math" panose="02040503050406030204" pitchFamily="18" charset="0"/>
+                      </a:rPr>
+                      <m:t>𝑦</m:t>
+                    </m:r>
+                    <m:r>
+                      <a:rPr lang="en-US" b="0" i="1" smtClean="0">
+                        <a:latin typeface="Cambria Math" panose="02040503050406030204" pitchFamily="18" charset="0"/>
+                      </a:rPr>
+                      <m:t>≈</m:t>
+                    </m:r>
+                    <m:acc>
+                      <m:accPr>
+                        <m:chr m:val="̂"/>
+                        <m:ctrlPr>
+                          <a:rPr lang="en-US" i="1">
+                            <a:latin typeface="Cambria Math" panose="02040503050406030204" pitchFamily="18" charset="0"/>
+                          </a:rPr>
+                        </m:ctrlPr>
+                      </m:accPr>
+                      <m:e>
+                        <m:r>
+                          <a:rPr lang="en-US" i="1">
+                            <a:latin typeface="Cambria Math" panose="02040503050406030204" pitchFamily="18" charset="0"/>
+                          </a:rPr>
+                          <m:t>𝑦</m:t>
+                        </m:r>
+                      </m:e>
+                    </m:acc>
+                    <m:r>
+                      <a:rPr lang="en-US" i="1">
+                        <a:latin typeface="Cambria Math" panose="02040503050406030204" pitchFamily="18" charset="0"/>
+                      </a:rPr>
+                      <m:t>=</m:t>
+                    </m:r>
+                    <m:r>
+                      <a:rPr lang="en-US" b="0" i="1" smtClean="0">
+                        <a:latin typeface="Cambria Math" panose="02040503050406030204" pitchFamily="18" charset="0"/>
+                      </a:rPr>
+                      <m:t>𝑏</m:t>
+                    </m:r>
+                    <m:r>
+                      <a:rPr lang="en-US" i="1">
+                        <a:latin typeface="Cambria Math" panose="02040503050406030204" pitchFamily="18" charset="0"/>
+                      </a:rPr>
+                      <m:t>+</m:t>
+                    </m:r>
+                    <m:sSub>
+                      <m:sSubPr>
+                        <m:ctrlPr>
+                          <a:rPr lang="en-US" i="1">
+                            <a:latin typeface="Cambria Math" panose="02040503050406030204" pitchFamily="18" charset="0"/>
+                          </a:rPr>
+                        </m:ctrlPr>
+                      </m:sSubPr>
+                      <m:e>
+                        <m:r>
+                          <a:rPr lang="en-US" b="0" i="1" smtClean="0">
+                            <a:latin typeface="Cambria Math" panose="02040503050406030204" pitchFamily="18" charset="0"/>
+                          </a:rPr>
+                          <m:t>𝑤</m:t>
+                        </m:r>
+                      </m:e>
+                      <m:sub>
+                        <m:r>
+                          <a:rPr lang="en-US" i="1">
+                            <a:latin typeface="Cambria Math" panose="02040503050406030204" pitchFamily="18" charset="0"/>
+                          </a:rPr>
+                          <m:t>1</m:t>
+                        </m:r>
+                      </m:sub>
+                    </m:sSub>
+                    <m:sSub>
+                      <m:sSubPr>
+                        <m:ctrlPr>
+                          <a:rPr lang="en-US" i="1">
+                            <a:latin typeface="Cambria Math" panose="02040503050406030204" pitchFamily="18" charset="0"/>
+                          </a:rPr>
+                        </m:ctrlPr>
+                      </m:sSubPr>
+                      <m:e>
+                        <m:r>
+                          <a:rPr lang="en-US" i="1">
+                            <a:latin typeface="Cambria Math" panose="02040503050406030204" pitchFamily="18" charset="0"/>
+                          </a:rPr>
+                          <m:t>𝑥</m:t>
+                        </m:r>
+                      </m:e>
+                      <m:sub>
+                        <m:r>
+                          <a:rPr lang="en-US" i="1">
+                            <a:latin typeface="Cambria Math" panose="02040503050406030204" pitchFamily="18" charset="0"/>
+                          </a:rPr>
+                          <m:t>1</m:t>
+                        </m:r>
+                      </m:sub>
+                    </m:sSub>
+                    <m:r>
+                      <a:rPr lang="en-US" i="1">
+                        <a:latin typeface="Cambria Math" panose="02040503050406030204" pitchFamily="18" charset="0"/>
+                      </a:rPr>
+                      <m:t>+⋯+</m:t>
+                    </m:r>
+                    <m:sSub>
+                      <m:sSubPr>
+                        <m:ctrlPr>
+                          <a:rPr lang="en-US" i="1">
+                            <a:latin typeface="Cambria Math" panose="02040503050406030204" pitchFamily="18" charset="0"/>
+                          </a:rPr>
+                        </m:ctrlPr>
+                      </m:sSubPr>
+                      <m:e>
+                        <m:r>
+                          <a:rPr lang="en-US" b="0" i="1" smtClean="0">
+                            <a:latin typeface="Cambria Math" panose="02040503050406030204" pitchFamily="18" charset="0"/>
+                          </a:rPr>
+                          <m:t>𝑤</m:t>
+                        </m:r>
+                      </m:e>
+                      <m:sub>
+                        <m:r>
+                          <a:rPr lang="en-US" b="0" i="1" smtClean="0">
+                            <a:latin typeface="Cambria Math" panose="02040503050406030204" pitchFamily="18" charset="0"/>
+                          </a:rPr>
+                          <m:t>𝑑</m:t>
+                        </m:r>
+                      </m:sub>
+                    </m:sSub>
+                    <m:sSub>
+                      <m:sSubPr>
+                        <m:ctrlPr>
+                          <a:rPr lang="en-US" i="1">
+                            <a:latin typeface="Cambria Math" panose="02040503050406030204" pitchFamily="18" charset="0"/>
+                          </a:rPr>
+                        </m:ctrlPr>
+                      </m:sSubPr>
+                      <m:e>
+                        <m:r>
+                          <a:rPr lang="en-US" i="1">
+                            <a:latin typeface="Cambria Math" panose="02040503050406030204" pitchFamily="18" charset="0"/>
+                          </a:rPr>
+                          <m:t>𝑥</m:t>
+                        </m:r>
+                      </m:e>
+                      <m:sub>
+                        <m:r>
+                          <a:rPr lang="en-US" b="0" i="1" smtClean="0">
+                            <a:latin typeface="Cambria Math" panose="02040503050406030204" pitchFamily="18" charset="0"/>
+                          </a:rPr>
+                          <m:t>𝑑</m:t>
+                        </m:r>
+                      </m:sub>
+                    </m:sSub>
+                  </m:oMath>
+                </a14:m>
+                <a:endParaRPr lang="en-US" dirty="0"/>
+              </a:p>
+              <a:p>
+                <a:r>
+                  <a:rPr lang="en-US" dirty="0"/>
+                  <a:t>Models target </a:t>
+                </a:r>
+                <a14:m>
+                  <m:oMath xmlns:m="http://schemas.openxmlformats.org/officeDocument/2006/math">
+                    <m:r>
+                      <a:rPr lang="en-US" b="0" i="1" smtClean="0">
+                        <a:latin typeface="Cambria Math" panose="02040503050406030204" pitchFamily="18" charset="0"/>
+                      </a:rPr>
+                      <m:t>𝑦</m:t>
+                    </m:r>
+                  </m:oMath>
+                </a14:m>
+                <a:r>
+                  <a:rPr lang="en-US" dirty="0"/>
+                  <a:t> as function of features </a:t>
+                </a:r>
+                <a14:m>
+                  <m:oMath xmlns:m="http://schemas.openxmlformats.org/officeDocument/2006/math">
+                    <m:r>
+                      <a:rPr lang="en-US" b="1" i="1" smtClean="0">
+                        <a:latin typeface="Cambria Math" panose="02040503050406030204" pitchFamily="18" charset="0"/>
+                      </a:rPr>
+                      <m:t>𝒙</m:t>
+                    </m:r>
+                    <m:r>
+                      <a:rPr lang="en-US" b="0" i="1" smtClean="0">
+                        <a:latin typeface="Cambria Math" panose="02040503050406030204" pitchFamily="18" charset="0"/>
+                      </a:rPr>
+                      <m:t>=(</m:t>
+                    </m:r>
+                    <m:sSub>
+                      <m:sSubPr>
+                        <m:ctrlPr>
+                          <a:rPr lang="en-US" b="0" i="1" smtClean="0">
+                            <a:latin typeface="Cambria Math" panose="02040503050406030204" pitchFamily="18" charset="0"/>
+                          </a:rPr>
+                        </m:ctrlPr>
+                      </m:sSubPr>
+                      <m:e>
+                        <m:r>
+                          <a:rPr lang="en-US" b="0" i="1" smtClean="0">
+                            <a:latin typeface="Cambria Math" panose="02040503050406030204" pitchFamily="18" charset="0"/>
+                          </a:rPr>
+                          <m:t>𝑥</m:t>
+                        </m:r>
+                      </m:e>
+                      <m:sub>
+                        <m:r>
+                          <a:rPr lang="en-US" b="0" i="1" smtClean="0">
+                            <a:latin typeface="Cambria Math" panose="02040503050406030204" pitchFamily="18" charset="0"/>
+                          </a:rPr>
+                          <m:t>1</m:t>
+                        </m:r>
+                      </m:sub>
+                    </m:sSub>
+                    <m:r>
+                      <a:rPr lang="en-US" b="0" i="1" smtClean="0">
+                        <a:latin typeface="Cambria Math" panose="02040503050406030204" pitchFamily="18" charset="0"/>
+                      </a:rPr>
+                      <m:t>,…,</m:t>
+                    </m:r>
+                    <m:sSub>
+                      <m:sSubPr>
+                        <m:ctrlPr>
+                          <a:rPr lang="en-US" b="0" i="1" smtClean="0">
+                            <a:latin typeface="Cambria Math" panose="02040503050406030204" pitchFamily="18" charset="0"/>
+                          </a:rPr>
+                        </m:ctrlPr>
+                      </m:sSubPr>
+                      <m:e>
+                        <m:r>
+                          <a:rPr lang="en-US" b="0" i="1" smtClean="0">
+                            <a:latin typeface="Cambria Math" panose="02040503050406030204" pitchFamily="18" charset="0"/>
+                          </a:rPr>
+                          <m:t>𝑥</m:t>
+                        </m:r>
+                      </m:e>
+                      <m:sub>
+                        <m:r>
+                          <a:rPr lang="en-US" b="0" i="1" smtClean="0">
+                            <a:latin typeface="Cambria Math" panose="02040503050406030204" pitchFamily="18" charset="0"/>
+                          </a:rPr>
+                          <m:t>𝑑</m:t>
+                        </m:r>
+                      </m:sub>
+                    </m:sSub>
+                    <m:r>
+                      <a:rPr lang="en-US" b="0" i="1" smtClean="0">
+                        <a:latin typeface="Cambria Math" panose="02040503050406030204" pitchFamily="18" charset="0"/>
+                      </a:rPr>
+                      <m:t>)</m:t>
+                    </m:r>
+                  </m:oMath>
+                </a14:m>
+                <a:endParaRPr lang="en-US" dirty="0"/>
+              </a:p>
+              <a:p>
+                <a:r>
+                  <a:rPr lang="en-US" dirty="0"/>
+                  <a:t>In many problems, we know only a few features are likely relevant</a:t>
+                </a:r>
+              </a:p>
+              <a:p>
+                <a:r>
+                  <a:rPr lang="en-US" dirty="0"/>
+                  <a:t>This means we want </a:t>
+                </a:r>
+                <a14:m>
+                  <m:oMath xmlns:m="http://schemas.openxmlformats.org/officeDocument/2006/math">
+                    <m:sSub>
+                      <m:sSubPr>
+                        <m:ctrlPr>
+                          <a:rPr lang="en-US" b="0" i="1" smtClean="0">
+                            <a:latin typeface="Cambria Math" panose="02040503050406030204" pitchFamily="18" charset="0"/>
+                          </a:rPr>
+                        </m:ctrlPr>
+                      </m:sSubPr>
+                      <m:e>
+                        <m:r>
+                          <a:rPr lang="en-US" b="0" i="1" smtClean="0">
+                            <a:latin typeface="Cambria Math" panose="02040503050406030204" pitchFamily="18" charset="0"/>
+                          </a:rPr>
+                          <m:t>𝑤</m:t>
+                        </m:r>
+                      </m:e>
+                      <m:sub>
+                        <m:r>
+                          <a:rPr lang="en-US" b="0" i="1" smtClean="0">
+                            <a:latin typeface="Cambria Math" panose="02040503050406030204" pitchFamily="18" charset="0"/>
+                          </a:rPr>
+                          <m:t>𝑗</m:t>
+                        </m:r>
+                      </m:sub>
+                    </m:sSub>
+                    <m:r>
+                      <a:rPr lang="en-US" b="0" i="1" smtClean="0">
+                        <a:latin typeface="Cambria Math" panose="02040503050406030204" pitchFamily="18" charset="0"/>
+                      </a:rPr>
+                      <m:t>=0</m:t>
+                    </m:r>
+                  </m:oMath>
+                </a14:m>
+                <a:r>
+                  <a:rPr lang="en-US" dirty="0"/>
+                  <a:t> for most features</a:t>
+                </a:r>
+              </a:p>
+              <a:p>
+                <a:r>
+                  <a:rPr lang="en-US" dirty="0"/>
+                  <a:t>But, we don’t know a priori which  features are relevant</a:t>
+                </a:r>
+              </a:p>
+              <a:p>
+                <a:r>
+                  <a:rPr lang="en-US" dirty="0"/>
+                  <a:t>Model selection problem:  Fit a model with a small number of features</a:t>
+                </a:r>
+              </a:p>
+              <a:p>
+                <a:r>
+                  <a:rPr lang="en-US" dirty="0"/>
+                  <a:t>Mathematically:</a:t>
+                </a:r>
+              </a:p>
+              <a:p>
+                <a:pPr lvl="1"/>
+                <a:r>
+                  <a:rPr lang="en-US" dirty="0"/>
+                  <a:t>Determine a subset of features </a:t>
+                </a:r>
+                <a14:m>
+                  <m:oMath xmlns:m="http://schemas.openxmlformats.org/officeDocument/2006/math">
+                    <m:r>
+                      <a:rPr lang="en-US" b="0" i="1" smtClean="0">
+                        <a:latin typeface="Cambria Math" panose="02040503050406030204" pitchFamily="18" charset="0"/>
+                      </a:rPr>
+                      <m:t>𝐼</m:t>
+                    </m:r>
+                    <m:r>
+                      <a:rPr lang="en-US" b="0" i="1" smtClean="0">
+                        <a:latin typeface="Cambria Math" panose="02040503050406030204" pitchFamily="18" charset="0"/>
+                      </a:rPr>
+                      <m:t>⊆{1,…,</m:t>
+                    </m:r>
+                    <m:r>
+                      <a:rPr lang="en-US" b="0" i="1" smtClean="0">
+                        <a:latin typeface="Cambria Math" panose="02040503050406030204" pitchFamily="18" charset="0"/>
+                      </a:rPr>
+                      <m:t>𝑑</m:t>
+                    </m:r>
+                    <m:r>
+                      <a:rPr lang="en-US" b="0" i="1" smtClean="0">
+                        <a:latin typeface="Cambria Math" panose="02040503050406030204" pitchFamily="18" charset="0"/>
+                      </a:rPr>
+                      <m:t>}</m:t>
+                    </m:r>
+                  </m:oMath>
+                </a14:m>
+                <a:r>
+                  <a:rPr lang="en-US" dirty="0"/>
+                  <a:t> with </a:t>
+                </a:r>
+                <a14:m>
+                  <m:oMath xmlns:m="http://schemas.openxmlformats.org/officeDocument/2006/math">
+                    <m:r>
+                      <a:rPr lang="en-US" b="0" i="1" smtClean="0">
+                        <a:latin typeface="Cambria Math" panose="02040503050406030204" pitchFamily="18" charset="0"/>
+                      </a:rPr>
+                      <m:t>|</m:t>
+                    </m:r>
+                    <m:r>
+                      <a:rPr lang="en-US" b="0" i="1" smtClean="0">
+                        <a:latin typeface="Cambria Math" panose="02040503050406030204" pitchFamily="18" charset="0"/>
+                      </a:rPr>
+                      <m:t>𝐼</m:t>
+                    </m:r>
+                    <m:r>
+                      <a:rPr lang="en-US" b="0" i="1" smtClean="0">
+                        <a:latin typeface="Cambria Math" panose="02040503050406030204" pitchFamily="18" charset="0"/>
+                      </a:rPr>
+                      <m:t>|</m:t>
+                    </m:r>
+                  </m:oMath>
+                </a14:m>
+                <a:r>
+                  <a:rPr lang="en-US" dirty="0"/>
+                  <a:t> small</a:t>
+                </a:r>
+              </a:p>
+              <a:p>
+                <a:pPr lvl="1"/>
+                <a:r>
+                  <a:rPr lang="en-US" dirty="0"/>
+                  <a:t>Fit a model: </a:t>
+                </a:r>
+                <a14:m>
+                  <m:oMath xmlns:m="http://schemas.openxmlformats.org/officeDocument/2006/math">
+                    <m:acc>
+                      <m:accPr>
+                        <m:chr m:val="̂"/>
+                        <m:ctrlPr>
+                          <a:rPr lang="en-US" i="1">
+                            <a:latin typeface="Cambria Math" panose="02040503050406030204" pitchFamily="18" charset="0"/>
+                          </a:rPr>
+                        </m:ctrlPr>
+                      </m:accPr>
+                      <m:e>
+                        <m:r>
+                          <a:rPr lang="en-US" i="1">
+                            <a:latin typeface="Cambria Math" panose="02040503050406030204" pitchFamily="18" charset="0"/>
+                          </a:rPr>
+                          <m:t>𝑦</m:t>
+                        </m:r>
+                      </m:e>
+                    </m:acc>
+                    <m:r>
+                      <a:rPr lang="en-US" i="1">
+                        <a:latin typeface="Cambria Math" panose="02040503050406030204" pitchFamily="18" charset="0"/>
+                      </a:rPr>
+                      <m:t>=</m:t>
+                    </m:r>
+                    <m:r>
+                      <a:rPr lang="en-US" i="1">
+                        <a:latin typeface="Cambria Math" panose="02040503050406030204" pitchFamily="18" charset="0"/>
+                      </a:rPr>
+                      <m:t>𝑏</m:t>
+                    </m:r>
+                    <m:r>
+                      <a:rPr lang="en-US" i="1">
+                        <a:latin typeface="Cambria Math" panose="02040503050406030204" pitchFamily="18" charset="0"/>
+                      </a:rPr>
+                      <m:t>+</m:t>
+                    </m:r>
+                    <m:sSub>
+                      <m:sSubPr>
+                        <m:ctrlPr>
+                          <a:rPr lang="en-US" i="1">
+                            <a:latin typeface="Cambria Math" panose="02040503050406030204" pitchFamily="18" charset="0"/>
+                          </a:rPr>
+                        </m:ctrlPr>
+                      </m:sSubPr>
+                      <m:e>
+                        <m:r>
+                          <a:rPr lang="en-US" i="1">
+                            <a:latin typeface="Cambria Math" panose="02040503050406030204" pitchFamily="18" charset="0"/>
+                          </a:rPr>
+                          <m:t>𝑤</m:t>
+                        </m:r>
+                      </m:e>
+                      <m:sub>
+                        <m:r>
+                          <a:rPr lang="en-US" i="1">
+                            <a:latin typeface="Cambria Math" panose="02040503050406030204" pitchFamily="18" charset="0"/>
+                          </a:rPr>
+                          <m:t>1</m:t>
+                        </m:r>
+                      </m:sub>
+                    </m:sSub>
+                    <m:sSub>
+                      <m:sSubPr>
+                        <m:ctrlPr>
+                          <a:rPr lang="en-US" i="1">
+                            <a:latin typeface="Cambria Math" panose="02040503050406030204" pitchFamily="18" charset="0"/>
+                          </a:rPr>
+                        </m:ctrlPr>
+                      </m:sSubPr>
+                      <m:e>
+                        <m:r>
+                          <a:rPr lang="en-US" i="1">
+                            <a:latin typeface="Cambria Math" panose="02040503050406030204" pitchFamily="18" charset="0"/>
+                          </a:rPr>
+                          <m:t>𝑥</m:t>
+                        </m:r>
+                      </m:e>
+                      <m:sub>
+                        <m:r>
+                          <a:rPr lang="en-US" i="1">
+                            <a:latin typeface="Cambria Math" panose="02040503050406030204" pitchFamily="18" charset="0"/>
+                          </a:rPr>
+                          <m:t>1</m:t>
+                        </m:r>
+                      </m:sub>
+                    </m:sSub>
+                    <m:r>
+                      <a:rPr lang="en-US" i="1">
+                        <a:latin typeface="Cambria Math" panose="02040503050406030204" pitchFamily="18" charset="0"/>
+                      </a:rPr>
+                      <m:t>+⋯+</m:t>
+                    </m:r>
+                    <m:sSub>
+                      <m:sSubPr>
+                        <m:ctrlPr>
+                          <a:rPr lang="en-US" i="1">
+                            <a:latin typeface="Cambria Math" panose="02040503050406030204" pitchFamily="18" charset="0"/>
+                          </a:rPr>
+                        </m:ctrlPr>
+                      </m:sSubPr>
+                      <m:e>
+                        <m:r>
+                          <a:rPr lang="en-US" i="1">
+                            <a:latin typeface="Cambria Math" panose="02040503050406030204" pitchFamily="18" charset="0"/>
+                          </a:rPr>
+                          <m:t>𝑤</m:t>
+                        </m:r>
+                      </m:e>
+                      <m:sub>
+                        <m:r>
+                          <a:rPr lang="en-US" i="1">
+                            <a:latin typeface="Cambria Math" panose="02040503050406030204" pitchFamily="18" charset="0"/>
+                          </a:rPr>
+                          <m:t>𝑑</m:t>
+                        </m:r>
+                      </m:sub>
+                    </m:sSub>
+                    <m:sSub>
+                      <m:sSubPr>
+                        <m:ctrlPr>
+                          <a:rPr lang="en-US" i="1">
+                            <a:latin typeface="Cambria Math" panose="02040503050406030204" pitchFamily="18" charset="0"/>
+                          </a:rPr>
+                        </m:ctrlPr>
+                      </m:sSubPr>
+                      <m:e>
+                        <m:r>
+                          <a:rPr lang="en-US" i="1">
+                            <a:latin typeface="Cambria Math" panose="02040503050406030204" pitchFamily="18" charset="0"/>
+                          </a:rPr>
+                          <m:t>𝑥</m:t>
+                        </m:r>
+                      </m:e>
+                      <m:sub>
+                        <m:r>
+                          <a:rPr lang="en-US" i="1">
+                            <a:latin typeface="Cambria Math" panose="02040503050406030204" pitchFamily="18" charset="0"/>
+                          </a:rPr>
+                          <m:t>𝑑</m:t>
+                        </m:r>
+                      </m:sub>
+                    </m:sSub>
+                  </m:oMath>
+                </a14:m>
+                <a:r>
+                  <a:rPr lang="en-US" dirty="0"/>
+                  <a:t> with </a:t>
+                </a:r>
+                <a14:m>
+                  <m:oMath xmlns:m="http://schemas.openxmlformats.org/officeDocument/2006/math">
+                    <m:sSub>
+                      <m:sSubPr>
+                        <m:ctrlPr>
+                          <a:rPr lang="en-US" b="0" i="1" smtClean="0">
+                            <a:latin typeface="Cambria Math" panose="02040503050406030204" pitchFamily="18" charset="0"/>
+                          </a:rPr>
+                        </m:ctrlPr>
+                      </m:sSubPr>
+                      <m:e>
+                        <m:r>
+                          <a:rPr lang="en-US" b="0" i="1" smtClean="0">
+                            <a:latin typeface="Cambria Math" panose="02040503050406030204" pitchFamily="18" charset="0"/>
+                          </a:rPr>
+                          <m:t>𝑤</m:t>
+                        </m:r>
+                      </m:e>
+                      <m:sub>
+                        <m:r>
+                          <a:rPr lang="en-US" b="0" i="1" smtClean="0">
+                            <a:latin typeface="Cambria Math" panose="02040503050406030204" pitchFamily="18" charset="0"/>
+                          </a:rPr>
+                          <m:t>𝑗</m:t>
+                        </m:r>
+                      </m:sub>
+                    </m:sSub>
+                    <m:r>
+                      <a:rPr lang="en-US" b="0" i="1" smtClean="0">
+                        <a:latin typeface="Cambria Math" panose="02040503050406030204" pitchFamily="18" charset="0"/>
+                      </a:rPr>
+                      <m:t>=0</m:t>
+                    </m:r>
+                  </m:oMath>
+                </a14:m>
+                <a:r>
+                  <a:rPr lang="en-US" dirty="0"/>
+                  <a:t> for all </a:t>
+                </a:r>
+                <a14:m>
+                  <m:oMath xmlns:m="http://schemas.openxmlformats.org/officeDocument/2006/math">
+                    <m:r>
+                      <a:rPr lang="en-US" b="0" i="1" smtClean="0">
+                        <a:latin typeface="Cambria Math" panose="02040503050406030204" pitchFamily="18" charset="0"/>
+                      </a:rPr>
+                      <m:t>𝑗</m:t>
+                    </m:r>
+                    <m:r>
+                      <a:rPr lang="en-US" b="0" i="1" smtClean="0">
+                        <a:latin typeface="Cambria Math" panose="02040503050406030204" pitchFamily="18" charset="0"/>
+                      </a:rPr>
+                      <m:t>∉</m:t>
+                    </m:r>
+                    <m:r>
+                      <a:rPr lang="en-US" b="0" i="1" smtClean="0">
+                        <a:latin typeface="Cambria Math" panose="02040503050406030204" pitchFamily="18" charset="0"/>
+                      </a:rPr>
+                      <m:t>𝐼</m:t>
+                    </m:r>
+                  </m:oMath>
+                </a14:m>
+                <a:endParaRPr lang="en-US" dirty="0"/>
+              </a:p>
+            </p:txBody>
+          </p:sp>
+        </mc:Choice>
+        <mc:Fallback>
+          <p:sp>
+            <p:nvSpPr>
+              <p:cNvPr id="3" name="Content Placeholder 2">
+                <a:extLst>
+                  <a:ext uri="{FF2B5EF4-FFF2-40B4-BE49-F238E27FC236}">
+                    <a16:creationId xmlns:a16="http://schemas.microsoft.com/office/drawing/2014/main" id="{B59045C1-B77B-4DE9-BE71-06A4CF1CE246}"/>
+                  </a:ext>
+                </a:extLst>
+              </p:cNvPr>
+              <p:cNvSpPr>
+                <a:spLocks noGrp="1" noRot="1" noChangeAspect="1" noMove="1" noResize="1" noEditPoints="1" noAdjustHandles="1" noChangeArrowheads="1" noChangeShapeType="1" noTextEdit="1"/>
+              </p:cNvSpPr>
+              <p:nvPr>
+                <p:ph idx="1"/>
+              </p:nvPr>
+            </p:nvSpPr>
+            <p:spPr>
+              <a:blipFill>
+                <a:blip r:embed="rId2"/>
+                <a:stretch>
+                  <a:fillRect l="-1455" t="-1549"/>
+                </a:stretch>
+              </a:blipFill>
+            </p:spPr>
+            <p:txBody>
+              <a:bodyPr/>
+              <a:lstStyle/>
+              <a:p>
+                <a:r>
+                  <a:rPr lang="en-US">
+                    <a:noFill/>
+                  </a:rPr>
+                  <a:t> </a:t>
+                </a:r>
+              </a:p>
+            </p:txBody>
+          </p:sp>
+        </mc:Fallback>
+      </mc:AlternateContent>
+      <p:sp>
+        <p:nvSpPr>
+          <p:cNvPr id="4" name="Slide Number Placeholder 3">
+            <a:extLst>
+              <a:ext uri="{FF2B5EF4-FFF2-40B4-BE49-F238E27FC236}">
+                <a16:creationId xmlns:a16="http://schemas.microsoft.com/office/drawing/2014/main" id="{7C01A638-883F-4968-8501-A868FFD301F2}"/>
+              </a:ext>
+            </a:extLst>
+          </p:cNvPr>
+          <p:cNvSpPr>
+            <a:spLocks noGrp="1"/>
+          </p:cNvSpPr>
+          <p:nvPr>
+            <p:ph type="sldNum" sz="quarter" idx="12"/>
+          </p:nvPr>
+        </p:nvSpPr>
+        <p:spPr/>
+        <p:txBody>
+          <a:bodyPr/>
+          <a:lstStyle/>
+          <a:p>
+            <a:fld id="{629637A9-119A-49DA-BD12-AAC58B377D80}" type="slidenum">
+              <a:rPr lang="en-US" smtClean="0"/>
+              <a:t>10</a:t>
+            </a:fld>
+            <a:endParaRPr lang="en-US" dirty="0"/>
+          </a:p>
+        </p:txBody>
+      </p:sp>
+    </p:spTree>
+    <p:extLst>
+      <p:ext uri="{BB962C8B-B14F-4D97-AF65-F5344CB8AC3E}">
+        <p14:creationId xmlns:p14="http://schemas.microsoft.com/office/powerpoint/2010/main" val="3902044371"/>
+      </p:ext>
+    </p:extLst>
+  </p:cSld>
+  <p:clrMapOvr>
+    <a:masterClrMapping/>
+  </p:clrMapOvr>
+</p:sld>
+</file>
+
+<file path=ppt/slides/slide11.xml><?xml version="1.0" encoding="utf-8"?>
+<p:sld xmlns:a="http://schemas.openxmlformats.org/drawingml/2006/main" xmlns:r="http://schemas.openxmlformats.org/officeDocument/2006/relationships" xmlns:p="http://schemas.openxmlformats.org/presentationml/2006/main">
+  <p:cSld>
+    <p:spTree>
+      <p:nvGrpSpPr>
+        <p:cNvPr id="1" name=""/>
+        <p:cNvGrpSpPr/>
+        <p:nvPr/>
+      </p:nvGrpSpPr>
+      <p:grpSpPr>
+        <a:xfrm>
+          <a:off x="0" y="0"/>
+          <a:ext cx="0" cy="0"/>
+          <a:chOff x="0" y="0"/>
+          <a:chExt cx="0" cy="0"/>
+        </a:xfrm>
+      </p:grpSpPr>
+      <p:sp>
+        <p:nvSpPr>
+          <p:cNvPr id="2" name="Title 1">
+            <a:extLst>
+              <a:ext uri="{FF2B5EF4-FFF2-40B4-BE49-F238E27FC236}">
+                <a16:creationId xmlns:a16="http://schemas.microsoft.com/office/drawing/2014/main" id="{3D40AEDF-AD2C-4609-A9F5-11A5715BD3EC}"/>
+              </a:ext>
+            </a:extLst>
+          </p:cNvPr>
+          <p:cNvSpPr>
+            <a:spLocks noGrp="1"/>
+          </p:cNvSpPr>
+          <p:nvPr>
+            <p:ph type="title"/>
+          </p:nvPr>
+        </p:nvSpPr>
+        <p:spPr/>
+        <p:txBody>
+          <a:bodyPr/>
+          <a:lstStyle/>
+          <a:p>
+            <a:r>
+              <a:rPr lang="en-US" dirty="0"/>
+              <a:t>Example 1:  Medical Modeling</a:t>
+            </a:r>
+          </a:p>
+        </p:txBody>
+      </p:sp>
+      <p:sp>
+        <p:nvSpPr>
+          <p:cNvPr id="3" name="Content Placeholder 2">
+            <a:extLst>
+              <a:ext uri="{FF2B5EF4-FFF2-40B4-BE49-F238E27FC236}">
+                <a16:creationId xmlns:a16="http://schemas.microsoft.com/office/drawing/2014/main" id="{F38419BD-8F33-4AB7-9105-44B194173D73}"/>
+              </a:ext>
+            </a:extLst>
+          </p:cNvPr>
+          <p:cNvSpPr>
+            <a:spLocks noGrp="1"/>
+          </p:cNvSpPr>
+          <p:nvPr>
+            <p:ph idx="1"/>
+          </p:nvPr>
+        </p:nvSpPr>
+        <p:spPr/>
+        <p:txBody>
+          <a:bodyPr/>
+          <a:lstStyle/>
+          <a:p>
+            <a:r>
+              <a:rPr lang="en-US" dirty="0"/>
+              <a:t>PSA test:</a:t>
+            </a:r>
+          </a:p>
+          <a:p>
+            <a:pPr lvl="1"/>
+            <a:r>
+              <a:rPr lang="en-US" dirty="0"/>
+              <a:t>We have a number of features</a:t>
+            </a:r>
+          </a:p>
+          <a:p>
+            <a:r>
+              <a:rPr lang="en-US" dirty="0"/>
+              <a:t>But, likely that only a small number of features are relevant</a:t>
+            </a:r>
+          </a:p>
+          <a:p>
+            <a:r>
+              <a:rPr lang="en-US" dirty="0"/>
+              <a:t>Want a method that can determine which ones matter</a:t>
+            </a:r>
+          </a:p>
+          <a:p>
+            <a:pPr marL="0" indent="0">
+              <a:buNone/>
+            </a:pPr>
+            <a:r>
+              <a:rPr lang="en-US" dirty="0"/>
+              <a:t> </a:t>
+            </a:r>
+          </a:p>
+        </p:txBody>
+      </p:sp>
+      <p:sp>
+        <p:nvSpPr>
+          <p:cNvPr id="4" name="Slide Number Placeholder 3">
+            <a:extLst>
+              <a:ext uri="{FF2B5EF4-FFF2-40B4-BE49-F238E27FC236}">
+                <a16:creationId xmlns:a16="http://schemas.microsoft.com/office/drawing/2014/main" id="{79A09951-E727-43BA-950C-746A57BDD962}"/>
+              </a:ext>
+            </a:extLst>
+          </p:cNvPr>
+          <p:cNvSpPr>
+            <a:spLocks noGrp="1"/>
+          </p:cNvSpPr>
+          <p:nvPr>
+            <p:ph type="sldNum" sz="quarter" idx="12"/>
+          </p:nvPr>
+        </p:nvSpPr>
+        <p:spPr/>
+        <p:txBody>
+          <a:bodyPr/>
+          <a:lstStyle/>
+          <a:p>
+            <a:fld id="{629637A9-119A-49DA-BD12-AAC58B377D80}" type="slidenum">
+              <a:rPr lang="en-US" smtClean="0"/>
+              <a:t>11</a:t>
+            </a:fld>
+            <a:endParaRPr lang="en-US" dirty="0"/>
+          </a:p>
+        </p:txBody>
+      </p:sp>
+      <p:pic>
+        <p:nvPicPr>
+          <p:cNvPr id="5" name="Picture 4">
+            <a:extLst>
+              <a:ext uri="{FF2B5EF4-FFF2-40B4-BE49-F238E27FC236}">
+                <a16:creationId xmlns:a16="http://schemas.microsoft.com/office/drawing/2014/main" id="{DE4D9128-72F2-4443-BD25-39607F566AF2}"/>
+              </a:ext>
+            </a:extLst>
+          </p:cNvPr>
+          <p:cNvPicPr>
+            <a:picLocks noChangeAspect="1"/>
+          </p:cNvPicPr>
+          <p:nvPr/>
+        </p:nvPicPr>
+        <p:blipFill>
+          <a:blip r:embed="rId2"/>
+          <a:stretch>
+            <a:fillRect/>
+          </a:stretch>
+        </p:blipFill>
+        <p:spPr>
+          <a:xfrm>
+            <a:off x="7746594" y="1851127"/>
+            <a:ext cx="3200400" cy="3409950"/>
+          </a:xfrm>
+          <a:prstGeom prst="rect">
+            <a:avLst/>
+          </a:prstGeom>
+        </p:spPr>
+      </p:pic>
+    </p:spTree>
+    <p:extLst>
+      <p:ext uri="{BB962C8B-B14F-4D97-AF65-F5344CB8AC3E}">
+        <p14:creationId xmlns:p14="http://schemas.microsoft.com/office/powerpoint/2010/main" val="1802205994"/>
+      </p:ext>
+    </p:extLst>
+  </p:cSld>
+  <p:clrMapOvr>
+    <a:masterClrMapping/>
+  </p:clrMapOvr>
+</p:sld>
+</file>
+
+<file path=ppt/slides/slide12.xml><?xml version="1.0" encoding="utf-8"?>
+<p:sld xmlns:a="http://schemas.openxmlformats.org/drawingml/2006/main" xmlns:r="http://schemas.openxmlformats.org/officeDocument/2006/relationships" xmlns:p="http://schemas.openxmlformats.org/presentationml/2006/main">
+  <p:cSld>
+    <p:spTree>
+      <p:nvGrpSpPr>
+        <p:cNvPr id="1" name=""/>
+        <p:cNvGrpSpPr/>
+        <p:nvPr/>
+      </p:nvGrpSpPr>
+      <p:grpSpPr>
+        <a:xfrm>
+          <a:off x="0" y="0"/>
+          <a:ext cx="0" cy="0"/>
+          <a:chOff x="0" y="0"/>
+          <a:chExt cx="0" cy="0"/>
+        </a:xfrm>
+      </p:grpSpPr>
+      <p:sp>
+        <p:nvSpPr>
+          <p:cNvPr id="2" name="Title 1">
+            <a:extLst>
+              <a:ext uri="{FF2B5EF4-FFF2-40B4-BE49-F238E27FC236}">
+                <a16:creationId xmlns:a16="http://schemas.microsoft.com/office/drawing/2014/main" id="{AB072712-3347-46BB-8BF6-B9FF53D1FA10}"/>
+              </a:ext>
+            </a:extLst>
+          </p:cNvPr>
+          <p:cNvSpPr>
+            <a:spLocks noGrp="1"/>
+          </p:cNvSpPr>
+          <p:nvPr>
+            <p:ph type="title"/>
+          </p:nvPr>
+        </p:nvSpPr>
+        <p:spPr/>
+        <p:txBody>
+          <a:bodyPr/>
+          <a:lstStyle/>
+          <a:p>
+            <a:r>
+              <a:rPr lang="en-US" dirty="0"/>
+              <a:t>Model Selection with Limited Data</a:t>
+            </a:r>
+          </a:p>
+        </p:txBody>
+      </p:sp>
+      <mc:AlternateContent xmlns:mc="http://schemas.openxmlformats.org/markup-compatibility/2006">
+        <mc:Choice xmlns:a14="http://schemas.microsoft.com/office/drawing/2010/main" Requires="a14">
+          <p:sp>
+            <p:nvSpPr>
+              <p:cNvPr id="3" name="Content Placeholder 2">
+                <a:extLst>
+                  <a:ext uri="{FF2B5EF4-FFF2-40B4-BE49-F238E27FC236}">
+                    <a16:creationId xmlns:a16="http://schemas.microsoft.com/office/drawing/2014/main" id="{9F777C7C-1A22-4A74-9E41-4C0F5ACC3503}"/>
+                  </a:ext>
+                </a:extLst>
+              </p:cNvPr>
+              <p:cNvSpPr>
+                <a:spLocks noGrp="1"/>
+              </p:cNvSpPr>
+              <p:nvPr>
+                <p:ph idx="1"/>
+              </p:nvPr>
+            </p:nvSpPr>
+            <p:spPr/>
+            <p:txBody>
+              <a:bodyPr/>
+              <a:lstStyle/>
+              <a:p>
+                <a:r>
+                  <a:rPr lang="en-US" dirty="0"/>
+                  <a:t>Model selection is particularly valuable when data is limited</a:t>
+                </a:r>
+              </a:p>
+              <a:p>
+                <a:r>
+                  <a:rPr lang="en-US" dirty="0"/>
+                  <a:t>Ex:  Consider linear model: </a:t>
+                </a:r>
+                <a14:m>
+                  <m:oMath xmlns:m="http://schemas.openxmlformats.org/officeDocument/2006/math">
+                    <m:acc>
+                      <m:accPr>
+                        <m:chr m:val="̂"/>
+                        <m:ctrlPr>
+                          <a:rPr lang="en-US" i="1">
+                            <a:latin typeface="Cambria Math" panose="02040503050406030204" pitchFamily="18" charset="0"/>
+                          </a:rPr>
+                        </m:ctrlPr>
+                      </m:accPr>
+                      <m:e>
+                        <m:r>
+                          <a:rPr lang="en-US" i="1">
+                            <a:latin typeface="Cambria Math" panose="02040503050406030204" pitchFamily="18" charset="0"/>
+                          </a:rPr>
+                          <m:t>𝑦</m:t>
+                        </m:r>
+                      </m:e>
+                    </m:acc>
+                    <m:r>
+                      <a:rPr lang="en-US" i="1">
+                        <a:latin typeface="Cambria Math" panose="02040503050406030204" pitchFamily="18" charset="0"/>
+                      </a:rPr>
+                      <m:t>=</m:t>
+                    </m:r>
+                    <m:r>
+                      <a:rPr lang="en-US" i="1">
+                        <a:latin typeface="Cambria Math" panose="02040503050406030204" pitchFamily="18" charset="0"/>
+                      </a:rPr>
+                      <m:t>𝑏</m:t>
+                    </m:r>
+                    <m:r>
+                      <a:rPr lang="en-US" i="1">
+                        <a:latin typeface="Cambria Math" panose="02040503050406030204" pitchFamily="18" charset="0"/>
+                      </a:rPr>
+                      <m:t>+</m:t>
+                    </m:r>
+                    <m:sSub>
+                      <m:sSubPr>
+                        <m:ctrlPr>
+                          <a:rPr lang="en-US" i="1">
+                            <a:latin typeface="Cambria Math" panose="02040503050406030204" pitchFamily="18" charset="0"/>
+                          </a:rPr>
+                        </m:ctrlPr>
+                      </m:sSubPr>
+                      <m:e>
+                        <m:r>
+                          <a:rPr lang="en-US" i="1">
+                            <a:latin typeface="Cambria Math" panose="02040503050406030204" pitchFamily="18" charset="0"/>
+                          </a:rPr>
+                          <m:t>𝑤</m:t>
+                        </m:r>
+                      </m:e>
+                      <m:sub>
+                        <m:r>
+                          <a:rPr lang="en-US" i="1">
+                            <a:latin typeface="Cambria Math" panose="02040503050406030204" pitchFamily="18" charset="0"/>
+                          </a:rPr>
+                          <m:t>1</m:t>
+                        </m:r>
+                      </m:sub>
+                    </m:sSub>
+                    <m:sSub>
+                      <m:sSubPr>
+                        <m:ctrlPr>
+                          <a:rPr lang="en-US" i="1">
+                            <a:latin typeface="Cambria Math" panose="02040503050406030204" pitchFamily="18" charset="0"/>
+                          </a:rPr>
+                        </m:ctrlPr>
+                      </m:sSubPr>
+                      <m:e>
+                        <m:r>
+                          <a:rPr lang="en-US" i="1">
+                            <a:latin typeface="Cambria Math" panose="02040503050406030204" pitchFamily="18" charset="0"/>
+                          </a:rPr>
+                          <m:t>𝑥</m:t>
+                        </m:r>
+                      </m:e>
+                      <m:sub>
+                        <m:r>
+                          <a:rPr lang="en-US" i="1">
+                            <a:latin typeface="Cambria Math" panose="02040503050406030204" pitchFamily="18" charset="0"/>
+                          </a:rPr>
+                          <m:t>1</m:t>
+                        </m:r>
+                      </m:sub>
+                    </m:sSub>
+                    <m:r>
+                      <a:rPr lang="en-US" i="1">
+                        <a:latin typeface="Cambria Math" panose="02040503050406030204" pitchFamily="18" charset="0"/>
+                      </a:rPr>
+                      <m:t>+⋯+</m:t>
+                    </m:r>
+                    <m:sSub>
+                      <m:sSubPr>
+                        <m:ctrlPr>
+                          <a:rPr lang="en-US" i="1">
+                            <a:latin typeface="Cambria Math" panose="02040503050406030204" pitchFamily="18" charset="0"/>
+                          </a:rPr>
+                        </m:ctrlPr>
+                      </m:sSubPr>
+                      <m:e>
+                        <m:r>
+                          <a:rPr lang="en-US" i="1">
+                            <a:latin typeface="Cambria Math" panose="02040503050406030204" pitchFamily="18" charset="0"/>
+                          </a:rPr>
+                          <m:t>𝑤</m:t>
+                        </m:r>
+                      </m:e>
+                      <m:sub>
+                        <m:r>
+                          <a:rPr lang="en-US" i="1">
+                            <a:latin typeface="Cambria Math" panose="02040503050406030204" pitchFamily="18" charset="0"/>
+                          </a:rPr>
+                          <m:t>𝑑</m:t>
+                        </m:r>
+                      </m:sub>
+                    </m:sSub>
+                    <m:sSub>
+                      <m:sSubPr>
+                        <m:ctrlPr>
+                          <a:rPr lang="en-US" i="1">
+                            <a:latin typeface="Cambria Math" panose="02040503050406030204" pitchFamily="18" charset="0"/>
+                          </a:rPr>
+                        </m:ctrlPr>
+                      </m:sSubPr>
+                      <m:e>
+                        <m:r>
+                          <a:rPr lang="en-US" i="1">
+                            <a:latin typeface="Cambria Math" panose="02040503050406030204" pitchFamily="18" charset="0"/>
+                          </a:rPr>
+                          <m:t>𝑥</m:t>
+                        </m:r>
+                      </m:e>
+                      <m:sub>
+                        <m:r>
+                          <a:rPr lang="en-US" i="1">
+                            <a:latin typeface="Cambria Math" panose="02040503050406030204" pitchFamily="18" charset="0"/>
+                          </a:rPr>
+                          <m:t>𝑑</m:t>
+                        </m:r>
+                      </m:sub>
+                    </m:sSub>
+                  </m:oMath>
+                </a14:m>
+                <a:endParaRPr lang="en-US" dirty="0"/>
+              </a:p>
+              <a:p>
+                <a:pPr lvl="1"/>
+                <a:r>
+                  <a:rPr lang="en-US" dirty="0"/>
+                  <a:t>Model has </a:t>
+                </a:r>
+                <a14:m>
+                  <m:oMath xmlns:m="http://schemas.openxmlformats.org/officeDocument/2006/math">
+                    <m:r>
+                      <a:rPr lang="en-US" b="0" i="1" smtClean="0">
+                        <a:latin typeface="Cambria Math" panose="02040503050406030204" pitchFamily="18" charset="0"/>
+                      </a:rPr>
+                      <m:t>𝑑</m:t>
+                    </m:r>
+                    <m:r>
+                      <a:rPr lang="en-US" b="0" i="1" smtClean="0">
+                        <a:latin typeface="Cambria Math" panose="02040503050406030204" pitchFamily="18" charset="0"/>
+                      </a:rPr>
+                      <m:t>+1</m:t>
+                    </m:r>
+                  </m:oMath>
+                </a14:m>
+                <a:r>
+                  <a:rPr lang="en-US" dirty="0"/>
+                  <a:t> parameters</a:t>
+                </a:r>
+              </a:p>
+              <a:p>
+                <a:r>
+                  <a:rPr lang="en-US" dirty="0"/>
+                  <a:t>From previous lecture, we need </a:t>
+                </a:r>
+                <a14:m>
+                  <m:oMath xmlns:m="http://schemas.openxmlformats.org/officeDocument/2006/math">
+                    <m:r>
+                      <a:rPr lang="en-US" b="0" i="1" smtClean="0">
+                        <a:latin typeface="Cambria Math" panose="02040503050406030204" pitchFamily="18" charset="0"/>
+                      </a:rPr>
+                      <m:t>𝑁</m:t>
+                    </m:r>
+                    <m:r>
+                      <a:rPr lang="en-US" b="0" i="1" smtClean="0">
+                        <a:latin typeface="Cambria Math" panose="02040503050406030204" pitchFamily="18" charset="0"/>
+                      </a:rPr>
+                      <m:t>&gt;</m:t>
+                    </m:r>
+                    <m:r>
+                      <a:rPr lang="en-US" b="0" i="1" smtClean="0">
+                        <a:latin typeface="Cambria Math" panose="02040503050406030204" pitchFamily="18" charset="0"/>
+                      </a:rPr>
+                      <m:t>𝑑</m:t>
+                    </m:r>
+                    <m:r>
+                      <a:rPr lang="en-US" b="0" i="1" smtClean="0">
+                        <a:latin typeface="Cambria Math" panose="02040503050406030204" pitchFamily="18" charset="0"/>
+                      </a:rPr>
+                      <m:t>+1</m:t>
+                    </m:r>
+                  </m:oMath>
+                </a14:m>
+                <a:r>
+                  <a:rPr lang="en-US" dirty="0"/>
+                  <a:t> data points </a:t>
+                </a:r>
+                <a14:m>
+                  <m:oMath xmlns:m="http://schemas.openxmlformats.org/officeDocument/2006/math">
+                    <m:r>
+                      <a:rPr lang="en-US" b="0" i="1" smtClean="0">
+                        <a:latin typeface="Cambria Math" panose="02040503050406030204" pitchFamily="18" charset="0"/>
+                      </a:rPr>
+                      <m:t>(</m:t>
+                    </m:r>
+                    <m:sSub>
+                      <m:sSubPr>
+                        <m:ctrlPr>
+                          <a:rPr lang="en-US" b="0" i="1" smtClean="0">
+                            <a:latin typeface="Cambria Math" panose="02040503050406030204" pitchFamily="18" charset="0"/>
+                          </a:rPr>
+                        </m:ctrlPr>
+                      </m:sSubPr>
+                      <m:e>
+                        <m:r>
+                          <a:rPr lang="en-US" b="1" i="1" smtClean="0">
+                            <a:latin typeface="Cambria Math" panose="02040503050406030204" pitchFamily="18" charset="0"/>
+                          </a:rPr>
+                          <m:t>𝒙</m:t>
+                        </m:r>
+                      </m:e>
+                      <m:sub>
+                        <m:r>
+                          <a:rPr lang="en-US" b="0" i="1" smtClean="0">
+                            <a:latin typeface="Cambria Math" panose="02040503050406030204" pitchFamily="18" charset="0"/>
+                          </a:rPr>
+                          <m:t>𝑖</m:t>
+                        </m:r>
+                      </m:sub>
+                    </m:sSub>
+                    <m:r>
+                      <a:rPr lang="en-US" b="0" i="1" smtClean="0">
+                        <a:latin typeface="Cambria Math" panose="02040503050406030204" pitchFamily="18" charset="0"/>
+                      </a:rPr>
+                      <m:t>,</m:t>
+                    </m:r>
+                    <m:sSub>
+                      <m:sSubPr>
+                        <m:ctrlPr>
+                          <a:rPr lang="en-US" b="0" i="1" smtClean="0">
+                            <a:latin typeface="Cambria Math" panose="02040503050406030204" pitchFamily="18" charset="0"/>
+                          </a:rPr>
+                        </m:ctrlPr>
+                      </m:sSubPr>
+                      <m:e>
+                        <m:r>
+                          <a:rPr lang="en-US" b="0" i="1" smtClean="0">
+                            <a:latin typeface="Cambria Math" panose="02040503050406030204" pitchFamily="18" charset="0"/>
+                          </a:rPr>
+                          <m:t>𝑦</m:t>
+                        </m:r>
+                      </m:e>
+                      <m:sub>
+                        <m:r>
+                          <a:rPr lang="en-US" b="0" i="1" smtClean="0">
+                            <a:latin typeface="Cambria Math" panose="02040503050406030204" pitchFamily="18" charset="0"/>
+                          </a:rPr>
+                          <m:t>𝑖</m:t>
+                        </m:r>
+                      </m:sub>
+                    </m:sSub>
+                    <m:r>
+                      <a:rPr lang="en-US" b="0" i="1" smtClean="0">
+                        <a:latin typeface="Cambria Math" panose="02040503050406030204" pitchFamily="18" charset="0"/>
+                      </a:rPr>
+                      <m:t>)</m:t>
+                    </m:r>
+                  </m:oMath>
+                </a14:m>
+                <a:endParaRPr lang="en-US" dirty="0"/>
+              </a:p>
+              <a:p>
+                <a:r>
+                  <a:rPr lang="en-US" dirty="0"/>
+                  <a:t>In many cases we have </a:t>
+                </a:r>
+                <a14:m>
+                  <m:oMath xmlns:m="http://schemas.openxmlformats.org/officeDocument/2006/math">
+                    <m:r>
+                      <a:rPr lang="en-US" b="0" i="1" smtClean="0">
+                        <a:latin typeface="Cambria Math" panose="02040503050406030204" pitchFamily="18" charset="0"/>
+                      </a:rPr>
+                      <m:t>𝑁</m:t>
+                    </m:r>
+                    <m:r>
+                      <a:rPr lang="en-US" b="0" i="1" smtClean="0">
+                        <a:latin typeface="Cambria Math" panose="02040503050406030204" pitchFamily="18" charset="0"/>
+                      </a:rPr>
+                      <m:t>≪</m:t>
+                    </m:r>
+                    <m:r>
+                      <a:rPr lang="en-US" b="0" i="1" smtClean="0">
+                        <a:latin typeface="Cambria Math" panose="02040503050406030204" pitchFamily="18" charset="0"/>
+                      </a:rPr>
+                      <m:t>𝑑</m:t>
+                    </m:r>
+                  </m:oMath>
+                </a14:m>
+                <a:endParaRPr lang="en-US" dirty="0"/>
+              </a:p>
+              <a:p>
+                <a:pPr lvl="1"/>
+                <a:r>
+                  <a:rPr lang="en-US" dirty="0"/>
+                  <a:t>Examples below</a:t>
+                </a:r>
+              </a:p>
+              <a:p>
+                <a:pPr lvl="1"/>
+                <a:r>
+                  <a:rPr lang="en-US" dirty="0"/>
+                  <a:t>Many few data points than features</a:t>
+                </a:r>
+              </a:p>
+              <a:p>
+                <a:pPr lvl="1"/>
+                <a:r>
+                  <a:rPr lang="en-US" dirty="0"/>
+                  <a:t>Classic linear fit will not work</a:t>
+                </a:r>
+              </a:p>
+              <a:p>
+                <a:r>
+                  <a:rPr lang="en-US" dirty="0"/>
+                  <a:t>But, suppose we can restrict to </a:t>
+                </a:r>
+                <a14:m>
+                  <m:oMath xmlns:m="http://schemas.openxmlformats.org/officeDocument/2006/math">
+                    <m:r>
+                      <a:rPr lang="en-US" b="0" i="1" smtClean="0">
+                        <a:latin typeface="Cambria Math" panose="02040503050406030204" pitchFamily="18" charset="0"/>
+                      </a:rPr>
+                      <m:t>𝐾</m:t>
+                    </m:r>
+                    <m:r>
+                      <a:rPr lang="en-US" b="0" i="1" smtClean="0">
+                        <a:latin typeface="Cambria Math" panose="02040503050406030204" pitchFamily="18" charset="0"/>
+                      </a:rPr>
+                      <m:t>≪</m:t>
+                    </m:r>
+                    <m:r>
+                      <a:rPr lang="en-US" b="0" i="1" smtClean="0">
+                        <a:latin typeface="Cambria Math" panose="02040503050406030204" pitchFamily="18" charset="0"/>
+                      </a:rPr>
+                      <m:t>𝑁</m:t>
+                    </m:r>
+                  </m:oMath>
+                </a14:m>
+                <a:r>
+                  <a:rPr lang="en-US" dirty="0"/>
+                  <a:t> non-zero parameters</a:t>
+                </a:r>
+              </a:p>
+              <a:p>
+                <a:pPr lvl="1"/>
+                <a:r>
+                  <a:rPr lang="en-US" dirty="0"/>
+                  <a:t>Then, we can find a good fit on those parameters</a:t>
+                </a:r>
+              </a:p>
+              <a:p>
+                <a:r>
+                  <a:rPr lang="en-US" dirty="0"/>
+                  <a:t>Challenge:  How do we find a small number </a:t>
+                </a:r>
+                <a14:m>
+                  <m:oMath xmlns:m="http://schemas.openxmlformats.org/officeDocument/2006/math">
+                    <m:r>
+                      <a:rPr lang="en-US" b="0" i="1" smtClean="0">
+                        <a:latin typeface="Cambria Math" panose="02040503050406030204" pitchFamily="18" charset="0"/>
+                      </a:rPr>
+                      <m:t>𝐾</m:t>
+                    </m:r>
+                  </m:oMath>
+                </a14:m>
+                <a:r>
+                  <a:rPr lang="en-US" dirty="0"/>
+                  <a:t> of relevant features</a:t>
+                </a:r>
+              </a:p>
+            </p:txBody>
+          </p:sp>
+        </mc:Choice>
+        <mc:Fallback>
+          <p:sp>
+            <p:nvSpPr>
+              <p:cNvPr id="3" name="Content Placeholder 2">
+                <a:extLst>
+                  <a:ext uri="{FF2B5EF4-FFF2-40B4-BE49-F238E27FC236}">
+                    <a16:creationId xmlns:a16="http://schemas.microsoft.com/office/drawing/2014/main" id="{9F777C7C-1A22-4A74-9E41-4C0F5ACC3503}"/>
+                  </a:ext>
+                </a:extLst>
+              </p:cNvPr>
+              <p:cNvSpPr>
+                <a:spLocks noGrp="1" noRot="1" noChangeAspect="1" noMove="1" noResize="1" noEditPoints="1" noAdjustHandles="1" noChangeArrowheads="1" noChangeShapeType="1" noTextEdit="1"/>
+              </p:cNvSpPr>
+              <p:nvPr>
+                <p:ph idx="1"/>
+              </p:nvPr>
+            </p:nvSpPr>
+            <p:spPr>
+              <a:blipFill>
+                <a:blip r:embed="rId2"/>
+                <a:stretch>
+                  <a:fillRect l="-1455" t="-1549" b="-563"/>
+                </a:stretch>
+              </a:blipFill>
+            </p:spPr>
+            <p:txBody>
+              <a:bodyPr/>
+              <a:lstStyle/>
+              <a:p>
+                <a:r>
+                  <a:rPr lang="en-US">
+                    <a:noFill/>
+                  </a:rPr>
+                  <a:t> </a:t>
+                </a:r>
+              </a:p>
+            </p:txBody>
+          </p:sp>
+        </mc:Fallback>
+      </mc:AlternateContent>
+      <p:sp>
+        <p:nvSpPr>
+          <p:cNvPr id="4" name="Slide Number Placeholder 3">
+            <a:extLst>
+              <a:ext uri="{FF2B5EF4-FFF2-40B4-BE49-F238E27FC236}">
+                <a16:creationId xmlns:a16="http://schemas.microsoft.com/office/drawing/2014/main" id="{5BA79058-4A16-4B25-B832-DE723EF84D98}"/>
+              </a:ext>
+            </a:extLst>
+          </p:cNvPr>
+          <p:cNvSpPr>
+            <a:spLocks noGrp="1"/>
+          </p:cNvSpPr>
+          <p:nvPr>
+            <p:ph type="sldNum" sz="quarter" idx="12"/>
+          </p:nvPr>
+        </p:nvSpPr>
+        <p:spPr/>
+        <p:txBody>
+          <a:bodyPr/>
+          <a:lstStyle/>
+          <a:p>
+            <a:fld id="{629637A9-119A-49DA-BD12-AAC58B377D80}" type="slidenum">
+              <a:rPr lang="en-US" smtClean="0"/>
+              <a:t>12</a:t>
+            </a:fld>
+            <a:endParaRPr lang="en-US" dirty="0"/>
+          </a:p>
+        </p:txBody>
+      </p:sp>
+    </p:spTree>
+    <p:extLst>
+      <p:ext uri="{BB962C8B-B14F-4D97-AF65-F5344CB8AC3E}">
+        <p14:creationId xmlns:p14="http://schemas.microsoft.com/office/powerpoint/2010/main" val="2817107508"/>
+      </p:ext>
+    </p:extLst>
+  </p:cSld>
+  <p:clrMapOvr>
+    <a:masterClrMapping/>
+  </p:clrMapOvr>
+</p:sld>
+</file>
+
+<file path=ppt/slides/slide13.xml><?xml version="1.0" encoding="utf-8"?>
+<p:sld xmlns:a="http://schemas.openxmlformats.org/drawingml/2006/main" xmlns:r="http://schemas.openxmlformats.org/officeDocument/2006/relationships" xmlns:p="http://schemas.openxmlformats.org/presentationml/2006/main">
+  <p:cSld>
+    <p:spTree>
+      <p:nvGrpSpPr>
+        <p:cNvPr id="1" name=""/>
+        <p:cNvGrpSpPr/>
+        <p:nvPr/>
+      </p:nvGrpSpPr>
+      <p:grpSpPr>
+        <a:xfrm>
+          <a:off x="0" y="0"/>
+          <a:ext cx="0" cy="0"/>
+          <a:chOff x="0" y="0"/>
+          <a:chExt cx="0" cy="0"/>
+        </a:xfrm>
+      </p:grpSpPr>
+      <p:sp>
+        <p:nvSpPr>
+          <p:cNvPr id="2" name="Title 1"/>
+          <p:cNvSpPr>
+            <a:spLocks noGrp="1"/>
+          </p:cNvSpPr>
+          <p:nvPr>
+            <p:ph type="title"/>
+          </p:nvPr>
+        </p:nvSpPr>
+        <p:spPr/>
+        <p:txBody>
+          <a:bodyPr/>
+          <a:lstStyle/>
+          <a:p>
+            <a:r>
+              <a:rPr lang="en-US" dirty="0"/>
+              <a:t>Example 2:  Spam Detection</a:t>
+            </a:r>
+          </a:p>
+        </p:txBody>
+      </p:sp>
+      <mc:AlternateContent xmlns:mc="http://schemas.openxmlformats.org/markup-compatibility/2006">
+        <mc:Choice xmlns:a14="http://schemas.microsoft.com/office/drawing/2010/main" Requires="a14">
+          <p:sp>
+            <p:nvSpPr>
+              <p:cNvPr id="3" name="Content Placeholder 2"/>
+              <p:cNvSpPr>
+                <a:spLocks noGrp="1"/>
+              </p:cNvSpPr>
+              <p:nvPr>
+                <p:ph idx="1"/>
+              </p:nvPr>
+            </p:nvSpPr>
+            <p:spPr>
+              <a:xfrm>
+                <a:off x="6347790" y="1716157"/>
+                <a:ext cx="4807889" cy="4245702"/>
+              </a:xfrm>
+            </p:spPr>
+            <p:txBody>
+              <a:bodyPr/>
+              <a:lstStyle/>
+              <a:p>
+                <a:r>
+                  <a:rPr lang="en-US" dirty="0"/>
+                  <a:t>Classification problem:</a:t>
+                </a:r>
+              </a:p>
+              <a:p>
+                <a:pPr lvl="1"/>
+                <a:r>
+                  <a:rPr lang="en-US" dirty="0"/>
+                  <a:t>Is email junk or not junk?</a:t>
+                </a:r>
+              </a:p>
+              <a:p>
+                <a:r>
+                  <a:rPr lang="en-US" dirty="0"/>
+                  <a:t>Typical bag-of-word model:</a:t>
+                </a:r>
+              </a:p>
+              <a:p>
+                <a:pPr lvl="1"/>
+                <a:r>
+                  <a:rPr lang="en-US" dirty="0"/>
+                  <a:t>Enumerate all words, </a:t>
+                </a:r>
+                <a14:m>
+                  <m:oMath xmlns:m="http://schemas.openxmlformats.org/officeDocument/2006/math">
+                    <m:r>
+                      <a:rPr lang="en-US" b="0" i="1" smtClean="0">
+                        <a:latin typeface="Cambria Math" panose="02040503050406030204" pitchFamily="18" charset="0"/>
+                      </a:rPr>
+                      <m:t>𝑖</m:t>
+                    </m:r>
+                    <m:r>
+                      <a:rPr lang="en-US" b="0" i="1" smtClean="0">
+                        <a:latin typeface="Cambria Math" panose="02040503050406030204" pitchFamily="18" charset="0"/>
+                      </a:rPr>
+                      <m:t>=1,…,</m:t>
+                    </m:r>
+                    <m:r>
+                      <a:rPr lang="en-US" b="0" i="1" smtClean="0">
+                        <a:latin typeface="Cambria Math" panose="02040503050406030204" pitchFamily="18" charset="0"/>
+                      </a:rPr>
+                      <m:t>𝑑</m:t>
+                    </m:r>
+                  </m:oMath>
+                </a14:m>
+                <a:endParaRPr lang="en-US" b="0" dirty="0"/>
+              </a:p>
+              <a:p>
+                <a:pPr lvl="1"/>
+                <a:r>
+                  <a:rPr lang="en-US" dirty="0"/>
+                  <a:t>Represent email via word count</a:t>
+                </a:r>
+                <a:br>
+                  <a:rPr lang="en-US" dirty="0"/>
+                </a:br>
+                <a14:m>
+                  <m:oMath xmlns:m="http://schemas.openxmlformats.org/officeDocument/2006/math">
+                    <m:sSub>
+                      <m:sSubPr>
+                        <m:ctrlPr>
+                          <a:rPr lang="en-US" b="0" i="1" smtClean="0">
+                            <a:latin typeface="Cambria Math" panose="02040503050406030204" pitchFamily="18" charset="0"/>
+                          </a:rPr>
+                        </m:ctrlPr>
+                      </m:sSubPr>
+                      <m:e>
+                        <m:r>
+                          <a:rPr lang="en-US" b="0" i="1" smtClean="0">
+                            <a:latin typeface="Cambria Math" panose="02040503050406030204" pitchFamily="18" charset="0"/>
+                          </a:rPr>
+                          <m:t>𝑥</m:t>
+                        </m:r>
+                      </m:e>
+                      <m:sub>
+                        <m:r>
+                          <a:rPr lang="en-US" b="0" i="1" smtClean="0">
+                            <a:latin typeface="Cambria Math" panose="02040503050406030204" pitchFamily="18" charset="0"/>
+                          </a:rPr>
+                          <m:t>𝑖</m:t>
+                        </m:r>
+                      </m:sub>
+                    </m:sSub>
+                    <m:r>
+                      <a:rPr lang="en-US" b="0" i="1" smtClean="0">
+                        <a:latin typeface="Cambria Math" panose="02040503050406030204" pitchFamily="18" charset="0"/>
+                      </a:rPr>
+                      <m:t>=</m:t>
+                    </m:r>
+                  </m:oMath>
+                </a14:m>
+                <a:r>
+                  <a:rPr lang="en-US" dirty="0"/>
+                  <a:t> </a:t>
+                </a:r>
+                <a:r>
+                  <a:rPr lang="en-US" dirty="0" err="1"/>
+                  <a:t>num</a:t>
+                </a:r>
+                <a:r>
+                  <a:rPr lang="en-US" dirty="0"/>
+                  <a:t> instances of word </a:t>
+                </a:r>
+                <a14:m>
+                  <m:oMath xmlns:m="http://schemas.openxmlformats.org/officeDocument/2006/math">
+                    <m:r>
+                      <a:rPr lang="en-US" b="0" i="1" smtClean="0">
+                        <a:latin typeface="Cambria Math" panose="02040503050406030204" pitchFamily="18" charset="0"/>
+                      </a:rPr>
+                      <m:t>𝑖</m:t>
+                    </m:r>
+                  </m:oMath>
+                </a14:m>
+                <a:endParaRPr lang="en-US" dirty="0"/>
+              </a:p>
+              <a:p>
+                <a:r>
+                  <a:rPr lang="en-US" dirty="0"/>
+                  <a:t>Model selection:  </a:t>
+                </a:r>
+              </a:p>
+              <a:p>
+                <a:pPr lvl="1"/>
+                <a14:m>
+                  <m:oMath xmlns:m="http://schemas.openxmlformats.org/officeDocument/2006/math">
+                    <m:r>
+                      <a:rPr lang="en-US" b="0" i="1" smtClean="0">
+                        <a:latin typeface="Cambria Math" panose="02040503050406030204" pitchFamily="18" charset="0"/>
+                      </a:rPr>
+                      <m:t>𝑑</m:t>
+                    </m:r>
+                    <m:r>
+                      <a:rPr lang="en-US" b="0" i="1" smtClean="0">
+                        <a:latin typeface="Cambria Math" panose="02040503050406030204" pitchFamily="18" charset="0"/>
+                      </a:rPr>
+                      <m:t>=</m:t>
+                    </m:r>
+                  </m:oMath>
+                </a14:m>
+                <a:r>
+                  <a:rPr lang="en-US" dirty="0"/>
+                  <a:t>vocabulary size is typically very large</a:t>
+                </a:r>
+              </a:p>
+              <a:p>
+                <a:pPr lvl="1"/>
+                <a:r>
+                  <a:rPr lang="en-US" dirty="0"/>
+                  <a:t>But, only a few words are likely relevant</a:t>
+                </a:r>
+              </a:p>
+              <a:p>
+                <a:pPr lvl="1"/>
+                <a:r>
+                  <a:rPr lang="en-US" dirty="0"/>
+                  <a:t>Want to find </a:t>
+                </a:r>
+                <a14:m>
+                  <m:oMath xmlns:m="http://schemas.openxmlformats.org/officeDocument/2006/math">
+                    <m:r>
+                      <a:rPr lang="en-US" b="0" i="1" smtClean="0">
+                        <a:latin typeface="Cambria Math" panose="02040503050406030204" pitchFamily="18" charset="0"/>
+                      </a:rPr>
+                      <m:t>𝐾</m:t>
+                    </m:r>
+                    <m:r>
+                      <a:rPr lang="en-US" b="0" i="1" smtClean="0">
+                        <a:latin typeface="Cambria Math" panose="02040503050406030204" pitchFamily="18" charset="0"/>
+                      </a:rPr>
+                      <m:t>≪</m:t>
+                    </m:r>
+                    <m:r>
+                      <a:rPr lang="en-US" b="0" i="1" smtClean="0">
+                        <a:latin typeface="Cambria Math" panose="02040503050406030204" pitchFamily="18" charset="0"/>
+                      </a:rPr>
+                      <m:t>𝑑</m:t>
+                    </m:r>
+                  </m:oMath>
+                </a14:m>
+                <a:r>
+                  <a:rPr lang="en-US" dirty="0"/>
+                  <a:t> relevant words</a:t>
+                </a:r>
+              </a:p>
+            </p:txBody>
+          </p:sp>
+        </mc:Choice>
+        <mc:Fallback>
+          <p:sp>
+            <p:nvSpPr>
+              <p:cNvPr id="3" name="Content Placeholder 2"/>
+              <p:cNvSpPr>
+                <a:spLocks noGrp="1" noRot="1" noChangeAspect="1" noMove="1" noResize="1" noEditPoints="1" noAdjustHandles="1" noChangeArrowheads="1" noChangeShapeType="1" noTextEdit="1"/>
+              </p:cNvSpPr>
+              <p:nvPr>
+                <p:ph idx="1"/>
+              </p:nvPr>
+            </p:nvSpPr>
+            <p:spPr>
+              <a:xfrm>
+                <a:off x="6347790" y="1716157"/>
+                <a:ext cx="4807889" cy="4245702"/>
+              </a:xfrm>
+              <a:blipFill>
+                <a:blip r:embed="rId2"/>
+                <a:stretch>
+                  <a:fillRect l="-3042" t="-1580"/>
+                </a:stretch>
+              </a:blipFill>
+            </p:spPr>
+            <p:txBody>
+              <a:bodyPr/>
+              <a:lstStyle/>
+              <a:p>
+                <a:r>
+                  <a:rPr lang="en-US">
+                    <a:noFill/>
+                  </a:rPr>
+                  <a:t> </a:t>
+                </a:r>
+              </a:p>
+            </p:txBody>
+          </p:sp>
+        </mc:Fallback>
+      </mc:AlternateContent>
+      <p:sp>
+        <p:nvSpPr>
+          <p:cNvPr id="4" name="Slide Number Placeholder 3"/>
+          <p:cNvSpPr>
+            <a:spLocks noGrp="1"/>
+          </p:cNvSpPr>
+          <p:nvPr>
+            <p:ph type="sldNum" sz="quarter" idx="12"/>
+          </p:nvPr>
+        </p:nvSpPr>
+        <p:spPr/>
+        <p:txBody>
+          <a:bodyPr/>
+          <a:lstStyle/>
+          <a:p>
+            <a:fld id="{629637A9-119A-49DA-BD12-AAC58B377D80}" type="slidenum">
+              <a:rPr lang="en-US" smtClean="0"/>
+              <a:t>13</a:t>
+            </a:fld>
+            <a:endParaRPr lang="en-US" dirty="0"/>
+          </a:p>
+        </p:txBody>
+      </p:sp>
+      <p:pic>
+        <p:nvPicPr>
+          <p:cNvPr id="6" name="Picture 5"/>
+          <p:cNvPicPr>
+            <a:picLocks noChangeAspect="1"/>
+          </p:cNvPicPr>
+          <p:nvPr/>
+        </p:nvPicPr>
+        <p:blipFill>
+          <a:blip r:embed="rId3"/>
+          <a:stretch>
+            <a:fillRect/>
+          </a:stretch>
+        </p:blipFill>
+        <p:spPr>
+          <a:xfrm>
+            <a:off x="1009224" y="1632686"/>
+            <a:ext cx="5118346" cy="2376096"/>
+          </a:xfrm>
+          <a:prstGeom prst="rect">
+            <a:avLst/>
+          </a:prstGeom>
+        </p:spPr>
+      </p:pic>
+    </p:spTree>
+    <p:extLst>
+      <p:ext uri="{BB962C8B-B14F-4D97-AF65-F5344CB8AC3E}">
+        <p14:creationId xmlns:p14="http://schemas.microsoft.com/office/powerpoint/2010/main" val="829985980"/>
+      </p:ext>
+    </p:extLst>
+  </p:cSld>
+  <p:clrMapOvr>
+    <a:masterClrMapping/>
+  </p:clrMapOvr>
+</p:sld>
+</file>
+
+<file path=ppt/slides/slide14.xml><?xml version="1.0" encoding="utf-8"?>
+<p:sld xmlns:a="http://schemas.openxmlformats.org/drawingml/2006/main" xmlns:r="http://schemas.openxmlformats.org/officeDocument/2006/relationships" xmlns:p="http://schemas.openxmlformats.org/presentationml/2006/main">
+  <p:cSld>
+    <p:spTree>
+      <p:nvGrpSpPr>
+        <p:cNvPr id="1" name=""/>
+        <p:cNvGrpSpPr/>
+        <p:nvPr/>
+      </p:nvGrpSpPr>
+      <p:grpSpPr>
+        <a:xfrm>
+          <a:off x="0" y="0"/>
+          <a:ext cx="0" cy="0"/>
+          <a:chOff x="0" y="0"/>
+          <a:chExt cx="0" cy="0"/>
+        </a:xfrm>
+      </p:grpSpPr>
+      <p:sp>
+        <p:nvSpPr>
+          <p:cNvPr id="2" name="Title 1">
+            <a:extLst>
+              <a:ext uri="{FF2B5EF4-FFF2-40B4-BE49-F238E27FC236}">
+                <a16:creationId xmlns:a16="http://schemas.microsoft.com/office/drawing/2014/main" id="{F0C62D26-D6EA-4AFB-A807-163048A2E160}"/>
+              </a:ext>
+            </a:extLst>
+          </p:cNvPr>
+          <p:cNvSpPr>
+            <a:spLocks noGrp="1"/>
+          </p:cNvSpPr>
+          <p:nvPr>
+            <p:ph type="title"/>
+          </p:nvPr>
+        </p:nvSpPr>
+        <p:spPr/>
+        <p:txBody>
+          <a:bodyPr/>
+          <a:lstStyle/>
+          <a:p>
+            <a:r>
+              <a:rPr lang="en-US" dirty="0"/>
+              <a:t>Example 3:  EEG</a:t>
+            </a:r>
+          </a:p>
+        </p:txBody>
+      </p:sp>
+      <mc:AlternateContent xmlns:mc="http://schemas.openxmlformats.org/markup-compatibility/2006">
+        <mc:Choice xmlns:a14="http://schemas.microsoft.com/office/drawing/2010/main" Requires="a14">
+          <p:sp>
+            <p:nvSpPr>
+              <p:cNvPr id="3" name="Content Placeholder 2">
+                <a:extLst>
+                  <a:ext uri="{FF2B5EF4-FFF2-40B4-BE49-F238E27FC236}">
+                    <a16:creationId xmlns:a16="http://schemas.microsoft.com/office/drawing/2014/main" id="{8189D1FA-6BF4-43A5-824C-038ABDD51C41}"/>
+                  </a:ext>
+                </a:extLst>
+              </p:cNvPr>
+              <p:cNvSpPr>
+                <a:spLocks noGrp="1"/>
+              </p:cNvSpPr>
+              <p:nvPr>
+                <p:ph idx="1"/>
+              </p:nvPr>
+            </p:nvSpPr>
+            <p:spPr/>
+            <p:txBody>
+              <a:bodyPr>
+                <a:normAutofit fontScale="92500" lnSpcReduction="10000"/>
+              </a:bodyPr>
+              <a:lstStyle/>
+              <a:p>
+                <a:r>
+                  <a:rPr lang="en-US" dirty="0"/>
+                  <a:t>EEG:  Electroencephalography</a:t>
+                </a:r>
+              </a:p>
+              <a:p>
+                <a:r>
+                  <a:rPr lang="en-US" dirty="0"/>
+                  <a:t>Measure brain activity from electrodes on scalp</a:t>
+                </a:r>
+              </a:p>
+              <a:p>
+                <a:r>
+                  <a:rPr lang="en-US" dirty="0"/>
+                  <a:t>Source localization problem:</a:t>
+                </a:r>
+              </a:p>
+              <a:p>
+                <a:pPr lvl="1"/>
+                <a:r>
+                  <a:rPr lang="en-US" dirty="0"/>
+                  <a:t>Find brain region responsible for evoked response</a:t>
+                </a:r>
+              </a:p>
+              <a:p>
+                <a:r>
+                  <a:rPr lang="en-US" dirty="0"/>
+                  <a:t>Problem: </a:t>
+                </a:r>
+              </a:p>
+              <a:p>
+                <a:pPr lvl="1"/>
+                <a:r>
+                  <a:rPr lang="en-US" dirty="0"/>
+                  <a:t>Many possible brain regions</a:t>
+                </a:r>
+                <a:br>
+                  <a:rPr lang="en-US" dirty="0"/>
+                </a:br>
+                <a:r>
+                  <a:rPr lang="en-US" dirty="0"/>
+                  <a:t>Typically use  </a:t>
+                </a:r>
+                <a14:m>
+                  <m:oMath xmlns:m="http://schemas.openxmlformats.org/officeDocument/2006/math">
+                    <m:r>
+                      <a:rPr lang="en-US" b="0" i="1" smtClean="0">
+                        <a:latin typeface="Cambria Math" panose="02040503050406030204" pitchFamily="18" charset="0"/>
+                      </a:rPr>
+                      <m:t>𝑑</m:t>
+                    </m:r>
+                    <m:r>
+                      <a:rPr lang="en-US" b="0" i="1" smtClean="0">
+                        <a:latin typeface="Cambria Math" panose="02040503050406030204" pitchFamily="18" charset="0"/>
+                      </a:rPr>
+                      <m:t>&gt;</m:t>
+                    </m:r>
+                  </m:oMath>
+                </a14:m>
+                <a:r>
+                  <a:rPr lang="en-US" dirty="0"/>
+                  <a:t>10,000 voxels</a:t>
+                </a:r>
+              </a:p>
+              <a:p>
+                <a:pPr lvl="1"/>
+                <a:r>
+                  <a:rPr lang="en-US" dirty="0"/>
+                  <a:t>But, limited number of measurements: </a:t>
+                </a:r>
+                <a:br>
+                  <a:rPr lang="en-US" dirty="0"/>
+                </a:br>
+                <a:r>
+                  <a:rPr lang="en-US" dirty="0"/>
+                  <a:t>100s of electrodes</a:t>
+                </a:r>
+              </a:p>
+              <a:p>
+                <a:pPr lvl="1"/>
+                <a:r>
+                  <a:rPr lang="en-US" dirty="0"/>
+                  <a:t>Cannot fit a model from all brain regions</a:t>
+                </a:r>
+              </a:p>
+              <a:p>
+                <a:r>
+                  <a:rPr lang="en-US" dirty="0"/>
+                  <a:t>Model selection:</a:t>
+                </a:r>
+              </a:p>
+              <a:p>
+                <a:pPr lvl="1"/>
+                <a:r>
+                  <a:rPr lang="en-US" dirty="0"/>
+                  <a:t>We know that responses are likely from a small brain region</a:t>
+                </a:r>
+              </a:p>
+              <a:p>
+                <a:pPr lvl="1"/>
+                <a:r>
+                  <a:rPr lang="en-US" dirty="0"/>
+                  <a:t>Find a small number of voxels that explain response</a:t>
+                </a:r>
+              </a:p>
+              <a:p>
+                <a:pPr marL="0" indent="0">
+                  <a:buNone/>
+                </a:pPr>
+                <a:endParaRPr lang="en-US" dirty="0"/>
+              </a:p>
+            </p:txBody>
+          </p:sp>
+        </mc:Choice>
+        <mc:Fallback>
+          <p:sp>
+            <p:nvSpPr>
+              <p:cNvPr id="3" name="Content Placeholder 2">
+                <a:extLst>
+                  <a:ext uri="{FF2B5EF4-FFF2-40B4-BE49-F238E27FC236}">
+                    <a16:creationId xmlns:a16="http://schemas.microsoft.com/office/drawing/2014/main" id="{8189D1FA-6BF4-43A5-824C-038ABDD51C41}"/>
+                  </a:ext>
+                </a:extLst>
+              </p:cNvPr>
+              <p:cNvSpPr>
+                <a:spLocks noGrp="1" noRot="1" noChangeAspect="1" noMove="1" noResize="1" noEditPoints="1" noAdjustHandles="1" noChangeArrowheads="1" noChangeShapeType="1" noTextEdit="1"/>
+              </p:cNvSpPr>
+              <p:nvPr>
+                <p:ph idx="1"/>
+              </p:nvPr>
+            </p:nvSpPr>
+            <p:spPr>
+              <a:blipFill>
+                <a:blip r:embed="rId2"/>
+                <a:stretch>
+                  <a:fillRect l="-1333" t="-1831"/>
+                </a:stretch>
+              </a:blipFill>
+            </p:spPr>
+            <p:txBody>
+              <a:bodyPr/>
+              <a:lstStyle/>
+              <a:p>
+                <a:r>
+                  <a:rPr lang="en-US">
+                    <a:noFill/>
+                  </a:rPr>
+                  <a:t> </a:t>
+                </a:r>
+              </a:p>
+            </p:txBody>
+          </p:sp>
+        </mc:Fallback>
+      </mc:AlternateContent>
+      <p:sp>
+        <p:nvSpPr>
+          <p:cNvPr id="4" name="Slide Number Placeholder 3">
+            <a:extLst>
+              <a:ext uri="{FF2B5EF4-FFF2-40B4-BE49-F238E27FC236}">
+                <a16:creationId xmlns:a16="http://schemas.microsoft.com/office/drawing/2014/main" id="{345CF3DA-5B05-42F0-8DE4-46037C0BC6D0}"/>
+              </a:ext>
+            </a:extLst>
+          </p:cNvPr>
+          <p:cNvSpPr>
+            <a:spLocks noGrp="1"/>
+          </p:cNvSpPr>
+          <p:nvPr>
+            <p:ph type="sldNum" sz="quarter" idx="12"/>
+          </p:nvPr>
+        </p:nvSpPr>
+        <p:spPr/>
+        <p:txBody>
+          <a:bodyPr/>
+          <a:lstStyle/>
+          <a:p>
+            <a:fld id="{629637A9-119A-49DA-BD12-AAC58B377D80}" type="slidenum">
+              <a:rPr lang="en-US" smtClean="0"/>
+              <a:t>14</a:t>
+            </a:fld>
+            <a:endParaRPr lang="en-US" dirty="0"/>
+          </a:p>
+        </p:txBody>
+      </p:sp>
+      <p:pic>
+        <p:nvPicPr>
+          <p:cNvPr id="1026" name="Picture 2" descr="Image result for eeg source localization">
+            <a:extLst>
+              <a:ext uri="{FF2B5EF4-FFF2-40B4-BE49-F238E27FC236}">
+                <a16:creationId xmlns:a16="http://schemas.microsoft.com/office/drawing/2014/main" id="{98FE9ED1-4775-4D0B-B748-F92D9679C58A}"/>
+              </a:ext>
+            </a:extLst>
+          </p:cNvPr>
+          <p:cNvPicPr>
+            <a:picLocks noChangeAspect="1" noChangeArrowheads="1"/>
+          </p:cNvPicPr>
+          <p:nvPr/>
+        </p:nvPicPr>
+        <p:blipFill>
+          <a:blip r:embed="rId3">
+            <a:extLst>
+              <a:ext uri="{28A0092B-C50C-407E-A947-70E740481C1C}">
+                <a14:useLocalDpi xmlns:a14="http://schemas.microsoft.com/office/drawing/2010/main" val="0"/>
+              </a:ext>
+            </a:extLst>
+          </a:blip>
+          <a:srcRect/>
+          <a:stretch>
+            <a:fillRect/>
+          </a:stretch>
+        </p:blipFill>
+        <p:spPr bwMode="auto">
+          <a:xfrm>
+            <a:off x="6877051" y="3286109"/>
+            <a:ext cx="3638550" cy="2414285"/>
+          </a:xfrm>
+          <a:prstGeom prst="rect">
+            <a:avLst/>
+          </a:prstGeom>
+          <a:noFill/>
+          <a:extLst>
+            <a:ext uri="{909E8E84-426E-40DD-AFC4-6F175D3DCCD1}">
+              <a14:hiddenFill xmlns:a14="http://schemas.microsoft.com/office/drawing/2010/main">
+                <a:solidFill>
+                  <a:srgbClr val="FFFFFF"/>
+                </a:solidFill>
+              </a14:hiddenFill>
+            </a:ext>
+          </a:extLst>
+        </p:spPr>
+      </p:pic>
+      <p:pic>
+        <p:nvPicPr>
+          <p:cNvPr id="1028" name="Picture 4" descr="Image result for eeg">
+            <a:extLst>
+              <a:ext uri="{FF2B5EF4-FFF2-40B4-BE49-F238E27FC236}">
+                <a16:creationId xmlns:a16="http://schemas.microsoft.com/office/drawing/2014/main" id="{1AB5F636-E8ED-4C6E-A2FE-F692B70E84CA}"/>
+              </a:ext>
+            </a:extLst>
+          </p:cNvPr>
+          <p:cNvPicPr>
+            <a:picLocks noChangeAspect="1" noChangeArrowheads="1"/>
+          </p:cNvPicPr>
+          <p:nvPr/>
+        </p:nvPicPr>
+        <p:blipFill>
+          <a:blip r:embed="rId4">
+            <a:extLst>
+              <a:ext uri="{28A0092B-C50C-407E-A947-70E740481C1C}">
+                <a14:useLocalDpi xmlns:a14="http://schemas.microsoft.com/office/drawing/2010/main" val="0"/>
+              </a:ext>
+            </a:extLst>
+          </a:blip>
+          <a:srcRect/>
+          <a:stretch>
+            <a:fillRect/>
+          </a:stretch>
+        </p:blipFill>
+        <p:spPr bwMode="auto">
+          <a:xfrm>
+            <a:off x="6786563" y="1157606"/>
+            <a:ext cx="2657475" cy="1724025"/>
+          </a:xfrm>
+          <a:prstGeom prst="rect">
+            <a:avLst/>
+          </a:prstGeom>
+          <a:noFill/>
+          <a:extLst>
+            <a:ext uri="{909E8E84-426E-40DD-AFC4-6F175D3DCCD1}">
+              <a14:hiddenFill xmlns:a14="http://schemas.microsoft.com/office/drawing/2010/main">
+                <a:solidFill>
+                  <a:srgbClr val="FFFFFF"/>
+                </a:solidFill>
+              </a14:hiddenFill>
+            </a:ext>
+          </a:extLst>
+        </p:spPr>
+      </p:pic>
+      <p:sp>
+        <p:nvSpPr>
+          <p:cNvPr id="5" name="TextBox 4">
+            <a:extLst>
+              <a:ext uri="{FF2B5EF4-FFF2-40B4-BE49-F238E27FC236}">
+                <a16:creationId xmlns:a16="http://schemas.microsoft.com/office/drawing/2014/main" id="{39884592-9D82-4B97-AB69-F9F40D704A11}"/>
+              </a:ext>
+            </a:extLst>
+          </p:cNvPr>
+          <p:cNvSpPr txBox="1"/>
+          <p:nvPr/>
+        </p:nvSpPr>
+        <p:spPr>
+          <a:xfrm>
+            <a:off x="9518650" y="1468303"/>
+            <a:ext cx="1775101" cy="307777"/>
+          </a:xfrm>
+          <a:prstGeom prst="rect">
+            <a:avLst/>
+          </a:prstGeom>
+          <a:noFill/>
+        </p:spPr>
+        <p:txBody>
+          <a:bodyPr wrap="none" rtlCol="0">
+            <a:spAutoFit/>
+          </a:bodyPr>
+          <a:lstStyle/>
+          <a:p>
+            <a:r>
+              <a:rPr lang="en-US" sz="1400" dirty="0"/>
+              <a:t>Image: mayoclinic.org</a:t>
+            </a:r>
+          </a:p>
+        </p:txBody>
+      </p:sp>
+    </p:spTree>
+    <p:extLst>
+      <p:ext uri="{BB962C8B-B14F-4D97-AF65-F5344CB8AC3E}">
+        <p14:creationId xmlns:p14="http://schemas.microsoft.com/office/powerpoint/2010/main" val="308461795"/>
+      </p:ext>
+    </p:extLst>
+  </p:cSld>
+  <p:clrMapOvr>
+    <a:masterClrMapping/>
+  </p:clrMapOvr>
+</p:sld>
+</file>
+
+<file path=ppt/slides/slide15.xml><?xml version="1.0" encoding="utf-8"?>
+<p:sld xmlns:a="http://schemas.openxmlformats.org/drawingml/2006/main" xmlns:r="http://schemas.openxmlformats.org/officeDocument/2006/relationships" xmlns:p="http://schemas.openxmlformats.org/presentationml/2006/main">
+  <p:cSld>
+    <p:spTree>
+      <p:nvGrpSpPr>
+        <p:cNvPr id="1" name=""/>
+        <p:cNvGrpSpPr/>
+        <p:nvPr/>
+      </p:nvGrpSpPr>
+      <p:grpSpPr>
+        <a:xfrm>
+          <a:off x="0" y="0"/>
+          <a:ext cx="0" cy="0"/>
+          <a:chOff x="0" y="0"/>
+          <a:chExt cx="0" cy="0"/>
+        </a:xfrm>
+      </p:grpSpPr>
+      <p:sp>
+        <p:nvSpPr>
+          <p:cNvPr id="2" name="Title 1">
+            <a:extLst>
+              <a:ext uri="{FF2B5EF4-FFF2-40B4-BE49-F238E27FC236}">
+                <a16:creationId xmlns:a16="http://schemas.microsoft.com/office/drawing/2014/main" id="{F0C62D26-D6EA-4AFB-A807-163048A2E160}"/>
+              </a:ext>
+            </a:extLst>
+          </p:cNvPr>
+          <p:cNvSpPr>
+            <a:spLocks noGrp="1"/>
+          </p:cNvSpPr>
+          <p:nvPr>
+            <p:ph type="title"/>
+          </p:nvPr>
+        </p:nvSpPr>
+        <p:spPr/>
+        <p:txBody>
+          <a:bodyPr/>
+          <a:lstStyle/>
+          <a:p>
+            <a:r>
+              <a:rPr lang="en-US" dirty="0"/>
+              <a:t>Example 4:  DNA </a:t>
+            </a:r>
+            <a:r>
+              <a:rPr lang="en-US" dirty="0" err="1"/>
+              <a:t>MicroArray</a:t>
+            </a:r>
+            <a:r>
+              <a:rPr lang="en-US" dirty="0"/>
+              <a:t> Data</a:t>
+            </a:r>
+          </a:p>
+        </p:txBody>
+      </p:sp>
+      <mc:AlternateContent xmlns:mc="http://schemas.openxmlformats.org/markup-compatibility/2006">
+        <mc:Choice xmlns:a14="http://schemas.microsoft.com/office/drawing/2010/main" Requires="a14">
+          <p:sp>
+            <p:nvSpPr>
+              <p:cNvPr id="3" name="Content Placeholder 2">
+                <a:extLst>
+                  <a:ext uri="{FF2B5EF4-FFF2-40B4-BE49-F238E27FC236}">
+                    <a16:creationId xmlns:a16="http://schemas.microsoft.com/office/drawing/2014/main" id="{8189D1FA-6BF4-43A5-824C-038ABDD51C41}"/>
+                  </a:ext>
+                </a:extLst>
+              </p:cNvPr>
+              <p:cNvSpPr>
+                <a:spLocks noGrp="1"/>
+              </p:cNvSpPr>
+              <p:nvPr>
+                <p:ph idx="1"/>
+              </p:nvPr>
+            </p:nvSpPr>
+            <p:spPr/>
+            <p:txBody>
+              <a:bodyPr>
+                <a:normAutofit/>
+              </a:bodyPr>
+              <a:lstStyle/>
+              <a:p>
+                <a:r>
+                  <a:rPr lang="en-US" dirty="0"/>
+                  <a:t>Basic genetic problem</a:t>
+                </a:r>
+              </a:p>
+              <a:p>
+                <a:pPr lvl="1"/>
+                <a:r>
+                  <a:rPr lang="en-US" dirty="0"/>
+                  <a:t>Which genes determine some characteristic (i.e. phenotype)?</a:t>
+                </a:r>
+              </a:p>
+              <a:p>
+                <a:r>
+                  <a:rPr lang="en-US" dirty="0"/>
+                  <a:t>DNA microarrays:  </a:t>
+                </a:r>
+              </a:p>
+              <a:p>
+                <a:pPr lvl="1"/>
+                <a:r>
+                  <a:rPr lang="en-US" dirty="0"/>
+                  <a:t>Measure “expression” levels of large numbers of genes </a:t>
+                </a:r>
+              </a:p>
+              <a:p>
+                <a:pPr lvl="1"/>
+                <a:r>
+                  <a:rPr lang="en-US" dirty="0"/>
+                  <a:t>Expression levels = amount of protein produced by gene</a:t>
+                </a:r>
+              </a:p>
+              <a:p>
+                <a:r>
+                  <a:rPr lang="en-US" dirty="0"/>
+                  <a:t>Data modeling:</a:t>
+                </a:r>
+              </a:p>
+              <a:p>
+                <a:pPr lvl="1"/>
+                <a:r>
+                  <a:rPr lang="en-US" dirty="0"/>
+                  <a:t>Fit phenotype to expression levels</a:t>
+                </a:r>
+              </a:p>
+              <a:p>
+                <a:pPr lvl="1"/>
+                <a:r>
+                  <a:rPr lang="en-US" dirty="0"/>
+                  <a:t>Usually have large numbers of genes </a:t>
+                </a:r>
+                <a14:m>
+                  <m:oMath xmlns:m="http://schemas.openxmlformats.org/officeDocument/2006/math">
+                    <m:r>
+                      <a:rPr lang="en-US" b="0" i="1" smtClean="0">
+                        <a:latin typeface="Cambria Math" panose="02040503050406030204" pitchFamily="18" charset="0"/>
+                      </a:rPr>
+                      <m:t>(</m:t>
+                    </m:r>
+                    <m:r>
+                      <a:rPr lang="en-US" b="0" i="1" smtClean="0">
+                        <a:latin typeface="Cambria Math" panose="02040503050406030204" pitchFamily="18" charset="0"/>
+                      </a:rPr>
+                      <m:t>𝑑</m:t>
+                    </m:r>
+                    <m:r>
+                      <a:rPr lang="en-US" b="0" i="1" smtClean="0">
+                        <a:latin typeface="Cambria Math" panose="02040503050406030204" pitchFamily="18" charset="0"/>
+                      </a:rPr>
+                      <m:t>~1000)</m:t>
+                    </m:r>
+                  </m:oMath>
+                </a14:m>
+                <a:endParaRPr lang="en-US" dirty="0"/>
+              </a:p>
+              <a:p>
+                <a:pPr lvl="1"/>
+                <a:r>
+                  <a:rPr lang="en-US" dirty="0"/>
+                  <a:t>But, small number of data points </a:t>
+                </a:r>
+                <a14:m>
+                  <m:oMath xmlns:m="http://schemas.openxmlformats.org/officeDocument/2006/math">
+                    <m:d>
+                      <m:dPr>
+                        <m:ctrlPr>
+                          <a:rPr lang="en-US" b="0" i="1" smtClean="0">
+                            <a:latin typeface="Cambria Math" panose="02040503050406030204" pitchFamily="18" charset="0"/>
+                          </a:rPr>
+                        </m:ctrlPr>
+                      </m:dPr>
+                      <m:e>
+                        <m:r>
+                          <a:rPr lang="en-US" b="0" i="1" smtClean="0">
+                            <a:latin typeface="Cambria Math" panose="02040503050406030204" pitchFamily="18" charset="0"/>
+                          </a:rPr>
+                          <m:t>𝑛</m:t>
+                        </m:r>
+                        <m:r>
+                          <a:rPr lang="en-US" b="0" i="1" smtClean="0">
+                            <a:latin typeface="Cambria Math" panose="02040503050406030204" pitchFamily="18" charset="0"/>
+                          </a:rPr>
+                          <m:t>~100</m:t>
+                        </m:r>
+                      </m:e>
+                    </m:d>
+                  </m:oMath>
+                </a14:m>
+                <a:endParaRPr lang="en-US" dirty="0"/>
+              </a:p>
+              <a:p>
+                <a:pPr lvl="1"/>
+                <a:r>
+                  <a:rPr lang="en-US" dirty="0"/>
+                  <a:t>We know only a small number of genes are responsible</a:t>
+                </a:r>
+              </a:p>
+              <a:p>
+                <a:pPr lvl="1"/>
+                <a:r>
+                  <a:rPr lang="en-US" dirty="0"/>
+                  <a:t>So, we can use model selection</a:t>
+                </a:r>
+              </a:p>
+              <a:p>
+                <a:pPr marL="0" indent="0">
+                  <a:buNone/>
+                </a:pPr>
+                <a:endParaRPr lang="en-US" dirty="0"/>
+              </a:p>
+              <a:p>
+                <a:pPr marL="0" indent="0">
+                  <a:buNone/>
+                </a:pPr>
+                <a:endParaRPr lang="en-US" dirty="0"/>
+              </a:p>
+            </p:txBody>
+          </p:sp>
+        </mc:Choice>
+        <mc:Fallback>
+          <p:sp>
+            <p:nvSpPr>
+              <p:cNvPr id="3" name="Content Placeholder 2">
+                <a:extLst>
+                  <a:ext uri="{FF2B5EF4-FFF2-40B4-BE49-F238E27FC236}">
+                    <a16:creationId xmlns:a16="http://schemas.microsoft.com/office/drawing/2014/main" id="{8189D1FA-6BF4-43A5-824C-038ABDD51C41}"/>
+                  </a:ext>
+                </a:extLst>
+              </p:cNvPr>
+              <p:cNvSpPr>
+                <a:spLocks noGrp="1" noRot="1" noChangeAspect="1" noMove="1" noResize="1" noEditPoints="1" noAdjustHandles="1" noChangeArrowheads="1" noChangeShapeType="1" noTextEdit="1"/>
+              </p:cNvSpPr>
+              <p:nvPr>
+                <p:ph idx="1"/>
+              </p:nvPr>
+            </p:nvSpPr>
+            <p:spPr>
+              <a:blipFill>
+                <a:blip r:embed="rId2"/>
+                <a:stretch>
+                  <a:fillRect l="-1455" t="-1549"/>
+                </a:stretch>
+              </a:blipFill>
+            </p:spPr>
+            <p:txBody>
+              <a:bodyPr/>
+              <a:lstStyle/>
+              <a:p>
+                <a:r>
+                  <a:rPr lang="en-US">
+                    <a:noFill/>
+                  </a:rPr>
+                  <a:t> </a:t>
+                </a:r>
+              </a:p>
+            </p:txBody>
+          </p:sp>
+        </mc:Fallback>
+      </mc:AlternateContent>
+      <p:sp>
+        <p:nvSpPr>
+          <p:cNvPr id="4" name="Slide Number Placeholder 3">
+            <a:extLst>
+              <a:ext uri="{FF2B5EF4-FFF2-40B4-BE49-F238E27FC236}">
+                <a16:creationId xmlns:a16="http://schemas.microsoft.com/office/drawing/2014/main" id="{345CF3DA-5B05-42F0-8DE4-46037C0BC6D0}"/>
+              </a:ext>
+            </a:extLst>
+          </p:cNvPr>
+          <p:cNvSpPr>
+            <a:spLocks noGrp="1"/>
+          </p:cNvSpPr>
+          <p:nvPr>
+            <p:ph type="sldNum" sz="quarter" idx="12"/>
+          </p:nvPr>
+        </p:nvSpPr>
+        <p:spPr/>
+        <p:txBody>
+          <a:bodyPr/>
+          <a:lstStyle/>
+          <a:p>
+            <a:fld id="{629637A9-119A-49DA-BD12-AAC58B377D80}" type="slidenum">
+              <a:rPr lang="en-US" smtClean="0"/>
+              <a:t>15</a:t>
+            </a:fld>
+            <a:endParaRPr lang="en-US" dirty="0"/>
+          </a:p>
+        </p:txBody>
+      </p:sp>
+      <p:pic>
+        <p:nvPicPr>
+          <p:cNvPr id="6" name="Picture 5">
+            <a:extLst>
+              <a:ext uri="{FF2B5EF4-FFF2-40B4-BE49-F238E27FC236}">
+                <a16:creationId xmlns:a16="http://schemas.microsoft.com/office/drawing/2014/main" id="{76B3188B-0EF2-431F-9E35-AB352FB5B2E0}"/>
+              </a:ext>
+            </a:extLst>
+          </p:cNvPr>
+          <p:cNvPicPr>
+            <a:picLocks noChangeAspect="1"/>
+          </p:cNvPicPr>
+          <p:nvPr/>
+        </p:nvPicPr>
+        <p:blipFill>
+          <a:blip r:embed="rId3"/>
+          <a:stretch>
+            <a:fillRect/>
+          </a:stretch>
+        </p:blipFill>
+        <p:spPr>
+          <a:xfrm>
+            <a:off x="7526337" y="1326814"/>
+            <a:ext cx="3050627" cy="4795837"/>
+          </a:xfrm>
+          <a:prstGeom prst="rect">
+            <a:avLst/>
+          </a:prstGeom>
+        </p:spPr>
+      </p:pic>
+    </p:spTree>
+    <p:extLst>
+      <p:ext uri="{BB962C8B-B14F-4D97-AF65-F5344CB8AC3E}">
+        <p14:creationId xmlns:p14="http://schemas.microsoft.com/office/powerpoint/2010/main" val="239238902"/>
+      </p:ext>
+    </p:extLst>
+  </p:cSld>
+  <p:clrMapOvr>
+    <a:masterClrMapping/>
+  </p:clrMapOvr>
+</p:sld>
+</file>
+
+<file path=ppt/slides/slide16.xml><?xml version="1.0" encoding="utf-8"?>
+<p:sld xmlns:a="http://schemas.openxmlformats.org/drawingml/2006/main" xmlns:r="http://schemas.openxmlformats.org/officeDocument/2006/relationships" xmlns:p="http://schemas.openxmlformats.org/presentationml/2006/main">
+  <p:cSld>
+    <p:spTree>
+      <p:nvGrpSpPr>
+        <p:cNvPr id="1" name=""/>
+        <p:cNvGrpSpPr/>
+        <p:nvPr/>
+      </p:nvGrpSpPr>
+      <p:grpSpPr>
+        <a:xfrm>
+          <a:off x="0" y="0"/>
+          <a:ext cx="0" cy="0"/>
+          <a:chOff x="0" y="0"/>
+          <a:chExt cx="0" cy="0"/>
+        </a:xfrm>
+      </p:grpSpPr>
+      <p:sp>
+        <p:nvSpPr>
+          <p:cNvPr id="2" name="Title 1"/>
+          <p:cNvSpPr>
+            <a:spLocks noGrp="1"/>
+          </p:cNvSpPr>
+          <p:nvPr>
+            <p:ph type="title"/>
+          </p:nvPr>
+        </p:nvSpPr>
+        <p:spPr/>
+        <p:txBody>
+          <a:bodyPr/>
+          <a:lstStyle/>
+          <a:p>
+            <a:r>
+              <a:rPr lang="en-US" dirty="0"/>
+              <a:t>Outline	</a:t>
+            </a:r>
+          </a:p>
+        </p:txBody>
+      </p:sp>
+      <p:sp>
+        <p:nvSpPr>
+          <p:cNvPr id="3" name="Content Placeholder 2"/>
+          <p:cNvSpPr>
+            <a:spLocks noGrp="1"/>
+          </p:cNvSpPr>
+          <p:nvPr>
+            <p:ph idx="1"/>
+          </p:nvPr>
+        </p:nvSpPr>
+        <p:spPr/>
+        <p:txBody>
+          <a:bodyPr/>
+          <a:lstStyle/>
+          <a:p>
+            <a:r>
+              <a:rPr lang="en-US" dirty="0"/>
+              <a:t>Motivating Example:  Predicting prostate cancer from a PSA test</a:t>
+            </a:r>
+          </a:p>
+          <a:p>
+            <a:r>
+              <a:rPr lang="en-US" dirty="0"/>
+              <a:t>Model Selection </a:t>
+            </a:r>
+          </a:p>
+          <a:p>
+            <a:r>
+              <a:rPr lang="en-US" dirty="0"/>
+              <a:t>Model Selection from LASSO regularization</a:t>
+            </a:r>
+          </a:p>
+          <a:p>
+            <a:r>
+              <a:rPr lang="en-US" dirty="0"/>
+              <a:t>Probabilistic interpretation</a:t>
+            </a:r>
+          </a:p>
+          <a:p>
+            <a:r>
+              <a:rPr lang="en-US" dirty="0"/>
+              <a:t>Other Model Selection Methods </a:t>
+            </a:r>
+          </a:p>
+        </p:txBody>
+      </p:sp>
+      <p:sp>
+        <p:nvSpPr>
+          <p:cNvPr id="4" name="Slide Number Placeholder 3"/>
+          <p:cNvSpPr>
+            <a:spLocks noGrp="1"/>
+          </p:cNvSpPr>
+          <p:nvPr>
+            <p:ph type="sldNum" sz="quarter" idx="12"/>
+          </p:nvPr>
+        </p:nvSpPr>
+        <p:spPr/>
+        <p:txBody>
+          <a:bodyPr/>
+          <a:lstStyle/>
+          <a:p>
+            <a:fld id="{629637A9-119A-49DA-BD12-AAC58B377D80}" type="slidenum">
+              <a:rPr lang="en-US" smtClean="0"/>
+              <a:t>16</a:t>
+            </a:fld>
+            <a:endParaRPr lang="en-US" dirty="0"/>
+          </a:p>
+        </p:txBody>
+      </p:sp>
+      <p:sp>
+        <p:nvSpPr>
+          <p:cNvPr id="5" name="Arrow: Right 4"/>
+          <p:cNvSpPr/>
+          <p:nvPr/>
+        </p:nvSpPr>
+        <p:spPr>
+          <a:xfrm>
+            <a:off x="314049" y="2331977"/>
+            <a:ext cx="978408" cy="484632"/>
+          </a:xfrm>
+          <a:prstGeom prst="rightArrow">
+            <a:avLst/>
+          </a:prstGeom>
+          <a:solidFill>
+            <a:schemeClr val="accent1">
+              <a:lumMod val="60000"/>
+              <a:lumOff val="40000"/>
+            </a:schemeClr>
+          </a:solidFill>
+        </p:spPr>
+        <p:style>
+          <a:lnRef idx="2">
+            <a:schemeClr val="accent1">
+              <a:shade val="50000"/>
+            </a:schemeClr>
+          </a:lnRef>
+          <a:fillRef idx="1">
+            <a:schemeClr val="accent1"/>
+          </a:fillRef>
+          <a:effectRef idx="0">
+            <a:schemeClr val="accent1"/>
+          </a:effectRef>
+          <a:fontRef idx="minor">
+            <a:schemeClr val="lt1"/>
+          </a:fontRef>
+        </p:style>
+        <p:txBody>
+          <a:bodyPr rtlCol="0" anchor="ctr"/>
+          <a:lstStyle/>
+          <a:p>
+            <a:pPr algn="ctr"/>
+            <a:endParaRPr lang="en-US"/>
+          </a:p>
+        </p:txBody>
+      </p:sp>
+    </p:spTree>
+    <p:extLst>
+      <p:ext uri="{BB962C8B-B14F-4D97-AF65-F5344CB8AC3E}">
+        <p14:creationId xmlns:p14="http://schemas.microsoft.com/office/powerpoint/2010/main" val="3638507278"/>
+      </p:ext>
+    </p:extLst>
+  </p:cSld>
+  <p:clrMapOvr>
+    <a:masterClrMapping/>
+  </p:clrMapOvr>
+</p:sld>
+</file>
+
+<file path=ppt/slides/slide17.xml><?xml version="1.0" encoding="utf-8"?>
+<p:sld xmlns:a="http://schemas.openxmlformats.org/drawingml/2006/main" xmlns:r="http://schemas.openxmlformats.org/officeDocument/2006/relationships" xmlns:p="http://schemas.openxmlformats.org/presentationml/2006/main">
+  <p:cSld>
+    <p:spTree>
+      <p:nvGrpSpPr>
+        <p:cNvPr id="1" name=""/>
+        <p:cNvGrpSpPr/>
+        <p:nvPr/>
+      </p:nvGrpSpPr>
+      <p:grpSpPr>
+        <a:xfrm>
+          <a:off x="0" y="0"/>
+          <a:ext cx="0" cy="0"/>
+          <a:chOff x="0" y="0"/>
+          <a:chExt cx="0" cy="0"/>
+        </a:xfrm>
+      </p:grpSpPr>
+      <p:sp>
+        <p:nvSpPr>
+          <p:cNvPr id="2" name="Title 1">
+            <a:extLst>
+              <a:ext uri="{FF2B5EF4-FFF2-40B4-BE49-F238E27FC236}">
+                <a16:creationId xmlns:a16="http://schemas.microsoft.com/office/drawing/2014/main" id="{851F0363-826D-46B2-9006-8CDEF08F56FE}"/>
+              </a:ext>
+            </a:extLst>
+          </p:cNvPr>
+          <p:cNvSpPr>
+            <a:spLocks noGrp="1"/>
+          </p:cNvSpPr>
+          <p:nvPr>
+            <p:ph type="title"/>
+          </p:nvPr>
+        </p:nvSpPr>
+        <p:spPr/>
+        <p:txBody>
+          <a:bodyPr/>
+          <a:lstStyle/>
+          <a:p>
+            <a:r>
+              <a:rPr lang="en-US" dirty="0"/>
+              <a:t>Intuition</a:t>
+            </a:r>
+          </a:p>
+        </p:txBody>
+      </p:sp>
+      <mc:AlternateContent xmlns:mc="http://schemas.openxmlformats.org/markup-compatibility/2006" xmlns:a14="http://schemas.microsoft.com/office/drawing/2010/main">
+        <mc:Choice Requires="a14">
+          <p:sp>
+            <p:nvSpPr>
+              <p:cNvPr id="3" name="Content Placeholder 2">
+                <a:extLst>
+                  <a:ext uri="{FF2B5EF4-FFF2-40B4-BE49-F238E27FC236}">
+                    <a16:creationId xmlns:a16="http://schemas.microsoft.com/office/drawing/2014/main" id="{023B1860-A5C5-4801-B581-B2FD65B1DE44}"/>
+                  </a:ext>
+                </a:extLst>
+              </p:cNvPr>
+              <p:cNvSpPr>
+                <a:spLocks noGrp="1"/>
+              </p:cNvSpPr>
+              <p:nvPr>
+                <p:ph idx="1"/>
+              </p:nvPr>
+            </p:nvSpPr>
+            <p:spPr>
+              <a:xfrm>
+                <a:off x="1097280" y="1539277"/>
+                <a:ext cx="6489140" cy="4329817"/>
+              </a:xfrm>
+            </p:spPr>
+            <p:txBody>
+              <a:bodyPr>
+                <a:normAutofit fontScale="92500" lnSpcReduction="10000"/>
+              </a:bodyPr>
+              <a:lstStyle/>
+              <a:p>
+                <a:r>
+                  <a:rPr lang="en-US" dirty="0"/>
+                  <a:t>We know from last lecture:</a:t>
+                </a:r>
+              </a:p>
+              <a:p>
+                <a:pPr lvl="1"/>
+                <a:r>
+                  <a:rPr lang="en-US" dirty="0"/>
+                  <a:t>Too many parameters </a:t>
+                </a:r>
+                <a14:m>
+                  <m:oMath xmlns:m="http://schemas.openxmlformats.org/officeDocument/2006/math">
+                    <m:r>
+                      <a:rPr lang="en-US" b="0" i="1" smtClean="0">
+                        <a:latin typeface="Cambria Math" panose="02040503050406030204" pitchFamily="18" charset="0"/>
+                      </a:rPr>
+                      <m:t>⇒</m:t>
+                    </m:r>
+                  </m:oMath>
+                </a14:m>
+                <a:r>
+                  <a:rPr lang="en-US" dirty="0"/>
+                  <a:t>  Large generalization error</a:t>
+                </a:r>
+              </a:p>
+              <a:p>
+                <a:r>
+                  <a:rPr lang="en-US" dirty="0"/>
+                  <a:t>In this data set, only a few factors are likely significant</a:t>
+                </a:r>
+              </a:p>
+              <a:p>
+                <a:r>
+                  <a:rPr lang="en-US" dirty="0"/>
+                  <a:t>But, we don’t know which one</a:t>
+                </a:r>
+              </a:p>
+              <a:p>
+                <a:r>
+                  <a:rPr lang="en-US" dirty="0"/>
+                  <a:t>Can we  automatically identify them?</a:t>
+                </a:r>
+              </a:p>
+              <a:p>
+                <a:pPr lvl="1"/>
+                <a:r>
+                  <a:rPr lang="en-US" dirty="0"/>
+                  <a:t>Use correlation between features and target</a:t>
+                </a:r>
+              </a:p>
+              <a:p>
+                <a:pPr lvl="2"/>
+                <a:r>
+                  <a:rPr lang="en-US" dirty="0"/>
+                  <a:t>Do not always work well</a:t>
+                </a:r>
+              </a:p>
+              <a:p>
+                <a:pPr lvl="1"/>
+                <a:r>
+                  <a:rPr lang="en-US" dirty="0"/>
+                  <a:t>Exhaustive search can be expansive!</a:t>
+                </a:r>
+              </a:p>
+              <a:p>
+                <a:r>
+                  <a:rPr lang="en-US" dirty="0">
+                    <a:solidFill>
+                      <a:schemeClr val="accent1"/>
+                    </a:solidFill>
+                  </a:rPr>
+                  <a:t>Idea</a:t>
+                </a:r>
+                <a:r>
+                  <a:rPr lang="en-US" dirty="0"/>
+                  <a:t>:  Fit model under constraint: </a:t>
+                </a:r>
+              </a:p>
+              <a:p>
+                <a:pPr lvl="1"/>
+                <a:r>
+                  <a:rPr lang="en-US" dirty="0"/>
+                  <a:t>Force only a few parameters to be non-zero</a:t>
+                </a:r>
+              </a:p>
+              <a:p>
+                <a:pPr lvl="1"/>
+                <a:endParaRPr lang="en-US" dirty="0"/>
+              </a:p>
+              <a:p>
+                <a:r>
+                  <a:rPr lang="en-US" dirty="0"/>
+                  <a:t>General idea of </a:t>
+                </a:r>
+                <a:r>
+                  <a:rPr lang="en-US" dirty="0">
+                    <a:solidFill>
+                      <a:schemeClr val="accent1"/>
+                    </a:solidFill>
+                  </a:rPr>
+                  <a:t>regularization</a:t>
+                </a:r>
+                <a:r>
+                  <a:rPr lang="en-US" dirty="0"/>
+                  <a:t>:	</a:t>
+                </a:r>
+              </a:p>
+              <a:p>
+                <a:pPr lvl="1"/>
+                <a:r>
+                  <a:rPr lang="en-US" dirty="0"/>
+                  <a:t>Constrain the parameters with prior knowledge</a:t>
+                </a:r>
+              </a:p>
+            </p:txBody>
+          </p:sp>
+        </mc:Choice>
+        <mc:Fallback xmlns="">
+          <p:sp>
+            <p:nvSpPr>
+              <p:cNvPr id="3" name="Content Placeholder 2">
+                <a:extLst>
+                  <a:ext uri="{FF2B5EF4-FFF2-40B4-BE49-F238E27FC236}">
+                    <a16:creationId xmlns:a16="http://schemas.microsoft.com/office/drawing/2014/main" id="{023B1860-A5C5-4801-B581-B2FD65B1DE44}"/>
+                  </a:ext>
+                </a:extLst>
+              </p:cNvPr>
+              <p:cNvSpPr>
+                <a:spLocks noGrp="1" noRot="1" noChangeAspect="1" noMove="1" noResize="1" noEditPoints="1" noAdjustHandles="1" noChangeArrowheads="1" noChangeShapeType="1" noTextEdit="1"/>
+              </p:cNvSpPr>
+              <p:nvPr>
+                <p:ph idx="1"/>
+              </p:nvPr>
+            </p:nvSpPr>
+            <p:spPr>
+              <a:xfrm>
+                <a:off x="1097280" y="1539277"/>
+                <a:ext cx="6489140" cy="4329817"/>
+              </a:xfrm>
+              <a:blipFill>
+                <a:blip r:embed="rId2"/>
+                <a:stretch>
+                  <a:fillRect l="-1953" t="-1754" b="-1170"/>
+                </a:stretch>
+              </a:blipFill>
+            </p:spPr>
+            <p:txBody>
+              <a:bodyPr/>
+              <a:lstStyle/>
+              <a:p>
+                <a:r>
+                  <a:rPr lang="en-US">
+                    <a:noFill/>
+                  </a:rPr>
+                  <a:t> </a:t>
+                </a:r>
+              </a:p>
+            </p:txBody>
+          </p:sp>
+        </mc:Fallback>
+      </mc:AlternateContent>
+      <p:sp>
+        <p:nvSpPr>
+          <p:cNvPr id="4" name="Slide Number Placeholder 3">
+            <a:extLst>
+              <a:ext uri="{FF2B5EF4-FFF2-40B4-BE49-F238E27FC236}">
+                <a16:creationId xmlns:a16="http://schemas.microsoft.com/office/drawing/2014/main" id="{D8F9D5B7-045B-46EB-AB3A-EC59EB9DCE62}"/>
+              </a:ext>
+            </a:extLst>
+          </p:cNvPr>
+          <p:cNvSpPr>
+            <a:spLocks noGrp="1"/>
+          </p:cNvSpPr>
+          <p:nvPr>
+            <p:ph type="sldNum" sz="quarter" idx="12"/>
+          </p:nvPr>
+        </p:nvSpPr>
+        <p:spPr/>
+        <p:txBody>
+          <a:bodyPr/>
+          <a:lstStyle/>
+          <a:p>
+            <a:fld id="{629637A9-119A-49DA-BD12-AAC58B377D80}" type="slidenum">
+              <a:rPr lang="en-US" smtClean="0"/>
+              <a:t>17</a:t>
+            </a:fld>
+            <a:endParaRPr lang="en-US" dirty="0"/>
+          </a:p>
+        </p:txBody>
+      </p:sp>
+      <p:pic>
+        <p:nvPicPr>
+          <p:cNvPr id="5" name="Picture 4">
+            <a:extLst>
+              <a:ext uri="{FF2B5EF4-FFF2-40B4-BE49-F238E27FC236}">
+                <a16:creationId xmlns:a16="http://schemas.microsoft.com/office/drawing/2014/main" id="{CB61903C-D786-4BC5-862C-100411AB9888}"/>
+              </a:ext>
+            </a:extLst>
+          </p:cNvPr>
+          <p:cNvPicPr>
+            <a:picLocks noChangeAspect="1"/>
+          </p:cNvPicPr>
+          <p:nvPr/>
+        </p:nvPicPr>
+        <p:blipFill>
+          <a:blip r:embed="rId3"/>
+          <a:stretch>
+            <a:fillRect/>
+          </a:stretch>
+        </p:blipFill>
+        <p:spPr>
+          <a:xfrm>
+            <a:off x="7746594" y="1851127"/>
+            <a:ext cx="3200400" cy="3409950"/>
+          </a:xfrm>
+          <a:prstGeom prst="rect">
+            <a:avLst/>
+          </a:prstGeom>
+        </p:spPr>
+      </p:pic>
+    </p:spTree>
+    <p:extLst>
+      <p:ext uri="{BB962C8B-B14F-4D97-AF65-F5344CB8AC3E}">
+        <p14:creationId xmlns:p14="http://schemas.microsoft.com/office/powerpoint/2010/main" val="63295442"/>
+      </p:ext>
+    </p:extLst>
+  </p:cSld>
+  <p:clrMapOvr>
+    <a:masterClrMapping/>
+  </p:clrMapOvr>
+</p:sld>
+</file>
+
+<file path=ppt/slides/slide18.xml><?xml version="1.0" encoding="utf-8"?>
+<p:sld xmlns:a="http://schemas.openxmlformats.org/drawingml/2006/main" xmlns:r="http://schemas.openxmlformats.org/officeDocument/2006/relationships" xmlns:p="http://schemas.openxmlformats.org/presentationml/2006/main">
+  <p:cSld>
+    <p:spTree>
+      <p:nvGrpSpPr>
+        <p:cNvPr id="1" name=""/>
+        <p:cNvGrpSpPr/>
+        <p:nvPr/>
+      </p:nvGrpSpPr>
+      <p:grpSpPr>
+        <a:xfrm>
+          <a:off x="0" y="0"/>
+          <a:ext cx="0" cy="0"/>
+          <a:chOff x="0" y="0"/>
+          <a:chExt cx="0" cy="0"/>
+        </a:xfrm>
+      </p:grpSpPr>
+      <p:sp>
+        <p:nvSpPr>
+          <p:cNvPr id="2" name="Title 1">
+            <a:extLst>
+              <a:ext uri="{FF2B5EF4-FFF2-40B4-BE49-F238E27FC236}">
                 <a16:creationId xmlns:a16="http://schemas.microsoft.com/office/drawing/2014/main" id="{DD7084FE-70C8-4BD4-BB94-410C10CCCD3A}"/>
               </a:ext>
             </a:extLst>
@@ -5459,7 +8682,7 @@
           <a:p>
             <a:fld id="{629637A9-119A-49DA-BD12-AAC58B377D80}" type="slidenum">
               <a:rPr lang="en-US" smtClean="0"/>
-              <a:t>10</a:t>
+              <a:t>18</a:t>
             </a:fld>
             <a:endParaRPr lang="en-US" dirty="0"/>
           </a:p>
@@ -5478,7 +8701,7 @@
 </p:sld>
 </file>
 
-<file path=ppt/slides/slide11.xml><?xml version="1.0" encoding="utf-8"?>
+<file path=ppt/slides/slide19.xml><?xml version="1.0" encoding="utf-8"?>
 <p:sld xmlns:a="http://schemas.openxmlformats.org/drawingml/2006/main" xmlns:r="http://schemas.openxmlformats.org/officeDocument/2006/relationships" xmlns:p="http://schemas.openxmlformats.org/presentationml/2006/main">
   <p:cSld>
     <p:spTree>
@@ -5528,8 +8751,8 @@
           </a:p>
         </p:txBody>
       </p:sp>
-      <mc:AlternateContent xmlns:mc="http://schemas.openxmlformats.org/markup-compatibility/2006" xmlns:a14="http://schemas.microsoft.com/office/drawing/2010/main">
-        <mc:Choice Requires="a14">
+      <mc:AlternateContent xmlns:mc="http://schemas.openxmlformats.org/markup-compatibility/2006">
+        <mc:Choice xmlns:a14="http://schemas.microsoft.com/office/drawing/2010/main" Requires="a14">
           <p:sp>
             <p:nvSpPr>
               <p:cNvPr id="3" name="Content Placeholder 2">
@@ -5907,7 +9130,14 @@
               <a:p>
                 <a:r>
                   <a:rPr lang="en-US" dirty="0"/>
-                  <a:t>Note the regularization sum does not include the intercept </a:t>
+                  <a:t>Note the regularization sum</a:t>
+                </a:r>
+              </a:p>
+              <a:p>
+                <a:pPr lvl="1"/>
+                <a:r>
+                  <a:rPr lang="en-US" dirty="0"/>
+                  <a:t>Does not include the intercept </a:t>
                 </a:r>
                 <a14:m>
                   <m:oMath xmlns:m="http://schemas.openxmlformats.org/officeDocument/2006/math">
@@ -5946,7 +9176,21 @@
                 </a14:m>
                 <a:r>
                   <a:rPr lang="en-US" dirty="0"/>
-                  <a:t> as this terms depends on the mean of the target, and should not be arbitrarily constrained to be small</a:t>
+                  <a:t> </a:t>
+                </a:r>
+              </a:p>
+              <a:p>
+                <a:pPr lvl="1"/>
+                <a:r>
+                  <a:rPr lang="en-US" dirty="0"/>
+                  <a:t>This terms depends on the mean of the target</a:t>
+                </a:r>
+              </a:p>
+              <a:p>
+                <a:pPr lvl="1"/>
+                <a:r>
+                  <a:rPr lang="en-US" dirty="0"/>
+                  <a:t>Should not be arbitrarily constrained to be small</a:t>
                 </a:r>
               </a:p>
               <a:p>
@@ -5958,7 +9202,7 @@
             </p:txBody>
           </p:sp>
         </mc:Choice>
-        <mc:Fallback xmlns="">
+        <mc:Fallback>
           <p:sp>
             <p:nvSpPr>
               <p:cNvPr id="3" name="Content Placeholder 2">
@@ -5983,7 +9227,7 @@
               <a:blipFill>
                 <a:blip r:embed="rId2"/>
                 <a:stretch>
-                  <a:fillRect l="-2336" t="-14620"/>
+                  <a:fillRect l="-2477" t="-15211" b="-845"/>
                 </a:stretch>
               </a:blipFill>
             </p:spPr>
@@ -6025,7 +9269,7 @@
           <a:p>
             <a:fld id="{629637A9-119A-49DA-BD12-AAC58B377D80}" type="slidenum">
               <a:rPr lang="en-US" smtClean="0"/>
-              <a:t>11</a:t>
+              <a:t>19</a:t>
             </a:fld>
             <a:endParaRPr lang="en-US" dirty="0"/>
           </a:p>
@@ -6488,8 +9732,8 @@
           </mc:Fallback>
         </mc:AlternateContent>
       </p:grpSp>
-      <mc:AlternateContent xmlns:mc="http://schemas.openxmlformats.org/markup-compatibility/2006" xmlns:a14="http://schemas.microsoft.com/office/drawing/2010/main">
-        <mc:Choice Requires="a14">
+      <mc:AlternateContent xmlns:mc="http://schemas.openxmlformats.org/markup-compatibility/2006">
+        <mc:Choice xmlns:a14="http://schemas.microsoft.com/office/drawing/2010/main" Requires="a14">
           <p:sp>
             <p:nvSpPr>
               <p:cNvPr id="9" name="TextBox 8">
@@ -6504,7 +9748,7 @@
             </p:nvSpPr>
             <p:spPr>
               <a:xfrm>
-                <a:off x="7166690" y="4522241"/>
+                <a:off x="7046040" y="4529945"/>
                 <a:ext cx="4324084" cy="1339149"/>
               </a:xfrm>
               <a:prstGeom prst="rect">
@@ -6659,7 +9903,7 @@
             </p:txBody>
           </p:sp>
         </mc:Choice>
-        <mc:Fallback xmlns="">
+        <mc:Fallback>
           <p:sp>
             <p:nvSpPr>
               <p:cNvPr id="9" name="TextBox 8">
@@ -6676,7 +9920,7 @@
             </p:nvSpPr>
             <p:spPr>
               <a:xfrm>
-                <a:off x="7166690" y="4522241"/>
+                <a:off x="7046040" y="4529945"/>
                 <a:ext cx="4324084" cy="1339149"/>
               </a:xfrm>
               <a:prstGeom prst="rect">
@@ -6685,7 +9929,7 @@
               <a:blipFill>
                 <a:blip r:embed="rId7"/>
                 <a:stretch>
-                  <a:fillRect l="-1173" b="-5607"/>
+                  <a:fillRect l="-1269" b="-6364"/>
                 </a:stretch>
               </a:blipFill>
             </p:spPr>
@@ -6717,7 +9961,177 @@
 </p:sld>
 </file>
 
-<file path=ppt/slides/slide12.xml><?xml version="1.0" encoding="utf-8"?>
+<file path=ppt/slides/slide2.xml><?xml version="1.0" encoding="utf-8"?>
+<p:sld xmlns:a="http://schemas.openxmlformats.org/drawingml/2006/main" xmlns:r="http://schemas.openxmlformats.org/officeDocument/2006/relationships" xmlns:p="http://schemas.openxmlformats.org/presentationml/2006/main">
+  <p:cSld>
+    <p:spTree>
+      <p:nvGrpSpPr>
+        <p:cNvPr id="1" name=""/>
+        <p:cNvGrpSpPr/>
+        <p:nvPr/>
+      </p:nvGrpSpPr>
+      <p:grpSpPr>
+        <a:xfrm>
+          <a:off x="0" y="0"/>
+          <a:ext cx="0" cy="0"/>
+          <a:chOff x="0" y="0"/>
+          <a:chExt cx="0" cy="0"/>
+        </a:xfrm>
+      </p:grpSpPr>
+      <p:sp>
+        <p:nvSpPr>
+          <p:cNvPr id="2" name="Title 1"/>
+          <p:cNvSpPr>
+            <a:spLocks noGrp="1"/>
+          </p:cNvSpPr>
+          <p:nvPr>
+            <p:ph type="title"/>
+          </p:nvPr>
+        </p:nvSpPr>
+        <p:spPr/>
+        <p:txBody>
+          <a:bodyPr/>
+          <a:lstStyle/>
+          <a:p>
+            <a:r>
+              <a:rPr lang="en-US" dirty="0"/>
+              <a:t>Learning Objectives</a:t>
+            </a:r>
+          </a:p>
+        </p:txBody>
+      </p:sp>
+      <p:sp>
+        <p:nvSpPr>
+          <p:cNvPr id="3" name="Content Placeholder 2"/>
+          <p:cNvSpPr>
+            <a:spLocks noGrp="1"/>
+          </p:cNvSpPr>
+          <p:nvPr>
+            <p:ph idx="1"/>
+          </p:nvPr>
+        </p:nvSpPr>
+        <p:spPr/>
+        <p:txBody>
+          <a:bodyPr/>
+          <a:lstStyle/>
+          <a:p>
+            <a:r>
+              <a:rPr lang="en-US" dirty="0"/>
+              <a:t>Formulate a linear estimation problem with a regularization</a:t>
+            </a:r>
+          </a:p>
+          <a:p>
+            <a:r>
+              <a:rPr lang="en-US" dirty="0"/>
+              <a:t>Compute an L1-regularized estimate (LASSO) using </a:t>
+            </a:r>
+            <a:r>
+              <a:rPr lang="en-US" dirty="0" err="1"/>
+              <a:t>sklearn</a:t>
+            </a:r>
+            <a:r>
+              <a:rPr lang="en-US" dirty="0"/>
+              <a:t> tools</a:t>
+            </a:r>
+          </a:p>
+          <a:p>
+            <a:r>
+              <a:rPr lang="en-US" dirty="0"/>
+              <a:t>Compute the optimal regularization level using cross validation</a:t>
+            </a:r>
+          </a:p>
+          <a:p>
+            <a:r>
+              <a:rPr lang="en-US" dirty="0"/>
+              <a:t>Interpret results from a LASSO path</a:t>
+            </a:r>
+          </a:p>
+          <a:p>
+            <a:r>
+              <a:rPr lang="en-US" dirty="0"/>
+              <a:t>Determine final regression function from cross validation</a:t>
+            </a:r>
+          </a:p>
+          <a:p>
+            <a:r>
+              <a:rPr lang="en-US" dirty="0"/>
+              <a:t>Set </a:t>
+            </a:r>
+            <a:r>
+              <a:rPr lang="en-US" dirty="0" err="1"/>
+              <a:t>regularizer</a:t>
+            </a:r>
+            <a:r>
+              <a:rPr lang="en-US" dirty="0"/>
+              <a:t> based on a probabilistic prior</a:t>
+            </a:r>
+          </a:p>
+          <a:p>
+            <a:r>
+              <a:rPr lang="en-US" dirty="0"/>
+              <a:t>Perform other feature selection methods</a:t>
+            </a:r>
+          </a:p>
+          <a:p>
+            <a:pPr marL="0" indent="0">
+              <a:buNone/>
+            </a:pPr>
+            <a:endParaRPr lang="en-US" dirty="0"/>
+          </a:p>
+          <a:p>
+            <a:endParaRPr lang="en-US" dirty="0"/>
+          </a:p>
+          <a:p>
+            <a:endParaRPr lang="en-US" dirty="0"/>
+          </a:p>
+          <a:p>
+            <a:endParaRPr lang="en-US" dirty="0"/>
+          </a:p>
+          <a:p>
+            <a:endParaRPr lang="en-US" dirty="0"/>
+          </a:p>
+          <a:p>
+            <a:endParaRPr lang="en-US" dirty="0"/>
+          </a:p>
+        </p:txBody>
+      </p:sp>
+      <p:sp>
+        <p:nvSpPr>
+          <p:cNvPr id="4" name="Slide Number Placeholder 3"/>
+          <p:cNvSpPr>
+            <a:spLocks noGrp="1"/>
+          </p:cNvSpPr>
+          <p:nvPr>
+            <p:ph type="sldNum" sz="quarter" idx="12"/>
+          </p:nvPr>
+        </p:nvSpPr>
+        <p:spPr/>
+        <p:txBody>
+          <a:bodyPr/>
+          <a:lstStyle/>
+          <a:p>
+            <a:fld id="{629637A9-119A-49DA-BD12-AAC58B377D80}" type="slidenum">
+              <a:rPr lang="en-US" smtClean="0"/>
+              <a:t>2</a:t>
+            </a:fld>
+            <a:endParaRPr lang="en-US" dirty="0"/>
+          </a:p>
+        </p:txBody>
+      </p:sp>
+    </p:spTree>
+    <p:extLst>
+      <p:ext uri="{BB962C8B-B14F-4D97-AF65-F5344CB8AC3E}">
+        <p14:creationId xmlns:p14="http://schemas.microsoft.com/office/powerpoint/2010/main" val="2210901991"/>
+      </p:ext>
+    </p:extLst>
+  </p:cSld>
+  <p:clrMapOvr>
+    <a:masterClrMapping/>
+  </p:clrMapOvr>
+</p:sld>
+</file>
+
+<file path=ppt/slides/slide20.xml><?xml version="1.0" encoding="utf-8"?>
 <p:sld xmlns:a="http://schemas.openxmlformats.org/drawingml/2006/main" xmlns:r="http://schemas.openxmlformats.org/officeDocument/2006/relationships" xmlns:p="http://schemas.openxmlformats.org/presentationml/2006/main">
   <p:cSld>
     <p:spTree>
@@ -6762,8 +10176,8 @@
           </a:p>
         </p:txBody>
       </p:sp>
-      <mc:AlternateContent xmlns:mc="http://schemas.openxmlformats.org/markup-compatibility/2006" xmlns:a14="http://schemas.microsoft.com/office/drawing/2010/main">
-        <mc:Choice Requires="a14">
+      <mc:AlternateContent xmlns:mc="http://schemas.openxmlformats.org/markup-compatibility/2006">
+        <mc:Choice xmlns:a14="http://schemas.microsoft.com/office/drawing/2010/main" Requires="a14">
           <p:sp>
             <p:nvSpPr>
               <p:cNvPr id="3" name="Content Placeholder 2">
@@ -7216,10 +10630,16 @@
                 <a:endParaRPr lang="en-US" sz="2000" dirty="0"/>
               </a:p>
               <a:p>
+                <a:r>
+                  <a:rPr lang="en-US" sz="2200" dirty="0"/>
+                  <a:t>After predictor for the scaled data are determined: </a:t>
+                </a:r>
+              </a:p>
+              <a:p>
                 <a:pPr lvl="1"/>
                 <a:r>
                   <a:rPr lang="en-US" sz="2000" dirty="0"/>
-                  <a:t>Once the predictor for the scaled data are determined, we can derive the equivalent predictor on the original data (HW!)</a:t>
+                  <a:t>Derive the equivalent predictor on the original data (HW!)</a:t>
                 </a:r>
               </a:p>
               <a:p>
@@ -7271,9 +10691,13 @@
                     </m:sSub>
                   </m:oMath>
                 </a14:m>
+                <a:endParaRPr lang="en-US" sz="2000" dirty="0"/>
+              </a:p>
+              <a:p>
+                <a:pPr lvl="1"/>
                 <a:r>
                   <a:rPr lang="en-US" sz="2000" dirty="0"/>
-                  <a:t>, so that the regularization term is simply a L2 or L1 norm of coefficient vector</a:t>
+                  <a:t>So that the regularization term is simply a L2 or L1 norm of coefficient vector</a:t>
                 </a:r>
               </a:p>
               <a:p>
@@ -7282,7 +10706,7 @@
             </p:txBody>
           </p:sp>
         </mc:Choice>
-        <mc:Fallback xmlns="">
+        <mc:Fallback>
           <p:sp>
             <p:nvSpPr>
               <p:cNvPr id="3" name="Content Placeholder 2">
@@ -7303,7 +10727,7 @@
               <a:blipFill>
                 <a:blip r:embed="rId2"/>
                 <a:stretch>
-                  <a:fillRect l="-1639" t="-1462" r="-757"/>
+                  <a:fillRect l="-1697" t="-1972"/>
                 </a:stretch>
               </a:blipFill>
             </p:spPr>
@@ -7345,7 +10769,7 @@
           <a:p>
             <a:fld id="{629637A9-119A-49DA-BD12-AAC58B377D80}" type="slidenum">
               <a:rPr lang="en-US" smtClean="0"/>
-              <a:t>12</a:t>
+              <a:t>20</a:t>
             </a:fld>
             <a:endParaRPr lang="en-US" dirty="0"/>
           </a:p>
@@ -7364,7 +10788,7 @@
 </p:sld>
 </file>
 
-<file path=ppt/slides/slide13.xml><?xml version="1.0" encoding="utf-8"?>
+<file path=ppt/slides/slide21.xml><?xml version="1.0" encoding="utf-8"?>
 <p:sld xmlns:a="http://schemas.openxmlformats.org/drawingml/2006/main" xmlns:r="http://schemas.openxmlformats.org/officeDocument/2006/relationships" xmlns:p="http://schemas.openxmlformats.org/presentationml/2006/main">
   <p:cSld>
     <p:spTree>
@@ -8360,7 +11784,7 @@
           <a:p>
             <a:fld id="{629637A9-119A-49DA-BD12-AAC58B377D80}" type="slidenum">
               <a:rPr lang="en-US" smtClean="0"/>
-              <a:t>13</a:t>
+              <a:t>21</a:t>
             </a:fld>
             <a:endParaRPr lang="en-US" dirty="0"/>
           </a:p>
@@ -8379,7 +11803,7 @@
 </p:sld>
 </file>
 
-<file path=ppt/slides/slide14.xml><?xml version="1.0" encoding="utf-8"?>
+<file path=ppt/slides/slide22.xml><?xml version="1.0" encoding="utf-8"?>
 <p:sld xmlns:a="http://schemas.openxmlformats.org/drawingml/2006/main" xmlns:r="http://schemas.openxmlformats.org/officeDocument/2006/relationships" xmlns:p="http://schemas.openxmlformats.org/presentationml/2006/main">
   <p:cSld>
     <p:spTree>
@@ -8545,7 +11969,7 @@
           <a:p>
             <a:fld id="{629637A9-119A-49DA-BD12-AAC58B377D80}" type="slidenum">
               <a:rPr lang="en-US" smtClean="0"/>
-              <a:t>14</a:t>
+              <a:t>22</a:t>
             </a:fld>
             <a:endParaRPr lang="en-US" dirty="0"/>
           </a:p>
@@ -8594,7 +12018,7 @@
 </p:sld>
 </file>
 
-<file path=ppt/slides/slide15.xml><?xml version="1.0" encoding="utf-8"?>
+<file path=ppt/slides/slide23.xml><?xml version="1.0" encoding="utf-8"?>
 <p:sld xmlns:a="http://schemas.openxmlformats.org/drawingml/2006/main" xmlns:r="http://schemas.openxmlformats.org/officeDocument/2006/relationships" xmlns:p="http://schemas.openxmlformats.org/presentationml/2006/main">
   <p:cSld>
     <p:spTree>
@@ -8639,8 +12063,8 @@
           </a:p>
         </p:txBody>
       </p:sp>
-      <mc:AlternateContent xmlns:mc="http://schemas.openxmlformats.org/markup-compatibility/2006" xmlns:a14="http://schemas.microsoft.com/office/drawing/2010/main">
-        <mc:Choice Requires="a14">
+      <mc:AlternateContent xmlns:mc="http://schemas.openxmlformats.org/markup-compatibility/2006">
+        <mc:Choice xmlns:a14="http://schemas.microsoft.com/office/drawing/2010/main" Requires="a14">
           <p:sp>
             <p:nvSpPr>
               <p:cNvPr id="3" name="Content Placeholder 2">
@@ -9121,15 +12545,50 @@
                 </a:r>
               </a:p>
               <a:p>
+                <a:pPr lvl="1"/>
                 <a:r>
                   <a:rPr lang="en-US" dirty="0"/>
-                  <a:t>Without regularization, large positive and negative coefficients cancel each other for correlated features, resulting in high variance of the resulting models</a:t>
+                  <a:t>Tries to keep coefficients small </a:t>
+                </a:r>
+              </a:p>
+              <a:p>
+                <a:pPr lvl="1"/>
+                <a:r>
+                  <a:rPr lang="en-US" dirty="0"/>
+                  <a:t>Only use coefficients when it reduces prediction error</a:t>
+                </a:r>
+              </a:p>
+              <a:p>
+                <a:r>
+                  <a:rPr lang="en-US" dirty="0"/>
+                  <a:t>Without regularization:  </a:t>
+                </a:r>
+              </a:p>
+              <a:p>
+                <a:pPr lvl="1"/>
+                <a:r>
+                  <a:rPr lang="en-US" dirty="0"/>
+                  <a:t>Parameters are unrestricted</a:t>
+                </a:r>
+              </a:p>
+              <a:p>
+                <a:pPr lvl="1"/>
+                <a:r>
+                  <a:rPr lang="en-US" dirty="0"/>
+                  <a:t>Models have high variance</a:t>
+                </a:r>
+              </a:p>
+              <a:p>
+                <a:pPr lvl="1"/>
+                <a:r>
+                  <a:rPr lang="en-US" dirty="0"/>
+                  <a:t>Large positive and negative coefficients cancel each other for correlated features</a:t>
                 </a:r>
               </a:p>
             </p:txBody>
           </p:sp>
         </mc:Choice>
-        <mc:Fallback xmlns="">
+        <mc:Fallback>
           <p:sp>
             <p:nvSpPr>
               <p:cNvPr id="3" name="Content Placeholder 2">
@@ -9150,7 +12609,7 @@
               <a:blipFill>
                 <a:blip r:embed="rId2"/>
                 <a:stretch>
-                  <a:fillRect l="-1261" t="-15497" r="-1892"/>
+                  <a:fillRect l="-1455" t="-1549"/>
                 </a:stretch>
               </a:blipFill>
             </p:spPr>
@@ -9192,7 +12651,7 @@
           <a:p>
             <a:fld id="{629637A9-119A-49DA-BD12-AAC58B377D80}" type="slidenum">
               <a:rPr lang="en-US" smtClean="0"/>
-              <a:t>15</a:t>
+              <a:t>23</a:t>
             </a:fld>
             <a:endParaRPr lang="en-US" dirty="0"/>
           </a:p>
@@ -9211,7 +12670,7 @@
 </p:sld>
 </file>
 
-<file path=ppt/slides/slide16.xml><?xml version="1.0" encoding="utf-8"?>
+<file path=ppt/slides/slide24.xml><?xml version="1.0" encoding="utf-8"?>
 <p:sld xmlns:a="http://schemas.openxmlformats.org/drawingml/2006/main" xmlns:r="http://schemas.openxmlformats.org/officeDocument/2006/relationships" xmlns:p="http://schemas.openxmlformats.org/presentationml/2006/main">
   <p:cSld>
     <p:spTree>
@@ -9428,7 +12887,7 @@
           <a:p>
             <a:fld id="{629637A9-119A-49DA-BD12-AAC58B377D80}" type="slidenum">
               <a:rPr lang="en-US" smtClean="0"/>
-              <a:t>16</a:t>
+              <a:t>24</a:t>
             </a:fld>
             <a:endParaRPr lang="en-US" dirty="0"/>
           </a:p>
@@ -9857,7 +13316,7 @@
 </p:sld>
 </file>
 
-<file path=ppt/slides/slide17.xml><?xml version="1.0" encoding="utf-8"?>
+<file path=ppt/slides/slide25.xml><?xml version="1.0" encoding="utf-8"?>
 <p:sld xmlns:a="http://schemas.openxmlformats.org/drawingml/2006/main" xmlns:r="http://schemas.openxmlformats.org/officeDocument/2006/relationships" xmlns:p="http://schemas.openxmlformats.org/presentationml/2006/main">
   <p:cSld>
     <p:spTree>
@@ -9961,7 +13420,7 @@
           <a:p>
             <a:fld id="{629637A9-119A-49DA-BD12-AAC58B377D80}" type="slidenum">
               <a:rPr lang="en-US" smtClean="0"/>
-              <a:t>17</a:t>
+              <a:t>25</a:t>
             </a:fld>
             <a:endParaRPr lang="en-US" dirty="0"/>
           </a:p>
@@ -10342,7 +13801,7 @@
 </p:sld>
 </file>
 
-<file path=ppt/slides/slide18.xml><?xml version="1.0" encoding="utf-8"?>
+<file path=ppt/slides/slide26.xml><?xml version="1.0" encoding="utf-8"?>
 <p:sld xmlns:a="http://schemas.openxmlformats.org/drawingml/2006/main" xmlns:r="http://schemas.openxmlformats.org/officeDocument/2006/relationships" xmlns:p="http://schemas.openxmlformats.org/presentationml/2006/main">
   <p:cSld>
     <p:spTree>
@@ -10968,7 +14427,7 @@
           <a:p>
             <a:fld id="{629637A9-119A-49DA-BD12-AAC58B377D80}" type="slidenum">
               <a:rPr lang="en-US" smtClean="0"/>
-              <a:t>18</a:t>
+              <a:t>26</a:t>
             </a:fld>
             <a:endParaRPr lang="en-US" dirty="0"/>
           </a:p>
@@ -10987,7 +14446,7 @@
 </p:sld>
 </file>
 
-<file path=ppt/slides/slide19.xml><?xml version="1.0" encoding="utf-8"?>
+<file path=ppt/slides/slide27.xml><?xml version="1.0" encoding="utf-8"?>
 <p:sld xmlns:a="http://schemas.openxmlformats.org/drawingml/2006/main" xmlns:r="http://schemas.openxmlformats.org/officeDocument/2006/relationships" xmlns:p="http://schemas.openxmlformats.org/presentationml/2006/main">
   <p:cSld>
     <p:spTree>
@@ -11233,7 +14692,7 @@
           <a:p>
             <a:fld id="{629637A9-119A-49DA-BD12-AAC58B377D80}" type="slidenum">
               <a:rPr lang="en-US" smtClean="0"/>
-              <a:t>19</a:t>
+              <a:t>27</a:t>
             </a:fld>
             <a:endParaRPr lang="en-US" dirty="0"/>
           </a:p>
@@ -11252,177 +14711,7 @@
 </p:sld>
 </file>
 
-<file path=ppt/slides/slide2.xml><?xml version="1.0" encoding="utf-8"?>
-<p:sld xmlns:a="http://schemas.openxmlformats.org/drawingml/2006/main" xmlns:r="http://schemas.openxmlformats.org/officeDocument/2006/relationships" xmlns:p="http://schemas.openxmlformats.org/presentationml/2006/main">
-  <p:cSld>
-    <p:spTree>
-      <p:nvGrpSpPr>
-        <p:cNvPr id="1" name=""/>
-        <p:cNvGrpSpPr/>
-        <p:nvPr/>
-      </p:nvGrpSpPr>
-      <p:grpSpPr>
-        <a:xfrm>
-          <a:off x="0" y="0"/>
-          <a:ext cx="0" cy="0"/>
-          <a:chOff x="0" y="0"/>
-          <a:chExt cx="0" cy="0"/>
-        </a:xfrm>
-      </p:grpSpPr>
-      <p:sp>
-        <p:nvSpPr>
-          <p:cNvPr id="2" name="Title 1"/>
-          <p:cNvSpPr>
-            <a:spLocks noGrp="1"/>
-          </p:cNvSpPr>
-          <p:nvPr>
-            <p:ph type="title"/>
-          </p:nvPr>
-        </p:nvSpPr>
-        <p:spPr/>
-        <p:txBody>
-          <a:bodyPr/>
-          <a:lstStyle/>
-          <a:p>
-            <a:r>
-              <a:rPr lang="en-US" dirty="0"/>
-              <a:t>Learning Objectives</a:t>
-            </a:r>
-          </a:p>
-        </p:txBody>
-      </p:sp>
-      <p:sp>
-        <p:nvSpPr>
-          <p:cNvPr id="3" name="Content Placeholder 2"/>
-          <p:cNvSpPr>
-            <a:spLocks noGrp="1"/>
-          </p:cNvSpPr>
-          <p:nvPr>
-            <p:ph idx="1"/>
-          </p:nvPr>
-        </p:nvSpPr>
-        <p:spPr/>
-        <p:txBody>
-          <a:bodyPr/>
-          <a:lstStyle/>
-          <a:p>
-            <a:r>
-              <a:rPr lang="en-US" dirty="0"/>
-              <a:t>Formulate a linear estimation problem with a regularization</a:t>
-            </a:r>
-          </a:p>
-          <a:p>
-            <a:r>
-              <a:rPr lang="en-US" dirty="0"/>
-              <a:t>Compute an L1-regularized estimate (LASSO) using </a:t>
-            </a:r>
-            <a:r>
-              <a:rPr lang="en-US" dirty="0" err="1"/>
-              <a:t>sklearn</a:t>
-            </a:r>
-            <a:r>
-              <a:rPr lang="en-US" dirty="0"/>
-              <a:t> tools</a:t>
-            </a:r>
-          </a:p>
-          <a:p>
-            <a:r>
-              <a:rPr lang="en-US" dirty="0"/>
-              <a:t>Compute the optimal regularization level using cross validation</a:t>
-            </a:r>
-          </a:p>
-          <a:p>
-            <a:r>
-              <a:rPr lang="en-US" dirty="0"/>
-              <a:t>Interpret results from a LASSO path</a:t>
-            </a:r>
-          </a:p>
-          <a:p>
-            <a:r>
-              <a:rPr lang="en-US" dirty="0"/>
-              <a:t>Set </a:t>
-            </a:r>
-            <a:r>
-              <a:rPr lang="en-US" dirty="0" err="1"/>
-              <a:t>regularizer</a:t>
-            </a:r>
-            <a:r>
-              <a:rPr lang="en-US" dirty="0"/>
-              <a:t> based on a probabilistic prior</a:t>
-            </a:r>
-          </a:p>
-          <a:p>
-            <a:r>
-              <a:rPr lang="en-US" dirty="0"/>
-              <a:t>Feature selection methods</a:t>
-            </a:r>
-          </a:p>
-          <a:p>
-            <a:r>
-              <a:rPr lang="en-US" dirty="0"/>
-              <a:t>How to determine final regression function from cross validation</a:t>
-            </a:r>
-          </a:p>
-          <a:p>
-            <a:pPr marL="0" indent="0">
-              <a:buNone/>
-            </a:pPr>
-            <a:endParaRPr lang="en-US" dirty="0"/>
-          </a:p>
-          <a:p>
-            <a:endParaRPr lang="en-US" dirty="0"/>
-          </a:p>
-          <a:p>
-            <a:endParaRPr lang="en-US" dirty="0"/>
-          </a:p>
-          <a:p>
-            <a:endParaRPr lang="en-US" dirty="0"/>
-          </a:p>
-          <a:p>
-            <a:endParaRPr lang="en-US" dirty="0"/>
-          </a:p>
-          <a:p>
-            <a:endParaRPr lang="en-US" dirty="0"/>
-          </a:p>
-        </p:txBody>
-      </p:sp>
-      <p:sp>
-        <p:nvSpPr>
-          <p:cNvPr id="4" name="Slide Number Placeholder 3"/>
-          <p:cNvSpPr>
-            <a:spLocks noGrp="1"/>
-          </p:cNvSpPr>
-          <p:nvPr>
-            <p:ph type="sldNum" sz="quarter" idx="12"/>
-          </p:nvPr>
-        </p:nvSpPr>
-        <p:spPr/>
-        <p:txBody>
-          <a:bodyPr/>
-          <a:lstStyle/>
-          <a:p>
-            <a:fld id="{629637A9-119A-49DA-BD12-AAC58B377D80}" type="slidenum">
-              <a:rPr lang="en-US" smtClean="0"/>
-              <a:t>2</a:t>
-            </a:fld>
-            <a:endParaRPr lang="en-US" dirty="0"/>
-          </a:p>
-        </p:txBody>
-      </p:sp>
-    </p:spTree>
-    <p:extLst>
-      <p:ext uri="{BB962C8B-B14F-4D97-AF65-F5344CB8AC3E}">
-        <p14:creationId xmlns:p14="http://schemas.microsoft.com/office/powerpoint/2010/main" val="2210901991"/>
-      </p:ext>
-    </p:extLst>
-  </p:cSld>
-  <p:clrMapOvr>
-    <a:masterClrMapping/>
-  </p:clrMapOvr>
-</p:sld>
-</file>
-
-<file path=ppt/slides/slide20.xml><?xml version="1.0" encoding="utf-8"?>
+<file path=ppt/slides/slide28.xml><?xml version="1.0" encoding="utf-8"?>
 <p:sld xmlns:a="http://schemas.openxmlformats.org/drawingml/2006/main" xmlns:r="http://schemas.openxmlformats.org/officeDocument/2006/relationships" xmlns:p="http://schemas.openxmlformats.org/presentationml/2006/main">
   <p:cSld>
     <p:spTree>
@@ -11631,7 +14920,7 @@
           <a:p>
             <a:fld id="{629637A9-119A-49DA-BD12-AAC58B377D80}" type="slidenum">
               <a:rPr lang="en-US" smtClean="0"/>
-              <a:t>20</a:t>
+              <a:t>28</a:t>
             </a:fld>
             <a:endParaRPr lang="en-US" dirty="0"/>
           </a:p>
@@ -11669,10 +14958,10 @@
       </p:pic>
       <p:pic>
         <p:nvPicPr>
-          <p:cNvPr id="6" name="Picture 5">
+          <p:cNvPr id="7" name="Picture 6">
             <a:extLst>
               <a:ext uri="{FF2B5EF4-FFF2-40B4-BE49-F238E27FC236}">
-                <a16:creationId xmlns:a16="http://schemas.microsoft.com/office/drawing/2014/main" id="{BB2A1F28-C76E-4A65-AF9A-0506A66F835B}"/>
+                <a16:creationId xmlns:a16="http://schemas.microsoft.com/office/drawing/2014/main" id="{094F3625-C190-4691-9291-5BD26702AE18}"/>
               </a:ext>
             </a:extLst>
           </p:cNvPr>
@@ -11689,8 +14978,8 @@
         </p:blipFill>
         <p:spPr>
           <a:xfrm>
-            <a:off x="601023" y="3401867"/>
-            <a:ext cx="5082971" cy="3219492"/>
+            <a:off x="1022350" y="3777303"/>
+            <a:ext cx="3886200" cy="2552700"/>
           </a:xfrm>
           <a:prstGeom prst="rect">
             <a:avLst/>
@@ -11710,7 +14999,7 @@
 </p:sld>
 </file>
 
-<file path=ppt/slides/slide21.xml><?xml version="1.0" encoding="utf-8"?>
+<file path=ppt/slides/slide29.xml><?xml version="1.0" encoding="utf-8"?>
 <p:sld xmlns:a="http://schemas.openxmlformats.org/drawingml/2006/main" xmlns:r="http://schemas.openxmlformats.org/officeDocument/2006/relationships" xmlns:p="http://schemas.openxmlformats.org/presentationml/2006/main">
   <p:cSld>
     <p:spTree>
@@ -11755,8 +15044,8 @@
           </a:p>
         </p:txBody>
       </p:sp>
-      <mc:AlternateContent xmlns:mc="http://schemas.openxmlformats.org/markup-compatibility/2006" xmlns:a14="http://schemas.microsoft.com/office/drawing/2010/main">
-        <mc:Choice Requires="a14">
+      <mc:AlternateContent xmlns:mc="http://schemas.openxmlformats.org/markup-compatibility/2006">
+        <mc:Choice xmlns:a14="http://schemas.microsoft.com/office/drawing/2010/main" Requires="a14">
           <p:sp>
             <p:nvSpPr>
               <p:cNvPr id="3" name="Content Placeholder 2">
@@ -11973,7 +15262,13 @@
                       <a:rPr lang="en-US" i="0" dirty="0" err="1" smtClean="0">
                         <a:latin typeface="Cambria Math" panose="02040503050406030204" pitchFamily="18" charset="0"/>
                       </a:rPr>
-                      <m:t>std</m:t>
+                      <m:t>s</m:t>
+                    </m:r>
+                    <m:r>
+                      <a:rPr lang="en-US" b="0" i="1" dirty="0" smtClean="0">
+                        <a:latin typeface="Cambria Math" panose="02040503050406030204" pitchFamily="18" charset="0"/>
+                      </a:rPr>
+                      <m:t>𝑒</m:t>
                     </m:r>
                     <m:r>
                       <a:rPr lang="en-US" i="1" dirty="0" smtClean="0">
@@ -12070,7 +15365,7 @@
             </p:txBody>
           </p:sp>
         </mc:Choice>
-        <mc:Fallback xmlns="">
+        <mc:Fallback>
           <p:sp>
             <p:nvSpPr>
               <p:cNvPr id="3" name="Content Placeholder 2">
@@ -12133,7 +15428,7 @@
           <a:p>
             <a:fld id="{629637A9-119A-49DA-BD12-AAC58B377D80}" type="slidenum">
               <a:rPr lang="en-US" smtClean="0"/>
-              <a:t>21</a:t>
+              <a:t>29</a:t>
             </a:fld>
             <a:endParaRPr lang="en-US" dirty="0"/>
           </a:p>
@@ -12141,10 +15436,10 @@
       </p:sp>
       <p:pic>
         <p:nvPicPr>
-          <p:cNvPr id="6" name="Picture 5">
+          <p:cNvPr id="5" name="Picture 4">
             <a:extLst>
               <a:ext uri="{FF2B5EF4-FFF2-40B4-BE49-F238E27FC236}">
-                <a16:creationId xmlns:a16="http://schemas.microsoft.com/office/drawing/2014/main" id="{8900594A-30F8-41F0-B6DB-30FFA0385BDA}"/>
+                <a16:creationId xmlns:a16="http://schemas.microsoft.com/office/drawing/2014/main" id="{3F9FD96C-16E7-4B6E-B59E-082B14005D95}"/>
               </a:ext>
             </a:extLst>
           </p:cNvPr>
@@ -12161,8 +15456,8 @@
         </p:blipFill>
         <p:spPr>
           <a:xfrm>
-            <a:off x="6850412" y="1584702"/>
-            <a:ext cx="4210050" cy="1828800"/>
+            <a:off x="1036320" y="3105150"/>
+            <a:ext cx="3905250" cy="2628900"/>
           </a:xfrm>
           <a:prstGeom prst="rect">
             <a:avLst/>
@@ -12171,10 +15466,10 @@
       </p:pic>
       <p:pic>
         <p:nvPicPr>
-          <p:cNvPr id="7" name="Picture 6">
+          <p:cNvPr id="8" name="Picture 7">
             <a:extLst>
               <a:ext uri="{FF2B5EF4-FFF2-40B4-BE49-F238E27FC236}">
-                <a16:creationId xmlns:a16="http://schemas.microsoft.com/office/drawing/2014/main" id="{0E7C51DC-3488-413B-B876-A73209CC5383}"/>
+                <a16:creationId xmlns:a16="http://schemas.microsoft.com/office/drawing/2014/main" id="{8661EA88-96E0-486A-94C4-FAF2FAFF1C27}"/>
               </a:ext>
             </a:extLst>
           </p:cNvPr>
@@ -12191,8 +15486,8 @@
         </p:blipFill>
         <p:spPr>
           <a:xfrm>
-            <a:off x="812392" y="2964394"/>
-            <a:ext cx="4715363" cy="3127287"/>
+            <a:off x="6764655" y="1620837"/>
+            <a:ext cx="4391025" cy="1685925"/>
           </a:xfrm>
           <a:prstGeom prst="rect">
             <a:avLst/>
@@ -12212,7 +15507,174 @@
 </p:sld>
 </file>
 
-<file path=ppt/slides/slide22.xml><?xml version="1.0" encoding="utf-8"?>
+<file path=ppt/slides/slide3.xml><?xml version="1.0" encoding="utf-8"?>
+<p:sld xmlns:a="http://schemas.openxmlformats.org/drawingml/2006/main" xmlns:r="http://schemas.openxmlformats.org/officeDocument/2006/relationships" xmlns:p="http://schemas.openxmlformats.org/presentationml/2006/main">
+  <p:cSld>
+    <p:spTree>
+      <p:nvGrpSpPr>
+        <p:cNvPr id="1" name=""/>
+        <p:cNvGrpSpPr/>
+        <p:nvPr/>
+      </p:nvGrpSpPr>
+      <p:grpSpPr>
+        <a:xfrm>
+          <a:off x="0" y="0"/>
+          <a:ext cx="0" cy="0"/>
+          <a:chOff x="0" y="0"/>
+          <a:chExt cx="0" cy="0"/>
+        </a:xfrm>
+      </p:grpSpPr>
+      <p:sp>
+        <p:nvSpPr>
+          <p:cNvPr id="2" name="Title 1"/>
+          <p:cNvSpPr>
+            <a:spLocks noGrp="1"/>
+          </p:cNvSpPr>
+          <p:nvPr>
+            <p:ph type="title"/>
+          </p:nvPr>
+        </p:nvSpPr>
+        <p:spPr/>
+        <p:txBody>
+          <a:bodyPr/>
+          <a:lstStyle/>
+          <a:p>
+            <a:r>
+              <a:rPr lang="en-US" dirty="0"/>
+              <a:t>Outline	</a:t>
+            </a:r>
+          </a:p>
+        </p:txBody>
+      </p:sp>
+      <p:sp>
+        <p:nvSpPr>
+          <p:cNvPr id="3" name="Content Placeholder 2"/>
+          <p:cNvSpPr>
+            <a:spLocks noGrp="1"/>
+          </p:cNvSpPr>
+          <p:nvPr>
+            <p:ph idx="1"/>
+          </p:nvPr>
+        </p:nvSpPr>
+        <p:spPr/>
+        <p:txBody>
+          <a:bodyPr/>
+          <a:lstStyle/>
+          <a:p>
+            <a:r>
+              <a:rPr lang="en-US" dirty="0"/>
+              <a:t>Motivating Example:  Predicting prostate cancer from a PSA test</a:t>
+            </a:r>
+          </a:p>
+          <a:p>
+            <a:r>
+              <a:rPr lang="en-US" dirty="0"/>
+              <a:t>Model Selection </a:t>
+            </a:r>
+          </a:p>
+          <a:p>
+            <a:r>
+              <a:rPr lang="en-US" dirty="0"/>
+              <a:t>Model Selection from LASSO regularization</a:t>
+            </a:r>
+          </a:p>
+          <a:p>
+            <a:r>
+              <a:rPr lang="en-US" dirty="0"/>
+              <a:t>Probabilistic interpretation</a:t>
+            </a:r>
+          </a:p>
+          <a:p>
+            <a:r>
+              <a:rPr lang="en-US" dirty="0"/>
+              <a:t>Other Model Selection Methods </a:t>
+            </a:r>
+          </a:p>
+        </p:txBody>
+      </p:sp>
+      <p:sp>
+        <p:nvSpPr>
+          <p:cNvPr id="4" name="Slide Number Placeholder 3"/>
+          <p:cNvSpPr>
+            <a:spLocks noGrp="1"/>
+          </p:cNvSpPr>
+          <p:nvPr>
+            <p:ph type="sldNum" sz="quarter" idx="12"/>
+          </p:nvPr>
+        </p:nvSpPr>
+        <p:spPr/>
+        <p:txBody>
+          <a:bodyPr/>
+          <a:lstStyle/>
+          <a:p>
+            <a:fld id="{629637A9-119A-49DA-BD12-AAC58B377D80}" type="slidenum">
+              <a:rPr lang="en-US" smtClean="0"/>
+              <a:t>3</a:t>
+            </a:fld>
+            <a:endParaRPr lang="en-US" dirty="0"/>
+          </a:p>
+        </p:txBody>
+      </p:sp>
+      <p:sp>
+        <p:nvSpPr>
+          <p:cNvPr id="5" name="Arrow: Right 4"/>
+          <p:cNvSpPr/>
+          <p:nvPr/>
+        </p:nvSpPr>
+        <p:spPr>
+          <a:xfrm>
+            <a:off x="314049" y="1448057"/>
+            <a:ext cx="978408" cy="484632"/>
+          </a:xfrm>
+          <a:prstGeom prst="rightArrow">
+            <a:avLst/>
+          </a:prstGeom>
+          <a:solidFill>
+            <a:schemeClr val="accent1">
+              <a:lumMod val="60000"/>
+              <a:lumOff val="40000"/>
+            </a:schemeClr>
+          </a:solidFill>
+        </p:spPr>
+        <p:style>
+          <a:lnRef idx="2">
+            <a:schemeClr val="accent1">
+              <a:shade val="50000"/>
+            </a:schemeClr>
+          </a:lnRef>
+          <a:fillRef idx="1">
+            <a:schemeClr val="accent1"/>
+          </a:fillRef>
+          <a:effectRef idx="0">
+            <a:schemeClr val="accent1"/>
+          </a:effectRef>
+          <a:fontRef idx="minor">
+            <a:schemeClr val="lt1"/>
+          </a:fontRef>
+        </p:style>
+        <p:txBody>
+          <a:bodyPr rtlCol="0" anchor="ctr"/>
+          <a:lstStyle/>
+          <a:p>
+            <a:pPr algn="ctr"/>
+            <a:endParaRPr lang="en-US"/>
+          </a:p>
+        </p:txBody>
+      </p:sp>
+    </p:spTree>
+    <p:extLst>
+      <p:ext uri="{BB962C8B-B14F-4D97-AF65-F5344CB8AC3E}">
+        <p14:creationId xmlns:p14="http://schemas.microsoft.com/office/powerpoint/2010/main" val="3884634229"/>
+      </p:ext>
+    </p:extLst>
+  </p:cSld>
+  <p:clrMapOvr>
+    <a:masterClrMapping/>
+  </p:clrMapOvr>
+</p:sld>
+</file>
+
+<file path=ppt/slides/slide30.xml><?xml version="1.0" encoding="utf-8"?>
 <p:sld xmlns:a="http://schemas.openxmlformats.org/drawingml/2006/main" xmlns:r="http://schemas.openxmlformats.org/officeDocument/2006/relationships" xmlns:p="http://schemas.openxmlformats.org/presentationml/2006/main">
   <p:cSld>
     <p:spTree>
@@ -12257,8 +15719,8 @@
           </a:p>
         </p:txBody>
       </p:sp>
-      <mc:AlternateContent xmlns:mc="http://schemas.openxmlformats.org/markup-compatibility/2006" xmlns:a14="http://schemas.microsoft.com/office/drawing/2010/main">
-        <mc:Choice Requires="a14">
+      <mc:AlternateContent xmlns:mc="http://schemas.openxmlformats.org/markup-compatibility/2006">
+        <mc:Choice xmlns:a14="http://schemas.microsoft.com/office/drawing/2010/main" Requires="a14">
           <p:sp>
             <p:nvSpPr>
               <p:cNvPr id="3" name="Content Placeholder 2">
@@ -12320,7 +15782,7 @@
                 <a:pPr lvl="1"/>
                 <a:r>
                   <a:rPr lang="en-US" dirty="0"/>
-                  <a:t>Only two factors are non-zeros</a:t>
+                  <a:t>Only three factors are non-zeros</a:t>
                 </a:r>
               </a:p>
               <a:p>
@@ -12332,6 +15794,17 @@
                 <a:r>
                   <a:rPr lang="en-US" dirty="0"/>
                   <a:t>:  log cancer volume</a:t>
+                </a:r>
+              </a:p>
+              <a:p>
+                <a:pPr lvl="1"/>
+                <a:r>
+                  <a:rPr lang="en-US" dirty="0" err="1"/>
+                  <a:t>Lweight</a:t>
+                </a:r>
+                <a:r>
+                  <a:rPr lang="en-US" dirty="0"/>
+                  <a:t>:  Log weight</a:t>
                 </a:r>
               </a:p>
               <a:p>
@@ -12354,7 +15827,7 @@
             </p:txBody>
           </p:sp>
         </mc:Choice>
-        <mc:Fallback xmlns="">
+        <mc:Fallback>
           <p:sp>
             <p:nvSpPr>
               <p:cNvPr id="3" name="Content Placeholder 2">
@@ -12379,7 +15852,7 @@
               <a:blipFill>
                 <a:blip r:embed="rId2"/>
                 <a:stretch>
-                  <a:fillRect l="-2381" t="-1466"/>
+                  <a:fillRect l="-2749" t="-1410"/>
                 </a:stretch>
               </a:blipFill>
             </p:spPr>
@@ -12421,7 +15894,7 @@
           <a:p>
             <a:fld id="{629637A9-119A-49DA-BD12-AAC58B377D80}" type="slidenum">
               <a:rPr lang="en-US" smtClean="0"/>
-              <a:t>22</a:t>
+              <a:t>30</a:t>
             </a:fld>
             <a:endParaRPr lang="en-US" dirty="0"/>
           </a:p>
@@ -12429,10 +15902,10 @@
       </p:sp>
       <p:pic>
         <p:nvPicPr>
-          <p:cNvPr id="6" name="Picture 5">
+          <p:cNvPr id="5" name="Picture 4">
             <a:extLst>
               <a:ext uri="{FF2B5EF4-FFF2-40B4-BE49-F238E27FC236}">
-                <a16:creationId xmlns:a16="http://schemas.microsoft.com/office/drawing/2014/main" id="{B72D7C00-3160-4456-A65F-944FB0A6A438}"/>
+                <a16:creationId xmlns:a16="http://schemas.microsoft.com/office/drawing/2014/main" id="{F4FDD2AB-3AFB-462B-9C71-AEE3991C59AA}"/>
               </a:ext>
             </a:extLst>
           </p:cNvPr>
@@ -12449,8 +15922,8 @@
         </p:blipFill>
         <p:spPr>
           <a:xfrm>
-            <a:off x="6419285" y="1709656"/>
-            <a:ext cx="4114330" cy="3229941"/>
+            <a:off x="6838949" y="1708150"/>
+            <a:ext cx="3779129" cy="3232150"/>
           </a:xfrm>
           <a:prstGeom prst="rect">
             <a:avLst/>
@@ -12470,7 +15943,7 @@
 </p:sld>
 </file>
 
-<file path=ppt/slides/slide23.xml><?xml version="1.0" encoding="utf-8"?>
+<file path=ppt/slides/slide31.xml><?xml version="1.0" encoding="utf-8"?>
 <p:sld xmlns:a="http://schemas.openxmlformats.org/drawingml/2006/main" xmlns:r="http://schemas.openxmlformats.org/officeDocument/2006/relationships" xmlns:p="http://schemas.openxmlformats.org/presentationml/2006/main">
   <p:cSld>
     <p:spTree>
@@ -12675,7 +16148,7 @@
           <a:p>
             <a:fld id="{629637A9-119A-49DA-BD12-AAC58B377D80}" type="slidenum">
               <a:rPr lang="en-US" smtClean="0"/>
-              <a:t>23</a:t>
+              <a:t>31</a:t>
             </a:fld>
             <a:endParaRPr lang="en-US" dirty="0"/>
           </a:p>
@@ -12683,10 +16156,10 @@
       </p:sp>
       <p:pic>
         <p:nvPicPr>
-          <p:cNvPr id="6" name="Picture 5">
+          <p:cNvPr id="5" name="Picture 4">
             <a:extLst>
               <a:ext uri="{FF2B5EF4-FFF2-40B4-BE49-F238E27FC236}">
-                <a16:creationId xmlns:a16="http://schemas.microsoft.com/office/drawing/2014/main" id="{F7CFC6B6-E867-4846-B9F2-7E5B5C9EB972}"/>
+                <a16:creationId xmlns:a16="http://schemas.microsoft.com/office/drawing/2014/main" id="{63811A28-70C1-41CC-884E-893B85FD4ABC}"/>
               </a:ext>
             </a:extLst>
           </p:cNvPr>
@@ -12703,8 +16176,8 @@
         </p:blipFill>
         <p:spPr>
           <a:xfrm>
-            <a:off x="6557029" y="2202757"/>
-            <a:ext cx="5401082" cy="3519298"/>
+            <a:off x="6567487" y="2000250"/>
+            <a:ext cx="5230486" cy="3086100"/>
           </a:xfrm>
           <a:prstGeom prst="rect">
             <a:avLst/>
@@ -12724,7 +16197,7 @@
 </p:sld>
 </file>
 
-<file path=ppt/slides/slide24.xml><?xml version="1.0" encoding="utf-8"?>
+<file path=ppt/slides/slide32.xml><?xml version="1.0" encoding="utf-8"?>
 <p:sld xmlns:a="http://schemas.openxmlformats.org/drawingml/2006/main" xmlns:r="http://schemas.openxmlformats.org/officeDocument/2006/relationships" xmlns:p="http://schemas.openxmlformats.org/presentationml/2006/main">
   <p:cSld>
     <p:spTree>
@@ -12760,76 +16233,152 @@
         <p:spPr/>
         <p:txBody>
           <a:bodyPr>
-            <a:normAutofit fontScale="90000"/>
+            <a:normAutofit/>
           </a:bodyPr>
           <a:lstStyle/>
           <a:p>
             <a:r>
               <a:rPr lang="en-US" dirty="0"/>
-              <a:t>How to determine the final </a:t>
-            </a:r>
-            <a:r>
-              <a:rPr lang="en-US" dirty="0" err="1"/>
-              <a:t>regressor</a:t>
-            </a:r>
-            <a:r>
-              <a:rPr lang="en-US" dirty="0"/>
-              <a:t> from cross validation?</a:t>
+              <a:t>Finding the Final Regressor</a:t>
             </a:r>
           </a:p>
         </p:txBody>
       </p:sp>
-      <p:sp>
-        <p:nvSpPr>
-          <p:cNvPr id="3" name="Content Placeholder 2">
-            <a:extLst>
-              <a:ext uri="{FF2B5EF4-FFF2-40B4-BE49-F238E27FC236}">
-                <a16:creationId xmlns:a16="http://schemas.microsoft.com/office/drawing/2014/main" id="{BEA64C45-D6E3-B44D-9E4C-F315FC5591EE}"/>
-              </a:ext>
-            </a:extLst>
-          </p:cNvPr>
-          <p:cNvSpPr>
-            <a:spLocks noGrp="1"/>
-          </p:cNvSpPr>
-          <p:nvPr>
-            <p:ph idx="1"/>
-          </p:nvPr>
-        </p:nvSpPr>
-        <p:spPr/>
-        <p:txBody>
-          <a:bodyPr/>
-          <a:lstStyle/>
-          <a:p>
-            <a:r>
-              <a:rPr lang="en-US" sz="2400" dirty="0"/>
-              <a:t>K-folds yield  K regression functions</a:t>
-            </a:r>
-          </a:p>
-          <a:p>
-            <a:r>
-              <a:rPr lang="en-US" sz="2400" dirty="0"/>
-              <a:t>We can produce K estimates for each test sample, and use the average (=mean estimate)</a:t>
-            </a:r>
-          </a:p>
-          <a:p>
-            <a:r>
-              <a:rPr lang="en-US" sz="2400" dirty="0"/>
-              <a:t>When the </a:t>
-            </a:r>
-            <a:r>
-              <a:rPr lang="en-US" sz="2400" dirty="0" err="1"/>
-              <a:t>regressor</a:t>
-            </a:r>
-            <a:r>
-              <a:rPr lang="en-US" sz="2400" dirty="0"/>
-              <a:t> is linear with respect to its parameters, we can simply average the parameters! (HW)</a:t>
-            </a:r>
-          </a:p>
-          <a:p>
-            <a:endParaRPr lang="en-US" dirty="0"/>
-          </a:p>
-        </p:txBody>
-      </p:sp>
+      <mc:AlternateContent xmlns:mc="http://schemas.openxmlformats.org/markup-compatibility/2006">
+        <mc:Choice xmlns:a14="http://schemas.microsoft.com/office/drawing/2010/main" Requires="a14">
+          <p:sp>
+            <p:nvSpPr>
+              <p:cNvPr id="3" name="Content Placeholder 2">
+                <a:extLst>
+                  <a:ext uri="{FF2B5EF4-FFF2-40B4-BE49-F238E27FC236}">
+                    <a16:creationId xmlns:a16="http://schemas.microsoft.com/office/drawing/2014/main" id="{BEA64C45-D6E3-B44D-9E4C-F315FC5591EE}"/>
+                  </a:ext>
+                </a:extLst>
+              </p:cNvPr>
+              <p:cNvSpPr>
+                <a:spLocks noGrp="1"/>
+              </p:cNvSpPr>
+              <p:nvPr>
+                <p:ph idx="1"/>
+              </p:nvPr>
+            </p:nvSpPr>
+            <p:spPr/>
+            <p:txBody>
+              <a:bodyPr/>
+              <a:lstStyle/>
+              <a:p>
+                <a:r>
+                  <a:rPr lang="en-US" sz="2400" dirty="0"/>
+                  <a:t>Select features from cross-validation</a:t>
+                </a:r>
+              </a:p>
+              <a:p>
+                <a:r>
+                  <a:rPr lang="en-US" sz="2400" dirty="0"/>
+                  <a:t>Re-run ordinary (un-regularized) regression on reduced features</a:t>
+                </a:r>
+              </a:p>
+              <a:p>
+                <a:r>
+                  <a:rPr lang="en-US" sz="2400" dirty="0"/>
+                  <a:t>Use </a:t>
+                </a:r>
+                <a14:m>
+                  <m:oMath xmlns:m="http://schemas.openxmlformats.org/officeDocument/2006/math">
+                    <m:r>
+                      <a:rPr lang="en-US" sz="2400" b="0" i="1" smtClean="0">
+                        <a:latin typeface="Cambria Math" panose="02040503050406030204" pitchFamily="18" charset="0"/>
+                      </a:rPr>
+                      <m:t>𝐾</m:t>
+                    </m:r>
+                    <m:r>
+                      <a:rPr lang="en-US" sz="2400" b="0" i="1" smtClean="0">
+                        <a:latin typeface="Cambria Math" panose="02040503050406030204" pitchFamily="18" charset="0"/>
+                      </a:rPr>
+                      <m:t>−</m:t>
+                    </m:r>
+                  </m:oMath>
+                </a14:m>
+                <a:r>
+                  <a:rPr lang="en-US" sz="2400" dirty="0"/>
+                  <a:t>fold validation</a:t>
+                </a:r>
+              </a:p>
+              <a:p>
+                <a:r>
+                  <a:rPr lang="en-US" sz="2400" dirty="0"/>
+                  <a:t>K-folds yield  </a:t>
+                </a:r>
+                <a14:m>
+                  <m:oMath xmlns:m="http://schemas.openxmlformats.org/officeDocument/2006/math">
+                    <m:r>
+                      <a:rPr lang="en-US" sz="2400" i="1" dirty="0" smtClean="0">
+                        <a:latin typeface="Cambria Math" panose="02040503050406030204" pitchFamily="18" charset="0"/>
+                      </a:rPr>
+                      <m:t>𝐾</m:t>
+                    </m:r>
+                  </m:oMath>
+                </a14:m>
+                <a:r>
+                  <a:rPr lang="en-US" sz="2400" dirty="0"/>
+                  <a:t> weights and biases</a:t>
+                </a:r>
+              </a:p>
+              <a:p>
+                <a:r>
+                  <a:rPr lang="en-US" sz="2400" dirty="0"/>
+                  <a:t>Take mean of the weights and biases for the final parameter estimate</a:t>
+                </a:r>
+              </a:p>
+              <a:p>
+                <a:r>
+                  <a:rPr lang="en-US" sz="2400" dirty="0"/>
+                  <a:t>Take mean of the test MSE for the estimate of the test MSE</a:t>
+                </a:r>
+              </a:p>
+            </p:txBody>
+          </p:sp>
+        </mc:Choice>
+        <mc:Fallback>
+          <p:sp>
+            <p:nvSpPr>
+              <p:cNvPr id="3" name="Content Placeholder 2">
+                <a:extLst>
+                  <a:ext uri="{FF2B5EF4-FFF2-40B4-BE49-F238E27FC236}">
+                    <a16:creationId xmlns:a16="http://schemas.microsoft.com/office/drawing/2014/main" id="{BEA64C45-D6E3-B44D-9E4C-F315FC5591EE}"/>
+                  </a:ext>
+                </a:extLst>
+              </p:cNvPr>
+              <p:cNvSpPr>
+                <a:spLocks noGrp="1" noRot="1" noChangeAspect="1" noMove="1" noResize="1" noEditPoints="1" noAdjustHandles="1" noChangeArrowheads="1" noChangeShapeType="1" noTextEdit="1"/>
+              </p:cNvSpPr>
+              <p:nvPr>
+                <p:ph idx="1"/>
+              </p:nvPr>
+            </p:nvSpPr>
+            <p:spPr>
+              <a:blipFill>
+                <a:blip r:embed="rId2"/>
+                <a:stretch>
+                  <a:fillRect l="-1697" t="-1972"/>
+                </a:stretch>
+              </a:blipFill>
+            </p:spPr>
+            <p:txBody>
+              <a:bodyPr/>
+              <a:lstStyle/>
+              <a:p>
+                <a:r>
+                  <a:rPr lang="en-US">
+                    <a:noFill/>
+                  </a:rPr>
+                  <a:t> </a:t>
+                </a:r>
+              </a:p>
+            </p:txBody>
+          </p:sp>
+        </mc:Fallback>
+      </mc:AlternateContent>
       <p:sp>
         <p:nvSpPr>
           <p:cNvPr id="4" name="Slide Number Placeholder 3">
@@ -12853,7 +16402,7 @@
           <a:p>
             <a:fld id="{629637A9-119A-49DA-BD12-AAC58B377D80}" type="slidenum">
               <a:rPr lang="en-US" smtClean="0"/>
-              <a:t>24</a:t>
+              <a:t>32</a:t>
             </a:fld>
             <a:endParaRPr lang="en-US" dirty="0"/>
           </a:p>
@@ -12872,119 +16421,7 @@
 </p:sld>
 </file>
 
-<file path=ppt/slides/slide25.xml><?xml version="1.0" encoding="utf-8"?>
-<p:sld xmlns:a="http://schemas.openxmlformats.org/drawingml/2006/main" xmlns:r="http://schemas.openxmlformats.org/officeDocument/2006/relationships" xmlns:p="http://schemas.openxmlformats.org/presentationml/2006/main">
-  <p:cSld>
-    <p:spTree>
-      <p:nvGrpSpPr>
-        <p:cNvPr id="1" name=""/>
-        <p:cNvGrpSpPr/>
-        <p:nvPr/>
-      </p:nvGrpSpPr>
-      <p:grpSpPr>
-        <a:xfrm>
-          <a:off x="0" y="0"/>
-          <a:ext cx="0" cy="0"/>
-          <a:chOff x="0" y="0"/>
-          <a:chExt cx="0" cy="0"/>
-        </a:xfrm>
-      </p:grpSpPr>
-      <p:sp>
-        <p:nvSpPr>
-          <p:cNvPr id="2" name="Title 1">
-            <a:extLst>
-              <a:ext uri="{FF2B5EF4-FFF2-40B4-BE49-F238E27FC236}">
-                <a16:creationId xmlns:a16="http://schemas.microsoft.com/office/drawing/2014/main" id="{71CAA1C6-3963-8042-9637-6B802B54F19E}"/>
-              </a:ext>
-            </a:extLst>
-          </p:cNvPr>
-          <p:cNvSpPr>
-            <a:spLocks noGrp="1"/>
-          </p:cNvSpPr>
-          <p:nvPr>
-            <p:ph type="title"/>
-          </p:nvPr>
-        </p:nvSpPr>
-        <p:spPr/>
-        <p:txBody>
-          <a:bodyPr/>
-          <a:lstStyle/>
-          <a:p>
-            <a:r>
-              <a:rPr lang="en-US" dirty="0"/>
-              <a:t>Go through Demo on LASSO</a:t>
-            </a:r>
-          </a:p>
-        </p:txBody>
-      </p:sp>
-      <p:sp>
-        <p:nvSpPr>
-          <p:cNvPr id="3" name="Content Placeholder 2">
-            <a:extLst>
-              <a:ext uri="{FF2B5EF4-FFF2-40B4-BE49-F238E27FC236}">
-                <a16:creationId xmlns:a16="http://schemas.microsoft.com/office/drawing/2014/main" id="{F4077BE7-3CBF-3F49-A517-91402B2E6345}"/>
-              </a:ext>
-            </a:extLst>
-          </p:cNvPr>
-          <p:cNvSpPr>
-            <a:spLocks noGrp="1"/>
-          </p:cNvSpPr>
-          <p:nvPr>
-            <p:ph idx="1"/>
-          </p:nvPr>
-        </p:nvSpPr>
-        <p:spPr/>
-        <p:txBody>
-          <a:bodyPr/>
-          <a:lstStyle/>
-          <a:p>
-            <a:endParaRPr lang="en-US"/>
-          </a:p>
-        </p:txBody>
-      </p:sp>
-      <p:sp>
-        <p:nvSpPr>
-          <p:cNvPr id="4" name="Slide Number Placeholder 3">
-            <a:extLst>
-              <a:ext uri="{FF2B5EF4-FFF2-40B4-BE49-F238E27FC236}">
-                <a16:creationId xmlns:a16="http://schemas.microsoft.com/office/drawing/2014/main" id="{71F3445E-A798-B54C-A72F-8B577F1FEEB7}"/>
-              </a:ext>
-            </a:extLst>
-          </p:cNvPr>
-          <p:cNvSpPr>
-            <a:spLocks noGrp="1"/>
-          </p:cNvSpPr>
-          <p:nvPr>
-            <p:ph type="sldNum" sz="quarter" idx="12"/>
-          </p:nvPr>
-        </p:nvSpPr>
-        <p:spPr/>
-        <p:txBody>
-          <a:bodyPr/>
-          <a:lstStyle/>
-          <a:p>
-            <a:fld id="{629637A9-119A-49DA-BD12-AAC58B377D80}" type="slidenum">
-              <a:rPr lang="en-US" smtClean="0"/>
-              <a:t>25</a:t>
-            </a:fld>
-            <a:endParaRPr lang="en-US" dirty="0"/>
-          </a:p>
-        </p:txBody>
-      </p:sp>
-    </p:spTree>
-    <p:extLst>
-      <p:ext uri="{BB962C8B-B14F-4D97-AF65-F5344CB8AC3E}">
-        <p14:creationId xmlns:p14="http://schemas.microsoft.com/office/powerpoint/2010/main" val="3766131"/>
-      </p:ext>
-    </p:extLst>
-  </p:cSld>
-  <p:clrMapOvr>
-    <a:masterClrMapping/>
-  </p:clrMapOvr>
-</p:sld>
-</file>
-
-<file path=ppt/slides/slide26.xml><?xml version="1.0" encoding="utf-8"?>
+<file path=ppt/slides/slide33.xml><?xml version="1.0" encoding="utf-8"?>
 <p:sld xmlns:a="http://schemas.openxmlformats.org/drawingml/2006/main" xmlns:r="http://schemas.openxmlformats.org/officeDocument/2006/relationships" xmlns:p="http://schemas.openxmlformats.org/presentationml/2006/main">
   <p:cSld>
     <p:spTree>
@@ -13023,103 +16460,52 @@
           </a:p>
         </p:txBody>
       </p:sp>
-      <mc:AlternateContent xmlns:mc="http://schemas.openxmlformats.org/markup-compatibility/2006" xmlns:a14="http://schemas.microsoft.com/office/drawing/2010/main">
-        <mc:Choice Requires="a14">
-          <p:sp>
-            <p:nvSpPr>
-              <p:cNvPr id="3" name="Content Placeholder 2"/>
-              <p:cNvSpPr>
-                <a:spLocks noGrp="1"/>
-              </p:cNvSpPr>
-              <p:nvPr>
-                <p:ph idx="1"/>
-              </p:nvPr>
-            </p:nvSpPr>
-            <p:spPr/>
-            <p:txBody>
-              <a:bodyPr/>
-              <a:lstStyle/>
-              <a:p>
-                <a:r>
-                  <a:rPr lang="en-US" dirty="0"/>
-                  <a:t>Motivating Example:  Predicting prostate cancer from a PSA test </a:t>
-                </a:r>
-              </a:p>
-              <a:p>
-                <a:r>
-                  <a:rPr lang="en-US" dirty="0"/>
-                  <a:t>Model selection from LASSO regularization</a:t>
-                </a:r>
-              </a:p>
-              <a:p>
-                <a:r>
-                  <a:rPr lang="en-US" dirty="0"/>
-                  <a:t>Probabilistic interpretation </a:t>
-                </a:r>
-              </a:p>
-              <a:p>
-                <a:pPr lvl="1"/>
-                <a:r>
-                  <a:rPr lang="en-US" dirty="0"/>
-                  <a:t>Least squares estimate is Maximum Likelihood Estimate</a:t>
-                </a:r>
-              </a:p>
-              <a:p>
-                <a:pPr lvl="1"/>
-                <a:r>
-                  <a:rPr lang="en-US" dirty="0"/>
-                  <a:t>Ridge and Lasso are Maximum a Posterior (MAP) Estimates with different prior distributions for </a:t>
-                </a:r>
-                <a14:m>
-                  <m:oMath xmlns:m="http://schemas.openxmlformats.org/officeDocument/2006/math">
-                    <m:r>
-                      <a:rPr lang="en-US" i="1" smtClean="0">
-                        <a:latin typeface="Cambria Math" panose="02040503050406030204" pitchFamily="18" charset="0"/>
-                        <a:ea typeface="Cambria Math" panose="02040503050406030204" pitchFamily="18" charset="0"/>
-                      </a:rPr>
-                      <m:t>𝛽</m:t>
-                    </m:r>
-                  </m:oMath>
-                </a14:m>
-                <a:endParaRPr lang="en-US" dirty="0"/>
-              </a:p>
-            </p:txBody>
-          </p:sp>
-        </mc:Choice>
-        <mc:Fallback xmlns="">
-          <p:sp>
-            <p:nvSpPr>
-              <p:cNvPr id="3" name="Content Placeholder 2"/>
-              <p:cNvSpPr>
-                <a:spLocks noGrp="1" noRot="1" noChangeAspect="1" noMove="1" noResize="1" noEditPoints="1" noAdjustHandles="1" noChangeArrowheads="1" noChangeShapeType="1" noTextEdit="1"/>
-              </p:cNvSpPr>
-              <p:nvPr>
-                <p:ph idx="1"/>
-              </p:nvPr>
-            </p:nvSpPr>
-            <p:spPr>
-              <a:blipFill>
-                <a:blip r:embed="rId3"/>
-                <a:stretch>
-                  <a:fillRect l="-1261" t="-1462"/>
-                </a:stretch>
-              </a:blipFill>
-            </p:spPr>
-            <p:txBody>
-              <a:bodyPr/>
-              <a:lstStyle/>
-              <a:p>
-                <a:r>
-                  <a:rPr lang="en-US">
-                    <a:noFill/>
-                  </a:rPr>
-                  <a:t> </a:t>
-                </a:r>
-              </a:p>
-            </p:txBody>
-          </p:sp>
-        </mc:Fallback>
-      </mc:AlternateContent>
+      <p:sp>
+        <p:nvSpPr>
+          <p:cNvPr id="3" name="Content Placeholder 2"/>
+          <p:cNvSpPr>
+            <a:spLocks noGrp="1"/>
+          </p:cNvSpPr>
+          <p:nvPr>
+            <p:ph idx="1"/>
+          </p:nvPr>
+        </p:nvSpPr>
+        <p:spPr/>
+        <p:txBody>
+          <a:bodyPr/>
+          <a:lstStyle/>
+          <a:p>
+            <a:r>
+              <a:rPr lang="en-US" dirty="0"/>
+              <a:t>Motivating Example:  Predicting prostate cancer from a PSA test</a:t>
+            </a:r>
+          </a:p>
+          <a:p>
+            <a:r>
+              <a:rPr lang="en-US" dirty="0"/>
+              <a:t>Model Selection </a:t>
+            </a:r>
+          </a:p>
+          <a:p>
+            <a:r>
+              <a:rPr lang="en-US" dirty="0"/>
+              <a:t>Model Selection from LASSO regularization</a:t>
+            </a:r>
+          </a:p>
+          <a:p>
+            <a:r>
+              <a:rPr lang="en-US" dirty="0"/>
+              <a:t>Probabilistic interpretation</a:t>
+            </a:r>
+          </a:p>
+          <a:p>
+            <a:r>
+              <a:rPr lang="en-US" dirty="0"/>
+              <a:t>Other Model Selection Methods </a:t>
+            </a:r>
+          </a:p>
+        </p:txBody>
+      </p:sp>
       <p:sp>
         <p:nvSpPr>
           <p:cNvPr id="4" name="Slide Number Placeholder 3"/>
@@ -13137,7 +16523,7 @@
           <a:p>
             <a:fld id="{629637A9-119A-49DA-BD12-AAC58B377D80}" type="slidenum">
               <a:rPr lang="en-US" smtClean="0"/>
-              <a:t>26</a:t>
+              <a:t>33</a:t>
             </a:fld>
             <a:endParaRPr lang="en-US" dirty="0"/>
           </a:p>
@@ -13151,7 +16537,7 @@
         </p:nvSpPr>
         <p:spPr>
           <a:xfrm>
-            <a:off x="289826" y="2329232"/>
+            <a:off x="314049" y="2801369"/>
             <a:ext cx="978408" cy="484632"/>
           </a:xfrm>
           <a:prstGeom prst="rightArrow">
@@ -13192,7 +16578,7 @@
     </p:spTree>
     <p:extLst>
       <p:ext uri="{BB962C8B-B14F-4D97-AF65-F5344CB8AC3E}">
-        <p14:creationId xmlns:p14="http://schemas.microsoft.com/office/powerpoint/2010/main" val="1464048818"/>
+        <p14:creationId xmlns:p14="http://schemas.microsoft.com/office/powerpoint/2010/main" val="2622976753"/>
       </p:ext>
     </p:extLst>
   </p:cSld>
@@ -13202,7 +16588,7 @@
 </p:sld>
 </file>
 
-<file path=ppt/slides/slide27.xml><?xml version="1.0" encoding="utf-8"?>
+<file path=ppt/slides/slide34.xml><?xml version="1.0" encoding="utf-8"?>
 <p:sld xmlns:a="http://schemas.openxmlformats.org/drawingml/2006/main" xmlns:r="http://schemas.openxmlformats.org/officeDocument/2006/relationships" xmlns:p="http://schemas.openxmlformats.org/presentationml/2006/main">
   <p:cSld>
     <p:spTree>
@@ -14294,7 +17680,7 @@
           <a:p>
             <a:fld id="{629637A9-119A-49DA-BD12-AAC58B377D80}" type="slidenum">
               <a:rPr lang="en-US" smtClean="0"/>
-              <a:t>27</a:t>
+              <a:t>34</a:t>
             </a:fld>
             <a:endParaRPr lang="en-US" dirty="0"/>
           </a:p>
@@ -14313,7 +17699,7 @@
 </p:sld>
 </file>
 
-<file path=ppt/slides/slide28.xml><?xml version="1.0" encoding="utf-8"?>
+<file path=ppt/slides/slide35.xml><?xml version="1.0" encoding="utf-8"?>
 <p:sld xmlns:a="http://schemas.openxmlformats.org/drawingml/2006/main" xmlns:r="http://schemas.openxmlformats.org/officeDocument/2006/relationships" xmlns:p="http://schemas.openxmlformats.org/presentationml/2006/main">
   <p:cSld>
     <p:spTree>
@@ -15245,7 +18631,7 @@
           <a:p>
             <a:fld id="{629637A9-119A-49DA-BD12-AAC58B377D80}" type="slidenum">
               <a:rPr lang="en-US" smtClean="0"/>
-              <a:t>28</a:t>
+              <a:t>35</a:t>
             </a:fld>
             <a:endParaRPr lang="en-US" dirty="0"/>
           </a:p>
@@ -15264,7 +18650,7 @@
 </p:sld>
 </file>
 
-<file path=ppt/slides/slide29.xml><?xml version="1.0" encoding="utf-8"?>
+<file path=ppt/slides/slide36.xml><?xml version="1.0" encoding="utf-8"?>
 <p:sld xmlns:a="http://schemas.openxmlformats.org/drawingml/2006/main" xmlns:r="http://schemas.openxmlformats.org/officeDocument/2006/relationships" xmlns:p="http://schemas.openxmlformats.org/presentationml/2006/main">
   <p:cSld>
     <p:spTree>
@@ -16861,7 +20247,7 @@
           <a:p>
             <a:fld id="{629637A9-119A-49DA-BD12-AAC58B377D80}" type="slidenum">
               <a:rPr lang="en-US" smtClean="0"/>
-              <a:t>29</a:t>
+              <a:t>36</a:t>
             </a:fld>
             <a:endParaRPr lang="en-US" dirty="0"/>
           </a:p>
@@ -16880,162 +20266,7 @@
 </p:sld>
 </file>
 
-<file path=ppt/slides/slide3.xml><?xml version="1.0" encoding="utf-8"?>
-<p:sld xmlns:a="http://schemas.openxmlformats.org/drawingml/2006/main" xmlns:r="http://schemas.openxmlformats.org/officeDocument/2006/relationships" xmlns:p="http://schemas.openxmlformats.org/presentationml/2006/main">
-  <p:cSld>
-    <p:spTree>
-      <p:nvGrpSpPr>
-        <p:cNvPr id="1" name=""/>
-        <p:cNvGrpSpPr/>
-        <p:nvPr/>
-      </p:nvGrpSpPr>
-      <p:grpSpPr>
-        <a:xfrm>
-          <a:off x="0" y="0"/>
-          <a:ext cx="0" cy="0"/>
-          <a:chOff x="0" y="0"/>
-          <a:chExt cx="0" cy="0"/>
-        </a:xfrm>
-      </p:grpSpPr>
-      <p:sp>
-        <p:nvSpPr>
-          <p:cNvPr id="2" name="Title 1"/>
-          <p:cNvSpPr>
-            <a:spLocks noGrp="1"/>
-          </p:cNvSpPr>
-          <p:nvPr>
-            <p:ph type="title"/>
-          </p:nvPr>
-        </p:nvSpPr>
-        <p:spPr/>
-        <p:txBody>
-          <a:bodyPr/>
-          <a:lstStyle/>
-          <a:p>
-            <a:r>
-              <a:rPr lang="en-US" dirty="0"/>
-              <a:t>Outline	</a:t>
-            </a:r>
-          </a:p>
-        </p:txBody>
-      </p:sp>
-      <p:sp>
-        <p:nvSpPr>
-          <p:cNvPr id="3" name="Content Placeholder 2"/>
-          <p:cNvSpPr>
-            <a:spLocks noGrp="1"/>
-          </p:cNvSpPr>
-          <p:nvPr>
-            <p:ph idx="1"/>
-          </p:nvPr>
-        </p:nvSpPr>
-        <p:spPr/>
-        <p:txBody>
-          <a:bodyPr/>
-          <a:lstStyle/>
-          <a:p>
-            <a:r>
-              <a:rPr lang="en-US" dirty="0"/>
-              <a:t>Motivating Example:  Predicting prostate cancer from a PSA test </a:t>
-            </a:r>
-          </a:p>
-          <a:p>
-            <a:r>
-              <a:rPr lang="en-US" dirty="0"/>
-              <a:t>Model selection from LASSO regularization</a:t>
-            </a:r>
-          </a:p>
-          <a:p>
-            <a:r>
-              <a:rPr lang="en-US" dirty="0"/>
-              <a:t>Probabilistic interpretation </a:t>
-            </a:r>
-          </a:p>
-        </p:txBody>
-      </p:sp>
-      <p:sp>
-        <p:nvSpPr>
-          <p:cNvPr id="4" name="Slide Number Placeholder 3"/>
-          <p:cNvSpPr>
-            <a:spLocks noGrp="1"/>
-          </p:cNvSpPr>
-          <p:nvPr>
-            <p:ph type="sldNum" sz="quarter" idx="12"/>
-          </p:nvPr>
-        </p:nvSpPr>
-        <p:spPr/>
-        <p:txBody>
-          <a:bodyPr/>
-          <a:lstStyle/>
-          <a:p>
-            <a:fld id="{629637A9-119A-49DA-BD12-AAC58B377D80}" type="slidenum">
-              <a:rPr lang="en-US" smtClean="0"/>
-              <a:t>3</a:t>
-            </a:fld>
-            <a:endParaRPr lang="en-US" dirty="0"/>
-          </a:p>
-        </p:txBody>
-      </p:sp>
-      <p:sp>
-        <p:nvSpPr>
-          <p:cNvPr id="5" name="Arrow: Right 4"/>
-          <p:cNvSpPr/>
-          <p:nvPr/>
-        </p:nvSpPr>
-        <p:spPr>
-          <a:xfrm>
-            <a:off x="350383" y="1439055"/>
-            <a:ext cx="978408" cy="484632"/>
-          </a:xfrm>
-          <a:prstGeom prst="rightArrow">
-            <a:avLst/>
-          </a:prstGeom>
-          <a:solidFill>
-            <a:schemeClr val="accent1">
-              <a:lumMod val="60000"/>
-              <a:lumOff val="40000"/>
-            </a:schemeClr>
-          </a:solidFill>
-        </p:spPr>
-        <p:style>
-          <a:lnRef idx="2">
-            <a:schemeClr val="accent1">
-              <a:shade val="50000"/>
-            </a:schemeClr>
-          </a:lnRef>
-          <a:fillRef idx="1">
-            <a:schemeClr val="accent1"/>
-          </a:fillRef>
-          <a:effectRef idx="0">
-            <a:schemeClr val="accent1"/>
-          </a:effectRef>
-          <a:fontRef idx="minor">
-            <a:schemeClr val="lt1"/>
-          </a:fontRef>
-        </p:style>
-        <p:txBody>
-          <a:bodyPr rtlCol="0" anchor="ctr"/>
-          <a:lstStyle/>
-          <a:p>
-            <a:pPr algn="ctr"/>
-            <a:endParaRPr lang="en-US"/>
-          </a:p>
-        </p:txBody>
-      </p:sp>
-    </p:spTree>
-    <p:extLst>
-      <p:ext uri="{BB962C8B-B14F-4D97-AF65-F5344CB8AC3E}">
-        <p14:creationId xmlns:p14="http://schemas.microsoft.com/office/powerpoint/2010/main" val="3884060235"/>
-      </p:ext>
-    </p:extLst>
-  </p:cSld>
-  <p:clrMapOvr>
-    <a:masterClrMapping/>
-  </p:clrMapOvr>
-</p:sld>
-</file>
-
-<file path=ppt/slides/slide30.xml><?xml version="1.0" encoding="utf-8"?>
+<file path=ppt/slides/slide37.xml><?xml version="1.0" encoding="utf-8"?>
 <p:sld xmlns:a="http://schemas.openxmlformats.org/drawingml/2006/main" xmlns:r="http://schemas.openxmlformats.org/officeDocument/2006/relationships" xmlns:p="http://schemas.openxmlformats.org/presentationml/2006/main">
   <p:cSld>
     <p:spTree>
@@ -18930,7 +22161,7 @@
           <a:p>
             <a:fld id="{629637A9-119A-49DA-BD12-AAC58B377D80}" type="slidenum">
               <a:rPr lang="en-US" smtClean="0"/>
-              <a:t>30</a:t>
+              <a:t>37</a:t>
             </a:fld>
             <a:endParaRPr lang="en-US" dirty="0"/>
           </a:p>
@@ -18949,7 +22180,174 @@
 </p:sld>
 </file>
 
-<file path=ppt/slides/slide31.xml><?xml version="1.0" encoding="utf-8"?>
+<file path=ppt/slides/slide38.xml><?xml version="1.0" encoding="utf-8"?>
+<p:sld xmlns:a="http://schemas.openxmlformats.org/drawingml/2006/main" xmlns:r="http://schemas.openxmlformats.org/officeDocument/2006/relationships" xmlns:p="http://schemas.openxmlformats.org/presentationml/2006/main">
+  <p:cSld>
+    <p:spTree>
+      <p:nvGrpSpPr>
+        <p:cNvPr id="1" name=""/>
+        <p:cNvGrpSpPr/>
+        <p:nvPr/>
+      </p:nvGrpSpPr>
+      <p:grpSpPr>
+        <a:xfrm>
+          <a:off x="0" y="0"/>
+          <a:ext cx="0" cy="0"/>
+          <a:chOff x="0" y="0"/>
+          <a:chExt cx="0" cy="0"/>
+        </a:xfrm>
+      </p:grpSpPr>
+      <p:sp>
+        <p:nvSpPr>
+          <p:cNvPr id="2" name="Title 1"/>
+          <p:cNvSpPr>
+            <a:spLocks noGrp="1"/>
+          </p:cNvSpPr>
+          <p:nvPr>
+            <p:ph type="title"/>
+          </p:nvPr>
+        </p:nvSpPr>
+        <p:spPr/>
+        <p:txBody>
+          <a:bodyPr/>
+          <a:lstStyle/>
+          <a:p>
+            <a:r>
+              <a:rPr lang="en-US" dirty="0"/>
+              <a:t>Outline	</a:t>
+            </a:r>
+          </a:p>
+        </p:txBody>
+      </p:sp>
+      <p:sp>
+        <p:nvSpPr>
+          <p:cNvPr id="3" name="Content Placeholder 2"/>
+          <p:cNvSpPr>
+            <a:spLocks noGrp="1"/>
+          </p:cNvSpPr>
+          <p:nvPr>
+            <p:ph idx="1"/>
+          </p:nvPr>
+        </p:nvSpPr>
+        <p:spPr/>
+        <p:txBody>
+          <a:bodyPr/>
+          <a:lstStyle/>
+          <a:p>
+            <a:r>
+              <a:rPr lang="en-US" dirty="0"/>
+              <a:t>Motivating Example:  Predicting prostate cancer from a PSA test</a:t>
+            </a:r>
+          </a:p>
+          <a:p>
+            <a:r>
+              <a:rPr lang="en-US" dirty="0"/>
+              <a:t>Model Selection </a:t>
+            </a:r>
+          </a:p>
+          <a:p>
+            <a:r>
+              <a:rPr lang="en-US" dirty="0"/>
+              <a:t>Model Selection from LASSO regularization</a:t>
+            </a:r>
+          </a:p>
+          <a:p>
+            <a:r>
+              <a:rPr lang="en-US" dirty="0"/>
+              <a:t>Probabilistic interpretation</a:t>
+            </a:r>
+          </a:p>
+          <a:p>
+            <a:r>
+              <a:rPr lang="en-US" dirty="0"/>
+              <a:t>Other Model Selection Methods </a:t>
+            </a:r>
+          </a:p>
+        </p:txBody>
+      </p:sp>
+      <p:sp>
+        <p:nvSpPr>
+          <p:cNvPr id="4" name="Slide Number Placeholder 3"/>
+          <p:cNvSpPr>
+            <a:spLocks noGrp="1"/>
+          </p:cNvSpPr>
+          <p:nvPr>
+            <p:ph type="sldNum" sz="quarter" idx="12"/>
+          </p:nvPr>
+        </p:nvSpPr>
+        <p:spPr/>
+        <p:txBody>
+          <a:bodyPr/>
+          <a:lstStyle/>
+          <a:p>
+            <a:fld id="{629637A9-119A-49DA-BD12-AAC58B377D80}" type="slidenum">
+              <a:rPr lang="en-US" smtClean="0"/>
+              <a:t>38</a:t>
+            </a:fld>
+            <a:endParaRPr lang="en-US" dirty="0"/>
+          </a:p>
+        </p:txBody>
+      </p:sp>
+      <p:sp>
+        <p:nvSpPr>
+          <p:cNvPr id="5" name="Arrow: Right 4"/>
+          <p:cNvSpPr/>
+          <p:nvPr/>
+        </p:nvSpPr>
+        <p:spPr>
+          <a:xfrm>
+            <a:off x="307953" y="3219553"/>
+            <a:ext cx="978408" cy="484632"/>
+          </a:xfrm>
+          <a:prstGeom prst="rightArrow">
+            <a:avLst/>
+          </a:prstGeom>
+          <a:solidFill>
+            <a:schemeClr val="accent1">
+              <a:lumMod val="60000"/>
+              <a:lumOff val="40000"/>
+            </a:schemeClr>
+          </a:solidFill>
+        </p:spPr>
+        <p:style>
+          <a:lnRef idx="2">
+            <a:schemeClr val="accent1">
+              <a:shade val="50000"/>
+            </a:schemeClr>
+          </a:lnRef>
+          <a:fillRef idx="1">
+            <a:schemeClr val="accent1"/>
+          </a:fillRef>
+          <a:effectRef idx="0">
+            <a:schemeClr val="accent1"/>
+          </a:effectRef>
+          <a:fontRef idx="minor">
+            <a:schemeClr val="lt1"/>
+          </a:fontRef>
+        </p:style>
+        <p:txBody>
+          <a:bodyPr rtlCol="0" anchor="ctr"/>
+          <a:lstStyle/>
+          <a:p>
+            <a:pPr algn="ctr"/>
+            <a:endParaRPr lang="en-US"/>
+          </a:p>
+        </p:txBody>
+      </p:sp>
+    </p:spTree>
+    <p:extLst>
+      <p:ext uri="{BB962C8B-B14F-4D97-AF65-F5344CB8AC3E}">
+        <p14:creationId xmlns:p14="http://schemas.microsoft.com/office/powerpoint/2010/main" val="1079867464"/>
+      </p:ext>
+    </p:extLst>
+  </p:cSld>
+  <p:clrMapOvr>
+    <a:masterClrMapping/>
+  </p:clrMapOvr>
+</p:sld>
+</file>
+
+<file path=ppt/slides/slide39.xml><?xml version="1.0" encoding="utf-8"?>
 <p:sld xmlns:a="http://schemas.openxmlformats.org/drawingml/2006/main" xmlns:r="http://schemas.openxmlformats.org/officeDocument/2006/relationships" xmlns:p="http://schemas.openxmlformats.org/presentationml/2006/main">
   <p:cSld>
     <p:spTree>
@@ -19118,7 +22516,7 @@
           <a:p>
             <a:fld id="{629637A9-119A-49DA-BD12-AAC58B377D80}" type="slidenum">
               <a:rPr lang="en-US" smtClean="0"/>
-              <a:t>31</a:t>
+              <a:t>39</a:t>
             </a:fld>
             <a:endParaRPr lang="en-US" dirty="0"/>
           </a:p>
@@ -19137,7 +22535,318 @@
 </p:sld>
 </file>
 
-<file path=ppt/slides/slide32.xml><?xml version="1.0" encoding="utf-8"?>
+<file path=ppt/slides/slide4.xml><?xml version="1.0" encoding="utf-8"?>
+<p:sld xmlns:a="http://schemas.openxmlformats.org/drawingml/2006/main" xmlns:r="http://schemas.openxmlformats.org/officeDocument/2006/relationships" xmlns:p="http://schemas.openxmlformats.org/presentationml/2006/main">
+  <p:cSld>
+    <p:spTree>
+      <p:nvGrpSpPr>
+        <p:cNvPr id="1" name=""/>
+        <p:cNvGrpSpPr/>
+        <p:nvPr/>
+      </p:nvGrpSpPr>
+      <p:grpSpPr>
+        <a:xfrm>
+          <a:off x="0" y="0"/>
+          <a:ext cx="0" cy="0"/>
+          <a:chOff x="0" y="0"/>
+          <a:chExt cx="0" cy="0"/>
+        </a:xfrm>
+      </p:grpSpPr>
+      <p:sp>
+        <p:nvSpPr>
+          <p:cNvPr id="2" name="Title 1">
+            <a:extLst>
+              <a:ext uri="{FF2B5EF4-FFF2-40B4-BE49-F238E27FC236}">
+                <a16:creationId xmlns:a16="http://schemas.microsoft.com/office/drawing/2014/main" id="{8E4FE66F-6839-4583-BAEB-4B3B7DCCD949}"/>
+              </a:ext>
+            </a:extLst>
+          </p:cNvPr>
+          <p:cNvSpPr>
+            <a:spLocks noGrp="1"/>
+          </p:cNvSpPr>
+          <p:nvPr>
+            <p:ph type="title"/>
+          </p:nvPr>
+        </p:nvSpPr>
+        <p:spPr/>
+        <p:txBody>
+          <a:bodyPr/>
+          <a:lstStyle/>
+          <a:p>
+            <a:r>
+              <a:rPr lang="en-US" dirty="0"/>
+              <a:t>Prostate Specific Antigen Testing</a:t>
+            </a:r>
+          </a:p>
+        </p:txBody>
+      </p:sp>
+      <p:sp>
+        <p:nvSpPr>
+          <p:cNvPr id="3" name="Content Placeholder 2">
+            <a:extLst>
+              <a:ext uri="{FF2B5EF4-FFF2-40B4-BE49-F238E27FC236}">
+                <a16:creationId xmlns:a16="http://schemas.microsoft.com/office/drawing/2014/main" id="{F97B28E3-EA84-461D-A8FB-242DE90F4DF7}"/>
+              </a:ext>
+            </a:extLst>
+          </p:cNvPr>
+          <p:cNvSpPr>
+            <a:spLocks noGrp="1"/>
+          </p:cNvSpPr>
+          <p:nvPr>
+            <p:ph idx="1"/>
+          </p:nvPr>
+        </p:nvSpPr>
+        <p:spPr/>
+        <p:txBody>
+          <a:bodyPr/>
+          <a:lstStyle/>
+          <a:p>
+            <a:r>
+              <a:rPr lang="en-US" dirty="0"/>
+              <a:t>PSA levels easily tested</a:t>
+            </a:r>
+          </a:p>
+          <a:p>
+            <a:r>
+              <a:rPr lang="en-US" dirty="0"/>
+              <a:t>High PSA believed to be associated with prostate cancer</a:t>
+            </a:r>
+          </a:p>
+          <a:p>
+            <a:pPr lvl="1"/>
+            <a:r>
+              <a:rPr lang="en-US" dirty="0"/>
+              <a:t>Potential tool for screening</a:t>
+            </a:r>
+          </a:p>
+          <a:p>
+            <a:r>
+              <a:rPr lang="en-US" dirty="0"/>
+              <a:t>Classic 1989 study by Thomas et al:</a:t>
+            </a:r>
+          </a:p>
+          <a:p>
+            <a:pPr lvl="1"/>
+            <a:r>
+              <a:rPr lang="en-US" dirty="0"/>
+              <a:t>Measured PSA level of 102 men prior to prostate removal</a:t>
+            </a:r>
+          </a:p>
+          <a:p>
+            <a:pPr lvl="1"/>
+            <a:r>
+              <a:rPr lang="en-US" dirty="0"/>
+              <a:t>Measured characteristics of prostate from samples</a:t>
+            </a:r>
+          </a:p>
+          <a:p>
+            <a:pPr lvl="1"/>
+            <a:r>
+              <a:rPr lang="en-US" dirty="0"/>
+              <a:t>Characteristics include cancer volume, weight, …</a:t>
+            </a:r>
+          </a:p>
+          <a:p>
+            <a:r>
+              <a:rPr lang="en-US" dirty="0"/>
+              <a:t>Data analysis:</a:t>
+            </a:r>
+          </a:p>
+          <a:p>
+            <a:pPr lvl="1"/>
+            <a:r>
+              <a:rPr lang="en-US" dirty="0"/>
+              <a:t>What characteristics predict PSA?</a:t>
+            </a:r>
+          </a:p>
+        </p:txBody>
+      </p:sp>
+      <p:sp>
+        <p:nvSpPr>
+          <p:cNvPr id="4" name="Slide Number Placeholder 3">
+            <a:extLst>
+              <a:ext uri="{FF2B5EF4-FFF2-40B4-BE49-F238E27FC236}">
+                <a16:creationId xmlns:a16="http://schemas.microsoft.com/office/drawing/2014/main" id="{D8F9C79C-0FD9-477E-8ABC-92DA10487392}"/>
+              </a:ext>
+            </a:extLst>
+          </p:cNvPr>
+          <p:cNvSpPr>
+            <a:spLocks noGrp="1"/>
+          </p:cNvSpPr>
+          <p:nvPr>
+            <p:ph type="sldNum" sz="quarter" idx="12"/>
+          </p:nvPr>
+        </p:nvSpPr>
+        <p:spPr/>
+        <p:txBody>
+          <a:bodyPr/>
+          <a:lstStyle/>
+          <a:p>
+            <a:fld id="{629637A9-119A-49DA-BD12-AAC58B377D80}" type="slidenum">
+              <a:rPr lang="en-US" smtClean="0"/>
+              <a:t>4</a:t>
+            </a:fld>
+            <a:endParaRPr lang="en-US" dirty="0"/>
+          </a:p>
+        </p:txBody>
+      </p:sp>
+      <p:pic>
+        <p:nvPicPr>
+          <p:cNvPr id="2050" name="Picture 2" descr="Related image">
+            <a:extLst>
+              <a:ext uri="{FF2B5EF4-FFF2-40B4-BE49-F238E27FC236}">
+                <a16:creationId xmlns:a16="http://schemas.microsoft.com/office/drawing/2014/main" id="{30490070-4BA6-433B-BF85-815ACCE56C3D}"/>
+              </a:ext>
+            </a:extLst>
+          </p:cNvPr>
+          <p:cNvPicPr>
+            <a:picLocks noChangeAspect="1" noChangeArrowheads="1"/>
+          </p:cNvPicPr>
+          <p:nvPr/>
+        </p:nvPicPr>
+        <p:blipFill>
+          <a:blip r:embed="rId2">
+            <a:extLst>
+              <a:ext uri="{28A0092B-C50C-407E-A947-70E740481C1C}">
+                <a14:useLocalDpi xmlns:a14="http://schemas.microsoft.com/office/drawing/2010/main" val="0"/>
+              </a:ext>
+            </a:extLst>
+          </a:blip>
+          <a:srcRect/>
+          <a:stretch>
+            <a:fillRect/>
+          </a:stretch>
+        </p:blipFill>
+        <p:spPr bwMode="auto">
+          <a:xfrm>
+            <a:off x="7863534" y="3960867"/>
+            <a:ext cx="2461375" cy="1846032"/>
+          </a:xfrm>
+          <a:prstGeom prst="rect">
+            <a:avLst/>
+          </a:prstGeom>
+          <a:noFill/>
+          <a:extLst>
+            <a:ext uri="{909E8E84-426E-40DD-AFC4-6F175D3DCCD1}">
+              <a14:hiddenFill xmlns:a14="http://schemas.microsoft.com/office/drawing/2010/main">
+                <a:solidFill>
+                  <a:srgbClr val="FFFFFF"/>
+                </a:solidFill>
+              </a14:hiddenFill>
+            </a:ext>
+          </a:extLst>
+        </p:spPr>
+      </p:pic>
+      <p:pic>
+        <p:nvPicPr>
+          <p:cNvPr id="2052" name="Picture 4" descr="Image result for prostate specific antigen">
+            <a:extLst>
+              <a:ext uri="{FF2B5EF4-FFF2-40B4-BE49-F238E27FC236}">
+                <a16:creationId xmlns:a16="http://schemas.microsoft.com/office/drawing/2014/main" id="{1B0D21E1-9EE9-47DA-858E-D8B19BD72986}"/>
+              </a:ext>
+            </a:extLst>
+          </p:cNvPr>
+          <p:cNvPicPr>
+            <a:picLocks noChangeAspect="1" noChangeArrowheads="1"/>
+          </p:cNvPicPr>
+          <p:nvPr/>
+        </p:nvPicPr>
+        <p:blipFill>
+          <a:blip r:embed="rId3">
+            <a:extLst>
+              <a:ext uri="{28A0092B-C50C-407E-A947-70E740481C1C}">
+                <a14:useLocalDpi xmlns:a14="http://schemas.microsoft.com/office/drawing/2010/main" val="0"/>
+              </a:ext>
+            </a:extLst>
+          </a:blip>
+          <a:srcRect/>
+          <a:stretch>
+            <a:fillRect/>
+          </a:stretch>
+        </p:blipFill>
+        <p:spPr bwMode="auto">
+          <a:xfrm>
+            <a:off x="7863534" y="1838564"/>
+            <a:ext cx="2847975" cy="1600200"/>
+          </a:xfrm>
+          <a:prstGeom prst="rect">
+            <a:avLst/>
+          </a:prstGeom>
+          <a:noFill/>
+          <a:extLst>
+            <a:ext uri="{909E8E84-426E-40DD-AFC4-6F175D3DCCD1}">
+              <a14:hiddenFill xmlns:a14="http://schemas.microsoft.com/office/drawing/2010/main">
+                <a:solidFill>
+                  <a:srgbClr val="FFFFFF"/>
+                </a:solidFill>
+              </a14:hiddenFill>
+            </a:ext>
+          </a:extLst>
+        </p:spPr>
+      </p:pic>
+      <p:sp>
+        <p:nvSpPr>
+          <p:cNvPr id="5" name="TextBox 4">
+            <a:extLst>
+              <a:ext uri="{FF2B5EF4-FFF2-40B4-BE49-F238E27FC236}">
+                <a16:creationId xmlns:a16="http://schemas.microsoft.com/office/drawing/2014/main" id="{C1CF7363-C618-43A4-874D-40A7AAFF2023}"/>
+              </a:ext>
+            </a:extLst>
+          </p:cNvPr>
+          <p:cNvSpPr txBox="1"/>
+          <p:nvPr/>
+        </p:nvSpPr>
+        <p:spPr>
+          <a:xfrm>
+            <a:off x="1062218" y="5068235"/>
+            <a:ext cx="5853901" cy="738664"/>
+          </a:xfrm>
+          <a:prstGeom prst="rect">
+            <a:avLst/>
+          </a:prstGeom>
+          <a:noFill/>
+        </p:spPr>
+        <p:txBody>
+          <a:bodyPr wrap="square" rtlCol="0">
+            <a:spAutoFit/>
+          </a:bodyPr>
+          <a:lstStyle/>
+          <a:p>
+            <a:r>
+              <a:rPr lang="en-US" sz="1400" dirty="0" err="1"/>
+              <a:t>Stamey</a:t>
+            </a:r>
+            <a:r>
+              <a:rPr lang="en-US" sz="1400" dirty="0"/>
+              <a:t>, Thomas A., et al. "</a:t>
+            </a:r>
+            <a:r>
+              <a:rPr lang="en-US" sz="1400" u="sng" dirty="0">
+                <a:hlinkClick r:id="rId4"/>
+              </a:rPr>
+              <a:t>Prostate specific antigen in the diagnosis and treatment of adenocarcinoma of the prostate. II. Radical prostatectomy treated patients</a:t>
+            </a:r>
+            <a:r>
+              <a:rPr lang="en-US" sz="1400" dirty="0"/>
+              <a:t>." The Journal of urology 141.5 (1989): 1076-1083.</a:t>
+            </a:r>
+          </a:p>
+        </p:txBody>
+      </p:sp>
+    </p:spTree>
+    <p:extLst>
+      <p:ext uri="{BB962C8B-B14F-4D97-AF65-F5344CB8AC3E}">
+        <p14:creationId xmlns:p14="http://schemas.microsoft.com/office/powerpoint/2010/main" val="3599042202"/>
+      </p:ext>
+    </p:extLst>
+  </p:cSld>
+  <p:clrMapOvr>
+    <a:masterClrMapping/>
+  </p:clrMapOvr>
+</p:sld>
+</file>
+
+<file path=ppt/slides/slide40.xml><?xml version="1.0" encoding="utf-8"?>
 <p:sld xmlns:a="http://schemas.openxmlformats.org/drawingml/2006/main" xmlns:r="http://schemas.openxmlformats.org/officeDocument/2006/relationships" xmlns:p="http://schemas.openxmlformats.org/presentationml/2006/main">
   <p:cSld>
     <p:spTree>
@@ -19211,14 +22920,14 @@
             </a:r>
             <a:r>
               <a:rPr lang="en-US" sz="2400" dirty="0"/>
-              <a:t>Rank the features based on their correlation (or other statistics) with the target</a:t>
+              <a:t>Rank the features based on their correlation with the target</a:t>
             </a:r>
           </a:p>
           <a:p>
             <a:pPr lvl="2"/>
             <a:r>
               <a:rPr lang="en-US" sz="2000" dirty="0"/>
-              <a:t>Correlation, F-test, mutual information, …</a:t>
+              <a:t>Can use other metrics: Correlation, F-test, mutual information, …</a:t>
             </a:r>
           </a:p>
           <a:p>
@@ -19313,7 +23022,7 @@
           <a:p>
             <a:fld id="{629637A9-119A-49DA-BD12-AAC58B377D80}" type="slidenum">
               <a:rPr lang="en-US" smtClean="0"/>
-              <a:t>32</a:t>
+              <a:t>40</a:t>
             </a:fld>
             <a:endParaRPr lang="en-US" dirty="0"/>
           </a:p>
@@ -19332,7 +23041,7 @@
 </p:sld>
 </file>
 
-<file path=ppt/slides/slide33.xml><?xml version="1.0" encoding="utf-8"?>
+<file path=ppt/slides/slide41.xml><?xml version="1.0" encoding="utf-8"?>
 <p:sld xmlns:a="http://schemas.openxmlformats.org/drawingml/2006/main" xmlns:r="http://schemas.openxmlformats.org/officeDocument/2006/relationships" xmlns:p="http://schemas.openxmlformats.org/presentationml/2006/main">
   <p:cSld>
     <p:spTree>
@@ -19821,7 +23530,7 @@
           <a:p>
             <a:fld id="{629637A9-119A-49DA-BD12-AAC58B377D80}" type="slidenum">
               <a:rPr lang="en-US" smtClean="0"/>
-              <a:t>33</a:t>
+              <a:t>41</a:t>
             </a:fld>
             <a:endParaRPr lang="en-US" dirty="0"/>
           </a:p>
@@ -19840,7 +23549,7 @@
 </p:sld>
 </file>
 
-<file path=ppt/slides/slide34.xml><?xml version="1.0" encoding="utf-8"?>
+<file path=ppt/slides/slide42.xml><?xml version="1.0" encoding="utf-8"?>
 <p:sld xmlns:a="http://schemas.openxmlformats.org/drawingml/2006/main" xmlns:r="http://schemas.openxmlformats.org/officeDocument/2006/relationships" xmlns:p="http://schemas.openxmlformats.org/presentationml/2006/main">
   <p:cSld>
     <p:spTree>
@@ -20043,7 +23752,7 @@
           <a:p>
             <a:fld id="{629637A9-119A-49DA-BD12-AAC58B377D80}" type="slidenum">
               <a:rPr lang="en-US" smtClean="0"/>
-              <a:t>34</a:t>
+              <a:t>42</a:t>
             </a:fld>
             <a:endParaRPr lang="en-US" dirty="0"/>
           </a:p>
@@ -20062,7 +23771,7 @@
 </p:sld>
 </file>
 
-<file path=ppt/slides/slide35.xml><?xml version="1.0" encoding="utf-8"?>
+<file path=ppt/slides/slide43.xml><?xml version="1.0" encoding="utf-8"?>
 <p:sld xmlns:a="http://schemas.openxmlformats.org/drawingml/2006/main" xmlns:r="http://schemas.openxmlformats.org/officeDocument/2006/relationships" xmlns:p="http://schemas.openxmlformats.org/presentationml/2006/main">
   <p:cSld>
     <p:spTree>
@@ -20197,7 +23906,7 @@
           <a:p>
             <a:fld id="{629637A9-119A-49DA-BD12-AAC58B377D80}" type="slidenum">
               <a:rPr lang="en-US" smtClean="0"/>
-              <a:t>35</a:t>
+              <a:t>43</a:t>
             </a:fld>
             <a:endParaRPr lang="en-US" dirty="0"/>
           </a:p>
@@ -20216,7 +23925,7 @@
 </p:sld>
 </file>
 
-<file path=ppt/slides/slide36.xml><?xml version="1.0" encoding="utf-8"?>
+<file path=ppt/slides/slide44.xml><?xml version="1.0" encoding="utf-8"?>
 <p:sld xmlns:a="http://schemas.openxmlformats.org/drawingml/2006/main" xmlns:r="http://schemas.openxmlformats.org/officeDocument/2006/relationships" xmlns:p="http://schemas.openxmlformats.org/presentationml/2006/main">
   <p:cSld>
     <p:spTree>
@@ -20261,8 +23970,8 @@
           </a:p>
         </p:txBody>
       </p:sp>
-      <mc:AlternateContent xmlns:mc="http://schemas.openxmlformats.org/markup-compatibility/2006" xmlns:a14="http://schemas.microsoft.com/office/drawing/2010/main">
-        <mc:Choice Requires="a14">
+      <mc:AlternateContent xmlns:mc="http://schemas.openxmlformats.org/markup-compatibility/2006">
+        <mc:Choice xmlns:a14="http://schemas.microsoft.com/office/drawing/2010/main" Requires="a14">
           <p:sp>
             <p:nvSpPr>
               <p:cNvPr id="3" name="Content Placeholder 2">
@@ -20319,13 +24028,27 @@
                 </a14:m>
                 <a:r>
                   <a:rPr lang="en-US" sz="2400" dirty="0"/>
-                  <a:t>: use cross validation to find mean RSS mean and standard deviation for each feature subset.</a:t>
+                  <a:t>: </a:t>
+                </a:r>
+              </a:p>
+              <a:p>
+                <a:pPr lvl="1"/>
+                <a:r>
+                  <a:rPr lang="en-US" sz="2200" dirty="0"/>
+                  <a:t>use cross validation to find mean RSS mean and standard deviation</a:t>
                 </a:r>
               </a:p>
               <a:p>
                 <a:r>
                   <a:rPr lang="en-US" sz="2400" dirty="0"/>
-                  <a:t> Choose the subset with the minimal RSS mean, or use the one standard error rule.</a:t>
+                  <a:t> Choose the subset with the minimal RSS mean, </a:t>
+                </a:r>
+              </a:p>
+              <a:p>
+                <a:pPr lvl="1"/>
+                <a:r>
+                  <a:rPr lang="en-US" sz="2200" dirty="0"/>
+                  <a:t>Or use the one standard error rule.</a:t>
                 </a:r>
               </a:p>
               <a:p>
@@ -20350,7 +24073,7 @@
             </p:txBody>
           </p:sp>
         </mc:Choice>
-        <mc:Fallback xmlns="">
+        <mc:Fallback>
           <p:sp>
             <p:nvSpPr>
               <p:cNvPr id="3" name="Content Placeholder 2">
@@ -20371,7 +24094,7 @@
               <a:blipFill>
                 <a:blip r:embed="rId2"/>
                 <a:stretch>
-                  <a:fillRect l="-1639" t="-1462" r="-1765"/>
+                  <a:fillRect l="-1697" t="-1972"/>
                 </a:stretch>
               </a:blipFill>
             </p:spPr>
@@ -20413,7 +24136,7 @@
           <a:p>
             <a:fld id="{629637A9-119A-49DA-BD12-AAC58B377D80}" type="slidenum">
               <a:rPr lang="en-US" smtClean="0"/>
-              <a:t>36</a:t>
+              <a:t>44</a:t>
             </a:fld>
             <a:endParaRPr lang="en-US" dirty="0"/>
           </a:p>
@@ -20432,7 +24155,7 @@
 </p:sld>
 </file>
 
-<file path=ppt/slides/slide37.xml><?xml version="1.0" encoding="utf-8"?>
+<file path=ppt/slides/slide45.xml><?xml version="1.0" encoding="utf-8"?>
 <p:sld xmlns:a="http://schemas.openxmlformats.org/drawingml/2006/main" xmlns:r="http://schemas.openxmlformats.org/officeDocument/2006/relationships" xmlns:p="http://schemas.openxmlformats.org/presentationml/2006/main">
   <p:cSld>
     <p:spTree>
@@ -20591,7 +24314,7 @@
           <a:p>
             <a:fld id="{629637A9-119A-49DA-BD12-AAC58B377D80}" type="slidenum">
               <a:rPr lang="en-US" smtClean="0"/>
-              <a:t>37</a:t>
+              <a:t>45</a:t>
             </a:fld>
             <a:endParaRPr lang="en-US" dirty="0"/>
           </a:p>
@@ -20610,7 +24333,7 @@
 </p:sld>
 </file>
 
-<file path=ppt/slides/slide38.xml><?xml version="1.0" encoding="utf-8"?>
+<file path=ppt/slides/slide46.xml><?xml version="1.0" encoding="utf-8"?>
 <p:sld xmlns:a="http://schemas.openxmlformats.org/drawingml/2006/main" xmlns:r="http://schemas.openxmlformats.org/officeDocument/2006/relationships" xmlns:p="http://schemas.openxmlformats.org/presentationml/2006/main">
   <p:cSld>
     <p:spTree>
@@ -20685,7 +24408,7 @@
           <a:p>
             <a:fld id="{629637A9-119A-49DA-BD12-AAC58B377D80}" type="slidenum">
               <a:rPr lang="en-US" smtClean="0"/>
-              <a:t>38</a:t>
+              <a:t>46</a:t>
             </a:fld>
             <a:endParaRPr lang="en-US" dirty="0"/>
           </a:p>
@@ -20785,7 +24508,7 @@
 </p:sld>
 </file>
 
-<file path=ppt/slides/slide39.xml><?xml version="1.0" encoding="utf-8"?>
+<file path=ppt/slides/slide47.xml><?xml version="1.0" encoding="utf-8"?>
 <p:sld xmlns:a="http://schemas.openxmlformats.org/drawingml/2006/main" xmlns:r="http://schemas.openxmlformats.org/officeDocument/2006/relationships" xmlns:p="http://schemas.openxmlformats.org/presentationml/2006/main">
   <p:cSld>
     <p:spTree>
@@ -20880,7 +24603,7 @@
           <a:p>
             <a:fld id="{629637A9-119A-49DA-BD12-AAC58B377D80}" type="slidenum">
               <a:rPr lang="en-US" smtClean="0"/>
-              <a:t>39</a:t>
+              <a:t>47</a:t>
             </a:fld>
             <a:endParaRPr lang="en-US" dirty="0"/>
           </a:p>
@@ -20899,318 +24622,7 @@
 </p:sld>
 </file>
 
-<file path=ppt/slides/slide4.xml><?xml version="1.0" encoding="utf-8"?>
-<p:sld xmlns:a="http://schemas.openxmlformats.org/drawingml/2006/main" xmlns:r="http://schemas.openxmlformats.org/officeDocument/2006/relationships" xmlns:p="http://schemas.openxmlformats.org/presentationml/2006/main">
-  <p:cSld>
-    <p:spTree>
-      <p:nvGrpSpPr>
-        <p:cNvPr id="1" name=""/>
-        <p:cNvGrpSpPr/>
-        <p:nvPr/>
-      </p:nvGrpSpPr>
-      <p:grpSpPr>
-        <a:xfrm>
-          <a:off x="0" y="0"/>
-          <a:ext cx="0" cy="0"/>
-          <a:chOff x="0" y="0"/>
-          <a:chExt cx="0" cy="0"/>
-        </a:xfrm>
-      </p:grpSpPr>
-      <p:sp>
-        <p:nvSpPr>
-          <p:cNvPr id="2" name="Title 1">
-            <a:extLst>
-              <a:ext uri="{FF2B5EF4-FFF2-40B4-BE49-F238E27FC236}">
-                <a16:creationId xmlns:a16="http://schemas.microsoft.com/office/drawing/2014/main" id="{8E4FE66F-6839-4583-BAEB-4B3B7DCCD949}"/>
-              </a:ext>
-            </a:extLst>
-          </p:cNvPr>
-          <p:cNvSpPr>
-            <a:spLocks noGrp="1"/>
-          </p:cNvSpPr>
-          <p:nvPr>
-            <p:ph type="title"/>
-          </p:nvPr>
-        </p:nvSpPr>
-        <p:spPr/>
-        <p:txBody>
-          <a:bodyPr/>
-          <a:lstStyle/>
-          <a:p>
-            <a:r>
-              <a:rPr lang="en-US" dirty="0"/>
-              <a:t>Prostate Specific Antigen Testing</a:t>
-            </a:r>
-          </a:p>
-        </p:txBody>
-      </p:sp>
-      <p:sp>
-        <p:nvSpPr>
-          <p:cNvPr id="3" name="Content Placeholder 2">
-            <a:extLst>
-              <a:ext uri="{FF2B5EF4-FFF2-40B4-BE49-F238E27FC236}">
-                <a16:creationId xmlns:a16="http://schemas.microsoft.com/office/drawing/2014/main" id="{F97B28E3-EA84-461D-A8FB-242DE90F4DF7}"/>
-              </a:ext>
-            </a:extLst>
-          </p:cNvPr>
-          <p:cNvSpPr>
-            <a:spLocks noGrp="1"/>
-          </p:cNvSpPr>
-          <p:nvPr>
-            <p:ph idx="1"/>
-          </p:nvPr>
-        </p:nvSpPr>
-        <p:spPr/>
-        <p:txBody>
-          <a:bodyPr/>
-          <a:lstStyle/>
-          <a:p>
-            <a:r>
-              <a:rPr lang="en-US" dirty="0"/>
-              <a:t>PSA levels easily tested</a:t>
-            </a:r>
-          </a:p>
-          <a:p>
-            <a:r>
-              <a:rPr lang="en-US" dirty="0"/>
-              <a:t>High PSA believed to be associated with prostate cancer</a:t>
-            </a:r>
-          </a:p>
-          <a:p>
-            <a:pPr lvl="1"/>
-            <a:r>
-              <a:rPr lang="en-US" dirty="0"/>
-              <a:t>Potential tool for screening</a:t>
-            </a:r>
-          </a:p>
-          <a:p>
-            <a:r>
-              <a:rPr lang="en-US" dirty="0"/>
-              <a:t>Classic 1989 study by Thomas et al:</a:t>
-            </a:r>
-          </a:p>
-          <a:p>
-            <a:pPr lvl="1"/>
-            <a:r>
-              <a:rPr lang="en-US" dirty="0"/>
-              <a:t>Measured PSA level of 102 men prior to prostate removal</a:t>
-            </a:r>
-          </a:p>
-          <a:p>
-            <a:pPr lvl="1"/>
-            <a:r>
-              <a:rPr lang="en-US" dirty="0"/>
-              <a:t>Measured characteristics of prostate from samples</a:t>
-            </a:r>
-          </a:p>
-          <a:p>
-            <a:pPr lvl="1"/>
-            <a:r>
-              <a:rPr lang="en-US" dirty="0"/>
-              <a:t>Characteristics include cancer volume, weight, …</a:t>
-            </a:r>
-          </a:p>
-          <a:p>
-            <a:r>
-              <a:rPr lang="en-US" dirty="0"/>
-              <a:t>Data analysis:</a:t>
-            </a:r>
-          </a:p>
-          <a:p>
-            <a:pPr lvl="1"/>
-            <a:r>
-              <a:rPr lang="en-US" dirty="0"/>
-              <a:t>What characteristics predict PSA?</a:t>
-            </a:r>
-          </a:p>
-        </p:txBody>
-      </p:sp>
-      <p:sp>
-        <p:nvSpPr>
-          <p:cNvPr id="4" name="Slide Number Placeholder 3">
-            <a:extLst>
-              <a:ext uri="{FF2B5EF4-FFF2-40B4-BE49-F238E27FC236}">
-                <a16:creationId xmlns:a16="http://schemas.microsoft.com/office/drawing/2014/main" id="{D8F9C79C-0FD9-477E-8ABC-92DA10487392}"/>
-              </a:ext>
-            </a:extLst>
-          </p:cNvPr>
-          <p:cNvSpPr>
-            <a:spLocks noGrp="1"/>
-          </p:cNvSpPr>
-          <p:nvPr>
-            <p:ph type="sldNum" sz="quarter" idx="12"/>
-          </p:nvPr>
-        </p:nvSpPr>
-        <p:spPr/>
-        <p:txBody>
-          <a:bodyPr/>
-          <a:lstStyle/>
-          <a:p>
-            <a:fld id="{629637A9-119A-49DA-BD12-AAC58B377D80}" type="slidenum">
-              <a:rPr lang="en-US" smtClean="0"/>
-              <a:t>4</a:t>
-            </a:fld>
-            <a:endParaRPr lang="en-US" dirty="0"/>
-          </a:p>
-        </p:txBody>
-      </p:sp>
-      <p:pic>
-        <p:nvPicPr>
-          <p:cNvPr id="2050" name="Picture 2" descr="Related image">
-            <a:extLst>
-              <a:ext uri="{FF2B5EF4-FFF2-40B4-BE49-F238E27FC236}">
-                <a16:creationId xmlns:a16="http://schemas.microsoft.com/office/drawing/2014/main" id="{30490070-4BA6-433B-BF85-815ACCE56C3D}"/>
-              </a:ext>
-            </a:extLst>
-          </p:cNvPr>
-          <p:cNvPicPr>
-            <a:picLocks noChangeAspect="1" noChangeArrowheads="1"/>
-          </p:cNvPicPr>
-          <p:nvPr/>
-        </p:nvPicPr>
-        <p:blipFill>
-          <a:blip r:embed="rId2">
-            <a:extLst>
-              <a:ext uri="{28A0092B-C50C-407E-A947-70E740481C1C}">
-                <a14:useLocalDpi xmlns:a14="http://schemas.microsoft.com/office/drawing/2010/main" val="0"/>
-              </a:ext>
-            </a:extLst>
-          </a:blip>
-          <a:srcRect/>
-          <a:stretch>
-            <a:fillRect/>
-          </a:stretch>
-        </p:blipFill>
-        <p:spPr bwMode="auto">
-          <a:xfrm>
-            <a:off x="7863534" y="3960867"/>
-            <a:ext cx="2461375" cy="1846032"/>
-          </a:xfrm>
-          <a:prstGeom prst="rect">
-            <a:avLst/>
-          </a:prstGeom>
-          <a:noFill/>
-          <a:extLst>
-            <a:ext uri="{909E8E84-426E-40DD-AFC4-6F175D3DCCD1}">
-              <a14:hiddenFill xmlns:a14="http://schemas.microsoft.com/office/drawing/2010/main">
-                <a:solidFill>
-                  <a:srgbClr val="FFFFFF"/>
-                </a:solidFill>
-              </a14:hiddenFill>
-            </a:ext>
-          </a:extLst>
-        </p:spPr>
-      </p:pic>
-      <p:pic>
-        <p:nvPicPr>
-          <p:cNvPr id="2052" name="Picture 4" descr="Image result for prostate specific antigen">
-            <a:extLst>
-              <a:ext uri="{FF2B5EF4-FFF2-40B4-BE49-F238E27FC236}">
-                <a16:creationId xmlns:a16="http://schemas.microsoft.com/office/drawing/2014/main" id="{1B0D21E1-9EE9-47DA-858E-D8B19BD72986}"/>
-              </a:ext>
-            </a:extLst>
-          </p:cNvPr>
-          <p:cNvPicPr>
-            <a:picLocks noChangeAspect="1" noChangeArrowheads="1"/>
-          </p:cNvPicPr>
-          <p:nvPr/>
-        </p:nvPicPr>
-        <p:blipFill>
-          <a:blip r:embed="rId3">
-            <a:extLst>
-              <a:ext uri="{28A0092B-C50C-407E-A947-70E740481C1C}">
-                <a14:useLocalDpi xmlns:a14="http://schemas.microsoft.com/office/drawing/2010/main" val="0"/>
-              </a:ext>
-            </a:extLst>
-          </a:blip>
-          <a:srcRect/>
-          <a:stretch>
-            <a:fillRect/>
-          </a:stretch>
-        </p:blipFill>
-        <p:spPr bwMode="auto">
-          <a:xfrm>
-            <a:off x="7863534" y="1838564"/>
-            <a:ext cx="2847975" cy="1600200"/>
-          </a:xfrm>
-          <a:prstGeom prst="rect">
-            <a:avLst/>
-          </a:prstGeom>
-          <a:noFill/>
-          <a:extLst>
-            <a:ext uri="{909E8E84-426E-40DD-AFC4-6F175D3DCCD1}">
-              <a14:hiddenFill xmlns:a14="http://schemas.microsoft.com/office/drawing/2010/main">
-                <a:solidFill>
-                  <a:srgbClr val="FFFFFF"/>
-                </a:solidFill>
-              </a14:hiddenFill>
-            </a:ext>
-          </a:extLst>
-        </p:spPr>
-      </p:pic>
-      <p:sp>
-        <p:nvSpPr>
-          <p:cNvPr id="5" name="TextBox 4">
-            <a:extLst>
-              <a:ext uri="{FF2B5EF4-FFF2-40B4-BE49-F238E27FC236}">
-                <a16:creationId xmlns:a16="http://schemas.microsoft.com/office/drawing/2014/main" id="{C1CF7363-C618-43A4-874D-40A7AAFF2023}"/>
-              </a:ext>
-            </a:extLst>
-          </p:cNvPr>
-          <p:cNvSpPr txBox="1"/>
-          <p:nvPr/>
-        </p:nvSpPr>
-        <p:spPr>
-          <a:xfrm>
-            <a:off x="1062218" y="5068235"/>
-            <a:ext cx="5853901" cy="738664"/>
-          </a:xfrm>
-          <a:prstGeom prst="rect">
-            <a:avLst/>
-          </a:prstGeom>
-          <a:noFill/>
-        </p:spPr>
-        <p:txBody>
-          <a:bodyPr wrap="square" rtlCol="0">
-            <a:spAutoFit/>
-          </a:bodyPr>
-          <a:lstStyle/>
-          <a:p>
-            <a:r>
-              <a:rPr lang="en-US" sz="1400" dirty="0" err="1"/>
-              <a:t>Stamey</a:t>
-            </a:r>
-            <a:r>
-              <a:rPr lang="en-US" sz="1400" dirty="0"/>
-              <a:t>, Thomas A., et al. "</a:t>
-            </a:r>
-            <a:r>
-              <a:rPr lang="en-US" sz="1400" u="sng" dirty="0">
-                <a:hlinkClick r:id="rId4"/>
-              </a:rPr>
-              <a:t>Prostate specific antigen in the diagnosis and treatment of adenocarcinoma of the prostate. II. Radical prostatectomy treated patients</a:t>
-            </a:r>
-            <a:r>
-              <a:rPr lang="en-US" sz="1400" dirty="0"/>
-              <a:t>." The Journal of urology 141.5 (1989): 1076-1083.</a:t>
-            </a:r>
-          </a:p>
-        </p:txBody>
-      </p:sp>
-    </p:spTree>
-    <p:extLst>
-      <p:ext uri="{BB962C8B-B14F-4D97-AF65-F5344CB8AC3E}">
-        <p14:creationId xmlns:p14="http://schemas.microsoft.com/office/powerpoint/2010/main" val="3599042202"/>
-      </p:ext>
-    </p:extLst>
-  </p:cSld>
-  <p:clrMapOvr>
-    <a:masterClrMapping/>
-  </p:clrMapOvr>
-</p:sld>
-</file>
-
-<file path=ppt/slides/slide40.xml><?xml version="1.0" encoding="utf-8"?>
+<file path=ppt/slides/slide48.xml><?xml version="1.0" encoding="utf-8"?>
 <p:sld xmlns:a="http://schemas.openxmlformats.org/drawingml/2006/main" xmlns:r="http://schemas.openxmlformats.org/officeDocument/2006/relationships" xmlns:p="http://schemas.openxmlformats.org/presentationml/2006/main">
   <p:cSld>
     <p:spTree>
@@ -21400,7 +24812,7 @@
           <a:p>
             <a:fld id="{629637A9-119A-49DA-BD12-AAC58B377D80}" type="slidenum">
               <a:rPr lang="en-US" smtClean="0"/>
-              <a:t>40</a:t>
+              <a:t>48</a:t>
             </a:fld>
             <a:endParaRPr lang="en-US" dirty="0"/>
           </a:p>
@@ -21419,7 +24831,7 @@
 </p:sld>
 </file>
 
-<file path=ppt/slides/slide41.xml><?xml version="1.0" encoding="utf-8"?>
+<file path=ppt/slides/slide49.xml><?xml version="1.0" encoding="utf-8"?>
 <p:sld xmlns:a="http://schemas.openxmlformats.org/drawingml/2006/main" xmlns:r="http://schemas.openxmlformats.org/officeDocument/2006/relationships" xmlns:p="http://schemas.openxmlformats.org/presentationml/2006/main">
   <p:cSld>
     <p:spTree>
@@ -21562,7 +24974,7 @@
           <a:p>
             <a:fld id="{629637A9-119A-49DA-BD12-AAC58B377D80}" type="slidenum">
               <a:rPr lang="en-US" smtClean="0"/>
-              <a:t>41</a:t>
+              <a:t>49</a:t>
             </a:fld>
             <a:endParaRPr lang="en-US" dirty="0"/>
           </a:p>
@@ -21572,176 +24984,6 @@
     <p:extLst>
       <p:ext uri="{BB962C8B-B14F-4D97-AF65-F5344CB8AC3E}">
         <p14:creationId xmlns:p14="http://schemas.microsoft.com/office/powerpoint/2010/main" val="2106499445"/>
-      </p:ext>
-    </p:extLst>
-  </p:cSld>
-  <p:clrMapOvr>
-    <a:masterClrMapping/>
-  </p:clrMapOvr>
-</p:sld>
-</file>
-
-<file path=ppt/slides/slide42.xml><?xml version="1.0" encoding="utf-8"?>
-<p:sld xmlns:a="http://schemas.openxmlformats.org/drawingml/2006/main" xmlns:r="http://schemas.openxmlformats.org/officeDocument/2006/relationships" xmlns:p="http://schemas.openxmlformats.org/presentationml/2006/main">
-  <p:cSld>
-    <p:spTree>
-      <p:nvGrpSpPr>
-        <p:cNvPr id="1" name=""/>
-        <p:cNvGrpSpPr/>
-        <p:nvPr/>
-      </p:nvGrpSpPr>
-      <p:grpSpPr>
-        <a:xfrm>
-          <a:off x="0" y="0"/>
-          <a:ext cx="0" cy="0"/>
-          <a:chOff x="0" y="0"/>
-          <a:chExt cx="0" cy="0"/>
-        </a:xfrm>
-      </p:grpSpPr>
-      <p:sp>
-        <p:nvSpPr>
-          <p:cNvPr id="2" name="Title 1"/>
-          <p:cNvSpPr>
-            <a:spLocks noGrp="1"/>
-          </p:cNvSpPr>
-          <p:nvPr>
-            <p:ph type="title"/>
-          </p:nvPr>
-        </p:nvSpPr>
-        <p:spPr/>
-        <p:txBody>
-          <a:bodyPr/>
-          <a:lstStyle/>
-          <a:p>
-            <a:r>
-              <a:rPr lang="en-US" dirty="0"/>
-              <a:t>What you should know</a:t>
-            </a:r>
-          </a:p>
-        </p:txBody>
-      </p:sp>
-      <p:sp>
-        <p:nvSpPr>
-          <p:cNvPr id="3" name="Content Placeholder 2"/>
-          <p:cNvSpPr>
-            <a:spLocks noGrp="1"/>
-          </p:cNvSpPr>
-          <p:nvPr>
-            <p:ph idx="1"/>
-          </p:nvPr>
-        </p:nvSpPr>
-        <p:spPr/>
-        <p:txBody>
-          <a:bodyPr/>
-          <a:lstStyle/>
-          <a:p>
-            <a:r>
-              <a:rPr lang="en-US" dirty="0"/>
-              <a:t>Formulate a linear estimation problem with a proper regularization term</a:t>
-            </a:r>
-          </a:p>
-          <a:p>
-            <a:r>
-              <a:rPr lang="en-US" dirty="0"/>
-              <a:t>Compute an L1-regularized estimate (LASSO) using </a:t>
-            </a:r>
-            <a:r>
-              <a:rPr lang="en-US" dirty="0" err="1"/>
-              <a:t>sklearn</a:t>
-            </a:r>
-            <a:r>
-              <a:rPr lang="en-US" dirty="0"/>
-              <a:t> tools</a:t>
-            </a:r>
-          </a:p>
-          <a:p>
-            <a:r>
-              <a:rPr lang="en-US" dirty="0"/>
-              <a:t>Compute the optimal regularization level using cross validation</a:t>
-            </a:r>
-          </a:p>
-          <a:p>
-            <a:r>
-              <a:rPr lang="en-US" dirty="0"/>
-              <a:t>Interpret results from a LASSO path</a:t>
-            </a:r>
-          </a:p>
-          <a:p>
-            <a:r>
-              <a:rPr lang="en-US" dirty="0"/>
-              <a:t>Set the </a:t>
-            </a:r>
-            <a:r>
-              <a:rPr lang="en-US" dirty="0" err="1"/>
-              <a:t>regularizer</a:t>
-            </a:r>
-            <a:r>
-              <a:rPr lang="en-US" dirty="0"/>
-              <a:t> based on a probabilistic prior and understand the difference between Ridge and LASSO regression</a:t>
-            </a:r>
-          </a:p>
-          <a:p>
-            <a:r>
-              <a:rPr lang="en-US" dirty="0"/>
-              <a:t>Different feature selection methods and their pros and cons</a:t>
-            </a:r>
-          </a:p>
-          <a:p>
-            <a:r>
-              <a:rPr lang="en-US" dirty="0"/>
-              <a:t>How and when to use cross validation </a:t>
-            </a:r>
-          </a:p>
-          <a:p>
-            <a:pPr marL="0" indent="0">
-              <a:buNone/>
-            </a:pPr>
-            <a:endParaRPr lang="en-US" dirty="0"/>
-          </a:p>
-          <a:p>
-            <a:endParaRPr lang="en-US" dirty="0"/>
-          </a:p>
-          <a:p>
-            <a:endParaRPr lang="en-US" dirty="0"/>
-          </a:p>
-          <a:p>
-            <a:endParaRPr lang="en-US" dirty="0"/>
-          </a:p>
-          <a:p>
-            <a:endParaRPr lang="en-US" dirty="0"/>
-          </a:p>
-          <a:p>
-            <a:endParaRPr lang="en-US" dirty="0"/>
-          </a:p>
-        </p:txBody>
-      </p:sp>
-      <p:sp>
-        <p:nvSpPr>
-          <p:cNvPr id="4" name="Slide Number Placeholder 3"/>
-          <p:cNvSpPr>
-            <a:spLocks noGrp="1"/>
-          </p:cNvSpPr>
-          <p:nvPr>
-            <p:ph type="sldNum" sz="quarter" idx="12"/>
-          </p:nvPr>
-        </p:nvSpPr>
-        <p:spPr/>
-        <p:txBody>
-          <a:bodyPr/>
-          <a:lstStyle/>
-          <a:p>
-            <a:fld id="{629637A9-119A-49DA-BD12-AAC58B377D80}" type="slidenum">
-              <a:rPr lang="en-US" smtClean="0"/>
-              <a:t>42</a:t>
-            </a:fld>
-            <a:endParaRPr lang="en-US" dirty="0"/>
-          </a:p>
-        </p:txBody>
-      </p:sp>
-    </p:spTree>
-    <p:extLst>
-      <p:ext uri="{BB962C8B-B14F-4D97-AF65-F5344CB8AC3E}">
-        <p14:creationId xmlns:p14="http://schemas.microsoft.com/office/powerpoint/2010/main" val="3366765582"/>
       </p:ext>
     </p:extLst>
   </p:cSld>
@@ -21958,6 +25200,176 @@
 </p:sld>
 </file>
 
+<file path=ppt/slides/slide50.xml><?xml version="1.0" encoding="utf-8"?>
+<p:sld xmlns:a="http://schemas.openxmlformats.org/drawingml/2006/main" xmlns:r="http://schemas.openxmlformats.org/officeDocument/2006/relationships" xmlns:p="http://schemas.openxmlformats.org/presentationml/2006/main">
+  <p:cSld>
+    <p:spTree>
+      <p:nvGrpSpPr>
+        <p:cNvPr id="1" name=""/>
+        <p:cNvGrpSpPr/>
+        <p:nvPr/>
+      </p:nvGrpSpPr>
+      <p:grpSpPr>
+        <a:xfrm>
+          <a:off x="0" y="0"/>
+          <a:ext cx="0" cy="0"/>
+          <a:chOff x="0" y="0"/>
+          <a:chExt cx="0" cy="0"/>
+        </a:xfrm>
+      </p:grpSpPr>
+      <p:sp>
+        <p:nvSpPr>
+          <p:cNvPr id="2" name="Title 1"/>
+          <p:cNvSpPr>
+            <a:spLocks noGrp="1"/>
+          </p:cNvSpPr>
+          <p:nvPr>
+            <p:ph type="title"/>
+          </p:nvPr>
+        </p:nvSpPr>
+        <p:spPr/>
+        <p:txBody>
+          <a:bodyPr/>
+          <a:lstStyle/>
+          <a:p>
+            <a:r>
+              <a:rPr lang="en-US" dirty="0"/>
+              <a:t>What You Should Know to Do</a:t>
+            </a:r>
+          </a:p>
+        </p:txBody>
+      </p:sp>
+      <p:sp>
+        <p:nvSpPr>
+          <p:cNvPr id="3" name="Content Placeholder 2"/>
+          <p:cNvSpPr>
+            <a:spLocks noGrp="1"/>
+          </p:cNvSpPr>
+          <p:nvPr>
+            <p:ph idx="1"/>
+          </p:nvPr>
+        </p:nvSpPr>
+        <p:spPr/>
+        <p:txBody>
+          <a:bodyPr/>
+          <a:lstStyle/>
+          <a:p>
+            <a:r>
+              <a:rPr lang="en-US" dirty="0"/>
+              <a:t>Formulate a linear estimation problem with a regularization</a:t>
+            </a:r>
+          </a:p>
+          <a:p>
+            <a:r>
+              <a:rPr lang="en-US" dirty="0"/>
+              <a:t>Compute an L1-regularized estimate (LASSO) using </a:t>
+            </a:r>
+            <a:r>
+              <a:rPr lang="en-US" dirty="0" err="1"/>
+              <a:t>sklearn</a:t>
+            </a:r>
+            <a:r>
+              <a:rPr lang="en-US" dirty="0"/>
+              <a:t> tools</a:t>
+            </a:r>
+          </a:p>
+          <a:p>
+            <a:r>
+              <a:rPr lang="en-US" dirty="0"/>
+              <a:t>Compute the optimal regularization level using cross validation</a:t>
+            </a:r>
+          </a:p>
+          <a:p>
+            <a:r>
+              <a:rPr lang="en-US" dirty="0"/>
+              <a:t>Interpret results from a LASSO path</a:t>
+            </a:r>
+          </a:p>
+          <a:p>
+            <a:r>
+              <a:rPr lang="en-US" dirty="0"/>
+              <a:t>Determine final regression function from cross validation</a:t>
+            </a:r>
+          </a:p>
+          <a:p>
+            <a:r>
+              <a:rPr lang="en-US" dirty="0"/>
+              <a:t>Set </a:t>
+            </a:r>
+            <a:r>
+              <a:rPr lang="en-US" dirty="0" err="1"/>
+              <a:t>regularizer</a:t>
+            </a:r>
+            <a:r>
+              <a:rPr lang="en-US" dirty="0"/>
+              <a:t> based on a probabilistic prior</a:t>
+            </a:r>
+          </a:p>
+          <a:p>
+            <a:r>
+              <a:rPr lang="en-US" dirty="0"/>
+              <a:t>Perform other feature selection methods</a:t>
+            </a:r>
+          </a:p>
+          <a:p>
+            <a:pPr marL="0" indent="0">
+              <a:buNone/>
+            </a:pPr>
+            <a:endParaRPr lang="en-US" dirty="0"/>
+          </a:p>
+          <a:p>
+            <a:endParaRPr lang="en-US" dirty="0"/>
+          </a:p>
+          <a:p>
+            <a:endParaRPr lang="en-US" dirty="0"/>
+          </a:p>
+          <a:p>
+            <a:endParaRPr lang="en-US" dirty="0"/>
+          </a:p>
+          <a:p>
+            <a:endParaRPr lang="en-US" dirty="0"/>
+          </a:p>
+          <a:p>
+            <a:endParaRPr lang="en-US" dirty="0"/>
+          </a:p>
+        </p:txBody>
+      </p:sp>
+      <p:sp>
+        <p:nvSpPr>
+          <p:cNvPr id="4" name="Slide Number Placeholder 3"/>
+          <p:cNvSpPr>
+            <a:spLocks noGrp="1"/>
+          </p:cNvSpPr>
+          <p:nvPr>
+            <p:ph type="sldNum" sz="quarter" idx="12"/>
+          </p:nvPr>
+        </p:nvSpPr>
+        <p:spPr/>
+        <p:txBody>
+          <a:bodyPr/>
+          <a:lstStyle/>
+          <a:p>
+            <a:fld id="{629637A9-119A-49DA-BD12-AAC58B377D80}" type="slidenum">
+              <a:rPr lang="en-US" smtClean="0"/>
+              <a:t>50</a:t>
+            </a:fld>
+            <a:endParaRPr lang="en-US" dirty="0"/>
+          </a:p>
+        </p:txBody>
+      </p:sp>
+    </p:spTree>
+    <p:extLst>
+      <p:ext uri="{BB962C8B-B14F-4D97-AF65-F5344CB8AC3E}">
+        <p14:creationId xmlns:p14="http://schemas.microsoft.com/office/powerpoint/2010/main" val="3073773537"/>
+      </p:ext>
+    </p:extLst>
+  </p:cSld>
+  <p:clrMapOvr>
+    <a:masterClrMapping/>
+  </p:clrMapOvr>
+</p:sld>
+</file>
+
 <file path=ppt/slides/slide6.xml><?xml version="1.0" encoding="utf-8"?>
 <p:sld xmlns:a="http://schemas.openxmlformats.org/drawingml/2006/main" xmlns:r="http://schemas.openxmlformats.org/officeDocument/2006/relationships" xmlns:p="http://schemas.openxmlformats.org/presentationml/2006/main">
   <p:cSld>
@@ -22471,10 +25883,10 @@
       </p:sp>
       <p:pic>
         <p:nvPicPr>
-          <p:cNvPr id="5" name="Picture 4">
+          <p:cNvPr id="6" name="Picture 5">
             <a:extLst>
               <a:ext uri="{FF2B5EF4-FFF2-40B4-BE49-F238E27FC236}">
-                <a16:creationId xmlns:a16="http://schemas.microsoft.com/office/drawing/2014/main" id="{03465F25-8F26-4434-81DD-70A0D99C8606}"/>
+                <a16:creationId xmlns:a16="http://schemas.microsoft.com/office/drawing/2014/main" id="{6BBD462E-8CB9-4595-92D6-1CDF95A068BD}"/>
               </a:ext>
             </a:extLst>
           </p:cNvPr>
@@ -22491,8 +25903,8 @@
         </p:blipFill>
         <p:spPr>
           <a:xfrm>
-            <a:off x="6526507" y="1591691"/>
-            <a:ext cx="4933950" cy="1485900"/>
+            <a:off x="6541543" y="3867578"/>
+            <a:ext cx="3076575" cy="476250"/>
           </a:xfrm>
           <a:prstGeom prst="rect">
             <a:avLst/>
@@ -22501,10 +25913,10 @@
       </p:pic>
       <p:pic>
         <p:nvPicPr>
-          <p:cNvPr id="6" name="Picture 5">
+          <p:cNvPr id="7" name="Picture 6">
             <a:extLst>
               <a:ext uri="{FF2B5EF4-FFF2-40B4-BE49-F238E27FC236}">
-                <a16:creationId xmlns:a16="http://schemas.microsoft.com/office/drawing/2014/main" id="{6BBD462E-8CB9-4595-92D6-1CDF95A068BD}"/>
+                <a16:creationId xmlns:a16="http://schemas.microsoft.com/office/drawing/2014/main" id="{D13F5D91-13FE-41FD-B703-D028EA29AC33}"/>
               </a:ext>
             </a:extLst>
           </p:cNvPr>
@@ -22521,8 +25933,38 @@
         </p:blipFill>
         <p:spPr>
           <a:xfrm>
-            <a:off x="6600027" y="3342468"/>
-            <a:ext cx="3076575" cy="476250"/>
+            <a:off x="6600027" y="1642681"/>
+            <a:ext cx="3886200" cy="390525"/>
+          </a:xfrm>
+          <a:prstGeom prst="rect">
+            <a:avLst/>
+          </a:prstGeom>
+        </p:spPr>
+      </p:pic>
+      <p:pic>
+        <p:nvPicPr>
+          <p:cNvPr id="8" name="Picture 7">
+            <a:extLst>
+              <a:ext uri="{FF2B5EF4-FFF2-40B4-BE49-F238E27FC236}">
+                <a16:creationId xmlns:a16="http://schemas.microsoft.com/office/drawing/2014/main" id="{B8BD8D2B-0A36-4351-939B-7F6A056EC271}"/>
+              </a:ext>
+            </a:extLst>
+          </p:cNvPr>
+          <p:cNvPicPr>
+            <a:picLocks noChangeAspect="1"/>
+          </p:cNvPicPr>
+          <p:nvPr/>
+        </p:nvPicPr>
+        <p:blipFill>
+          <a:blip r:embed="rId5"/>
+          <a:stretch>
+            <a:fillRect/>
+          </a:stretch>
+        </p:blipFill>
+        <p:spPr>
+          <a:xfrm>
+            <a:off x="6600027" y="2294375"/>
+            <a:ext cx="5040974" cy="1312034"/>
           </a:xfrm>
           <a:prstGeom prst="rect">
             <a:avLst/>
@@ -22582,80 +26024,141 @@
           <a:p>
             <a:r>
               <a:rPr lang="en-US" dirty="0"/>
-              <a:t>Model Does Not Generalize</a:t>
+              <a:t>Model Fit</a:t>
             </a:r>
           </a:p>
         </p:txBody>
       </p:sp>
-      <p:sp>
-        <p:nvSpPr>
-          <p:cNvPr id="3" name="Content Placeholder 2">
-            <a:extLst>
-              <a:ext uri="{FF2B5EF4-FFF2-40B4-BE49-F238E27FC236}">
-                <a16:creationId xmlns:a16="http://schemas.microsoft.com/office/drawing/2014/main" id="{4C37DDEC-5DE3-43BF-BC27-DC9716272EC8}"/>
-              </a:ext>
-            </a:extLst>
-          </p:cNvPr>
-          <p:cNvSpPr>
-            <a:spLocks noGrp="1"/>
-          </p:cNvSpPr>
-          <p:nvPr>
-            <p:ph idx="1"/>
-          </p:nvPr>
-        </p:nvSpPr>
-        <p:spPr/>
-        <p:txBody>
-          <a:bodyPr/>
-          <a:lstStyle/>
-          <a:p>
-            <a:r>
-              <a:rPr lang="en-US" dirty="0"/>
-              <a:t>Evaluate model with cross validation</a:t>
-            </a:r>
-          </a:p>
-          <a:p>
-            <a:pPr lvl="1"/>
-            <a:r>
-              <a:rPr lang="en-US" dirty="0"/>
-              <a:t>Train on 48 samples</a:t>
-            </a:r>
-          </a:p>
-          <a:p>
-            <a:pPr lvl="1"/>
-            <a:r>
-              <a:rPr lang="en-US" dirty="0"/>
-              <a:t>Measure RSS on 49 samples</a:t>
-            </a:r>
-          </a:p>
-          <a:p>
-            <a:r>
-              <a:rPr lang="en-US" dirty="0"/>
-              <a:t>Test RSS is very high</a:t>
-            </a:r>
-          </a:p>
-          <a:p>
-            <a:r>
-              <a:rPr lang="en-US" dirty="0"/>
-              <a:t>Scatter plot shows no predictive ability</a:t>
-            </a:r>
-          </a:p>
-          <a:p>
-            <a:endParaRPr lang="en-US" dirty="0"/>
-          </a:p>
-          <a:p>
-            <a:r>
-              <a:rPr lang="en-US" dirty="0"/>
-              <a:t>What happened?</a:t>
-            </a:r>
-          </a:p>
-          <a:p>
-            <a:r>
-              <a:rPr lang="en-US" dirty="0"/>
-              <a:t>Can we do a better model?</a:t>
-            </a:r>
-          </a:p>
-        </p:txBody>
-      </p:sp>
+      <mc:AlternateContent xmlns:mc="http://schemas.openxmlformats.org/markup-compatibility/2006">
+        <mc:Choice xmlns:a14="http://schemas.microsoft.com/office/drawing/2010/main" Requires="a14">
+          <p:sp>
+            <p:nvSpPr>
+              <p:cNvPr id="3" name="Content Placeholder 2">
+                <a:extLst>
+                  <a:ext uri="{FF2B5EF4-FFF2-40B4-BE49-F238E27FC236}">
+                    <a16:creationId xmlns:a16="http://schemas.microsoft.com/office/drawing/2014/main" id="{4C37DDEC-5DE3-43BF-BC27-DC9716272EC8}"/>
+                  </a:ext>
+                </a:extLst>
+              </p:cNvPr>
+              <p:cNvSpPr>
+                <a:spLocks noGrp="1"/>
+              </p:cNvSpPr>
+              <p:nvPr>
+                <p:ph idx="1"/>
+              </p:nvPr>
+            </p:nvSpPr>
+            <p:spPr/>
+            <p:txBody>
+              <a:bodyPr/>
+              <a:lstStyle/>
+              <a:p>
+                <a:r>
+                  <a:rPr lang="en-US" dirty="0"/>
+                  <a:t>Evaluate model with cross validation</a:t>
+                </a:r>
+              </a:p>
+              <a:p>
+                <a:pPr lvl="1"/>
+                <a:r>
+                  <a:rPr lang="en-US" dirty="0"/>
+                  <a:t>Train on 48 samples</a:t>
+                </a:r>
+              </a:p>
+              <a:p>
+                <a:pPr lvl="1"/>
+                <a:r>
+                  <a:rPr lang="en-US" dirty="0"/>
+                  <a:t>Measure RSS on 49 samples</a:t>
+                </a:r>
+              </a:p>
+              <a:p>
+                <a:r>
+                  <a:rPr lang="en-US" dirty="0"/>
+                  <a:t>We obtain reasonable fit on test data</a:t>
+                </a:r>
+              </a:p>
+              <a:p>
+                <a:pPr lvl="1"/>
+                <a14:m>
+                  <m:oMath xmlns:m="http://schemas.openxmlformats.org/officeDocument/2006/math">
+                    <m:sSup>
+                      <m:sSupPr>
+                        <m:ctrlPr>
+                          <a:rPr lang="en-US" b="0" i="1" smtClean="0">
+                            <a:latin typeface="Cambria Math" panose="02040503050406030204" pitchFamily="18" charset="0"/>
+                          </a:rPr>
+                        </m:ctrlPr>
+                      </m:sSupPr>
+                      <m:e>
+                        <m:r>
+                          <a:rPr lang="en-US" b="0" i="1" smtClean="0">
+                            <a:latin typeface="Cambria Math" panose="02040503050406030204" pitchFamily="18" charset="0"/>
+                          </a:rPr>
+                          <m:t>𝑅</m:t>
+                        </m:r>
+                      </m:e>
+                      <m:sup>
+                        <m:r>
+                          <a:rPr lang="en-US" b="0" i="1" smtClean="0">
+                            <a:latin typeface="Cambria Math" panose="02040503050406030204" pitchFamily="18" charset="0"/>
+                          </a:rPr>
+                          <m:t>2</m:t>
+                        </m:r>
+                      </m:sup>
+                    </m:sSup>
+                    <m:r>
+                      <a:rPr lang="en-US" b="0" i="1" smtClean="0">
+                        <a:latin typeface="Cambria Math" panose="02040503050406030204" pitchFamily="18" charset="0"/>
+                      </a:rPr>
+                      <m:t>≈0.58</m:t>
+                    </m:r>
+                  </m:oMath>
+                </a14:m>
+                <a:endParaRPr lang="en-US" dirty="0"/>
+              </a:p>
+            </p:txBody>
+          </p:sp>
+        </mc:Choice>
+        <mc:Fallback>
+          <p:sp>
+            <p:nvSpPr>
+              <p:cNvPr id="3" name="Content Placeholder 2">
+                <a:extLst>
+                  <a:ext uri="{FF2B5EF4-FFF2-40B4-BE49-F238E27FC236}">
+                    <a16:creationId xmlns:a16="http://schemas.microsoft.com/office/drawing/2014/main" id="{4C37DDEC-5DE3-43BF-BC27-DC9716272EC8}"/>
+                  </a:ext>
+                </a:extLst>
+              </p:cNvPr>
+              <p:cNvSpPr>
+                <a:spLocks noGrp="1" noRot="1" noChangeAspect="1" noMove="1" noResize="1" noEditPoints="1" noAdjustHandles="1" noChangeArrowheads="1" noChangeShapeType="1" noTextEdit="1"/>
+              </p:cNvSpPr>
+              <p:nvPr>
+                <p:ph idx="1"/>
+              </p:nvPr>
+            </p:nvSpPr>
+            <p:spPr>
+              <a:blipFill>
+                <a:blip r:embed="rId2"/>
+                <a:stretch>
+                  <a:fillRect l="-1455" t="-1549"/>
+                </a:stretch>
+              </a:blipFill>
+            </p:spPr>
+            <p:txBody>
+              <a:bodyPr/>
+              <a:lstStyle/>
+              <a:p>
+                <a:r>
+                  <a:rPr lang="en-US">
+                    <a:noFill/>
+                  </a:rPr>
+                  <a:t> </a:t>
+                </a:r>
+              </a:p>
+            </p:txBody>
+          </p:sp>
+        </mc:Fallback>
+      </mc:AlternateContent>
       <p:sp>
         <p:nvSpPr>
           <p:cNvPr id="4" name="Slide Number Placeholder 3">
@@ -22687,40 +26190,10 @@
       </p:sp>
       <p:pic>
         <p:nvPicPr>
-          <p:cNvPr id="5" name="Picture 4">
+          <p:cNvPr id="7" name="Picture 6">
             <a:extLst>
               <a:ext uri="{FF2B5EF4-FFF2-40B4-BE49-F238E27FC236}">
-                <a16:creationId xmlns:a16="http://schemas.microsoft.com/office/drawing/2014/main" id="{F62DBCD8-0777-4ADC-8917-C423C18FB79D}"/>
-              </a:ext>
-            </a:extLst>
-          </p:cNvPr>
-          <p:cNvPicPr>
-            <a:picLocks noChangeAspect="1"/>
-          </p:cNvPicPr>
-          <p:nvPr/>
-        </p:nvPicPr>
-        <p:blipFill>
-          <a:blip r:embed="rId2"/>
-          <a:stretch>
-            <a:fillRect/>
-          </a:stretch>
-        </p:blipFill>
-        <p:spPr>
-          <a:xfrm>
-            <a:off x="6046047" y="1612112"/>
-            <a:ext cx="4533900" cy="1295400"/>
-          </a:xfrm>
-          <a:prstGeom prst="rect">
-            <a:avLst/>
-          </a:prstGeom>
-        </p:spPr>
-      </p:pic>
-      <p:pic>
-        <p:nvPicPr>
-          <p:cNvPr id="6" name="Picture 5">
-            <a:extLst>
-              <a:ext uri="{FF2B5EF4-FFF2-40B4-BE49-F238E27FC236}">
-                <a16:creationId xmlns:a16="http://schemas.microsoft.com/office/drawing/2014/main" id="{19B12650-3E82-48B4-998E-D0D9347500B3}"/>
+                <a16:creationId xmlns:a16="http://schemas.microsoft.com/office/drawing/2014/main" id="{91E997B1-093E-436C-B5A1-0BB9577DB33B}"/>
               </a:ext>
             </a:extLst>
           </p:cNvPr>
@@ -22737,8 +26210,38 @@
         </p:blipFill>
         <p:spPr>
           <a:xfrm>
-            <a:off x="5690573" y="3119060"/>
-            <a:ext cx="4795159" cy="3080334"/>
+            <a:off x="6373812" y="1275857"/>
+            <a:ext cx="4219575" cy="1619250"/>
+          </a:xfrm>
+          <a:prstGeom prst="rect">
+            <a:avLst/>
+          </a:prstGeom>
+        </p:spPr>
+      </p:pic>
+      <p:pic>
+        <p:nvPicPr>
+          <p:cNvPr id="8" name="Picture 7">
+            <a:extLst>
+              <a:ext uri="{FF2B5EF4-FFF2-40B4-BE49-F238E27FC236}">
+                <a16:creationId xmlns:a16="http://schemas.microsoft.com/office/drawing/2014/main" id="{753AE550-4A7A-471D-9C93-0905F33F1357}"/>
+              </a:ext>
+            </a:extLst>
+          </p:cNvPr>
+          <p:cNvPicPr>
+            <a:picLocks noChangeAspect="1"/>
+          </p:cNvPicPr>
+          <p:nvPr/>
+        </p:nvPicPr>
+        <p:blipFill>
+          <a:blip r:embed="rId4"/>
+          <a:stretch>
+            <a:fillRect/>
+          </a:stretch>
+        </p:blipFill>
+        <p:spPr>
+          <a:xfrm>
+            <a:off x="5745131" y="3107570"/>
+            <a:ext cx="4257675" cy="2638425"/>
           </a:xfrm>
           <a:prstGeom prst="rect">
             <a:avLst/>
@@ -22777,6 +26280,530 @@
       </p:grpSpPr>
       <p:sp>
         <p:nvSpPr>
+          <p:cNvPr id="2" name="Title 1">
+            <a:extLst>
+              <a:ext uri="{FF2B5EF4-FFF2-40B4-BE49-F238E27FC236}">
+                <a16:creationId xmlns:a16="http://schemas.microsoft.com/office/drawing/2014/main" id="{09A11184-E72D-4B61-9B4A-732F6464DBB7}"/>
+              </a:ext>
+            </a:extLst>
+          </p:cNvPr>
+          <p:cNvSpPr>
+            <a:spLocks noGrp="1"/>
+          </p:cNvSpPr>
+          <p:nvPr>
+            <p:ph type="title"/>
+          </p:nvPr>
+        </p:nvSpPr>
+        <p:spPr/>
+        <p:txBody>
+          <a:bodyPr/>
+          <a:lstStyle/>
+          <a:p>
+            <a:r>
+              <a:rPr lang="en-US" dirty="0"/>
+              <a:t>Looking at the Coefficients</a:t>
+            </a:r>
+          </a:p>
+        </p:txBody>
+      </p:sp>
+      <mc:AlternateContent xmlns:mc="http://schemas.openxmlformats.org/markup-compatibility/2006">
+        <mc:Choice xmlns:a14="http://schemas.microsoft.com/office/drawing/2010/main" Requires="a14">
+          <p:sp>
+            <p:nvSpPr>
+              <p:cNvPr id="3" name="Content Placeholder 2">
+                <a:extLst>
+                  <a:ext uri="{FF2B5EF4-FFF2-40B4-BE49-F238E27FC236}">
+                    <a16:creationId xmlns:a16="http://schemas.microsoft.com/office/drawing/2014/main" id="{FC3303B8-4864-4FDB-AEA9-57929ABF8966}"/>
+                  </a:ext>
+                </a:extLst>
+              </p:cNvPr>
+              <p:cNvSpPr>
+                <a:spLocks noGrp="1"/>
+              </p:cNvSpPr>
+              <p:nvPr>
+                <p:ph idx="1"/>
+              </p:nvPr>
+            </p:nvSpPr>
+            <p:spPr>
+              <a:xfrm>
+                <a:off x="1097280" y="1539277"/>
+                <a:ext cx="5938520" cy="4329817"/>
+              </a:xfrm>
+            </p:spPr>
+            <p:txBody>
+              <a:bodyPr/>
+              <a:lstStyle/>
+              <a:p>
+                <a:r>
+                  <a:rPr lang="en-US" dirty="0"/>
+                  <a:t>Recall that model is:  </a:t>
+                </a:r>
+                <a14:m>
+                  <m:oMath xmlns:m="http://schemas.openxmlformats.org/officeDocument/2006/math">
+                    <m:acc>
+                      <m:accPr>
+                        <m:chr m:val="̂"/>
+                        <m:ctrlPr>
+                          <a:rPr lang="en-US" i="1">
+                            <a:latin typeface="Cambria Math" panose="02040503050406030204" pitchFamily="18" charset="0"/>
+                          </a:rPr>
+                        </m:ctrlPr>
+                      </m:accPr>
+                      <m:e>
+                        <m:r>
+                          <a:rPr lang="en-US" i="1">
+                            <a:latin typeface="Cambria Math" panose="02040503050406030204" pitchFamily="18" charset="0"/>
+                          </a:rPr>
+                          <m:t>𝑦</m:t>
+                        </m:r>
+                      </m:e>
+                    </m:acc>
+                    <m:r>
+                      <a:rPr lang="en-US" i="1">
+                        <a:latin typeface="Cambria Math" panose="02040503050406030204" pitchFamily="18" charset="0"/>
+                      </a:rPr>
+                      <m:t>=</m:t>
+                    </m:r>
+                    <m:r>
+                      <a:rPr lang="en-US" b="0" i="1" smtClean="0">
+                        <a:latin typeface="Cambria Math" panose="02040503050406030204" pitchFamily="18" charset="0"/>
+                      </a:rPr>
+                      <m:t>𝑏</m:t>
+                    </m:r>
+                    <m:r>
+                      <a:rPr lang="en-US" i="1">
+                        <a:latin typeface="Cambria Math" panose="02040503050406030204" pitchFamily="18" charset="0"/>
+                      </a:rPr>
+                      <m:t>+</m:t>
+                    </m:r>
+                    <m:sSub>
+                      <m:sSubPr>
+                        <m:ctrlPr>
+                          <a:rPr lang="en-US" i="1">
+                            <a:latin typeface="Cambria Math" panose="02040503050406030204" pitchFamily="18" charset="0"/>
+                          </a:rPr>
+                        </m:ctrlPr>
+                      </m:sSubPr>
+                      <m:e>
+                        <m:r>
+                          <a:rPr lang="en-US" b="0" i="1" smtClean="0">
+                            <a:latin typeface="Cambria Math" panose="02040503050406030204" pitchFamily="18" charset="0"/>
+                          </a:rPr>
+                          <m:t>𝑤</m:t>
+                        </m:r>
+                      </m:e>
+                      <m:sub>
+                        <m:r>
+                          <a:rPr lang="en-US" i="1">
+                            <a:latin typeface="Cambria Math" panose="02040503050406030204" pitchFamily="18" charset="0"/>
+                          </a:rPr>
+                          <m:t>1</m:t>
+                        </m:r>
+                      </m:sub>
+                    </m:sSub>
+                    <m:sSub>
+                      <m:sSubPr>
+                        <m:ctrlPr>
+                          <a:rPr lang="en-US" i="1">
+                            <a:latin typeface="Cambria Math" panose="02040503050406030204" pitchFamily="18" charset="0"/>
+                          </a:rPr>
+                        </m:ctrlPr>
+                      </m:sSubPr>
+                      <m:e>
+                        <m:r>
+                          <a:rPr lang="en-US" i="1">
+                            <a:latin typeface="Cambria Math" panose="02040503050406030204" pitchFamily="18" charset="0"/>
+                          </a:rPr>
+                          <m:t>𝑥</m:t>
+                        </m:r>
+                      </m:e>
+                      <m:sub>
+                        <m:r>
+                          <a:rPr lang="en-US" i="1">
+                            <a:latin typeface="Cambria Math" panose="02040503050406030204" pitchFamily="18" charset="0"/>
+                          </a:rPr>
+                          <m:t>1</m:t>
+                        </m:r>
+                      </m:sub>
+                    </m:sSub>
+                    <m:r>
+                      <a:rPr lang="en-US" i="1">
+                        <a:latin typeface="Cambria Math" panose="02040503050406030204" pitchFamily="18" charset="0"/>
+                      </a:rPr>
+                      <m:t>+⋯+</m:t>
+                    </m:r>
+                    <m:sSub>
+                      <m:sSubPr>
+                        <m:ctrlPr>
+                          <a:rPr lang="en-US" i="1">
+                            <a:latin typeface="Cambria Math" panose="02040503050406030204" pitchFamily="18" charset="0"/>
+                          </a:rPr>
+                        </m:ctrlPr>
+                      </m:sSubPr>
+                      <m:e>
+                        <m:r>
+                          <a:rPr lang="en-US" b="0" i="1" smtClean="0">
+                            <a:latin typeface="Cambria Math" panose="02040503050406030204" pitchFamily="18" charset="0"/>
+                          </a:rPr>
+                          <m:t>𝑤</m:t>
+                        </m:r>
+                      </m:e>
+                      <m:sub>
+                        <m:r>
+                          <a:rPr lang="en-US" i="1">
+                            <a:latin typeface="Cambria Math" panose="02040503050406030204" pitchFamily="18" charset="0"/>
+                          </a:rPr>
+                          <m:t>𝑑</m:t>
+                        </m:r>
+                      </m:sub>
+                    </m:sSub>
+                    <m:sSub>
+                      <m:sSubPr>
+                        <m:ctrlPr>
+                          <a:rPr lang="en-US" i="1">
+                            <a:latin typeface="Cambria Math" panose="02040503050406030204" pitchFamily="18" charset="0"/>
+                          </a:rPr>
+                        </m:ctrlPr>
+                      </m:sSubPr>
+                      <m:e>
+                        <m:r>
+                          <a:rPr lang="en-US" i="1">
+                            <a:latin typeface="Cambria Math" panose="02040503050406030204" pitchFamily="18" charset="0"/>
+                          </a:rPr>
+                          <m:t>𝑥</m:t>
+                        </m:r>
+                      </m:e>
+                      <m:sub>
+                        <m:r>
+                          <a:rPr lang="en-US" i="1">
+                            <a:latin typeface="Cambria Math" panose="02040503050406030204" pitchFamily="18" charset="0"/>
+                          </a:rPr>
+                          <m:t>𝑑</m:t>
+                        </m:r>
+                      </m:sub>
+                    </m:sSub>
+                  </m:oMath>
+                </a14:m>
+                <a:endParaRPr lang="en-US" dirty="0"/>
+              </a:p>
+              <a:p>
+                <a:r>
+                  <a:rPr lang="en-US" dirty="0"/>
+                  <a:t>Weights </a:t>
+                </a:r>
+                <a14:m>
+                  <m:oMath xmlns:m="http://schemas.openxmlformats.org/officeDocument/2006/math">
+                    <m:sSub>
+                      <m:sSubPr>
+                        <m:ctrlPr>
+                          <a:rPr lang="en-US" b="0" i="1" smtClean="0">
+                            <a:latin typeface="Cambria Math" panose="02040503050406030204" pitchFamily="18" charset="0"/>
+                          </a:rPr>
+                        </m:ctrlPr>
+                      </m:sSubPr>
+                      <m:e>
+                        <m:r>
+                          <a:rPr lang="en-US" b="0" i="1" smtClean="0">
+                            <a:latin typeface="Cambria Math" panose="02040503050406030204" pitchFamily="18" charset="0"/>
+                          </a:rPr>
+                          <m:t>𝑤</m:t>
+                        </m:r>
+                      </m:e>
+                      <m:sub>
+                        <m:r>
+                          <a:rPr lang="en-US" b="0" i="1" smtClean="0">
+                            <a:latin typeface="Cambria Math" panose="02040503050406030204" pitchFamily="18" charset="0"/>
+                          </a:rPr>
+                          <m:t>𝑖</m:t>
+                        </m:r>
+                      </m:sub>
+                    </m:sSub>
+                  </m:oMath>
+                </a14:m>
+                <a:r>
+                  <a:rPr lang="en-US" dirty="0"/>
+                  <a:t> indicates </a:t>
+                </a:r>
+                <a:br>
+                  <a:rPr lang="en-US" dirty="0"/>
+                </a:br>
+                <a:r>
+                  <a:rPr lang="en-US" dirty="0"/>
+                  <a:t>dependence of feature </a:t>
+                </a:r>
+                <a14:m>
+                  <m:oMath xmlns:m="http://schemas.openxmlformats.org/officeDocument/2006/math">
+                    <m:r>
+                      <a:rPr lang="en-US" b="0" i="1" smtClean="0">
+                        <a:latin typeface="Cambria Math" panose="02040503050406030204" pitchFamily="18" charset="0"/>
+                      </a:rPr>
+                      <m:t>𝑖</m:t>
+                    </m:r>
+                  </m:oMath>
+                </a14:m>
+                <a:r>
+                  <a:rPr lang="en-US" dirty="0"/>
+                  <a:t> on target </a:t>
+                </a:r>
+                <a14:m>
+                  <m:oMath xmlns:m="http://schemas.openxmlformats.org/officeDocument/2006/math">
+                    <m:r>
+                      <a:rPr lang="en-US" b="0" i="1" smtClean="0">
+                        <a:latin typeface="Cambria Math" panose="02040503050406030204" pitchFamily="18" charset="0"/>
+                      </a:rPr>
+                      <m:t>𝑦</m:t>
+                    </m:r>
+                  </m:oMath>
+                </a14:m>
+                <a:endParaRPr lang="en-US" dirty="0"/>
+              </a:p>
+              <a:p>
+                <a:r>
+                  <a:rPr lang="en-US" dirty="0"/>
+                  <a:t>For PSA test:</a:t>
+                </a:r>
+              </a:p>
+              <a:p>
+                <a:pPr lvl="1"/>
+                <a:r>
+                  <a:rPr lang="en-US" dirty="0"/>
+                  <a:t>Highest weight on </a:t>
+                </a:r>
+                <a:r>
+                  <a:rPr lang="en-US" dirty="0" err="1"/>
+                  <a:t>lcavol</a:t>
+                </a:r>
+                <a:r>
+                  <a:rPr lang="en-US" dirty="0"/>
+                  <a:t> (log cancer volume)</a:t>
+                </a:r>
+              </a:p>
+              <a:p>
+                <a:pPr lvl="1"/>
+                <a:r>
+                  <a:rPr lang="en-US" dirty="0"/>
+                  <a:t>But, weights on all features are non-zero</a:t>
+                </a:r>
+              </a:p>
+              <a:p>
+                <a:pPr lvl="1"/>
+                <a:r>
+                  <a:rPr lang="en-US" dirty="0"/>
+                  <a:t>Hard to eliminate features</a:t>
+                </a:r>
+              </a:p>
+              <a:p>
+                <a:pPr lvl="1"/>
+                <a:endParaRPr lang="en-US" dirty="0"/>
+              </a:p>
+              <a:p>
+                <a:r>
+                  <a:rPr lang="en-US" dirty="0"/>
+                  <a:t>How can we tell if some features are not significant?</a:t>
+                </a:r>
+                <a:br>
+                  <a:rPr lang="en-US" dirty="0"/>
+                </a:br>
+                <a:endParaRPr lang="en-US" dirty="0"/>
+              </a:p>
+            </p:txBody>
+          </p:sp>
+        </mc:Choice>
+        <mc:Fallback>
+          <p:sp>
+            <p:nvSpPr>
+              <p:cNvPr id="3" name="Content Placeholder 2">
+                <a:extLst>
+                  <a:ext uri="{FF2B5EF4-FFF2-40B4-BE49-F238E27FC236}">
+                    <a16:creationId xmlns:a16="http://schemas.microsoft.com/office/drawing/2014/main" id="{FC3303B8-4864-4FDB-AEA9-57929ABF8966}"/>
+                  </a:ext>
+                </a:extLst>
+              </p:cNvPr>
+              <p:cNvSpPr>
+                <a:spLocks noGrp="1" noRot="1" noChangeAspect="1" noMove="1" noResize="1" noEditPoints="1" noAdjustHandles="1" noChangeArrowheads="1" noChangeShapeType="1" noTextEdit="1"/>
+              </p:cNvSpPr>
+              <p:nvPr>
+                <p:ph idx="1"/>
+              </p:nvPr>
+            </p:nvSpPr>
+            <p:spPr>
+              <a:xfrm>
+                <a:off x="1097280" y="1539277"/>
+                <a:ext cx="5938520" cy="4329817"/>
+              </a:xfrm>
+              <a:blipFill>
+                <a:blip r:embed="rId2"/>
+                <a:stretch>
+                  <a:fillRect l="-2464" t="-1549"/>
+                </a:stretch>
+              </a:blipFill>
+            </p:spPr>
+            <p:txBody>
+              <a:bodyPr/>
+              <a:lstStyle/>
+              <a:p>
+                <a:r>
+                  <a:rPr lang="en-US">
+                    <a:noFill/>
+                  </a:rPr>
+                  <a:t> </a:t>
+                </a:r>
+              </a:p>
+            </p:txBody>
+          </p:sp>
+        </mc:Fallback>
+      </mc:AlternateContent>
+      <p:sp>
+        <p:nvSpPr>
+          <p:cNvPr id="4" name="Slide Number Placeholder 3">
+            <a:extLst>
+              <a:ext uri="{FF2B5EF4-FFF2-40B4-BE49-F238E27FC236}">
+                <a16:creationId xmlns:a16="http://schemas.microsoft.com/office/drawing/2014/main" id="{6201FC8D-6D2D-4148-A271-69188C4D7F21}"/>
+              </a:ext>
+            </a:extLst>
+          </p:cNvPr>
+          <p:cNvSpPr>
+            <a:spLocks noGrp="1"/>
+          </p:cNvSpPr>
+          <p:nvPr>
+            <p:ph type="sldNum" sz="quarter" idx="12"/>
+          </p:nvPr>
+        </p:nvSpPr>
+        <p:spPr/>
+        <p:txBody>
+          <a:bodyPr/>
+          <a:lstStyle/>
+          <a:p>
+            <a:fld id="{629637A9-119A-49DA-BD12-AAC58B377D80}" type="slidenum">
+              <a:rPr lang="en-US" smtClean="0"/>
+              <a:t>8</a:t>
+            </a:fld>
+            <a:endParaRPr lang="en-US" dirty="0"/>
+          </a:p>
+        </p:txBody>
+      </p:sp>
+      <p:pic>
+        <p:nvPicPr>
+          <p:cNvPr id="5" name="Picture 4">
+            <a:extLst>
+              <a:ext uri="{FF2B5EF4-FFF2-40B4-BE49-F238E27FC236}">
+                <a16:creationId xmlns:a16="http://schemas.microsoft.com/office/drawing/2014/main" id="{269386CF-42C2-4274-A7BC-8DB306767FBA}"/>
+              </a:ext>
+            </a:extLst>
+          </p:cNvPr>
+          <p:cNvPicPr>
+            <a:picLocks noChangeAspect="1"/>
+          </p:cNvPicPr>
+          <p:nvPr/>
+        </p:nvPicPr>
+        <p:blipFill>
+          <a:blip r:embed="rId3"/>
+          <a:stretch>
+            <a:fillRect/>
+          </a:stretch>
+        </p:blipFill>
+        <p:spPr>
+          <a:xfrm>
+            <a:off x="8005953" y="1450493"/>
+            <a:ext cx="2800350" cy="666750"/>
+          </a:xfrm>
+          <a:prstGeom prst="rect">
+            <a:avLst/>
+          </a:prstGeom>
+        </p:spPr>
+      </p:pic>
+      <p:pic>
+        <p:nvPicPr>
+          <p:cNvPr id="6" name="Picture 5">
+            <a:extLst>
+              <a:ext uri="{FF2B5EF4-FFF2-40B4-BE49-F238E27FC236}">
+                <a16:creationId xmlns:a16="http://schemas.microsoft.com/office/drawing/2014/main" id="{23DE851E-D17B-47FD-A61E-BDA5747A11E0}"/>
+              </a:ext>
+            </a:extLst>
+          </p:cNvPr>
+          <p:cNvPicPr>
+            <a:picLocks noChangeAspect="1"/>
+          </p:cNvPicPr>
+          <p:nvPr/>
+        </p:nvPicPr>
+        <p:blipFill>
+          <a:blip r:embed="rId4"/>
+          <a:stretch>
+            <a:fillRect/>
+          </a:stretch>
+        </p:blipFill>
+        <p:spPr>
+          <a:xfrm>
+            <a:off x="8005953" y="2258368"/>
+            <a:ext cx="1628775" cy="1304925"/>
+          </a:xfrm>
+          <a:prstGeom prst="rect">
+            <a:avLst/>
+          </a:prstGeom>
+        </p:spPr>
+      </p:pic>
+      <p:pic>
+        <p:nvPicPr>
+          <p:cNvPr id="7" name="Picture 6">
+            <a:extLst>
+              <a:ext uri="{FF2B5EF4-FFF2-40B4-BE49-F238E27FC236}">
+                <a16:creationId xmlns:a16="http://schemas.microsoft.com/office/drawing/2014/main" id="{EC0E4297-FBFD-4DBA-9518-74924789FDA6}"/>
+              </a:ext>
+            </a:extLst>
+          </p:cNvPr>
+          <p:cNvPicPr>
+            <a:picLocks noChangeAspect="1"/>
+          </p:cNvPicPr>
+          <p:nvPr/>
+        </p:nvPicPr>
+        <p:blipFill>
+          <a:blip r:embed="rId5"/>
+          <a:stretch>
+            <a:fillRect/>
+          </a:stretch>
+        </p:blipFill>
+        <p:spPr>
+          <a:xfrm>
+            <a:off x="7750683" y="3872998"/>
+            <a:ext cx="3106293" cy="1990440"/>
+          </a:xfrm>
+          <a:prstGeom prst="rect">
+            <a:avLst/>
+          </a:prstGeom>
+        </p:spPr>
+      </p:pic>
+    </p:spTree>
+    <p:extLst>
+      <p:ext uri="{BB962C8B-B14F-4D97-AF65-F5344CB8AC3E}">
+        <p14:creationId xmlns:p14="http://schemas.microsoft.com/office/powerpoint/2010/main" val="47102263"/>
+      </p:ext>
+    </p:extLst>
+  </p:cSld>
+  <p:clrMapOvr>
+    <a:masterClrMapping/>
+  </p:clrMapOvr>
+</p:sld>
+</file>
+
+<file path=ppt/slides/slide9.xml><?xml version="1.0" encoding="utf-8"?>
+<p:sld xmlns:a="http://schemas.openxmlformats.org/drawingml/2006/main" xmlns:r="http://schemas.openxmlformats.org/officeDocument/2006/relationships" xmlns:p="http://schemas.openxmlformats.org/presentationml/2006/main">
+  <p:cSld>
+    <p:spTree>
+      <p:nvGrpSpPr>
+        <p:cNvPr id="1" name=""/>
+        <p:cNvGrpSpPr/>
+        <p:nvPr/>
+      </p:nvGrpSpPr>
+      <p:grpSpPr>
+        <a:xfrm>
+          <a:off x="0" y="0"/>
+          <a:ext cx="0" cy="0"/>
+          <a:chOff x="0" y="0"/>
+          <a:chExt cx="0" cy="0"/>
+        </a:xfrm>
+      </p:grpSpPr>
+      <p:sp>
+        <p:nvSpPr>
           <p:cNvPr id="2" name="Title 1"/>
           <p:cNvSpPr>
             <a:spLocks noGrp="1"/>
@@ -22814,19 +26841,31 @@
           <a:p>
             <a:r>
               <a:rPr lang="en-US" dirty="0"/>
-              <a:t>Motivating Example:  Predicting prostate cancer from a PSA test </a:t>
+              <a:t>Motivating Example:  Predicting prostate cancer from a PSA test</a:t>
             </a:r>
           </a:p>
           <a:p>
             <a:r>
               <a:rPr lang="en-US" dirty="0"/>
-              <a:t>Model selection from LASSO regularization</a:t>
+              <a:t>Model Selection </a:t>
             </a:r>
           </a:p>
           <a:p>
             <a:r>
               <a:rPr lang="en-US" dirty="0"/>
-              <a:t>Probabilistic interpretation </a:t>
+              <a:t>Model Selection from LASSO regularization</a:t>
+            </a:r>
+          </a:p>
+          <a:p>
+            <a:r>
+              <a:rPr lang="en-US" dirty="0"/>
+              <a:t>Probabilistic interpretation</a:t>
+            </a:r>
+          </a:p>
+          <a:p>
+            <a:r>
+              <a:rPr lang="en-US" dirty="0"/>
+              <a:t>Other Model Selection Methods </a:t>
             </a:r>
           </a:p>
         </p:txBody>
@@ -22848,7 +26887,7 @@
           <a:p>
             <a:fld id="{629637A9-119A-49DA-BD12-AAC58B377D80}" type="slidenum">
               <a:rPr lang="en-US" smtClean="0"/>
-              <a:t>8</a:t>
+              <a:t>9</a:t>
             </a:fld>
             <a:endParaRPr lang="en-US" dirty="0"/>
           </a:p>
@@ -22862,7 +26901,7 @@
         </p:nvSpPr>
         <p:spPr>
           <a:xfrm>
-            <a:off x="314049" y="1917449"/>
+            <a:off x="314049" y="1911353"/>
             <a:ext cx="978408" cy="484632"/>
           </a:xfrm>
           <a:prstGeom prst="rightArrow">
@@ -22903,316 +26942,7 @@
     </p:spTree>
     <p:extLst>
       <p:ext uri="{BB962C8B-B14F-4D97-AF65-F5344CB8AC3E}">
-        <p14:creationId xmlns:p14="http://schemas.microsoft.com/office/powerpoint/2010/main" val="1977195301"/>
-      </p:ext>
-    </p:extLst>
-  </p:cSld>
-  <p:clrMapOvr>
-    <a:masterClrMapping/>
-  </p:clrMapOvr>
-</p:sld>
-</file>
-
-<file path=ppt/slides/slide9.xml><?xml version="1.0" encoding="utf-8"?>
-<p:sld xmlns:a="http://schemas.openxmlformats.org/drawingml/2006/main" xmlns:r="http://schemas.openxmlformats.org/officeDocument/2006/relationships" xmlns:p="http://schemas.openxmlformats.org/presentationml/2006/main">
-  <p:cSld>
-    <p:spTree>
-      <p:nvGrpSpPr>
-        <p:cNvPr id="1" name=""/>
-        <p:cNvGrpSpPr/>
-        <p:nvPr/>
-      </p:nvGrpSpPr>
-      <p:grpSpPr>
-        <a:xfrm>
-          <a:off x="0" y="0"/>
-          <a:ext cx="0" cy="0"/>
-          <a:chOff x="0" y="0"/>
-          <a:chExt cx="0" cy="0"/>
-        </a:xfrm>
-      </p:grpSpPr>
-      <p:sp>
-        <p:nvSpPr>
-          <p:cNvPr id="2" name="Title 1">
-            <a:extLst>
-              <a:ext uri="{FF2B5EF4-FFF2-40B4-BE49-F238E27FC236}">
-                <a16:creationId xmlns:a16="http://schemas.microsoft.com/office/drawing/2014/main" id="{851F0363-826D-46B2-9006-8CDEF08F56FE}"/>
-              </a:ext>
-            </a:extLst>
-          </p:cNvPr>
-          <p:cNvSpPr>
-            <a:spLocks noGrp="1"/>
-          </p:cNvSpPr>
-          <p:nvPr>
-            <p:ph type="title"/>
-          </p:nvPr>
-        </p:nvSpPr>
-        <p:spPr/>
-        <p:txBody>
-          <a:bodyPr/>
-          <a:lstStyle/>
-          <a:p>
-            <a:r>
-              <a:rPr lang="en-US" dirty="0"/>
-              <a:t>Intuition</a:t>
-            </a:r>
-          </a:p>
-        </p:txBody>
-      </p:sp>
-      <mc:AlternateContent xmlns:mc="http://schemas.openxmlformats.org/markup-compatibility/2006" xmlns:a14="http://schemas.microsoft.com/office/drawing/2010/main">
-        <mc:Choice Requires="a14">
-          <p:sp>
-            <p:nvSpPr>
-              <p:cNvPr id="3" name="Content Placeholder 2">
-                <a:extLst>
-                  <a:ext uri="{FF2B5EF4-FFF2-40B4-BE49-F238E27FC236}">
-                    <a16:creationId xmlns:a16="http://schemas.microsoft.com/office/drawing/2014/main" id="{023B1860-A5C5-4801-B581-B2FD65B1DE44}"/>
-                  </a:ext>
-                </a:extLst>
-              </p:cNvPr>
-              <p:cNvSpPr>
-                <a:spLocks noGrp="1"/>
-              </p:cNvSpPr>
-              <p:nvPr>
-                <p:ph idx="1"/>
-              </p:nvPr>
-            </p:nvSpPr>
-            <p:spPr>
-              <a:xfrm>
-                <a:off x="1097280" y="1539277"/>
-                <a:ext cx="6489140" cy="4329817"/>
-              </a:xfrm>
-            </p:spPr>
-            <p:txBody>
-              <a:bodyPr>
-                <a:normAutofit fontScale="92500" lnSpcReduction="10000"/>
-              </a:bodyPr>
-              <a:lstStyle/>
-              <a:p>
-                <a:r>
-                  <a:rPr lang="en-US" dirty="0"/>
-                  <a:t>We know from last lecture:</a:t>
-                </a:r>
-              </a:p>
-              <a:p>
-                <a:pPr lvl="1"/>
-                <a:r>
-                  <a:rPr lang="en-US" dirty="0"/>
-                  <a:t>Too many parameters </a:t>
-                </a:r>
-                <a14:m>
-                  <m:oMath xmlns:m="http://schemas.openxmlformats.org/officeDocument/2006/math">
-                    <m:r>
-                      <a:rPr lang="en-US" b="0" i="1" smtClean="0">
-                        <a:latin typeface="Cambria Math" panose="02040503050406030204" pitchFamily="18" charset="0"/>
-                      </a:rPr>
-                      <m:t>⇒</m:t>
-                    </m:r>
-                  </m:oMath>
-                </a14:m>
-                <a:r>
-                  <a:rPr lang="en-US" dirty="0"/>
-                  <a:t>  Large generalization error</a:t>
-                </a:r>
-              </a:p>
-              <a:p>
-                <a:r>
-                  <a:rPr lang="en-US" dirty="0"/>
-                  <a:t>In this data set, only a few factors are likely significant</a:t>
-                </a:r>
-              </a:p>
-              <a:p>
-                <a:r>
-                  <a:rPr lang="en-US" dirty="0"/>
-                  <a:t>But, we don’t know which one</a:t>
-                </a:r>
-              </a:p>
-              <a:p>
-                <a:r>
-                  <a:rPr lang="en-US" dirty="0"/>
-                  <a:t>Can we  automatically identify them?</a:t>
-                </a:r>
-              </a:p>
-              <a:p>
-                <a:pPr lvl="1"/>
-                <a:r>
-                  <a:rPr lang="en-US" dirty="0"/>
-                  <a:t>Use correlation between features and target</a:t>
-                </a:r>
-              </a:p>
-              <a:p>
-                <a:pPr lvl="2"/>
-                <a:r>
-                  <a:rPr lang="en-US" dirty="0"/>
-                  <a:t>Do not always work well</a:t>
-                </a:r>
-              </a:p>
-              <a:p>
-                <a:pPr lvl="1"/>
-                <a:r>
-                  <a:rPr lang="en-US" dirty="0"/>
-                  <a:t>Exhaustive search can be expansive!</a:t>
-                </a:r>
-              </a:p>
-              <a:p>
-                <a:r>
-                  <a:rPr lang="en-US" dirty="0">
-                    <a:solidFill>
-                      <a:schemeClr val="accent1"/>
-                    </a:solidFill>
-                  </a:rPr>
-                  <a:t>Idea</a:t>
-                </a:r>
-                <a:r>
-                  <a:rPr lang="en-US" dirty="0"/>
-                  <a:t>:  Fit model under constraint: </a:t>
-                </a:r>
-              </a:p>
-              <a:p>
-                <a:pPr lvl="1"/>
-                <a:r>
-                  <a:rPr lang="en-US" dirty="0"/>
-                  <a:t>Force only a few parameters to be non-zero</a:t>
-                </a:r>
-              </a:p>
-              <a:p>
-                <a:pPr lvl="1"/>
-                <a:endParaRPr lang="en-US" dirty="0"/>
-              </a:p>
-              <a:p>
-                <a:r>
-                  <a:rPr lang="en-US" dirty="0"/>
-                  <a:t>General idea of </a:t>
-                </a:r>
-                <a:r>
-                  <a:rPr lang="en-US" dirty="0">
-                    <a:solidFill>
-                      <a:schemeClr val="accent1"/>
-                    </a:solidFill>
-                  </a:rPr>
-                  <a:t>regularization</a:t>
-                </a:r>
-                <a:r>
-                  <a:rPr lang="en-US" dirty="0"/>
-                  <a:t>:	</a:t>
-                </a:r>
-              </a:p>
-              <a:p>
-                <a:pPr lvl="1"/>
-                <a:r>
-                  <a:rPr lang="en-US" dirty="0"/>
-                  <a:t>Constrain the parameters with prior knowledge</a:t>
-                </a:r>
-              </a:p>
-            </p:txBody>
-          </p:sp>
-        </mc:Choice>
-        <mc:Fallback xmlns="">
-          <p:sp>
-            <p:nvSpPr>
-              <p:cNvPr id="3" name="Content Placeholder 2">
-                <a:extLst>
-                  <a:ext uri="{FF2B5EF4-FFF2-40B4-BE49-F238E27FC236}">
-                    <a16:creationId xmlns:a16="http://schemas.microsoft.com/office/drawing/2014/main" id="{023B1860-A5C5-4801-B581-B2FD65B1DE44}"/>
-                  </a:ext>
-                </a:extLst>
-              </p:cNvPr>
-              <p:cNvSpPr>
-                <a:spLocks noGrp="1" noRot="1" noChangeAspect="1" noMove="1" noResize="1" noEditPoints="1" noAdjustHandles="1" noChangeArrowheads="1" noChangeShapeType="1" noTextEdit="1"/>
-              </p:cNvSpPr>
-              <p:nvPr>
-                <p:ph idx="1"/>
-              </p:nvPr>
-            </p:nvSpPr>
-            <p:spPr>
-              <a:xfrm>
-                <a:off x="1097280" y="1539277"/>
-                <a:ext cx="6489140" cy="4329817"/>
-              </a:xfrm>
-              <a:blipFill>
-                <a:blip r:embed="rId2"/>
-                <a:stretch>
-                  <a:fillRect l="-1953" t="-1754" b="-1170"/>
-                </a:stretch>
-              </a:blipFill>
-            </p:spPr>
-            <p:txBody>
-              <a:bodyPr/>
-              <a:lstStyle/>
-              <a:p>
-                <a:r>
-                  <a:rPr lang="en-US">
-                    <a:noFill/>
-                  </a:rPr>
-                  <a:t> </a:t>
-                </a:r>
-              </a:p>
-            </p:txBody>
-          </p:sp>
-        </mc:Fallback>
-      </mc:AlternateContent>
-      <p:sp>
-        <p:nvSpPr>
-          <p:cNvPr id="4" name="Slide Number Placeholder 3">
-            <a:extLst>
-              <a:ext uri="{FF2B5EF4-FFF2-40B4-BE49-F238E27FC236}">
-                <a16:creationId xmlns:a16="http://schemas.microsoft.com/office/drawing/2014/main" id="{D8F9D5B7-045B-46EB-AB3A-EC59EB9DCE62}"/>
-              </a:ext>
-            </a:extLst>
-          </p:cNvPr>
-          <p:cNvSpPr>
-            <a:spLocks noGrp="1"/>
-          </p:cNvSpPr>
-          <p:nvPr>
-            <p:ph type="sldNum" sz="quarter" idx="12"/>
-          </p:nvPr>
-        </p:nvSpPr>
-        <p:spPr/>
-        <p:txBody>
-          <a:bodyPr/>
-          <a:lstStyle/>
-          <a:p>
-            <a:fld id="{629637A9-119A-49DA-BD12-AAC58B377D80}" type="slidenum">
-              <a:rPr lang="en-US" smtClean="0"/>
-              <a:t>9</a:t>
-            </a:fld>
-            <a:endParaRPr lang="en-US" dirty="0"/>
-          </a:p>
-        </p:txBody>
-      </p:sp>
-      <p:pic>
-        <p:nvPicPr>
-          <p:cNvPr id="5" name="Picture 4">
-            <a:extLst>
-              <a:ext uri="{FF2B5EF4-FFF2-40B4-BE49-F238E27FC236}">
-                <a16:creationId xmlns:a16="http://schemas.microsoft.com/office/drawing/2014/main" id="{CB61903C-D786-4BC5-862C-100411AB9888}"/>
-              </a:ext>
-            </a:extLst>
-          </p:cNvPr>
-          <p:cNvPicPr>
-            <a:picLocks noChangeAspect="1"/>
-          </p:cNvPicPr>
-          <p:nvPr/>
-        </p:nvPicPr>
-        <p:blipFill>
-          <a:blip r:embed="rId3"/>
-          <a:stretch>
-            <a:fillRect/>
-          </a:stretch>
-        </p:blipFill>
-        <p:spPr>
-          <a:xfrm>
-            <a:off x="7746594" y="1851127"/>
-            <a:ext cx="3200400" cy="3409950"/>
-          </a:xfrm>
-          <a:prstGeom prst="rect">
-            <a:avLst/>
-          </a:prstGeom>
-        </p:spPr>
-      </p:pic>
-    </p:spTree>
-    <p:extLst>
-      <p:ext uri="{BB962C8B-B14F-4D97-AF65-F5344CB8AC3E}">
-        <p14:creationId xmlns:p14="http://schemas.microsoft.com/office/powerpoint/2010/main" val="63295442"/>
+        <p14:creationId xmlns:p14="http://schemas.microsoft.com/office/powerpoint/2010/main" val="337271186"/>
       </p:ext>
     </p:extLst>
   </p:cSld>

--- a/lectures/Lect05_Lasso.pptx
+++ b/lectures/Lect05_Lasso.pptx
@@ -5,7 +5,7 @@
     <p:sldMasterId id="2147483648" r:id="rId1"/>
   </p:sldMasterIdLst>
   <p:notesMasterIdLst>
-    <p:notesMasterId r:id="rId52"/>
+    <p:notesMasterId r:id="rId54"/>
   </p:notesMasterIdLst>
   <p:sldIdLst>
     <p:sldId id="258" r:id="rId2"/>
@@ -16,14 +16,14 @@
     <p:sldId id="360" r:id="rId7"/>
     <p:sldId id="361" r:id="rId8"/>
     <p:sldId id="399" r:id="rId9"/>
-    <p:sldId id="407" r:id="rId10"/>
+    <p:sldId id="413" r:id="rId10"/>
     <p:sldId id="400" r:id="rId11"/>
     <p:sldId id="402" r:id="rId12"/>
     <p:sldId id="404" r:id="rId13"/>
     <p:sldId id="265" r:id="rId14"/>
     <p:sldId id="403" r:id="rId15"/>
     <p:sldId id="411" r:id="rId16"/>
-    <p:sldId id="408" r:id="rId17"/>
+    <p:sldId id="414" r:id="rId17"/>
     <p:sldId id="364" r:id="rId18"/>
     <p:sldId id="363" r:id="rId19"/>
     <p:sldId id="365" r:id="rId20"/>
@@ -40,12 +40,12 @@
     <p:sldId id="371" r:id="rId31"/>
     <p:sldId id="372" r:id="rId32"/>
     <p:sldId id="393" r:id="rId33"/>
-    <p:sldId id="409" r:id="rId34"/>
+    <p:sldId id="415" r:id="rId34"/>
     <p:sldId id="386" r:id="rId35"/>
     <p:sldId id="373" r:id="rId36"/>
     <p:sldId id="374" r:id="rId37"/>
     <p:sldId id="385" r:id="rId38"/>
-    <p:sldId id="410" r:id="rId39"/>
+    <p:sldId id="416" r:id="rId39"/>
     <p:sldId id="381" r:id="rId40"/>
     <p:sldId id="382" r:id="rId41"/>
     <p:sldId id="396" r:id="rId42"/>
@@ -57,7 +57,9 @@
     <p:sldId id="392" r:id="rId48"/>
     <p:sldId id="397" r:id="rId49"/>
     <p:sldId id="398" r:id="rId50"/>
-    <p:sldId id="412" r:id="rId51"/>
+    <p:sldId id="417" r:id="rId51"/>
+    <p:sldId id="418" r:id="rId52"/>
+    <p:sldId id="412" r:id="rId53"/>
   </p:sldIdLst>
   <p:sldSz cx="12192000" cy="6858000"/>
   <p:notesSz cx="7315200" cy="9601200"/>
@@ -850,7 +852,7 @@
     </p:spTree>
     <p:extLst>
       <p:ext uri="{BB962C8B-B14F-4D97-AF65-F5344CB8AC3E}">
-        <p14:creationId xmlns:p14="http://schemas.microsoft.com/office/powerpoint/2010/main" val="1543703961"/>
+        <p14:creationId xmlns:p14="http://schemas.microsoft.com/office/powerpoint/2010/main" val="3468404257"/>
       </p:ext>
     </p:extLst>
   </p:cSld>
@@ -934,7 +936,7 @@
     </p:spTree>
     <p:extLst>
       <p:ext uri="{BB962C8B-B14F-4D97-AF65-F5344CB8AC3E}">
-        <p14:creationId xmlns:p14="http://schemas.microsoft.com/office/powerpoint/2010/main" val="3011440800"/>
+        <p14:creationId xmlns:p14="http://schemas.microsoft.com/office/powerpoint/2010/main" val="851207911"/>
       </p:ext>
     </p:extLst>
   </p:cSld>
@@ -1018,7 +1020,7 @@
     </p:spTree>
     <p:extLst>
       <p:ext uri="{BB962C8B-B14F-4D97-AF65-F5344CB8AC3E}">
-        <p14:creationId xmlns:p14="http://schemas.microsoft.com/office/powerpoint/2010/main" val="330250365"/>
+        <p14:creationId xmlns:p14="http://schemas.microsoft.com/office/powerpoint/2010/main" val="4042024219"/>
       </p:ext>
     </p:extLst>
   </p:cSld>
@@ -1102,7 +1104,7 @@
     </p:spTree>
     <p:extLst>
       <p:ext uri="{BB962C8B-B14F-4D97-AF65-F5344CB8AC3E}">
-        <p14:creationId xmlns:p14="http://schemas.microsoft.com/office/powerpoint/2010/main" val="500171684"/>
+        <p14:creationId xmlns:p14="http://schemas.microsoft.com/office/powerpoint/2010/main" val="285560295"/>
       </p:ext>
     </p:extLst>
   </p:cSld>
@@ -1178,6 +1180,90 @@
             <a:fld id="{65CF6084-2C3C-4FE7-B181-D16A3429058A}" type="slidenum">
               <a:rPr lang="en-US" smtClean="0"/>
               <a:t>50</a:t>
+            </a:fld>
+            <a:endParaRPr lang="en-US"/>
+          </a:p>
+        </p:txBody>
+      </p:sp>
+    </p:spTree>
+    <p:extLst>
+      <p:ext uri="{BB962C8B-B14F-4D97-AF65-F5344CB8AC3E}">
+        <p14:creationId xmlns:p14="http://schemas.microsoft.com/office/powerpoint/2010/main" val="3912979529"/>
+      </p:ext>
+    </p:extLst>
+  </p:cSld>
+  <p:clrMapOvr>
+    <a:masterClrMapping/>
+  </p:clrMapOvr>
+</p:notes>
+</file>
+
+<file path=ppt/notesSlides/notesSlide9.xml><?xml version="1.0" encoding="utf-8"?>
+<p:notes xmlns:a="http://schemas.openxmlformats.org/drawingml/2006/main" xmlns:r="http://schemas.openxmlformats.org/officeDocument/2006/relationships" xmlns:p="http://schemas.openxmlformats.org/presentationml/2006/main">
+  <p:cSld>
+    <p:spTree>
+      <p:nvGrpSpPr>
+        <p:cNvPr id="1" name=""/>
+        <p:cNvGrpSpPr/>
+        <p:nvPr/>
+      </p:nvGrpSpPr>
+      <p:grpSpPr>
+        <a:xfrm>
+          <a:off x="0" y="0"/>
+          <a:ext cx="0" cy="0"/>
+          <a:chOff x="0" y="0"/>
+          <a:chExt cx="0" cy="0"/>
+        </a:xfrm>
+      </p:grpSpPr>
+      <p:sp>
+        <p:nvSpPr>
+          <p:cNvPr id="2" name="Slide Image Placeholder 1"/>
+          <p:cNvSpPr>
+            <a:spLocks noGrp="1" noRot="1" noChangeAspect="1"/>
+          </p:cNvSpPr>
+          <p:nvPr>
+            <p:ph type="sldImg"/>
+          </p:nvPr>
+        </p:nvSpPr>
+        <p:spPr/>
+      </p:sp>
+      <p:sp>
+        <p:nvSpPr>
+          <p:cNvPr id="3" name="Notes Placeholder 2"/>
+          <p:cNvSpPr>
+            <a:spLocks noGrp="1"/>
+          </p:cNvSpPr>
+          <p:nvPr>
+            <p:ph type="body" idx="1"/>
+          </p:nvPr>
+        </p:nvSpPr>
+        <p:spPr/>
+        <p:txBody>
+          <a:bodyPr/>
+          <a:lstStyle/>
+          <a:p>
+            <a:endParaRPr lang="en-US"/>
+          </a:p>
+        </p:txBody>
+      </p:sp>
+      <p:sp>
+        <p:nvSpPr>
+          <p:cNvPr id="4" name="Slide Number Placeholder 3"/>
+          <p:cNvSpPr>
+            <a:spLocks noGrp="1"/>
+          </p:cNvSpPr>
+          <p:nvPr>
+            <p:ph type="sldNum" sz="quarter" idx="10"/>
+          </p:nvPr>
+        </p:nvSpPr>
+        <p:spPr/>
+        <p:txBody>
+          <a:bodyPr/>
+          <a:lstStyle/>
+          <a:p>
+            <a:fld id="{65CF6084-2C3C-4FE7-B181-D16A3429058A}" type="slidenum">
+              <a:rPr lang="en-US" smtClean="0"/>
+              <a:t>52</a:t>
             </a:fld>
             <a:endParaRPr lang="en-US"/>
           </a:p>
@@ -4862,8 +4948,8 @@
           </a:p>
         </p:txBody>
       </p:sp>
-      <mc:AlternateContent xmlns:mc="http://schemas.openxmlformats.org/markup-compatibility/2006">
-        <mc:Choice xmlns:a14="http://schemas.microsoft.com/office/drawing/2010/main" Requires="a14">
+      <mc:AlternateContent xmlns:mc="http://schemas.openxmlformats.org/markup-compatibility/2006" xmlns:a14="http://schemas.microsoft.com/office/drawing/2010/main">
+        <mc:Choice Requires="a14">
           <p:sp>
             <p:nvSpPr>
               <p:cNvPr id="3" name="Content Placeholder 2">
@@ -5504,7 +5590,7 @@
             </p:txBody>
           </p:sp>
         </mc:Choice>
-        <mc:Fallback>
+        <mc:Fallback xmlns="">
           <p:sp>
             <p:nvSpPr>
               <p:cNvPr id="3" name="Content Placeholder 2">
@@ -5804,8 +5890,8 @@
           </a:p>
         </p:txBody>
       </p:sp>
-      <mc:AlternateContent xmlns:mc="http://schemas.openxmlformats.org/markup-compatibility/2006">
-        <mc:Choice xmlns:a14="http://schemas.microsoft.com/office/drawing/2010/main" Requires="a14">
+      <mc:AlternateContent xmlns:mc="http://schemas.openxmlformats.org/markup-compatibility/2006" xmlns:a14="http://schemas.microsoft.com/office/drawing/2010/main">
+        <mc:Choice Requires="a14">
           <p:sp>
             <p:nvSpPr>
               <p:cNvPr id="3" name="Content Placeholder 2">
@@ -6235,7 +6321,7 @@
             </p:txBody>
           </p:sp>
         </mc:Choice>
-        <mc:Fallback>
+        <mc:Fallback xmlns="">
           <p:sp>
             <p:nvSpPr>
               <p:cNvPr id="3" name="Content Placeholder 2">
@@ -6356,8 +6442,8 @@
           </a:p>
         </p:txBody>
       </p:sp>
-      <mc:AlternateContent xmlns:mc="http://schemas.openxmlformats.org/markup-compatibility/2006">
-        <mc:Choice xmlns:a14="http://schemas.microsoft.com/office/drawing/2010/main" Requires="a14">
+      <mc:AlternateContent xmlns:mc="http://schemas.openxmlformats.org/markup-compatibility/2006" xmlns:a14="http://schemas.microsoft.com/office/drawing/2010/main">
+        <mc:Choice Requires="a14">
           <p:sp>
             <p:nvSpPr>
               <p:cNvPr id="3" name="Content Placeholder 2"/>
@@ -6566,7 +6652,7 @@
             </p:txBody>
           </p:sp>
         </mc:Choice>
-        <mc:Fallback>
+        <mc:Fallback xmlns="">
           <p:sp>
             <p:nvSpPr>
               <p:cNvPr id="3" name="Content Placeholder 2"/>
@@ -6709,8 +6795,8 @@
           </a:p>
         </p:txBody>
       </p:sp>
-      <mc:AlternateContent xmlns:mc="http://schemas.openxmlformats.org/markup-compatibility/2006">
-        <mc:Choice xmlns:a14="http://schemas.microsoft.com/office/drawing/2010/main" Requires="a14">
+      <mc:AlternateContent xmlns:mc="http://schemas.openxmlformats.org/markup-compatibility/2006" xmlns:a14="http://schemas.microsoft.com/office/drawing/2010/main">
+        <mc:Choice Requires="a14">
           <p:sp>
             <p:nvSpPr>
               <p:cNvPr id="3" name="Content Placeholder 2">
@@ -6848,7 +6934,7 @@
             </p:txBody>
           </p:sp>
         </mc:Choice>
-        <mc:Fallback>
+        <mc:Fallback xmlns="">
           <p:sp>
             <p:nvSpPr>
               <p:cNvPr id="3" name="Content Placeholder 2">
@@ -7112,8 +7198,8 @@
           </a:p>
         </p:txBody>
       </p:sp>
-      <mc:AlternateContent xmlns:mc="http://schemas.openxmlformats.org/markup-compatibility/2006">
-        <mc:Choice xmlns:a14="http://schemas.microsoft.com/office/drawing/2010/main" Requires="a14">
+      <mc:AlternateContent xmlns:mc="http://schemas.openxmlformats.org/markup-compatibility/2006" xmlns:a14="http://schemas.microsoft.com/office/drawing/2010/main">
+        <mc:Choice Requires="a14">
           <p:sp>
             <p:nvSpPr>
               <p:cNvPr id="3" name="Content Placeholder 2">
@@ -7276,7 +7362,7 @@
             </p:txBody>
           </p:sp>
         </mc:Choice>
-        <mc:Fallback>
+        <mc:Fallback xmlns="">
           <p:sp>
             <p:nvSpPr>
               <p:cNvPr id="3" name="Content Placeholder 2">
@@ -7468,7 +7554,13 @@
           <a:p>
             <a:r>
               <a:rPr lang="en-US" dirty="0"/>
-              <a:t>Other Model Selection Methods </a:t>
+              <a:t>Other Model Selection Methods</a:t>
+            </a:r>
+          </a:p>
+          <a:p>
+            <a:r>
+              <a:rPr lang="en-US" dirty="0"/>
+              <a:t>In-Class Exercise:  Audio Pitch Detection </a:t>
             </a:r>
           </a:p>
         </p:txBody>
@@ -7504,7 +7596,7 @@
         </p:nvSpPr>
         <p:spPr>
           <a:xfrm>
-            <a:off x="314049" y="2331977"/>
+            <a:off x="277473" y="2356361"/>
             <a:ext cx="978408" cy="484632"/>
           </a:xfrm>
           <a:prstGeom prst="rightArrow">
@@ -7545,7 +7637,7 @@
     </p:spTree>
     <p:extLst>
       <p:ext uri="{BB962C8B-B14F-4D97-AF65-F5344CB8AC3E}">
-        <p14:creationId xmlns:p14="http://schemas.microsoft.com/office/powerpoint/2010/main" val="3638507278"/>
+        <p14:creationId xmlns:p14="http://schemas.microsoft.com/office/powerpoint/2010/main" val="3026055136"/>
       </p:ext>
     </p:extLst>
   </p:cSld>
@@ -8751,8 +8843,8 @@
           </a:p>
         </p:txBody>
       </p:sp>
-      <mc:AlternateContent xmlns:mc="http://schemas.openxmlformats.org/markup-compatibility/2006">
-        <mc:Choice xmlns:a14="http://schemas.microsoft.com/office/drawing/2010/main" Requires="a14">
+      <mc:AlternateContent xmlns:mc="http://schemas.openxmlformats.org/markup-compatibility/2006" xmlns:a14="http://schemas.microsoft.com/office/drawing/2010/main">
+        <mc:Choice Requires="a14">
           <p:sp>
             <p:nvSpPr>
               <p:cNvPr id="3" name="Content Placeholder 2">
@@ -9202,7 +9294,7 @@
             </p:txBody>
           </p:sp>
         </mc:Choice>
-        <mc:Fallback>
+        <mc:Fallback xmlns="">
           <p:sp>
             <p:nvSpPr>
               <p:cNvPr id="3" name="Content Placeholder 2">
@@ -9732,8 +9824,8 @@
           </mc:Fallback>
         </mc:AlternateContent>
       </p:grpSp>
-      <mc:AlternateContent xmlns:mc="http://schemas.openxmlformats.org/markup-compatibility/2006">
-        <mc:Choice xmlns:a14="http://schemas.microsoft.com/office/drawing/2010/main" Requires="a14">
+      <mc:AlternateContent xmlns:mc="http://schemas.openxmlformats.org/markup-compatibility/2006" xmlns:a14="http://schemas.microsoft.com/office/drawing/2010/main">
+        <mc:Choice Requires="a14">
           <p:sp>
             <p:nvSpPr>
               <p:cNvPr id="9" name="TextBox 8">
@@ -9903,7 +9995,7 @@
             </p:txBody>
           </p:sp>
         </mc:Choice>
-        <mc:Fallback>
+        <mc:Fallback xmlns="">
           <p:sp>
             <p:nvSpPr>
               <p:cNvPr id="9" name="TextBox 8">
@@ -10176,8 +10268,8 @@
           </a:p>
         </p:txBody>
       </p:sp>
-      <mc:AlternateContent xmlns:mc="http://schemas.openxmlformats.org/markup-compatibility/2006">
-        <mc:Choice xmlns:a14="http://schemas.microsoft.com/office/drawing/2010/main" Requires="a14">
+      <mc:AlternateContent xmlns:mc="http://schemas.openxmlformats.org/markup-compatibility/2006" xmlns:a14="http://schemas.microsoft.com/office/drawing/2010/main">
+        <mc:Choice Requires="a14">
           <p:sp>
             <p:nvSpPr>
               <p:cNvPr id="3" name="Content Placeholder 2">
@@ -10706,7 +10798,7 @@
             </p:txBody>
           </p:sp>
         </mc:Choice>
-        <mc:Fallback>
+        <mc:Fallback xmlns="">
           <p:sp>
             <p:nvSpPr>
               <p:cNvPr id="3" name="Content Placeholder 2">
@@ -12063,8 +12155,8 @@
           </a:p>
         </p:txBody>
       </p:sp>
-      <mc:AlternateContent xmlns:mc="http://schemas.openxmlformats.org/markup-compatibility/2006">
-        <mc:Choice xmlns:a14="http://schemas.microsoft.com/office/drawing/2010/main" Requires="a14">
+      <mc:AlternateContent xmlns:mc="http://schemas.openxmlformats.org/markup-compatibility/2006" xmlns:a14="http://schemas.microsoft.com/office/drawing/2010/main">
+        <mc:Choice Requires="a14">
           <p:sp>
             <p:nvSpPr>
               <p:cNvPr id="3" name="Content Placeholder 2">
@@ -12588,7 +12680,7 @@
             </p:txBody>
           </p:sp>
         </mc:Choice>
-        <mc:Fallback>
+        <mc:Fallback xmlns="">
           <p:sp>
             <p:nvSpPr>
               <p:cNvPr id="3" name="Content Placeholder 2">
@@ -15044,8 +15136,8 @@
           </a:p>
         </p:txBody>
       </p:sp>
-      <mc:AlternateContent xmlns:mc="http://schemas.openxmlformats.org/markup-compatibility/2006">
-        <mc:Choice xmlns:a14="http://schemas.microsoft.com/office/drawing/2010/main" Requires="a14">
+      <mc:AlternateContent xmlns:mc="http://schemas.openxmlformats.org/markup-compatibility/2006" xmlns:a14="http://schemas.microsoft.com/office/drawing/2010/main">
+        <mc:Choice Requires="a14">
           <p:sp>
             <p:nvSpPr>
               <p:cNvPr id="3" name="Content Placeholder 2">
@@ -15365,7 +15457,7 @@
             </p:txBody>
           </p:sp>
         </mc:Choice>
-        <mc:Fallback>
+        <mc:Fallback xmlns="">
           <p:sp>
             <p:nvSpPr>
               <p:cNvPr id="3" name="Content Placeholder 2">
@@ -15587,7 +15679,13 @@
           <a:p>
             <a:r>
               <a:rPr lang="en-US" dirty="0"/>
-              <a:t>Other Model Selection Methods </a:t>
+              <a:t>Other Model Selection Methods</a:t>
+            </a:r>
+          </a:p>
+          <a:p>
+            <a:r>
+              <a:rPr lang="en-US" dirty="0"/>
+              <a:t>In-Class Exercise:  Audio Pitch Detection </a:t>
             </a:r>
           </a:p>
         </p:txBody>
@@ -15719,8 +15817,8 @@
           </a:p>
         </p:txBody>
       </p:sp>
-      <mc:AlternateContent xmlns:mc="http://schemas.openxmlformats.org/markup-compatibility/2006">
-        <mc:Choice xmlns:a14="http://schemas.microsoft.com/office/drawing/2010/main" Requires="a14">
+      <mc:AlternateContent xmlns:mc="http://schemas.openxmlformats.org/markup-compatibility/2006" xmlns:a14="http://schemas.microsoft.com/office/drawing/2010/main">
+        <mc:Choice Requires="a14">
           <p:sp>
             <p:nvSpPr>
               <p:cNvPr id="3" name="Content Placeholder 2">
@@ -15827,7 +15925,7 @@
             </p:txBody>
           </p:sp>
         </mc:Choice>
-        <mc:Fallback>
+        <mc:Fallback xmlns="">
           <p:sp>
             <p:nvSpPr>
               <p:cNvPr id="3" name="Content Placeholder 2">
@@ -16244,8 +16342,8 @@
           </a:p>
         </p:txBody>
       </p:sp>
-      <mc:AlternateContent xmlns:mc="http://schemas.openxmlformats.org/markup-compatibility/2006">
-        <mc:Choice xmlns:a14="http://schemas.microsoft.com/office/drawing/2010/main" Requires="a14">
+      <mc:AlternateContent xmlns:mc="http://schemas.openxmlformats.org/markup-compatibility/2006" xmlns:a14="http://schemas.microsoft.com/office/drawing/2010/main">
+        <mc:Choice Requires="a14">
           <p:sp>
             <p:nvSpPr>
               <p:cNvPr id="3" name="Content Placeholder 2">
@@ -16339,7 +16437,7 @@
             </p:txBody>
           </p:sp>
         </mc:Choice>
-        <mc:Fallback>
+        <mc:Fallback xmlns="">
           <p:sp>
             <p:nvSpPr>
               <p:cNvPr id="3" name="Content Placeholder 2">
@@ -16501,7 +16599,13 @@
           <a:p>
             <a:r>
               <a:rPr lang="en-US" dirty="0"/>
-              <a:t>Other Model Selection Methods </a:t>
+              <a:t>Other Model Selection Methods</a:t>
+            </a:r>
+          </a:p>
+          <a:p>
+            <a:r>
+              <a:rPr lang="en-US" dirty="0"/>
+              <a:t>In-Class Exercise:  Audio Pitch Detection </a:t>
             </a:r>
           </a:p>
         </p:txBody>
@@ -16537,7 +16641,7 @@
         </p:nvSpPr>
         <p:spPr>
           <a:xfrm>
-            <a:off x="314049" y="2801369"/>
+            <a:off x="271377" y="2776985"/>
             <a:ext cx="978408" cy="484632"/>
           </a:xfrm>
           <a:prstGeom prst="rightArrow">
@@ -16578,7 +16682,7 @@
     </p:spTree>
     <p:extLst>
       <p:ext uri="{BB962C8B-B14F-4D97-AF65-F5344CB8AC3E}">
-        <p14:creationId xmlns:p14="http://schemas.microsoft.com/office/powerpoint/2010/main" val="2622976753"/>
+        <p14:creationId xmlns:p14="http://schemas.microsoft.com/office/powerpoint/2010/main" val="106167147"/>
       </p:ext>
     </p:extLst>
   </p:cSld>
@@ -22260,7 +22364,13 @@
           <a:p>
             <a:r>
               <a:rPr lang="en-US" dirty="0"/>
-              <a:t>Other Model Selection Methods </a:t>
+              <a:t>Other Model Selection Methods</a:t>
+            </a:r>
+          </a:p>
+          <a:p>
+            <a:r>
+              <a:rPr lang="en-US" dirty="0"/>
+              <a:t>In-Class Exercise:  Audio Pitch Detection </a:t>
             </a:r>
           </a:p>
         </p:txBody>
@@ -22296,7 +22406,7 @@
         </p:nvSpPr>
         <p:spPr>
           <a:xfrm>
-            <a:off x="307953" y="3219553"/>
+            <a:off x="271377" y="3270761"/>
             <a:ext cx="978408" cy="484632"/>
           </a:xfrm>
           <a:prstGeom prst="rightArrow">
@@ -22337,7 +22447,7 @@
     </p:spTree>
     <p:extLst>
       <p:ext uri="{BB962C8B-B14F-4D97-AF65-F5344CB8AC3E}">
-        <p14:creationId xmlns:p14="http://schemas.microsoft.com/office/powerpoint/2010/main" val="1079867464"/>
+        <p14:creationId xmlns:p14="http://schemas.microsoft.com/office/powerpoint/2010/main" val="901143867"/>
       </p:ext>
     </p:extLst>
   </p:cSld>
@@ -23970,8 +24080,8 @@
           </a:p>
         </p:txBody>
       </p:sp>
-      <mc:AlternateContent xmlns:mc="http://schemas.openxmlformats.org/markup-compatibility/2006">
-        <mc:Choice xmlns:a14="http://schemas.microsoft.com/office/drawing/2010/main" Requires="a14">
+      <mc:AlternateContent xmlns:mc="http://schemas.openxmlformats.org/markup-compatibility/2006" xmlns:a14="http://schemas.microsoft.com/office/drawing/2010/main">
+        <mc:Choice Requires="a14">
           <p:sp>
             <p:nvSpPr>
               <p:cNvPr id="3" name="Content Placeholder 2">
@@ -24073,7 +24183,7 @@
             </p:txBody>
           </p:sp>
         </mc:Choice>
-        <mc:Fallback>
+        <mc:Fallback xmlns="">
           <p:sp>
             <p:nvSpPr>
               <p:cNvPr id="3" name="Content Placeholder 2">
@@ -25234,7 +25344,7 @@
           <a:p>
             <a:r>
               <a:rPr lang="en-US" dirty="0"/>
-              <a:t>What You Should Know to Do</a:t>
+              <a:t>Outline	</a:t>
             </a:r>
           </a:p>
         </p:txBody>
@@ -25256,81 +25366,38 @@
           <a:p>
             <a:r>
               <a:rPr lang="en-US" dirty="0"/>
-              <a:t>Formulate a linear estimation problem with a regularization</a:t>
+              <a:t>Motivating Example:  Predicting prostate cancer from a PSA test</a:t>
             </a:r>
           </a:p>
           <a:p>
             <a:r>
               <a:rPr lang="en-US" dirty="0"/>
-              <a:t>Compute an L1-regularized estimate (LASSO) using </a:t>
-            </a:r>
-            <a:r>
-              <a:rPr lang="en-US" dirty="0" err="1"/>
-              <a:t>sklearn</a:t>
-            </a:r>
+              <a:t>Model Selection </a:t>
+            </a:r>
+          </a:p>
+          <a:p>
             <a:r>
               <a:rPr lang="en-US" dirty="0"/>
-              <a:t> tools</a:t>
+              <a:t>Model Selection from LASSO regularization</a:t>
             </a:r>
           </a:p>
           <a:p>
             <a:r>
               <a:rPr lang="en-US" dirty="0"/>
-              <a:t>Compute the optimal regularization level using cross validation</a:t>
+              <a:t>Probabilistic interpretation</a:t>
             </a:r>
           </a:p>
           <a:p>
             <a:r>
               <a:rPr lang="en-US" dirty="0"/>
-              <a:t>Interpret results from a LASSO path</a:t>
+              <a:t>Other Model Selection Methods</a:t>
             </a:r>
           </a:p>
           <a:p>
             <a:r>
               <a:rPr lang="en-US" dirty="0"/>
-              <a:t>Determine final regression function from cross validation</a:t>
-            </a:r>
-          </a:p>
-          <a:p>
-            <a:r>
-              <a:rPr lang="en-US" dirty="0"/>
-              <a:t>Set </a:t>
-            </a:r>
-            <a:r>
-              <a:rPr lang="en-US" dirty="0" err="1"/>
-              <a:t>regularizer</a:t>
-            </a:r>
-            <a:r>
-              <a:rPr lang="en-US" dirty="0"/>
-              <a:t> based on a probabilistic prior</a:t>
-            </a:r>
-          </a:p>
-          <a:p>
-            <a:r>
-              <a:rPr lang="en-US" dirty="0"/>
-              <a:t>Perform other feature selection methods</a:t>
-            </a:r>
-          </a:p>
-          <a:p>
-            <a:pPr marL="0" indent="0">
-              <a:buNone/>
-            </a:pPr>
-            <a:endParaRPr lang="en-US" dirty="0"/>
-          </a:p>
-          <a:p>
-            <a:endParaRPr lang="en-US" dirty="0"/>
-          </a:p>
-          <a:p>
-            <a:endParaRPr lang="en-US" dirty="0"/>
-          </a:p>
-          <a:p>
-            <a:endParaRPr lang="en-US" dirty="0"/>
-          </a:p>
-          <a:p>
-            <a:endParaRPr lang="en-US" dirty="0"/>
-          </a:p>
-          <a:p>
-            <a:endParaRPr lang="en-US" dirty="0"/>
+              <a:t>In-Class Exercise:  Audio Pitch Detection </a:t>
+            </a:r>
           </a:p>
         </p:txBody>
       </p:sp>
@@ -25352,6 +25419,378 @@
             <a:fld id="{629637A9-119A-49DA-BD12-AAC58B377D80}" type="slidenum">
               <a:rPr lang="en-US" smtClean="0"/>
               <a:t>50</a:t>
+            </a:fld>
+            <a:endParaRPr lang="en-US" dirty="0"/>
+          </a:p>
+        </p:txBody>
+      </p:sp>
+      <p:sp>
+        <p:nvSpPr>
+          <p:cNvPr id="5" name="Arrow: Right 4"/>
+          <p:cNvSpPr/>
+          <p:nvPr/>
+        </p:nvSpPr>
+        <p:spPr>
+          <a:xfrm>
+            <a:off x="259185" y="3704185"/>
+            <a:ext cx="978408" cy="484632"/>
+          </a:xfrm>
+          <a:prstGeom prst="rightArrow">
+            <a:avLst/>
+          </a:prstGeom>
+          <a:solidFill>
+            <a:schemeClr val="accent1">
+              <a:lumMod val="60000"/>
+              <a:lumOff val="40000"/>
+            </a:schemeClr>
+          </a:solidFill>
+        </p:spPr>
+        <p:style>
+          <a:lnRef idx="2">
+            <a:schemeClr val="accent1">
+              <a:shade val="50000"/>
+            </a:schemeClr>
+          </a:lnRef>
+          <a:fillRef idx="1">
+            <a:schemeClr val="accent1"/>
+          </a:fillRef>
+          <a:effectRef idx="0">
+            <a:schemeClr val="accent1"/>
+          </a:effectRef>
+          <a:fontRef idx="minor">
+            <a:schemeClr val="lt1"/>
+          </a:fontRef>
+        </p:style>
+        <p:txBody>
+          <a:bodyPr rtlCol="0" anchor="ctr"/>
+          <a:lstStyle/>
+          <a:p>
+            <a:pPr algn="ctr"/>
+            <a:endParaRPr lang="en-US"/>
+          </a:p>
+        </p:txBody>
+      </p:sp>
+    </p:spTree>
+    <p:extLst>
+      <p:ext uri="{BB962C8B-B14F-4D97-AF65-F5344CB8AC3E}">
+        <p14:creationId xmlns:p14="http://schemas.microsoft.com/office/powerpoint/2010/main" val="4128388545"/>
+      </p:ext>
+    </p:extLst>
+  </p:cSld>
+  <p:clrMapOvr>
+    <a:masterClrMapping/>
+  </p:clrMapOvr>
+</p:sld>
+</file>
+
+<file path=ppt/slides/slide51.xml><?xml version="1.0" encoding="utf-8"?>
+<p:sld xmlns:a="http://schemas.openxmlformats.org/drawingml/2006/main" xmlns:r="http://schemas.openxmlformats.org/officeDocument/2006/relationships" xmlns:p="http://schemas.openxmlformats.org/presentationml/2006/main">
+  <p:cSld>
+    <p:spTree>
+      <p:nvGrpSpPr>
+        <p:cNvPr id="1" name=""/>
+        <p:cNvGrpSpPr/>
+        <p:nvPr/>
+      </p:nvGrpSpPr>
+      <p:grpSpPr>
+        <a:xfrm>
+          <a:off x="0" y="0"/>
+          <a:ext cx="0" cy="0"/>
+          <a:chOff x="0" y="0"/>
+          <a:chExt cx="0" cy="0"/>
+        </a:xfrm>
+      </p:grpSpPr>
+      <p:sp>
+        <p:nvSpPr>
+          <p:cNvPr id="2" name="Title 1">
+            <a:extLst>
+              <a:ext uri="{FF2B5EF4-FFF2-40B4-BE49-F238E27FC236}">
+                <a16:creationId xmlns:a16="http://schemas.microsoft.com/office/drawing/2014/main" id="{0F95548F-7B12-4082-A122-C4448CD30CFB}"/>
+              </a:ext>
+            </a:extLst>
+          </p:cNvPr>
+          <p:cNvSpPr>
+            <a:spLocks noGrp="1"/>
+          </p:cNvSpPr>
+          <p:nvPr>
+            <p:ph type="title"/>
+          </p:nvPr>
+        </p:nvSpPr>
+        <p:spPr/>
+        <p:txBody>
+          <a:bodyPr/>
+          <a:lstStyle/>
+          <a:p>
+            <a:r>
+              <a:rPr lang="en-US" dirty="0"/>
+              <a:t>In Class Exercise</a:t>
+            </a:r>
+          </a:p>
+        </p:txBody>
+      </p:sp>
+      <p:sp>
+        <p:nvSpPr>
+          <p:cNvPr id="3" name="Content Placeholder 2">
+            <a:extLst>
+              <a:ext uri="{FF2B5EF4-FFF2-40B4-BE49-F238E27FC236}">
+                <a16:creationId xmlns:a16="http://schemas.microsoft.com/office/drawing/2014/main" id="{931C2E9E-7782-41BC-90A1-B179EC1BD1A5}"/>
+              </a:ext>
+            </a:extLst>
+          </p:cNvPr>
+          <p:cNvSpPr>
+            <a:spLocks noGrp="1"/>
+          </p:cNvSpPr>
+          <p:nvPr>
+            <p:ph idx="1"/>
+          </p:nvPr>
+        </p:nvSpPr>
+        <p:spPr>
+          <a:xfrm>
+            <a:off x="1097280" y="1539277"/>
+            <a:ext cx="10058400" cy="740627"/>
+          </a:xfrm>
+        </p:spPr>
+        <p:txBody>
+          <a:bodyPr/>
+          <a:lstStyle/>
+          <a:p>
+            <a:r>
+              <a:rPr lang="en-US" dirty="0">
+                <a:hlinkClick r:id="rId2"/>
+              </a:rPr>
+              <a:t>https://github.com/sdrangan/introml/blob/master/unit05_lasso/lasso_in_class.ipynb</a:t>
+            </a:r>
+            <a:endParaRPr lang="en-US" dirty="0"/>
+          </a:p>
+          <a:p>
+            <a:endParaRPr lang="en-US" dirty="0"/>
+          </a:p>
+        </p:txBody>
+      </p:sp>
+      <p:sp>
+        <p:nvSpPr>
+          <p:cNvPr id="4" name="Slide Number Placeholder 3">
+            <a:extLst>
+              <a:ext uri="{FF2B5EF4-FFF2-40B4-BE49-F238E27FC236}">
+                <a16:creationId xmlns:a16="http://schemas.microsoft.com/office/drawing/2014/main" id="{BE9630EA-BAD9-4628-BB33-03B4F3848F28}"/>
+              </a:ext>
+            </a:extLst>
+          </p:cNvPr>
+          <p:cNvSpPr>
+            <a:spLocks noGrp="1"/>
+          </p:cNvSpPr>
+          <p:nvPr>
+            <p:ph type="sldNum" sz="quarter" idx="12"/>
+          </p:nvPr>
+        </p:nvSpPr>
+        <p:spPr/>
+        <p:txBody>
+          <a:bodyPr/>
+          <a:lstStyle/>
+          <a:p>
+            <a:fld id="{629637A9-119A-49DA-BD12-AAC58B377D80}" type="slidenum">
+              <a:rPr lang="en-US" smtClean="0"/>
+              <a:t>51</a:t>
+            </a:fld>
+            <a:endParaRPr lang="en-US" dirty="0"/>
+          </a:p>
+        </p:txBody>
+      </p:sp>
+      <p:pic>
+        <p:nvPicPr>
+          <p:cNvPr id="6" name="Picture 5">
+            <a:extLst>
+              <a:ext uri="{FF2B5EF4-FFF2-40B4-BE49-F238E27FC236}">
+                <a16:creationId xmlns:a16="http://schemas.microsoft.com/office/drawing/2014/main" id="{BA3A6BA7-1258-482C-A416-2D730178AF42}"/>
+              </a:ext>
+            </a:extLst>
+          </p:cNvPr>
+          <p:cNvPicPr>
+            <a:picLocks noChangeAspect="1"/>
+          </p:cNvPicPr>
+          <p:nvPr/>
+        </p:nvPicPr>
+        <p:blipFill>
+          <a:blip r:embed="rId3"/>
+          <a:stretch>
+            <a:fillRect/>
+          </a:stretch>
+        </p:blipFill>
+        <p:spPr>
+          <a:xfrm>
+            <a:off x="1036320" y="2081212"/>
+            <a:ext cx="7762875" cy="3990975"/>
+          </a:xfrm>
+          <a:prstGeom prst="rect">
+            <a:avLst/>
+          </a:prstGeom>
+        </p:spPr>
+      </p:pic>
+    </p:spTree>
+    <p:extLst>
+      <p:ext uri="{BB962C8B-B14F-4D97-AF65-F5344CB8AC3E}">
+        <p14:creationId xmlns:p14="http://schemas.microsoft.com/office/powerpoint/2010/main" val="2011892382"/>
+      </p:ext>
+    </p:extLst>
+  </p:cSld>
+  <p:clrMapOvr>
+    <a:masterClrMapping/>
+  </p:clrMapOvr>
+</p:sld>
+</file>
+
+<file path=ppt/slides/slide52.xml><?xml version="1.0" encoding="utf-8"?>
+<p:sld xmlns:a="http://schemas.openxmlformats.org/drawingml/2006/main" xmlns:r="http://schemas.openxmlformats.org/officeDocument/2006/relationships" xmlns:p="http://schemas.openxmlformats.org/presentationml/2006/main">
+  <p:cSld>
+    <p:spTree>
+      <p:nvGrpSpPr>
+        <p:cNvPr id="1" name=""/>
+        <p:cNvGrpSpPr/>
+        <p:nvPr/>
+      </p:nvGrpSpPr>
+      <p:grpSpPr>
+        <a:xfrm>
+          <a:off x="0" y="0"/>
+          <a:ext cx="0" cy="0"/>
+          <a:chOff x="0" y="0"/>
+          <a:chExt cx="0" cy="0"/>
+        </a:xfrm>
+      </p:grpSpPr>
+      <p:sp>
+        <p:nvSpPr>
+          <p:cNvPr id="2" name="Title 1"/>
+          <p:cNvSpPr>
+            <a:spLocks noGrp="1"/>
+          </p:cNvSpPr>
+          <p:nvPr>
+            <p:ph type="title"/>
+          </p:nvPr>
+        </p:nvSpPr>
+        <p:spPr/>
+        <p:txBody>
+          <a:bodyPr/>
+          <a:lstStyle/>
+          <a:p>
+            <a:r>
+              <a:rPr lang="en-US" dirty="0"/>
+              <a:t>What You Should Know to Do</a:t>
+            </a:r>
+          </a:p>
+        </p:txBody>
+      </p:sp>
+      <p:sp>
+        <p:nvSpPr>
+          <p:cNvPr id="3" name="Content Placeholder 2"/>
+          <p:cNvSpPr>
+            <a:spLocks noGrp="1"/>
+          </p:cNvSpPr>
+          <p:nvPr>
+            <p:ph idx="1"/>
+          </p:nvPr>
+        </p:nvSpPr>
+        <p:spPr/>
+        <p:txBody>
+          <a:bodyPr/>
+          <a:lstStyle/>
+          <a:p>
+            <a:r>
+              <a:rPr lang="en-US" dirty="0"/>
+              <a:t>Formulate a linear estimation problem with a regularization</a:t>
+            </a:r>
+          </a:p>
+          <a:p>
+            <a:r>
+              <a:rPr lang="en-US" dirty="0"/>
+              <a:t>Compute an L1-regularized estimate (LASSO) using </a:t>
+            </a:r>
+            <a:r>
+              <a:rPr lang="en-US" dirty="0" err="1"/>
+              <a:t>sklearn</a:t>
+            </a:r>
+            <a:r>
+              <a:rPr lang="en-US" dirty="0"/>
+              <a:t> tools</a:t>
+            </a:r>
+          </a:p>
+          <a:p>
+            <a:r>
+              <a:rPr lang="en-US" dirty="0"/>
+              <a:t>Compute the optimal regularization level using cross validation</a:t>
+            </a:r>
+          </a:p>
+          <a:p>
+            <a:r>
+              <a:rPr lang="en-US" dirty="0"/>
+              <a:t>Interpret results from a LASSO path</a:t>
+            </a:r>
+          </a:p>
+          <a:p>
+            <a:r>
+              <a:rPr lang="en-US" dirty="0"/>
+              <a:t>Determine final regression function from cross validation</a:t>
+            </a:r>
+          </a:p>
+          <a:p>
+            <a:r>
+              <a:rPr lang="en-US" dirty="0"/>
+              <a:t>Set </a:t>
+            </a:r>
+            <a:r>
+              <a:rPr lang="en-US" dirty="0" err="1"/>
+              <a:t>regularizer</a:t>
+            </a:r>
+            <a:r>
+              <a:rPr lang="en-US" dirty="0"/>
+              <a:t> based on a probabilistic prior</a:t>
+            </a:r>
+          </a:p>
+          <a:p>
+            <a:r>
+              <a:rPr lang="en-US" dirty="0"/>
+              <a:t>Perform other feature selection methods</a:t>
+            </a:r>
+          </a:p>
+          <a:p>
+            <a:pPr marL="0" indent="0">
+              <a:buNone/>
+            </a:pPr>
+            <a:endParaRPr lang="en-US" dirty="0"/>
+          </a:p>
+          <a:p>
+            <a:endParaRPr lang="en-US" dirty="0"/>
+          </a:p>
+          <a:p>
+            <a:endParaRPr lang="en-US" dirty="0"/>
+          </a:p>
+          <a:p>
+            <a:endParaRPr lang="en-US" dirty="0"/>
+          </a:p>
+          <a:p>
+            <a:endParaRPr lang="en-US" dirty="0"/>
+          </a:p>
+          <a:p>
+            <a:endParaRPr lang="en-US" dirty="0"/>
+          </a:p>
+        </p:txBody>
+      </p:sp>
+      <p:sp>
+        <p:nvSpPr>
+          <p:cNvPr id="4" name="Slide Number Placeholder 3"/>
+          <p:cNvSpPr>
+            <a:spLocks noGrp="1"/>
+          </p:cNvSpPr>
+          <p:nvPr>
+            <p:ph type="sldNum" sz="quarter" idx="12"/>
+          </p:nvPr>
+        </p:nvSpPr>
+        <p:spPr/>
+        <p:txBody>
+          <a:bodyPr/>
+          <a:lstStyle/>
+          <a:p>
+            <a:fld id="{629637A9-119A-49DA-BD12-AAC58B377D80}" type="slidenum">
+              <a:rPr lang="en-US" smtClean="0"/>
+              <a:t>52</a:t>
             </a:fld>
             <a:endParaRPr lang="en-US" dirty="0"/>
           </a:p>
@@ -26029,8 +26468,8 @@
           </a:p>
         </p:txBody>
       </p:sp>
-      <mc:AlternateContent xmlns:mc="http://schemas.openxmlformats.org/markup-compatibility/2006">
-        <mc:Choice xmlns:a14="http://schemas.microsoft.com/office/drawing/2010/main" Requires="a14">
+      <mc:AlternateContent xmlns:mc="http://schemas.openxmlformats.org/markup-compatibility/2006" xmlns:a14="http://schemas.microsoft.com/office/drawing/2010/main">
+        <mc:Choice Requires="a14">
           <p:sp>
             <p:nvSpPr>
               <p:cNvPr id="3" name="Content Placeholder 2">
@@ -26119,7 +26558,7 @@
             </p:txBody>
           </p:sp>
         </mc:Choice>
-        <mc:Fallback>
+        <mc:Fallback xmlns="">
           <p:sp>
             <p:nvSpPr>
               <p:cNvPr id="3" name="Content Placeholder 2">
@@ -26306,8 +26745,8 @@
           </a:p>
         </p:txBody>
       </p:sp>
-      <mc:AlternateContent xmlns:mc="http://schemas.openxmlformats.org/markup-compatibility/2006">
-        <mc:Choice xmlns:a14="http://schemas.microsoft.com/office/drawing/2010/main" Requires="a14">
+      <mc:AlternateContent xmlns:mc="http://schemas.openxmlformats.org/markup-compatibility/2006" xmlns:a14="http://schemas.microsoft.com/office/drawing/2010/main">
+        <mc:Choice Requires="a14">
           <p:sp>
             <p:nvSpPr>
               <p:cNvPr id="3" name="Content Placeholder 2">
@@ -26609,7 +27048,7 @@
             </p:txBody>
           </p:sp>
         </mc:Choice>
-        <mc:Fallback>
+        <mc:Fallback xmlns="">
           <p:sp>
             <p:nvSpPr>
               <p:cNvPr id="3" name="Content Placeholder 2">
@@ -26865,7 +27304,13 @@
           <a:p>
             <a:r>
               <a:rPr lang="en-US" dirty="0"/>
-              <a:t>Other Model Selection Methods </a:t>
+              <a:t>Other Model Selection Methods</a:t>
+            </a:r>
+          </a:p>
+          <a:p>
+            <a:r>
+              <a:rPr lang="en-US" dirty="0"/>
+              <a:t>In-Class Exercise:  Audio Pitch Detection </a:t>
             </a:r>
           </a:p>
         </p:txBody>
@@ -26901,7 +27346,7 @@
         </p:nvSpPr>
         <p:spPr>
           <a:xfrm>
-            <a:off x="314049" y="1911353"/>
+            <a:off x="283569" y="1880873"/>
             <a:ext cx="978408" cy="484632"/>
           </a:xfrm>
           <a:prstGeom prst="rightArrow">
@@ -26942,7 +27387,7 @@
     </p:spTree>
     <p:extLst>
       <p:ext uri="{BB962C8B-B14F-4D97-AF65-F5344CB8AC3E}">
-        <p14:creationId xmlns:p14="http://schemas.microsoft.com/office/powerpoint/2010/main" val="337271186"/>
+        <p14:creationId xmlns:p14="http://schemas.microsoft.com/office/powerpoint/2010/main" val="935259536"/>
       </p:ext>
     </p:extLst>
   </p:cSld>

--- a/lectures/Lect05_Lasso.pptx
+++ b/lectures/Lect05_Lasso.pptx
@@ -175,6 +175,34 @@
     </p:ext>
   </p:extLst>
 </p:presentation>
+</file>
+
+<file path=ppt/ink/ink1.xml><?xml version="1.0" encoding="utf-8"?>
+<inkml:ink xmlns:inkml="http://www.w3.org/2003/InkML">
+  <inkml:definitions>
+    <inkml:context xml:id="ctx0">
+      <inkml:inkSource xml:id="inkSrc0">
+        <inkml:traceFormat>
+          <inkml:channel name="X" type="integer" min="-2.14748E9" max="2.14748E9" units="cm"/>
+          <inkml:channel name="Y" type="integer" min="-2.14748E9" max="2.14748E9" units="cm"/>
+          <inkml:channel name="F" type="integer" max="32767" units="dev"/>
+        </inkml:traceFormat>
+        <inkml:channelProperties>
+          <inkml:channelProperty channel="X" name="resolution" value="1000" units="1/cm"/>
+          <inkml:channelProperty channel="Y" name="resolution" value="1000" units="1/cm"/>
+          <inkml:channelProperty channel="F" name="resolution" value="0" units="1/dev"/>
+        </inkml:channelProperties>
+      </inkml:inkSource>
+      <inkml:timestamp xml:id="ts0" timeString="2019-02-13T00:09:41.562"/>
+    </inkml:context>
+    <inkml:brush xml:id="br0">
+      <inkml:brushProperty name="width" value="0.05" units="cm"/>
+      <inkml:brushProperty name="height" value="0.05" units="cm"/>
+      <inkml:brushProperty name="color" value="#333333"/>
+    </inkml:brush>
+  </inkml:definitions>
+  <inkml:trace contextRef="#ctx0" brushRef="#br0">1 2 12443,'3'-2'3528,"7"6"-3928</inkml:trace>
+</inkml:ink>
 </file>
 
 <file path=ppt/notesMasters/notesMaster1.xml><?xml version="1.0" encoding="utf-8"?>
@@ -11882,6 +11910,57 @@
           </a:p>
         </p:txBody>
       </p:sp>
+      <mc:AlternateContent xmlns:mc="http://schemas.openxmlformats.org/markup-compatibility/2006">
+        <mc:Choice xmlns:p14="http://schemas.microsoft.com/office/powerpoint/2010/main" Requires="p14">
+          <p:contentPart p14:bwMode="auto" r:id="rId3">
+            <p14:nvContentPartPr>
+              <p14:cNvPr id="5" name="Ink 4">
+                <a:extLst>
+                  <a:ext uri="{FF2B5EF4-FFF2-40B4-BE49-F238E27FC236}">
+                    <a16:creationId xmlns:a16="http://schemas.microsoft.com/office/drawing/2014/main" id="{1A23AB6E-60A2-4A61-B482-D4CE8793CAD0}"/>
+                  </a:ext>
+                </a:extLst>
+              </p14:cNvPr>
+              <p14:cNvContentPartPr/>
+              <p14:nvPr/>
+            </p14:nvContentPartPr>
+            <p14:xfrm>
+              <a:off x="11436925" y="705419"/>
+              <a:ext cx="5040" cy="1440"/>
+            </p14:xfrm>
+          </p:contentPart>
+        </mc:Choice>
+        <mc:Fallback>
+          <p:pic>
+            <p:nvPicPr>
+              <p:cNvPr id="5" name="Ink 4">
+                <a:extLst>
+                  <a:ext uri="{FF2B5EF4-FFF2-40B4-BE49-F238E27FC236}">
+                    <a16:creationId xmlns:a16="http://schemas.microsoft.com/office/drawing/2014/main" id="{1A23AB6E-60A2-4A61-B482-D4CE8793CAD0}"/>
+                  </a:ext>
+                </a:extLst>
+              </p:cNvPr>
+              <p:cNvPicPr/>
+              <p:nvPr/>
+            </p:nvPicPr>
+            <p:blipFill>
+              <a:blip r:embed="rId4"/>
+              <a:stretch>
+                <a:fillRect/>
+              </a:stretch>
+            </p:blipFill>
+            <p:spPr>
+              <a:xfrm>
+                <a:off x="11428285" y="696419"/>
+                <a:ext cx="22680" cy="19080"/>
+              </a:xfrm>
+              <a:prstGeom prst="rect">
+                <a:avLst/>
+              </a:prstGeom>
+            </p:spPr>
+          </p:pic>
+        </mc:Fallback>
+      </mc:AlternateContent>
     </p:spTree>
     <p:extLst>
       <p:ext uri="{BB962C8B-B14F-4D97-AF65-F5344CB8AC3E}">
